--- a/Presentations/Marketing/Event-Marketing-Slide.pptx
+++ b/Presentations/Marketing/Event-Marketing-Slide.pptx
@@ -6,10 +6,13 @@
   </p:sldMasterIdLst>
   <p:sldIdLst>
     <p:sldId id="256" r:id="rId2"/>
-    <p:sldId id="257" r:id="rId3"/>
-    <p:sldId id="258" r:id="rId4"/>
-    <p:sldId id="260" r:id="rId5"/>
-    <p:sldId id="259" r:id="rId6"/>
+    <p:sldId id="261" r:id="rId3"/>
+    <p:sldId id="262" r:id="rId4"/>
+    <p:sldId id="263" r:id="rId5"/>
+    <p:sldId id="264" r:id="rId6"/>
+    <p:sldId id="260" r:id="rId7"/>
+    <p:sldId id="257" r:id="rId8"/>
+    <p:sldId id="259" r:id="rId9"/>
   </p:sldIdLst>
   <p:sldSz cx="12192000" cy="6858000"/>
   <p:notesSz cx="6858000" cy="9144000"/>
@@ -273,7 +276,7 @@
           <a:p>
             <a:fld id="{DBE5D562-D135-4DC1-937A-9AB2B9CC6D76}" type="datetimeFigureOut">
               <a:rPr lang="en-IN" smtClean="0"/>
-              <a:t>17-10-2018</a:t>
+              <a:t>19-10-2018</a:t>
             </a:fld>
             <a:endParaRPr lang="en-IN"/>
           </a:p>
@@ -473,7 +476,7 @@
           <a:p>
             <a:fld id="{DBE5D562-D135-4DC1-937A-9AB2B9CC6D76}" type="datetimeFigureOut">
               <a:rPr lang="en-IN" smtClean="0"/>
-              <a:t>17-10-2018</a:t>
+              <a:t>19-10-2018</a:t>
             </a:fld>
             <a:endParaRPr lang="en-IN"/>
           </a:p>
@@ -683,7 +686,7 @@
           <a:p>
             <a:fld id="{DBE5D562-D135-4DC1-937A-9AB2B9CC6D76}" type="datetimeFigureOut">
               <a:rPr lang="en-IN" smtClean="0"/>
-              <a:t>17-10-2018</a:t>
+              <a:t>19-10-2018</a:t>
             </a:fld>
             <a:endParaRPr lang="en-IN"/>
           </a:p>
@@ -883,7 +886,7 @@
           <a:p>
             <a:fld id="{DBE5D562-D135-4DC1-937A-9AB2B9CC6D76}" type="datetimeFigureOut">
               <a:rPr lang="en-IN" smtClean="0"/>
-              <a:t>17-10-2018</a:t>
+              <a:t>19-10-2018</a:t>
             </a:fld>
             <a:endParaRPr lang="en-IN"/>
           </a:p>
@@ -1159,7 +1162,7 @@
           <a:p>
             <a:fld id="{DBE5D562-D135-4DC1-937A-9AB2B9CC6D76}" type="datetimeFigureOut">
               <a:rPr lang="en-IN" smtClean="0"/>
-              <a:t>17-10-2018</a:t>
+              <a:t>19-10-2018</a:t>
             </a:fld>
             <a:endParaRPr lang="en-IN"/>
           </a:p>
@@ -1427,7 +1430,7 @@
           <a:p>
             <a:fld id="{DBE5D562-D135-4DC1-937A-9AB2B9CC6D76}" type="datetimeFigureOut">
               <a:rPr lang="en-IN" smtClean="0"/>
-              <a:t>17-10-2018</a:t>
+              <a:t>19-10-2018</a:t>
             </a:fld>
             <a:endParaRPr lang="en-IN"/>
           </a:p>
@@ -1842,7 +1845,7 @@
           <a:p>
             <a:fld id="{DBE5D562-D135-4DC1-937A-9AB2B9CC6D76}" type="datetimeFigureOut">
               <a:rPr lang="en-IN" smtClean="0"/>
-              <a:t>17-10-2018</a:t>
+              <a:t>19-10-2018</a:t>
             </a:fld>
             <a:endParaRPr lang="en-IN"/>
           </a:p>
@@ -1984,7 +1987,7 @@
           <a:p>
             <a:fld id="{DBE5D562-D135-4DC1-937A-9AB2B9CC6D76}" type="datetimeFigureOut">
               <a:rPr lang="en-IN" smtClean="0"/>
-              <a:t>17-10-2018</a:t>
+              <a:t>19-10-2018</a:t>
             </a:fld>
             <a:endParaRPr lang="en-IN"/>
           </a:p>
@@ -2097,7 +2100,7 @@
           <a:p>
             <a:fld id="{DBE5D562-D135-4DC1-937A-9AB2B9CC6D76}" type="datetimeFigureOut">
               <a:rPr lang="en-IN" smtClean="0"/>
-              <a:t>17-10-2018</a:t>
+              <a:t>19-10-2018</a:t>
             </a:fld>
             <a:endParaRPr lang="en-IN"/>
           </a:p>
@@ -2410,7 +2413,7 @@
           <a:p>
             <a:fld id="{DBE5D562-D135-4DC1-937A-9AB2B9CC6D76}" type="datetimeFigureOut">
               <a:rPr lang="en-IN" smtClean="0"/>
-              <a:t>17-10-2018</a:t>
+              <a:t>19-10-2018</a:t>
             </a:fld>
             <a:endParaRPr lang="en-IN"/>
           </a:p>
@@ -2699,7 +2702,7 @@
           <a:p>
             <a:fld id="{DBE5D562-D135-4DC1-937A-9AB2B9CC6D76}" type="datetimeFigureOut">
               <a:rPr lang="en-IN" smtClean="0"/>
-              <a:t>17-10-2018</a:t>
+              <a:t>19-10-2018</a:t>
             </a:fld>
             <a:endParaRPr lang="en-IN"/>
           </a:p>
@@ -2942,7 +2945,7 @@
           <a:p>
             <a:fld id="{DBE5D562-D135-4DC1-937A-9AB2B9CC6D76}" type="datetimeFigureOut">
               <a:rPr lang="en-IN" smtClean="0"/>
-              <a:t>17-10-2018</a:t>
+              <a:t>19-10-2018</a:t>
             </a:fld>
             <a:endParaRPr lang="en-IN"/>
           </a:p>
@@ -3756,7 +3759,7 @@
         <p:spPr>
           <a:xfrm>
             <a:off x="9438838" y="4804249"/>
-            <a:ext cx="1668011" cy="369332"/>
+            <a:ext cx="2171174" cy="369332"/>
           </a:xfrm>
           <a:prstGeom prst="rect">
             <a:avLst/>
@@ -4507,10 +4510,1161 @@
           <a:chExt cx="0" cy="0"/>
         </a:xfrm>
       </p:grpSpPr>
+      <p:sp>
+        <p:nvSpPr>
+          <p:cNvPr id="2" name="Rectangle 1">
+            <a:extLst>
+              <a:ext uri="{FF2B5EF4-FFF2-40B4-BE49-F238E27FC236}">
+                <a16:creationId xmlns:a16="http://schemas.microsoft.com/office/drawing/2014/main" id="{655D0239-2CE4-4BEA-B25A-99A3E72F15A7}"/>
+              </a:ext>
+            </a:extLst>
+          </p:cNvPr>
+          <p:cNvSpPr/>
+          <p:nvPr/>
+        </p:nvSpPr>
+        <p:spPr>
+          <a:xfrm>
+            <a:off x="179199" y="161488"/>
+            <a:ext cx="11833602" cy="6535024"/>
+          </a:xfrm>
+          <a:prstGeom prst="rect">
+            <a:avLst/>
+          </a:prstGeom>
+          <a:noFill/>
+          <a:ln w="12700">
+            <a:solidFill>
+              <a:schemeClr val="tx1">
+                <a:lumMod val="65000"/>
+                <a:lumOff val="35000"/>
+              </a:schemeClr>
+            </a:solidFill>
+          </a:ln>
+        </p:spPr>
+        <p:style>
+          <a:lnRef idx="2">
+            <a:schemeClr val="accent1">
+              <a:shade val="50000"/>
+            </a:schemeClr>
+          </a:lnRef>
+          <a:fillRef idx="1">
+            <a:schemeClr val="accent1"/>
+          </a:fillRef>
+          <a:effectRef idx="0">
+            <a:schemeClr val="accent1"/>
+          </a:effectRef>
+          <a:fontRef idx="minor">
+            <a:schemeClr val="lt1"/>
+          </a:fontRef>
+        </p:style>
+        <p:txBody>
+          <a:bodyPr rtlCol="0" anchor="ctr"/>
+          <a:lstStyle/>
+          <a:p>
+            <a:pPr algn="ctr"/>
+            <a:endParaRPr lang="en-US"/>
+          </a:p>
+        </p:txBody>
+      </p:sp>
+      <p:pic>
+        <p:nvPicPr>
+          <p:cNvPr id="6" name="Picture 5">
+            <a:extLst>
+              <a:ext uri="{FF2B5EF4-FFF2-40B4-BE49-F238E27FC236}">
+                <a16:creationId xmlns:a16="http://schemas.microsoft.com/office/drawing/2014/main" id="{84974FFD-941E-471D-973D-C316B2DC5257}"/>
+              </a:ext>
+            </a:extLst>
+          </p:cNvPr>
+          <p:cNvPicPr>
+            <a:picLocks noChangeAspect="1"/>
+          </p:cNvPicPr>
+          <p:nvPr/>
+        </p:nvPicPr>
+        <p:blipFill>
+          <a:blip r:embed="rId2">
+            <a:extLst>
+              <a:ext uri="{28A0092B-C50C-407E-A947-70E740481C1C}">
+                <a14:useLocalDpi xmlns:a14="http://schemas.microsoft.com/office/drawing/2010/main" val="0"/>
+              </a:ext>
+            </a:extLst>
+          </a:blip>
+          <a:stretch>
+            <a:fillRect/>
+          </a:stretch>
+        </p:blipFill>
+        <p:spPr>
+          <a:xfrm>
+            <a:off x="2436653" y="683703"/>
+            <a:ext cx="6346621" cy="1708706"/>
+          </a:xfrm>
+          <a:prstGeom prst="rect">
+            <a:avLst/>
+          </a:prstGeom>
+        </p:spPr>
+      </p:pic>
+      <p:sp>
+        <p:nvSpPr>
+          <p:cNvPr id="4" name="Rectangle 3">
+            <a:extLst>
+              <a:ext uri="{FF2B5EF4-FFF2-40B4-BE49-F238E27FC236}">
+                <a16:creationId xmlns:a16="http://schemas.microsoft.com/office/drawing/2014/main" id="{F24AE978-AB1C-4882-9984-C3C53C2697D1}"/>
+              </a:ext>
+            </a:extLst>
+          </p:cNvPr>
+          <p:cNvSpPr/>
+          <p:nvPr/>
+        </p:nvSpPr>
+        <p:spPr>
+          <a:xfrm>
+            <a:off x="385894" y="2088859"/>
+            <a:ext cx="11425805" cy="4488110"/>
+          </a:xfrm>
+          <a:prstGeom prst="rect">
+            <a:avLst/>
+          </a:prstGeom>
+          <a:solidFill>
+            <a:schemeClr val="tx1">
+              <a:lumMod val="85000"/>
+              <a:lumOff val="15000"/>
+            </a:schemeClr>
+          </a:solidFill>
+          <a:ln>
+            <a:noFill/>
+          </a:ln>
+        </p:spPr>
+        <p:style>
+          <a:lnRef idx="2">
+            <a:schemeClr val="accent1">
+              <a:shade val="50000"/>
+            </a:schemeClr>
+          </a:lnRef>
+          <a:fillRef idx="1">
+            <a:schemeClr val="accent1"/>
+          </a:fillRef>
+          <a:effectRef idx="0">
+            <a:schemeClr val="accent1"/>
+          </a:effectRef>
+          <a:fontRef idx="minor">
+            <a:schemeClr val="lt1"/>
+          </a:fontRef>
+        </p:style>
+        <p:txBody>
+          <a:bodyPr rtlCol="0" anchor="ctr"/>
+          <a:lstStyle/>
+          <a:p>
+            <a:pPr algn="ctr"/>
+            <a:endParaRPr lang="en-IN"/>
+          </a:p>
+        </p:txBody>
+      </p:sp>
+      <p:pic>
+        <p:nvPicPr>
+          <p:cNvPr id="7" name="Picture 2" descr="Office Development">
+            <a:extLst>
+              <a:ext uri="{FF2B5EF4-FFF2-40B4-BE49-F238E27FC236}">
+                <a16:creationId xmlns:a16="http://schemas.microsoft.com/office/drawing/2014/main" id="{2F278892-9052-4DA4-93F8-FED72843C8F9}"/>
+              </a:ext>
+            </a:extLst>
+          </p:cNvPr>
+          <p:cNvPicPr>
+            <a:picLocks noChangeAspect="1" noChangeArrowheads="1"/>
+          </p:cNvPicPr>
+          <p:nvPr/>
+        </p:nvPicPr>
+        <p:blipFill>
+          <a:blip r:embed="rId3">
+            <a:extLst>
+              <a:ext uri="{28A0092B-C50C-407E-A947-70E740481C1C}">
+                <a14:useLocalDpi xmlns:a14="http://schemas.microsoft.com/office/drawing/2010/main" val="0"/>
+              </a:ext>
+            </a:extLst>
+          </a:blip>
+          <a:srcRect/>
+          <a:stretch>
+            <a:fillRect/>
+          </a:stretch>
+        </p:blipFill>
+        <p:spPr bwMode="auto">
+          <a:xfrm>
+            <a:off x="10041273" y="363855"/>
+            <a:ext cx="1585519" cy="639696"/>
+          </a:xfrm>
+          <a:prstGeom prst="rect">
+            <a:avLst/>
+          </a:prstGeom>
+          <a:noFill/>
+          <a:extLst>
+            <a:ext uri="{909E8E84-426E-40DD-AFC4-6F175D3DCCD1}">
+              <a14:hiddenFill xmlns:a14="http://schemas.microsoft.com/office/drawing/2010/main">
+                <a:solidFill>
+                  <a:srgbClr val="FFFFFF"/>
+                </a:solidFill>
+              </a14:hiddenFill>
+            </a:ext>
+          </a:extLst>
+        </p:spPr>
+      </p:pic>
+      <p:pic>
+        <p:nvPicPr>
+          <p:cNvPr id="8" name="Picture 8" descr="Image result for azure logo 2018">
+            <a:extLst>
+              <a:ext uri="{FF2B5EF4-FFF2-40B4-BE49-F238E27FC236}">
+                <a16:creationId xmlns:a16="http://schemas.microsoft.com/office/drawing/2014/main" id="{97AA1C64-9CB5-4DAB-B6D8-1D8F493CBFDA}"/>
+              </a:ext>
+            </a:extLst>
+          </p:cNvPr>
+          <p:cNvPicPr>
+            <a:picLocks noChangeAspect="1" noChangeArrowheads="1"/>
+          </p:cNvPicPr>
+          <p:nvPr/>
+        </p:nvPicPr>
+        <p:blipFill>
+          <a:blip r:embed="rId4">
+            <a:extLst>
+              <a:ext uri="{28A0092B-C50C-407E-A947-70E740481C1C}">
+                <a14:useLocalDpi xmlns:a14="http://schemas.microsoft.com/office/drawing/2010/main" val="0"/>
+              </a:ext>
+            </a:extLst>
+          </a:blip>
+          <a:srcRect/>
+          <a:stretch>
+            <a:fillRect/>
+          </a:stretch>
+        </p:blipFill>
+        <p:spPr bwMode="auto">
+          <a:xfrm>
+            <a:off x="179199" y="161488"/>
+            <a:ext cx="1998910" cy="1044430"/>
+          </a:xfrm>
+          <a:prstGeom prst="rect">
+            <a:avLst/>
+          </a:prstGeom>
+          <a:noFill/>
+          <a:extLst>
+            <a:ext uri="{909E8E84-426E-40DD-AFC4-6F175D3DCCD1}">
+              <a14:hiddenFill xmlns:a14="http://schemas.microsoft.com/office/drawing/2010/main">
+                <a:solidFill>
+                  <a:srgbClr val="FFFFFF"/>
+                </a:solidFill>
+              </a14:hiddenFill>
+            </a:ext>
+          </a:extLst>
+        </p:spPr>
+      </p:pic>
+      <p:sp>
+        <p:nvSpPr>
+          <p:cNvPr id="10" name="TextBox 9">
+            <a:extLst>
+              <a:ext uri="{FF2B5EF4-FFF2-40B4-BE49-F238E27FC236}">
+                <a16:creationId xmlns:a16="http://schemas.microsoft.com/office/drawing/2014/main" id="{C14FAA99-80D8-41D2-886D-9B65A83B5489}"/>
+              </a:ext>
+            </a:extLst>
+          </p:cNvPr>
+          <p:cNvSpPr txBox="1"/>
+          <p:nvPr/>
+        </p:nvSpPr>
+        <p:spPr>
+          <a:xfrm>
+            <a:off x="4068660" y="3372374"/>
+            <a:ext cx="5022227" cy="1200329"/>
+          </a:xfrm>
+          <a:prstGeom prst="rect">
+            <a:avLst/>
+          </a:prstGeom>
+          <a:noFill/>
+        </p:spPr>
+        <p:txBody>
+          <a:bodyPr wrap="square" rtlCol="0">
+            <a:spAutoFit/>
+          </a:bodyPr>
+          <a:lstStyle/>
+          <a:p>
+            <a:r>
+              <a:rPr lang="en-IN" sz="3600" b="1" dirty="0">
+                <a:solidFill>
+                  <a:schemeClr val="bg1"/>
+                </a:solidFill>
+                <a:latin typeface="Verdana Pro Light" panose="020B0304030504040204" pitchFamily="34" charset="0"/>
+              </a:rPr>
+              <a:t>Deep Dive in to PowerApps and Flow</a:t>
+            </a:r>
+          </a:p>
+        </p:txBody>
+      </p:sp>
+      <p:pic>
+        <p:nvPicPr>
+          <p:cNvPr id="12" name="Picture 11">
+            <a:extLst>
+              <a:ext uri="{FF2B5EF4-FFF2-40B4-BE49-F238E27FC236}">
+                <a16:creationId xmlns:a16="http://schemas.microsoft.com/office/drawing/2014/main" id="{2A3B408B-3E75-4D68-9F71-857AE6630559}"/>
+              </a:ext>
+            </a:extLst>
+          </p:cNvPr>
+          <p:cNvPicPr>
+            <a:picLocks noChangeAspect="1"/>
+          </p:cNvPicPr>
+          <p:nvPr/>
+        </p:nvPicPr>
+        <p:blipFill>
+          <a:blip r:embed="rId5"/>
+          <a:stretch>
+            <a:fillRect/>
+          </a:stretch>
+        </p:blipFill>
+        <p:spPr>
+          <a:xfrm>
+            <a:off x="9090887" y="336800"/>
+            <a:ext cx="664460" cy="1333501"/>
+          </a:xfrm>
+          <a:prstGeom prst="rect">
+            <a:avLst/>
+          </a:prstGeom>
+        </p:spPr>
+      </p:pic>
+      <p:pic>
+        <p:nvPicPr>
+          <p:cNvPr id="2050" name="Picture 2">
+            <a:extLst>
+              <a:ext uri="{FF2B5EF4-FFF2-40B4-BE49-F238E27FC236}">
+                <a16:creationId xmlns:a16="http://schemas.microsoft.com/office/drawing/2014/main" id="{11DC4FDF-09DC-4E64-927A-6CA47BA47773}"/>
+              </a:ext>
+            </a:extLst>
+          </p:cNvPr>
+          <p:cNvPicPr>
+            <a:picLocks noChangeAspect="1" noChangeArrowheads="1"/>
+          </p:cNvPicPr>
+          <p:nvPr/>
+        </p:nvPicPr>
+        <p:blipFill>
+          <a:blip r:embed="rId6">
+            <a:extLst>
+              <a:ext uri="{28A0092B-C50C-407E-A947-70E740481C1C}">
+                <a14:useLocalDpi xmlns:a14="http://schemas.microsoft.com/office/drawing/2010/main" val="0"/>
+              </a:ext>
+            </a:extLst>
+          </a:blip>
+          <a:stretch>
+            <a:fillRect/>
+          </a:stretch>
+        </p:blipFill>
+        <p:spPr bwMode="auto">
+          <a:xfrm>
+            <a:off x="9372920" y="2876693"/>
+            <a:ext cx="1826955" cy="1835616"/>
+          </a:xfrm>
+          <a:prstGeom prst="ellipse">
+            <a:avLst/>
+          </a:prstGeom>
+          <a:ln w="63500" cap="rnd">
+            <a:solidFill>
+              <a:schemeClr val="bg1">
+                <a:lumMod val="95000"/>
+              </a:schemeClr>
+            </a:solidFill>
+          </a:ln>
+          <a:effectLst>
+            <a:outerShdw blurRad="381000" dist="292100" dir="5400000" sx="-80000" sy="-18000" rotWithShape="0">
+              <a:srgbClr val="000000">
+                <a:alpha val="22000"/>
+              </a:srgbClr>
+            </a:outerShdw>
+          </a:effectLst>
+          <a:scene3d>
+            <a:camera prst="orthographicFront"/>
+            <a:lightRig rig="contrasting" dir="t">
+              <a:rot lat="0" lon="0" rev="3000000"/>
+            </a:lightRig>
+          </a:scene3d>
+          <a:sp3d contourW="7620">
+            <a:bevelT w="95250" h="31750"/>
+            <a:contourClr>
+              <a:srgbClr val="333333"/>
+            </a:contourClr>
+          </a:sp3d>
+          <a:extLst>
+            <a:ext uri="{909E8E84-426E-40DD-AFC4-6F175D3DCCD1}">
+              <a14:hiddenFill xmlns:a14="http://schemas.microsoft.com/office/drawing/2010/main">
+                <a:solidFill>
+                  <a:srgbClr val="FFFFFF"/>
+                </a:solidFill>
+              </a14:hiddenFill>
+            </a:ext>
+          </a:extLst>
+        </p:spPr>
+      </p:pic>
+      <p:sp>
+        <p:nvSpPr>
+          <p:cNvPr id="14" name="TextBox 13">
+            <a:extLst>
+              <a:ext uri="{FF2B5EF4-FFF2-40B4-BE49-F238E27FC236}">
+                <a16:creationId xmlns:a16="http://schemas.microsoft.com/office/drawing/2014/main" id="{FBF76FEC-8382-43FA-B1CE-CC52BC95AF18}"/>
+              </a:ext>
+            </a:extLst>
+          </p:cNvPr>
+          <p:cNvSpPr txBox="1"/>
+          <p:nvPr/>
+        </p:nvSpPr>
+        <p:spPr>
+          <a:xfrm>
+            <a:off x="9438838" y="4804249"/>
+            <a:ext cx="2171174" cy="369332"/>
+          </a:xfrm>
+          <a:prstGeom prst="rect">
+            <a:avLst/>
+          </a:prstGeom>
+          <a:noFill/>
+        </p:spPr>
+        <p:txBody>
+          <a:bodyPr wrap="square" rtlCol="0">
+            <a:spAutoFit/>
+          </a:bodyPr>
+          <a:lstStyle/>
+          <a:p>
+            <a:r>
+              <a:rPr lang="en-IN" dirty="0">
+                <a:solidFill>
+                  <a:schemeClr val="bg1"/>
+                </a:solidFill>
+                <a:latin typeface="Arial Nova" panose="020B0504020202020204" pitchFamily="34" charset="0"/>
+              </a:rPr>
+              <a:t>Ray Hogan</a:t>
+            </a:r>
+          </a:p>
+        </p:txBody>
+      </p:sp>
+      <p:sp>
+        <p:nvSpPr>
+          <p:cNvPr id="15" name="TextBox 14">
+            <a:extLst>
+              <a:ext uri="{FF2B5EF4-FFF2-40B4-BE49-F238E27FC236}">
+                <a16:creationId xmlns:a16="http://schemas.microsoft.com/office/drawing/2014/main" id="{A3A8F64E-7F0A-4512-B70A-9DEA039295E0}"/>
+              </a:ext>
+            </a:extLst>
+          </p:cNvPr>
+          <p:cNvSpPr txBox="1"/>
+          <p:nvPr/>
+        </p:nvSpPr>
+        <p:spPr>
+          <a:xfrm>
+            <a:off x="9438838" y="5119706"/>
+            <a:ext cx="2367268" cy="523220"/>
+          </a:xfrm>
+          <a:prstGeom prst="rect">
+            <a:avLst/>
+          </a:prstGeom>
+          <a:noFill/>
+        </p:spPr>
+        <p:txBody>
+          <a:bodyPr wrap="square" rtlCol="0">
+            <a:spAutoFit/>
+          </a:bodyPr>
+          <a:lstStyle/>
+          <a:p>
+            <a:r>
+              <a:rPr lang="en-IN" sz="1400" dirty="0">
+                <a:solidFill>
+                  <a:schemeClr val="bg1"/>
+                </a:solidFill>
+              </a:rPr>
+              <a:t>Senior Specialist</a:t>
+            </a:r>
+          </a:p>
+          <a:p>
+            <a:r>
+              <a:rPr lang="en-IN" sz="1400" dirty="0">
+                <a:solidFill>
+                  <a:schemeClr val="bg1"/>
+                </a:solidFill>
+              </a:rPr>
+              <a:t>Pramerica Services</a:t>
+            </a:r>
+          </a:p>
+        </p:txBody>
+      </p:sp>
+      <p:pic>
+        <p:nvPicPr>
+          <p:cNvPr id="20" name="Picture 19">
+            <a:extLst>
+              <a:ext uri="{FF2B5EF4-FFF2-40B4-BE49-F238E27FC236}">
+                <a16:creationId xmlns:a16="http://schemas.microsoft.com/office/drawing/2014/main" id="{AB116DEF-5B2D-452A-ABEB-23CBF7154C8B}"/>
+              </a:ext>
+            </a:extLst>
+          </p:cNvPr>
+          <p:cNvPicPr>
+            <a:picLocks noChangeAspect="1"/>
+          </p:cNvPicPr>
+          <p:nvPr/>
+        </p:nvPicPr>
+        <p:blipFill>
+          <a:blip r:embed="rId7"/>
+          <a:stretch>
+            <a:fillRect/>
+          </a:stretch>
+        </p:blipFill>
+        <p:spPr>
+          <a:xfrm>
+            <a:off x="10041273" y="1047814"/>
+            <a:ext cx="1510367" cy="623325"/>
+          </a:xfrm>
+          <a:prstGeom prst="rect">
+            <a:avLst/>
+          </a:prstGeom>
+        </p:spPr>
+      </p:pic>
+      <p:sp>
+        <p:nvSpPr>
+          <p:cNvPr id="16" name="TextBox 15">
+            <a:extLst>
+              <a:ext uri="{FF2B5EF4-FFF2-40B4-BE49-F238E27FC236}">
+                <a16:creationId xmlns:a16="http://schemas.microsoft.com/office/drawing/2014/main" id="{11680B4A-784D-4F48-81D9-4B1792C36E96}"/>
+              </a:ext>
+            </a:extLst>
+          </p:cNvPr>
+          <p:cNvSpPr txBox="1"/>
+          <p:nvPr/>
+        </p:nvSpPr>
+        <p:spPr>
+          <a:xfrm>
+            <a:off x="9433245" y="5591301"/>
+            <a:ext cx="1937856" cy="276999"/>
+          </a:xfrm>
+          <a:prstGeom prst="rect">
+            <a:avLst/>
+          </a:prstGeom>
+          <a:noFill/>
+        </p:spPr>
+        <p:txBody>
+          <a:bodyPr wrap="square" rtlCol="0">
+            <a:spAutoFit/>
+          </a:bodyPr>
+          <a:lstStyle/>
+          <a:p>
+            <a:r>
+              <a:rPr lang="en-IN" sz="1200" b="1" dirty="0">
+                <a:solidFill>
+                  <a:srgbClr val="00B0F0"/>
+                </a:solidFill>
+              </a:rPr>
+              <a:t>@RayHogan</a:t>
+            </a:r>
+            <a:endParaRPr lang="en-IN" sz="1200" dirty="0">
+              <a:solidFill>
+                <a:srgbClr val="00B0F0"/>
+              </a:solidFill>
+            </a:endParaRPr>
+          </a:p>
+        </p:txBody>
+      </p:sp>
+      <p:sp>
+        <p:nvSpPr>
+          <p:cNvPr id="24" name="TextBox 23">
+            <a:extLst>
+              <a:ext uri="{FF2B5EF4-FFF2-40B4-BE49-F238E27FC236}">
+                <a16:creationId xmlns:a16="http://schemas.microsoft.com/office/drawing/2014/main" id="{47BC1297-3172-4CFB-9DF2-05D410048063}"/>
+              </a:ext>
+            </a:extLst>
+          </p:cNvPr>
+          <p:cNvSpPr txBox="1"/>
+          <p:nvPr/>
+        </p:nvSpPr>
+        <p:spPr>
+          <a:xfrm>
+            <a:off x="9450174" y="5832948"/>
+            <a:ext cx="2176767" cy="276999"/>
+          </a:xfrm>
+          <a:prstGeom prst="rect">
+            <a:avLst/>
+          </a:prstGeom>
+          <a:noFill/>
+        </p:spPr>
+        <p:txBody>
+          <a:bodyPr wrap="square" rtlCol="0">
+            <a:spAutoFit/>
+          </a:bodyPr>
+          <a:lstStyle/>
+          <a:p>
+            <a:r>
+              <a:rPr lang="en-IN" sz="1200" dirty="0">
+                <a:solidFill>
+                  <a:srgbClr val="00B0F0"/>
+                </a:solidFill>
+              </a:rPr>
+              <a:t>https://rhogan.ie</a:t>
+            </a:r>
+          </a:p>
+        </p:txBody>
+      </p:sp>
+      <p:sp>
+        <p:nvSpPr>
+          <p:cNvPr id="22" name="Rectangle 21">
+            <a:extLst>
+              <a:ext uri="{FF2B5EF4-FFF2-40B4-BE49-F238E27FC236}">
+                <a16:creationId xmlns:a16="http://schemas.microsoft.com/office/drawing/2014/main" id="{5DF1B98B-7665-4AC4-99F5-F1D416F6D152}"/>
+              </a:ext>
+            </a:extLst>
+          </p:cNvPr>
+          <p:cNvSpPr/>
+          <p:nvPr/>
+        </p:nvSpPr>
+        <p:spPr>
+          <a:xfrm>
+            <a:off x="472737" y="5964117"/>
+            <a:ext cx="1279709" cy="461665"/>
+          </a:xfrm>
+          <a:prstGeom prst="rect">
+            <a:avLst/>
+          </a:prstGeom>
+        </p:spPr>
+        <p:txBody>
+          <a:bodyPr wrap="none">
+            <a:spAutoFit/>
+          </a:bodyPr>
+          <a:lstStyle/>
+          <a:p>
+            <a:r>
+              <a:rPr lang="en-IN" sz="1200" i="0" strike="noStrike" dirty="0">
+                <a:solidFill>
+                  <a:schemeClr val="bg1"/>
+                </a:solidFill>
+                <a:effectLst/>
+                <a:latin typeface="Arial Nova" panose="020B0504020202020204" pitchFamily="34" charset="0"/>
+              </a:rPr>
+              <a:t>@lkmsug</a:t>
+            </a:r>
+          </a:p>
+          <a:p>
+            <a:r>
+              <a:rPr lang="en-IN" sz="1200" dirty="0">
+                <a:solidFill>
+                  <a:schemeClr val="bg1"/>
+                </a:solidFill>
+                <a:latin typeface="Arial Nova" panose="020B0504020202020204" pitchFamily="34" charset="0"/>
+              </a:rPr>
+              <a:t>www.lk-mug.org</a:t>
+            </a:r>
+          </a:p>
+        </p:txBody>
+      </p:sp>
+      <p:sp>
+        <p:nvSpPr>
+          <p:cNvPr id="23" name="Rectangle 7">
+            <a:extLst>
+              <a:ext uri="{FF2B5EF4-FFF2-40B4-BE49-F238E27FC236}">
+                <a16:creationId xmlns:a16="http://schemas.microsoft.com/office/drawing/2014/main" id="{AD575721-96A2-41F2-8179-6B854752BE89}"/>
+              </a:ext>
+            </a:extLst>
+          </p:cNvPr>
+          <p:cNvSpPr>
+            <a:spLocks noChangeArrowheads="1"/>
+          </p:cNvSpPr>
+          <p:nvPr/>
+        </p:nvSpPr>
+        <p:spPr bwMode="auto">
+          <a:xfrm>
+            <a:off x="9450174" y="6067791"/>
+            <a:ext cx="3265253" cy="323165"/>
+          </a:xfrm>
+          <a:prstGeom prst="rect">
+            <a:avLst/>
+          </a:prstGeom>
+          <a:noFill/>
+        </p:spPr>
+        <p:txBody>
+          <a:bodyPr wrap="square" rtlCol="0">
+            <a:spAutoFit/>
+          </a:bodyPr>
+          <a:lstStyle/>
+          <a:p>
+            <a:r>
+              <a:rPr lang="en-US" sz="1200" dirty="0">
+                <a:solidFill>
+                  <a:srgbClr val="00B0F0"/>
+                </a:solidFill>
+              </a:rPr>
+              <a:t>linkedin.com/in/ray-hogan </a:t>
+            </a:r>
+          </a:p>
+        </p:txBody>
+      </p:sp>
+      <p:pic>
+        <p:nvPicPr>
+          <p:cNvPr id="3" name="Picture 2">
+            <a:extLst>
+              <a:ext uri="{FF2B5EF4-FFF2-40B4-BE49-F238E27FC236}">
+                <a16:creationId xmlns:a16="http://schemas.microsoft.com/office/drawing/2014/main" id="{97152F8B-5900-4B67-B120-153CAE279DFC}"/>
+              </a:ext>
+            </a:extLst>
+          </p:cNvPr>
+          <p:cNvPicPr>
+            <a:picLocks noChangeAspect="1"/>
+          </p:cNvPicPr>
+          <p:nvPr/>
+        </p:nvPicPr>
+        <p:blipFill>
+          <a:blip r:embed="rId8">
+            <a:extLst>
+              <a:ext uri="{28A0092B-C50C-407E-A947-70E740481C1C}">
+                <a14:useLocalDpi xmlns:a14="http://schemas.microsoft.com/office/drawing/2010/main" val="0"/>
+              </a:ext>
+            </a:extLst>
+          </a:blip>
+          <a:stretch>
+            <a:fillRect/>
+          </a:stretch>
+        </p:blipFill>
+        <p:spPr>
+          <a:xfrm>
+            <a:off x="6356852" y="2319754"/>
+            <a:ext cx="397766" cy="397766"/>
+          </a:xfrm>
+          <a:prstGeom prst="rect">
+            <a:avLst/>
+          </a:prstGeom>
+        </p:spPr>
+      </p:pic>
+      <p:sp>
+        <p:nvSpPr>
+          <p:cNvPr id="5" name="TextBox 4">
+            <a:extLst>
+              <a:ext uri="{FF2B5EF4-FFF2-40B4-BE49-F238E27FC236}">
+                <a16:creationId xmlns:a16="http://schemas.microsoft.com/office/drawing/2014/main" id="{F9240FE3-B8EF-4C5E-B6ED-16E772727D60}"/>
+              </a:ext>
+            </a:extLst>
+          </p:cNvPr>
+          <p:cNvSpPr txBox="1"/>
+          <p:nvPr/>
+        </p:nvSpPr>
+        <p:spPr>
+          <a:xfrm>
+            <a:off x="6728830" y="2216266"/>
+            <a:ext cx="2582440" cy="830997"/>
+          </a:xfrm>
+          <a:prstGeom prst="rect">
+            <a:avLst/>
+          </a:prstGeom>
+          <a:noFill/>
+        </p:spPr>
+        <p:txBody>
+          <a:bodyPr wrap="square" rtlCol="0">
+            <a:spAutoFit/>
+          </a:bodyPr>
+          <a:lstStyle/>
+          <a:p>
+            <a:r>
+              <a:rPr lang="en-IN" sz="1600" dirty="0">
+                <a:solidFill>
+                  <a:schemeClr val="bg1"/>
+                </a:solidFill>
+              </a:rPr>
+              <a:t>Pramerica Services,</a:t>
+            </a:r>
+          </a:p>
+          <a:p>
+            <a:r>
+              <a:rPr lang="en-IN" sz="1600" dirty="0">
+                <a:solidFill>
+                  <a:schemeClr val="bg1"/>
+                </a:solidFill>
+              </a:rPr>
+              <a:t>Letterkenny, Donegal, Ireland</a:t>
+            </a:r>
+          </a:p>
+        </p:txBody>
+      </p:sp>
+      <p:pic>
+        <p:nvPicPr>
+          <p:cNvPr id="1026" name="Picture 2" descr="calendar, calender, date icon">
+            <a:extLst>
+              <a:ext uri="{FF2B5EF4-FFF2-40B4-BE49-F238E27FC236}">
+                <a16:creationId xmlns:a16="http://schemas.microsoft.com/office/drawing/2014/main" id="{A194E95C-ACA5-4062-A9DF-0725A45C929A}"/>
+              </a:ext>
+            </a:extLst>
+          </p:cNvPr>
+          <p:cNvPicPr>
+            <a:picLocks noChangeAspect="1" noChangeArrowheads="1"/>
+          </p:cNvPicPr>
+          <p:nvPr/>
+        </p:nvPicPr>
+        <p:blipFill>
+          <a:blip r:embed="rId9">
+            <a:extLst>
+              <a:ext uri="{28A0092B-C50C-407E-A947-70E740481C1C}">
+                <a14:useLocalDpi xmlns:a14="http://schemas.microsoft.com/office/drawing/2010/main" val="0"/>
+              </a:ext>
+            </a:extLst>
+          </a:blip>
+          <a:srcRect/>
+          <a:stretch>
+            <a:fillRect/>
+          </a:stretch>
+        </p:blipFill>
+        <p:spPr bwMode="auto">
+          <a:xfrm>
+            <a:off x="3478687" y="2335831"/>
+            <a:ext cx="426577" cy="426577"/>
+          </a:xfrm>
+          <a:prstGeom prst="rect">
+            <a:avLst/>
+          </a:prstGeom>
+          <a:noFill/>
+          <a:extLst>
+            <a:ext uri="{909E8E84-426E-40DD-AFC4-6F175D3DCCD1}">
+              <a14:hiddenFill xmlns:a14="http://schemas.microsoft.com/office/drawing/2010/main">
+                <a:solidFill>
+                  <a:srgbClr val="FFFFFF"/>
+                </a:solidFill>
+              </a14:hiddenFill>
+            </a:ext>
+          </a:extLst>
+        </p:spPr>
+      </p:pic>
+      <p:sp>
+        <p:nvSpPr>
+          <p:cNvPr id="25" name="TextBox 24">
+            <a:extLst>
+              <a:ext uri="{FF2B5EF4-FFF2-40B4-BE49-F238E27FC236}">
+                <a16:creationId xmlns:a16="http://schemas.microsoft.com/office/drawing/2014/main" id="{BD901492-721D-4650-8944-B7EA171863C1}"/>
+              </a:ext>
+            </a:extLst>
+          </p:cNvPr>
+          <p:cNvSpPr txBox="1"/>
+          <p:nvPr/>
+        </p:nvSpPr>
+        <p:spPr>
+          <a:xfrm>
+            <a:off x="3874005" y="2262951"/>
+            <a:ext cx="1949154" cy="584775"/>
+          </a:xfrm>
+          <a:prstGeom prst="rect">
+            <a:avLst/>
+          </a:prstGeom>
+          <a:noFill/>
+        </p:spPr>
+        <p:txBody>
+          <a:bodyPr wrap="square" rtlCol="0">
+            <a:spAutoFit/>
+          </a:bodyPr>
+          <a:lstStyle/>
+          <a:p>
+            <a:r>
+              <a:rPr lang="en-IN" sz="1600" dirty="0">
+                <a:solidFill>
+                  <a:schemeClr val="bg1"/>
+                </a:solidFill>
+              </a:rPr>
+              <a:t>Nov 10, 2018</a:t>
+            </a:r>
+          </a:p>
+          <a:p>
+            <a:r>
+              <a:rPr lang="en-IN" sz="1600" dirty="0">
+                <a:solidFill>
+                  <a:schemeClr val="bg1"/>
+                </a:solidFill>
+              </a:rPr>
+              <a:t>9:00AM – 5:30PM</a:t>
+            </a:r>
+          </a:p>
+        </p:txBody>
+      </p:sp>
+      <p:sp>
+        <p:nvSpPr>
+          <p:cNvPr id="9" name="Rectangle 8">
+            <a:extLst>
+              <a:ext uri="{FF2B5EF4-FFF2-40B4-BE49-F238E27FC236}">
+                <a16:creationId xmlns:a16="http://schemas.microsoft.com/office/drawing/2014/main" id="{042168FF-FC13-4CEF-B747-06C68A903AC0}"/>
+              </a:ext>
+            </a:extLst>
+          </p:cNvPr>
+          <p:cNvSpPr/>
+          <p:nvPr/>
+        </p:nvSpPr>
+        <p:spPr>
+          <a:xfrm>
+            <a:off x="4043617" y="6103586"/>
+            <a:ext cx="4647362" cy="369332"/>
+          </a:xfrm>
+          <a:prstGeom prst="rect">
+            <a:avLst/>
+          </a:prstGeom>
+        </p:spPr>
+        <p:txBody>
+          <a:bodyPr wrap="none">
+            <a:spAutoFit/>
+          </a:bodyPr>
+          <a:lstStyle/>
+          <a:p>
+            <a:r>
+              <a:rPr lang="en-IN" dirty="0">
+                <a:solidFill>
+                  <a:schemeClr val="accent2"/>
+                </a:solidFill>
+                <a:latin typeface="Arial Nova" panose="020B0504020202020204" pitchFamily="34" charset="0"/>
+              </a:rPr>
+              <a:t>#mvpbuzz #Office365 #O365DevBootCamp</a:t>
+            </a:r>
+          </a:p>
+        </p:txBody>
+      </p:sp>
+      <p:sp>
+        <p:nvSpPr>
+          <p:cNvPr id="11" name="TextBox 10">
+            <a:extLst>
+              <a:ext uri="{FF2B5EF4-FFF2-40B4-BE49-F238E27FC236}">
+                <a16:creationId xmlns:a16="http://schemas.microsoft.com/office/drawing/2014/main" id="{A36A45C3-4786-4572-9104-B78FFD6DBBDA}"/>
+              </a:ext>
+            </a:extLst>
+          </p:cNvPr>
+          <p:cNvSpPr txBox="1"/>
+          <p:nvPr/>
+        </p:nvSpPr>
+        <p:spPr>
+          <a:xfrm>
+            <a:off x="4075516" y="4525402"/>
+            <a:ext cx="4011471" cy="646331"/>
+          </a:xfrm>
+          <a:prstGeom prst="rect">
+            <a:avLst/>
+          </a:prstGeom>
+          <a:noFill/>
+        </p:spPr>
+        <p:txBody>
+          <a:bodyPr wrap="square" rtlCol="0">
+            <a:spAutoFit/>
+          </a:bodyPr>
+          <a:lstStyle/>
+          <a:p>
+            <a:r>
+              <a:rPr lang="en-GB" dirty="0">
+                <a:solidFill>
+                  <a:schemeClr val="bg1"/>
+                </a:solidFill>
+                <a:latin typeface="Verdana Pro Light" panose="020B0604020202020204" pitchFamily="34" charset="0"/>
+              </a:rPr>
+              <a:t>Building an HR Job application workflow with PowerApps and Flow</a:t>
+            </a:r>
+          </a:p>
+        </p:txBody>
+      </p:sp>
+      <p:sp>
+        <p:nvSpPr>
+          <p:cNvPr id="26" name="Rectangle 25">
+            <a:extLst>
+              <a:ext uri="{FF2B5EF4-FFF2-40B4-BE49-F238E27FC236}">
+                <a16:creationId xmlns:a16="http://schemas.microsoft.com/office/drawing/2014/main" id="{5D51E1F4-F174-418A-8A2B-8F3444070D06}"/>
+              </a:ext>
+            </a:extLst>
+          </p:cNvPr>
+          <p:cNvSpPr/>
+          <p:nvPr/>
+        </p:nvSpPr>
+        <p:spPr>
+          <a:xfrm>
+            <a:off x="385894" y="1003550"/>
+            <a:ext cx="1092589" cy="1009085"/>
+          </a:xfrm>
+          <a:prstGeom prst="rect">
+            <a:avLst/>
+          </a:prstGeom>
+          <a:solidFill>
+            <a:srgbClr val="7030A0"/>
+          </a:solidFill>
+          <a:ln>
+            <a:solidFill>
+              <a:srgbClr val="7030A0"/>
+            </a:solidFill>
+          </a:ln>
+        </p:spPr>
+        <p:style>
+          <a:lnRef idx="2">
+            <a:schemeClr val="accent1">
+              <a:shade val="50000"/>
+            </a:schemeClr>
+          </a:lnRef>
+          <a:fillRef idx="1">
+            <a:schemeClr val="accent1"/>
+          </a:fillRef>
+          <a:effectRef idx="0">
+            <a:schemeClr val="accent1"/>
+          </a:effectRef>
+          <a:fontRef idx="minor">
+            <a:schemeClr val="lt1"/>
+          </a:fontRef>
+        </p:style>
+        <p:txBody>
+          <a:bodyPr rtlCol="0" anchor="ctr"/>
+          <a:lstStyle/>
+          <a:p>
+            <a:pPr marL="144000">
+              <a:lnSpc>
+                <a:spcPts val="2000"/>
+              </a:lnSpc>
+            </a:pPr>
+            <a:r>
+              <a:rPr lang="en-IN" sz="1100" dirty="0">
+                <a:cs typeface="Segoe UI" panose="020B0502040204020203" pitchFamily="34" charset="0"/>
+              </a:rPr>
+              <a:t>Letterkenny</a:t>
+            </a:r>
+          </a:p>
+          <a:p>
+            <a:pPr marL="144000">
+              <a:lnSpc>
+                <a:spcPts val="2000"/>
+              </a:lnSpc>
+            </a:pPr>
+            <a:r>
+              <a:rPr lang="en-IN" sz="2400" b="1" dirty="0">
+                <a:cs typeface="Segoe UI" panose="020B0502040204020203" pitchFamily="34" charset="0"/>
+              </a:rPr>
+              <a:t>MUG</a:t>
+            </a:r>
+          </a:p>
+          <a:p>
+            <a:pPr marL="144000">
+              <a:lnSpc>
+                <a:spcPts val="2000"/>
+              </a:lnSpc>
+            </a:pPr>
+            <a:r>
+              <a:rPr lang="en-IN" sz="1400" dirty="0">
+                <a:cs typeface="Segoe UI" panose="020B0502040204020203" pitchFamily="34" charset="0"/>
+              </a:rPr>
+              <a:t>#lkmug</a:t>
+            </a:r>
+          </a:p>
+        </p:txBody>
+      </p:sp>
+      <p:pic>
+        <p:nvPicPr>
+          <p:cNvPr id="27" name="Picture 26">
+            <a:extLst>
+              <a:ext uri="{FF2B5EF4-FFF2-40B4-BE49-F238E27FC236}">
+                <a16:creationId xmlns:a16="http://schemas.microsoft.com/office/drawing/2014/main" id="{0F0186BE-09DC-46CD-980C-28899A0E14AC}"/>
+              </a:ext>
+            </a:extLst>
+          </p:cNvPr>
+          <p:cNvPicPr>
+            <a:picLocks noChangeAspect="1"/>
+          </p:cNvPicPr>
+          <p:nvPr/>
+        </p:nvPicPr>
+        <p:blipFill>
+          <a:blip r:embed="rId10">
+            <a:extLst>
+              <a:ext uri="{28A0092B-C50C-407E-A947-70E740481C1C}">
+                <a14:useLocalDpi xmlns:a14="http://schemas.microsoft.com/office/drawing/2010/main" val="0"/>
+              </a:ext>
+            </a:extLst>
+          </a:blip>
+          <a:stretch>
+            <a:fillRect/>
+          </a:stretch>
+        </p:blipFill>
+        <p:spPr>
+          <a:xfrm>
+            <a:off x="688289" y="2717520"/>
+            <a:ext cx="1728493" cy="1463457"/>
+          </a:xfrm>
+          <a:prstGeom prst="rect">
+            <a:avLst/>
+          </a:prstGeom>
+        </p:spPr>
+      </p:pic>
+      <p:pic>
+        <p:nvPicPr>
+          <p:cNvPr id="29" name="Picture 28">
+            <a:extLst>
+              <a:ext uri="{FF2B5EF4-FFF2-40B4-BE49-F238E27FC236}">
+                <a16:creationId xmlns:a16="http://schemas.microsoft.com/office/drawing/2014/main" id="{994650B6-38B3-4BD5-807C-C5D9AA0B7519}"/>
+              </a:ext>
+            </a:extLst>
+          </p:cNvPr>
+          <p:cNvPicPr>
+            <a:picLocks noChangeAspect="1"/>
+          </p:cNvPicPr>
+          <p:nvPr/>
+        </p:nvPicPr>
+        <p:blipFill>
+          <a:blip r:embed="rId11">
+            <a:extLst>
+              <a:ext uri="{28A0092B-C50C-407E-A947-70E740481C1C}">
+                <a14:useLocalDpi xmlns:a14="http://schemas.microsoft.com/office/drawing/2010/main" val="0"/>
+              </a:ext>
+            </a:extLst>
+          </a:blip>
+          <a:stretch>
+            <a:fillRect/>
+          </a:stretch>
+        </p:blipFill>
+        <p:spPr>
+          <a:xfrm>
+            <a:off x="0" y="3965238"/>
+            <a:ext cx="3062959" cy="1620895"/>
+          </a:xfrm>
+          <a:prstGeom prst="rect">
+            <a:avLst/>
+          </a:prstGeom>
+        </p:spPr>
+      </p:pic>
+      <p:sp>
+        <p:nvSpPr>
+          <p:cNvPr id="34" name="Rectangle 33">
+            <a:extLst>
+              <a:ext uri="{FF2B5EF4-FFF2-40B4-BE49-F238E27FC236}">
+                <a16:creationId xmlns:a16="http://schemas.microsoft.com/office/drawing/2014/main" id="{85E129D8-592F-4FCF-8C06-28F1F074C266}"/>
+              </a:ext>
+            </a:extLst>
+          </p:cNvPr>
+          <p:cNvSpPr/>
+          <p:nvPr/>
+        </p:nvSpPr>
+        <p:spPr>
+          <a:xfrm>
+            <a:off x="932188" y="5276214"/>
+            <a:ext cx="1314129" cy="210203"/>
+          </a:xfrm>
+          <a:prstGeom prst="rect">
+            <a:avLst/>
+          </a:prstGeom>
+          <a:solidFill>
+            <a:schemeClr val="tx1">
+              <a:lumMod val="85000"/>
+              <a:lumOff val="15000"/>
+            </a:schemeClr>
+          </a:solidFill>
+          <a:ln>
+            <a:noFill/>
+          </a:ln>
+        </p:spPr>
+        <p:style>
+          <a:lnRef idx="2">
+            <a:schemeClr val="accent1">
+              <a:shade val="50000"/>
+            </a:schemeClr>
+          </a:lnRef>
+          <a:fillRef idx="1">
+            <a:schemeClr val="accent1"/>
+          </a:fillRef>
+          <a:effectRef idx="0">
+            <a:schemeClr val="accent1"/>
+          </a:effectRef>
+          <a:fontRef idx="minor">
+            <a:schemeClr val="lt1"/>
+          </a:fontRef>
+        </p:style>
+        <p:txBody>
+          <a:bodyPr rtlCol="0" anchor="ctr"/>
+          <a:lstStyle/>
+          <a:p>
+            <a:pPr algn="ctr"/>
+            <a:endParaRPr lang="en-US"/>
+          </a:p>
+        </p:txBody>
+      </p:sp>
     </p:spTree>
     <p:extLst>
       <p:ext uri="{BB962C8B-B14F-4D97-AF65-F5344CB8AC3E}">
-        <p14:creationId xmlns:p14="http://schemas.microsoft.com/office/powerpoint/2010/main" val="656894665"/>
+        <p14:creationId xmlns:p14="http://schemas.microsoft.com/office/powerpoint/2010/main" val="1012186283"/>
       </p:ext>
     </p:extLst>
   </p:cSld>
@@ -4539,10 +5693,10 @@
       </p:grpSpPr>
       <p:sp>
         <p:nvSpPr>
-          <p:cNvPr id="9" name="Rectangle 8">
-            <a:extLst>
-              <a:ext uri="{FF2B5EF4-FFF2-40B4-BE49-F238E27FC236}">
-                <a16:creationId xmlns:a16="http://schemas.microsoft.com/office/drawing/2014/main" id="{6753DDC4-7C48-4558-A26C-E1F6E0133CC7}"/>
+          <p:cNvPr id="2" name="Rectangle 1">
+            <a:extLst>
+              <a:ext uri="{FF2B5EF4-FFF2-40B4-BE49-F238E27FC236}">
+                <a16:creationId xmlns:a16="http://schemas.microsoft.com/office/drawing/2014/main" id="{655D0239-2CE4-4BEA-B25A-99A3E72F15A7}"/>
               </a:ext>
             </a:extLst>
           </p:cNvPr>
@@ -4551,18 +5705,19 @@
         </p:nvSpPr>
         <p:spPr>
           <a:xfrm>
-            <a:off x="1939637" y="1174459"/>
-            <a:ext cx="7148946" cy="4350420"/>
-          </a:xfrm>
-          <a:prstGeom prst="rect">
-            <a:avLst/>
-          </a:prstGeom>
-          <a:solidFill>
-            <a:schemeClr val="bg1"/>
-          </a:solidFill>
-          <a:ln w="3175">
+            <a:off x="179199" y="161488"/>
+            <a:ext cx="11833602" cy="6535024"/>
+          </a:xfrm>
+          <a:prstGeom prst="rect">
+            <a:avLst/>
+          </a:prstGeom>
+          <a:noFill/>
+          <a:ln w="12700">
             <a:solidFill>
-              <a:schemeClr val="bg2"/>
+              <a:schemeClr val="tx1">
+                <a:lumMod val="65000"/>
+                <a:lumOff val="35000"/>
+              </a:schemeClr>
             </a:solidFill>
           </a:ln>
         </p:spPr>
@@ -4587,7 +5742,7 @@
           <a:lstStyle/>
           <a:p>
             <a:pPr algn="ctr"/>
-            <a:endParaRPr lang="en-IN"/>
+            <a:endParaRPr lang="en-US"/>
           </a:p>
         </p:txBody>
       </p:sp>
@@ -4596,7 +5751,7 @@
           <p:cNvPr id="6" name="Picture 5">
             <a:extLst>
               <a:ext uri="{FF2B5EF4-FFF2-40B4-BE49-F238E27FC236}">
-                <a16:creationId xmlns:a16="http://schemas.microsoft.com/office/drawing/2014/main" id="{E5EC1FC8-0440-4514-B9ED-854B050F3ADF}"/>
+                <a16:creationId xmlns:a16="http://schemas.microsoft.com/office/drawing/2014/main" id="{84974FFD-941E-471D-973D-C316B2DC5257}"/>
               </a:ext>
             </a:extLst>
           </p:cNvPr>
@@ -4619,8 +5774,8 @@
         </p:blipFill>
         <p:spPr>
           <a:xfrm>
-            <a:off x="3273568" y="2029340"/>
-            <a:ext cx="4953000" cy="1333500"/>
+            <a:off x="2436653" y="683703"/>
+            <a:ext cx="6346621" cy="1708706"/>
           </a:xfrm>
           <a:prstGeom prst="rect">
             <a:avLst/>
@@ -4629,692 +5784,32 @@
       </p:pic>
       <p:sp>
         <p:nvSpPr>
-          <p:cNvPr id="7" name="TextBox 6">
-            <a:extLst>
-              <a:ext uri="{FF2B5EF4-FFF2-40B4-BE49-F238E27FC236}">
-                <a16:creationId xmlns:a16="http://schemas.microsoft.com/office/drawing/2014/main" id="{73CA501D-0783-4580-B550-3C2E433EFC78}"/>
-              </a:ext>
-            </a:extLst>
-          </p:cNvPr>
-          <p:cNvSpPr txBox="1"/>
-          <p:nvPr/>
-        </p:nvSpPr>
-        <p:spPr>
-          <a:xfrm>
-            <a:off x="4811284" y="3368597"/>
-            <a:ext cx="1094467" cy="276999"/>
-          </a:xfrm>
-          <a:prstGeom prst="rect">
-            <a:avLst/>
-          </a:prstGeom>
-          <a:noFill/>
-        </p:spPr>
-        <p:txBody>
-          <a:bodyPr wrap="square" rtlCol="0">
-            <a:spAutoFit/>
-          </a:bodyPr>
-          <a:lstStyle/>
-          <a:p>
-            <a:r>
-              <a:rPr lang="en-IN" sz="1200" dirty="0">
-                <a:ln w="0"/>
-                <a:solidFill>
-                  <a:schemeClr val="tx2"/>
-                </a:solidFill>
-                <a:effectLst>
-                  <a:outerShdw blurRad="38100" dist="19050" dir="2700000" algn="tl" rotWithShape="0">
-                    <a:schemeClr val="dk1">
-                      <a:alpha val="40000"/>
-                    </a:schemeClr>
-                  </a:outerShdw>
-                </a:effectLst>
-                <a:latin typeface="MV Boli" panose="02000500030200090000" pitchFamily="2" charset="0"/>
-                <a:cs typeface="MV Boli" panose="02000500030200090000" pitchFamily="2" charset="0"/>
-              </a:rPr>
-              <a:t>Hosted by</a:t>
-            </a:r>
-          </a:p>
-        </p:txBody>
-      </p:sp>
-      <p:pic>
-        <p:nvPicPr>
-          <p:cNvPr id="1032" name="Picture 8" descr="Image result for azure logo 2018">
-            <a:extLst>
-              <a:ext uri="{FF2B5EF4-FFF2-40B4-BE49-F238E27FC236}">
-                <a16:creationId xmlns:a16="http://schemas.microsoft.com/office/drawing/2014/main" id="{8660A130-4158-45B2-B372-6F95D59AFF72}"/>
-              </a:ext>
-            </a:extLst>
-          </p:cNvPr>
-          <p:cNvPicPr>
-            <a:picLocks noChangeAspect="1" noChangeArrowheads="1"/>
-          </p:cNvPicPr>
-          <p:nvPr/>
-        </p:nvPicPr>
-        <p:blipFill>
-          <a:blip r:embed="rId3">
-            <a:extLst>
-              <a:ext uri="{28A0092B-C50C-407E-A947-70E740481C1C}">
-                <a14:useLocalDpi xmlns:a14="http://schemas.microsoft.com/office/drawing/2010/main" val="0"/>
-              </a:ext>
-            </a:extLst>
-          </a:blip>
-          <a:srcRect/>
-          <a:stretch>
-            <a:fillRect/>
-          </a:stretch>
-        </p:blipFill>
-        <p:spPr bwMode="auto">
-          <a:xfrm>
-            <a:off x="2041369" y="1090957"/>
-            <a:ext cx="1596482" cy="834161"/>
-          </a:xfrm>
-          <a:prstGeom prst="rect">
-            <a:avLst/>
-          </a:prstGeom>
-          <a:noFill/>
-          <a:extLst>
-            <a:ext uri="{909E8E84-426E-40DD-AFC4-6F175D3DCCD1}">
-              <a14:hiddenFill xmlns:a14="http://schemas.microsoft.com/office/drawing/2010/main">
-                <a:solidFill>
-                  <a:srgbClr val="FFFFFF"/>
-                </a:solidFill>
-              </a14:hiddenFill>
-            </a:ext>
-          </a:extLst>
-        </p:spPr>
-      </p:pic>
-      <p:pic>
-        <p:nvPicPr>
-          <p:cNvPr id="1042" name="Picture 18" descr="Image result for sharepoint pnp">
-            <a:extLst>
-              <a:ext uri="{FF2B5EF4-FFF2-40B4-BE49-F238E27FC236}">
-                <a16:creationId xmlns:a16="http://schemas.microsoft.com/office/drawing/2014/main" id="{7A970780-D166-4668-BD63-50F261D2CE5E}"/>
-              </a:ext>
-            </a:extLst>
-          </p:cNvPr>
-          <p:cNvPicPr>
-            <a:picLocks noChangeAspect="1" noChangeArrowheads="1"/>
-          </p:cNvPicPr>
-          <p:nvPr/>
-        </p:nvPicPr>
-        <p:blipFill>
-          <a:blip r:embed="rId4">
-            <a:extLst>
-              <a:ext uri="{28A0092B-C50C-407E-A947-70E740481C1C}">
-                <a14:useLocalDpi xmlns:a14="http://schemas.microsoft.com/office/drawing/2010/main" val="0"/>
-              </a:ext>
-            </a:extLst>
-          </a:blip>
-          <a:srcRect/>
-          <a:stretch>
-            <a:fillRect/>
-          </a:stretch>
-        </p:blipFill>
-        <p:spPr bwMode="auto">
-          <a:xfrm>
-            <a:off x="6966621" y="1274324"/>
-            <a:ext cx="1435245" cy="522293"/>
-          </a:xfrm>
-          <a:prstGeom prst="rect">
-            <a:avLst/>
-          </a:prstGeom>
-          <a:noFill/>
-          <a:extLst>
-            <a:ext uri="{909E8E84-426E-40DD-AFC4-6F175D3DCCD1}">
-              <a14:hiddenFill xmlns:a14="http://schemas.microsoft.com/office/drawing/2010/main">
-                <a:solidFill>
-                  <a:srgbClr val="FFFFFF"/>
-                </a:solidFill>
-              </a14:hiddenFill>
-            </a:ext>
-          </a:extLst>
-        </p:spPr>
-      </p:pic>
-      <p:pic>
-        <p:nvPicPr>
-          <p:cNvPr id="1044" name="Picture 20" descr="Image result for github logo">
-            <a:extLst>
-              <a:ext uri="{FF2B5EF4-FFF2-40B4-BE49-F238E27FC236}">
-                <a16:creationId xmlns:a16="http://schemas.microsoft.com/office/drawing/2014/main" id="{7650AAB2-FCC3-4F9E-A34E-FBB847593501}"/>
-              </a:ext>
-            </a:extLst>
-          </p:cNvPr>
-          <p:cNvPicPr>
-            <a:picLocks noChangeAspect="1" noChangeArrowheads="1"/>
-          </p:cNvPicPr>
-          <p:nvPr/>
-        </p:nvPicPr>
-        <p:blipFill>
-          <a:blip r:embed="rId5">
-            <a:extLst>
-              <a:ext uri="{28A0092B-C50C-407E-A947-70E740481C1C}">
-                <a14:useLocalDpi xmlns:a14="http://schemas.microsoft.com/office/drawing/2010/main" val="0"/>
-              </a:ext>
-            </a:extLst>
-          </a:blip>
-          <a:srcRect/>
-          <a:stretch>
-            <a:fillRect/>
-          </a:stretch>
-        </p:blipFill>
-        <p:spPr bwMode="auto">
-          <a:xfrm>
-            <a:off x="8341476" y="1266928"/>
-            <a:ext cx="650147" cy="540435"/>
-          </a:xfrm>
-          <a:prstGeom prst="rect">
-            <a:avLst/>
-          </a:prstGeom>
-          <a:noFill/>
-          <a:extLst>
-            <a:ext uri="{909E8E84-426E-40DD-AFC4-6F175D3DCCD1}">
-              <a14:hiddenFill xmlns:a14="http://schemas.microsoft.com/office/drawing/2010/main">
-                <a:solidFill>
-                  <a:srgbClr val="FFFFFF"/>
-                </a:solidFill>
-              </a14:hiddenFill>
-            </a:ext>
-          </a:extLst>
-        </p:spPr>
-      </p:pic>
-      <p:pic>
-        <p:nvPicPr>
-          <p:cNvPr id="8" name="Picture 7">
-            <a:extLst>
-              <a:ext uri="{FF2B5EF4-FFF2-40B4-BE49-F238E27FC236}">
-                <a16:creationId xmlns:a16="http://schemas.microsoft.com/office/drawing/2014/main" id="{A69A64EC-D410-4ABF-AFD1-38CB2F0EB18C}"/>
-              </a:ext>
-            </a:extLst>
-          </p:cNvPr>
-          <p:cNvPicPr>
-            <a:picLocks noChangeAspect="1"/>
-          </p:cNvPicPr>
-          <p:nvPr/>
-        </p:nvPicPr>
-        <p:blipFill>
-          <a:blip r:embed="rId6"/>
-          <a:stretch>
-            <a:fillRect/>
-          </a:stretch>
-        </p:blipFill>
-        <p:spPr>
-          <a:xfrm>
-            <a:off x="5878852" y="1314962"/>
-            <a:ext cx="1175171" cy="484991"/>
-          </a:xfrm>
-          <a:prstGeom prst="rect">
-            <a:avLst/>
-          </a:prstGeom>
-        </p:spPr>
-      </p:pic>
-      <p:pic>
-        <p:nvPicPr>
-          <p:cNvPr id="13" name="Picture 12">
-            <a:extLst>
-              <a:ext uri="{FF2B5EF4-FFF2-40B4-BE49-F238E27FC236}">
-                <a16:creationId xmlns:a16="http://schemas.microsoft.com/office/drawing/2014/main" id="{E839E819-1252-4479-8DBE-0B893882DB7C}"/>
-              </a:ext>
-            </a:extLst>
-          </p:cNvPr>
-          <p:cNvPicPr>
-            <a:picLocks noChangeAspect="1"/>
-          </p:cNvPicPr>
-          <p:nvPr/>
-        </p:nvPicPr>
-        <p:blipFill>
-          <a:blip r:embed="rId7"/>
-          <a:stretch>
-            <a:fillRect/>
-          </a:stretch>
-        </p:blipFill>
-        <p:spPr>
-          <a:xfrm>
-            <a:off x="2175150" y="2048389"/>
-            <a:ext cx="664460" cy="1333501"/>
-          </a:xfrm>
-          <a:prstGeom prst="rect">
-            <a:avLst/>
-          </a:prstGeom>
-        </p:spPr>
-      </p:pic>
-      <p:pic>
-        <p:nvPicPr>
-          <p:cNvPr id="14" name="Picture 2" descr="Office Development">
-            <a:extLst>
-              <a:ext uri="{FF2B5EF4-FFF2-40B4-BE49-F238E27FC236}">
-                <a16:creationId xmlns:a16="http://schemas.microsoft.com/office/drawing/2014/main" id="{B6FD555C-40D9-4D85-B395-3CDD76247D70}"/>
-              </a:ext>
-            </a:extLst>
-          </p:cNvPr>
-          <p:cNvPicPr>
-            <a:picLocks noChangeAspect="1" noChangeArrowheads="1"/>
-          </p:cNvPicPr>
-          <p:nvPr/>
-        </p:nvPicPr>
-        <p:blipFill>
-          <a:blip r:embed="rId8">
-            <a:extLst>
-              <a:ext uri="{28A0092B-C50C-407E-A947-70E740481C1C}">
-                <a14:useLocalDpi xmlns:a14="http://schemas.microsoft.com/office/drawing/2010/main" val="0"/>
-              </a:ext>
-            </a:extLst>
-          </a:blip>
-          <a:srcRect/>
-          <a:stretch>
-            <a:fillRect/>
-          </a:stretch>
-        </p:blipFill>
-        <p:spPr bwMode="auto">
-          <a:xfrm>
-            <a:off x="4661658" y="1333122"/>
-            <a:ext cx="1133980" cy="457200"/>
-          </a:xfrm>
-          <a:prstGeom prst="rect">
-            <a:avLst/>
-          </a:prstGeom>
-          <a:noFill/>
-          <a:extLst>
-            <a:ext uri="{909E8E84-426E-40DD-AFC4-6F175D3DCCD1}">
-              <a14:hiddenFill xmlns:a14="http://schemas.microsoft.com/office/drawing/2010/main">
-                <a:solidFill>
-                  <a:srgbClr val="FFFFFF"/>
-                </a:solidFill>
-              </a14:hiddenFill>
-            </a:ext>
-          </a:extLst>
-        </p:spPr>
-      </p:pic>
-      <p:sp>
-        <p:nvSpPr>
-          <p:cNvPr id="10" name="TextBox 9">
-            <a:extLst>
-              <a:ext uri="{FF2B5EF4-FFF2-40B4-BE49-F238E27FC236}">
-                <a16:creationId xmlns:a16="http://schemas.microsoft.com/office/drawing/2014/main" id="{42CBC0DC-A8ED-452B-8172-6D54A18E5695}"/>
-              </a:ext>
-            </a:extLst>
-          </p:cNvPr>
-          <p:cNvSpPr txBox="1"/>
-          <p:nvPr/>
-        </p:nvSpPr>
-        <p:spPr>
-          <a:xfrm>
-            <a:off x="9194621" y="5524879"/>
-            <a:ext cx="2759028" cy="892552"/>
+          <p:cNvPr id="4" name="Rectangle 3">
+            <a:extLst>
+              <a:ext uri="{FF2B5EF4-FFF2-40B4-BE49-F238E27FC236}">
+                <a16:creationId xmlns:a16="http://schemas.microsoft.com/office/drawing/2014/main" id="{F24AE978-AB1C-4882-9984-C3C53C2697D1}"/>
+              </a:ext>
+            </a:extLst>
+          </p:cNvPr>
+          <p:cNvSpPr/>
+          <p:nvPr/>
+        </p:nvSpPr>
+        <p:spPr>
+          <a:xfrm>
+            <a:off x="385894" y="2088859"/>
+            <a:ext cx="11425805" cy="4488110"/>
           </a:xfrm>
           <a:prstGeom prst="rect">
             <a:avLst/>
           </a:prstGeom>
           <a:solidFill>
-            <a:schemeClr val="accent3">
-              <a:lumMod val="20000"/>
-              <a:lumOff val="80000"/>
+            <a:schemeClr val="tx1">
+              <a:lumMod val="85000"/>
+              <a:lumOff val="15000"/>
             </a:schemeClr>
           </a:solidFill>
-        </p:spPr>
-        <p:txBody>
-          <a:bodyPr wrap="square" rtlCol="0">
-            <a:spAutoFit/>
-          </a:bodyPr>
-          <a:lstStyle/>
-          <a:p>
-            <a:r>
-              <a:rPr lang="en-IN" sz="1200" dirty="0">
-                <a:solidFill>
-                  <a:schemeClr val="tx2"/>
-                </a:solidFill>
-                <a:latin typeface="Leelawadee" panose="020B0502040204020203" pitchFamily="34" charset="-34"/>
-                <a:cs typeface="Leelawadee" panose="020B0502040204020203" pitchFamily="34" charset="-34"/>
-              </a:rPr>
-              <a:t>Date: </a:t>
-            </a:r>
-          </a:p>
-          <a:p>
-            <a:r>
-              <a:rPr lang="en-IN" sz="1400" b="1" dirty="0">
-                <a:solidFill>
-                  <a:schemeClr val="tx2"/>
-                </a:solidFill>
-                <a:latin typeface="Leelawadee" panose="020B0502040204020203" pitchFamily="34" charset="-34"/>
-                <a:cs typeface="Leelawadee" panose="020B0502040204020203" pitchFamily="34" charset="-34"/>
-              </a:rPr>
-              <a:t>Saturday, 10</a:t>
-            </a:r>
-            <a:r>
-              <a:rPr lang="en-IN" sz="1400" b="1" baseline="30000" dirty="0">
-                <a:solidFill>
-                  <a:schemeClr val="tx2"/>
-                </a:solidFill>
-                <a:latin typeface="Leelawadee" panose="020B0502040204020203" pitchFamily="34" charset="-34"/>
-                <a:cs typeface="Leelawadee" panose="020B0502040204020203" pitchFamily="34" charset="-34"/>
-              </a:rPr>
-              <a:t>th</a:t>
-            </a:r>
-            <a:r>
-              <a:rPr lang="en-IN" sz="1400" b="1" dirty="0">
-                <a:solidFill>
-                  <a:schemeClr val="tx2"/>
-                </a:solidFill>
-                <a:latin typeface="Leelawadee" panose="020B0502040204020203" pitchFamily="34" charset="-34"/>
-                <a:cs typeface="Leelawadee" panose="020B0502040204020203" pitchFamily="34" charset="-34"/>
-              </a:rPr>
-              <a:t> Nov   </a:t>
-            </a:r>
-          </a:p>
-          <a:p>
-            <a:r>
-              <a:rPr lang="en-IN" sz="1200" dirty="0">
-                <a:solidFill>
-                  <a:schemeClr val="tx2"/>
-                </a:solidFill>
-                <a:latin typeface="Leelawadee" panose="020B0502040204020203" pitchFamily="34" charset="-34"/>
-                <a:cs typeface="Leelawadee" panose="020B0502040204020203" pitchFamily="34" charset="-34"/>
-              </a:rPr>
-              <a:t>Time: </a:t>
-            </a:r>
-          </a:p>
-          <a:p>
-            <a:r>
-              <a:rPr lang="en-IN" sz="1400" b="1" dirty="0">
-                <a:solidFill>
-                  <a:schemeClr val="tx2"/>
-                </a:solidFill>
-                <a:latin typeface="Leelawadee" panose="020B0502040204020203" pitchFamily="34" charset="-34"/>
-                <a:cs typeface="Leelawadee" panose="020B0502040204020203" pitchFamily="34" charset="-34"/>
-              </a:rPr>
-              <a:t>9:00AM – 5:30PM</a:t>
-            </a:r>
-          </a:p>
-        </p:txBody>
-      </p:sp>
-      <p:sp>
-        <p:nvSpPr>
-          <p:cNvPr id="18" name="TextBox 17">
-            <a:extLst>
-              <a:ext uri="{FF2B5EF4-FFF2-40B4-BE49-F238E27FC236}">
-                <a16:creationId xmlns:a16="http://schemas.microsoft.com/office/drawing/2014/main" id="{810502BE-3D6E-4DB7-8BE2-0C52097A1246}"/>
-              </a:ext>
-            </a:extLst>
-          </p:cNvPr>
-          <p:cNvSpPr txBox="1"/>
-          <p:nvPr/>
-        </p:nvSpPr>
-        <p:spPr>
-          <a:xfrm>
-            <a:off x="7551879" y="2662244"/>
-            <a:ext cx="1076737" cy="492443"/>
-          </a:xfrm>
-          <a:prstGeom prst="rect">
-            <a:avLst/>
-          </a:prstGeom>
-          <a:noFill/>
-        </p:spPr>
-        <p:txBody>
-          <a:bodyPr wrap="square" rtlCol="0">
-            <a:spAutoFit/>
-          </a:bodyPr>
-          <a:lstStyle/>
-          <a:p>
-            <a:r>
-              <a:rPr lang="en-IN" sz="2600" b="1" dirty="0">
-                <a:solidFill>
-                  <a:schemeClr val="bg2">
-                    <a:lumMod val="25000"/>
-                  </a:schemeClr>
-                </a:solidFill>
-                <a:latin typeface="Segoe WP Semibold" panose="020B0702040204020203" pitchFamily="34" charset="0"/>
-                <a:cs typeface="Segoe UI" panose="020B0502040204020203" pitchFamily="34" charset="0"/>
-              </a:rPr>
-              <a:t>2018</a:t>
-            </a:r>
-          </a:p>
-        </p:txBody>
-      </p:sp>
-      <p:sp>
-        <p:nvSpPr>
-          <p:cNvPr id="22" name="TextBox 21">
-            <a:extLst>
-              <a:ext uri="{FF2B5EF4-FFF2-40B4-BE49-F238E27FC236}">
-                <a16:creationId xmlns:a16="http://schemas.microsoft.com/office/drawing/2014/main" id="{10D3D6C3-F174-4763-89D2-0DD95027AE0D}"/>
-              </a:ext>
-            </a:extLst>
-          </p:cNvPr>
-          <p:cNvSpPr txBox="1"/>
-          <p:nvPr/>
-        </p:nvSpPr>
-        <p:spPr>
-          <a:xfrm>
-            <a:off x="7005136" y="1820897"/>
-            <a:ext cx="2691832" cy="276999"/>
-          </a:xfrm>
-          <a:prstGeom prst="rect">
-            <a:avLst/>
-          </a:prstGeom>
-          <a:noFill/>
-        </p:spPr>
-        <p:txBody>
-          <a:bodyPr wrap="square" rtlCol="0">
-            <a:spAutoFit/>
-          </a:bodyPr>
-          <a:lstStyle/>
-          <a:p>
-            <a:r>
-              <a:rPr lang="en-IN" sz="1200" dirty="0">
-                <a:solidFill>
-                  <a:srgbClr val="00B0F0"/>
-                </a:solidFill>
-              </a:rPr>
-              <a:t>#o365devbootcamp #lkmug</a:t>
-            </a:r>
-          </a:p>
-        </p:txBody>
-      </p:sp>
-      <p:sp>
-        <p:nvSpPr>
-          <p:cNvPr id="24" name="Rectangle 23">
-            <a:extLst>
-              <a:ext uri="{FF2B5EF4-FFF2-40B4-BE49-F238E27FC236}">
-                <a16:creationId xmlns:a16="http://schemas.microsoft.com/office/drawing/2014/main" id="{2CF061B8-0995-42B6-8944-AEB84208BC27}"/>
-              </a:ext>
-            </a:extLst>
-          </p:cNvPr>
-          <p:cNvSpPr/>
-          <p:nvPr/>
-        </p:nvSpPr>
-        <p:spPr>
-          <a:xfrm>
-            <a:off x="5534614" y="3282251"/>
-            <a:ext cx="3175870" cy="369332"/>
-          </a:xfrm>
-          <a:prstGeom prst="rect">
-            <a:avLst/>
-          </a:prstGeom>
-          <a:noFill/>
-        </p:spPr>
-        <p:txBody>
-          <a:bodyPr wrap="none" lIns="91440" tIns="45720" rIns="91440" bIns="45720">
-            <a:spAutoFit/>
-          </a:bodyPr>
-          <a:lstStyle/>
-          <a:p>
-            <a:pPr algn="ctr"/>
-            <a:r>
-              <a:rPr lang="en-US" b="1" dirty="0">
-                <a:ln w="10160">
-                  <a:solidFill>
-                    <a:srgbClr val="0070C0"/>
-                  </a:solidFill>
-                  <a:prstDash val="solid"/>
-                </a:ln>
-                <a:solidFill>
-                  <a:srgbClr val="0070C0"/>
-                </a:solidFill>
-                <a:effectLst>
-                  <a:outerShdw blurRad="38100" dist="22860" dir="5400000" algn="tl" rotWithShape="0">
-                    <a:srgbClr val="000000">
-                      <a:alpha val="30000"/>
-                    </a:srgbClr>
-                  </a:outerShdw>
-                </a:effectLst>
-                <a:latin typeface="Ink Free" panose="03080402000500000000" pitchFamily="66" charset="0"/>
-              </a:rPr>
-              <a:t>Letterkenny Dotnet Azure UG</a:t>
-            </a:r>
-          </a:p>
-        </p:txBody>
-      </p:sp>
-      <p:sp>
-        <p:nvSpPr>
-          <p:cNvPr id="11" name="TextBox 10">
-            <a:extLst>
-              <a:ext uri="{FF2B5EF4-FFF2-40B4-BE49-F238E27FC236}">
-                <a16:creationId xmlns:a16="http://schemas.microsoft.com/office/drawing/2014/main" id="{BA595AF8-7A7F-4791-9CFF-7DC9E1C02941}"/>
-              </a:ext>
-            </a:extLst>
-          </p:cNvPr>
-          <p:cNvSpPr txBox="1"/>
-          <p:nvPr/>
-        </p:nvSpPr>
-        <p:spPr>
-          <a:xfrm>
-            <a:off x="2130060" y="4776860"/>
-            <a:ext cx="2349575" cy="276999"/>
-          </a:xfrm>
-          <a:prstGeom prst="rect">
-            <a:avLst/>
-          </a:prstGeom>
-          <a:noFill/>
-        </p:spPr>
-        <p:txBody>
-          <a:bodyPr wrap="square" rtlCol="0">
-            <a:spAutoFit/>
-          </a:bodyPr>
-          <a:lstStyle/>
-          <a:p>
-            <a:r>
-              <a:rPr lang="en-US" sz="1200" b="1" dirty="0">
-                <a:solidFill>
-                  <a:schemeClr val="tx2"/>
-                </a:solidFill>
-                <a:latin typeface="Leelawadee" panose="020B0502040204020203" pitchFamily="34" charset="-34"/>
-                <a:cs typeface="Leelawadee" panose="020B0502040204020203" pitchFamily="34" charset="-34"/>
-              </a:rPr>
-              <a:t>Event Sponsors</a:t>
-            </a:r>
-          </a:p>
-        </p:txBody>
-      </p:sp>
-      <p:pic>
-        <p:nvPicPr>
-          <p:cNvPr id="25" name="Picture 24">
-            <a:extLst>
-              <a:ext uri="{FF2B5EF4-FFF2-40B4-BE49-F238E27FC236}">
-                <a16:creationId xmlns:a16="http://schemas.microsoft.com/office/drawing/2014/main" id="{37068CF9-A9DC-459B-9D00-04EB459242D8}"/>
-              </a:ext>
-            </a:extLst>
-          </p:cNvPr>
-          <p:cNvPicPr>
-            <a:picLocks noChangeAspect="1"/>
-          </p:cNvPicPr>
-          <p:nvPr/>
-        </p:nvPicPr>
-        <p:blipFill>
-          <a:blip r:embed="rId9">
-            <a:extLst>
-              <a:ext uri="{28A0092B-C50C-407E-A947-70E740481C1C}">
-                <a14:useLocalDpi xmlns:a14="http://schemas.microsoft.com/office/drawing/2010/main" val="0"/>
-              </a:ext>
-            </a:extLst>
-          </a:blip>
-          <a:stretch>
-            <a:fillRect/>
-          </a:stretch>
-        </p:blipFill>
-        <p:spPr>
-          <a:xfrm>
-            <a:off x="3521748" y="5012617"/>
-            <a:ext cx="1607145" cy="374150"/>
-          </a:xfrm>
-          <a:prstGeom prst="rect">
-            <a:avLst/>
-          </a:prstGeom>
-        </p:spPr>
-      </p:pic>
-      <p:pic>
-        <p:nvPicPr>
-          <p:cNvPr id="1028" name="Picture 4" descr="Image result for rev debug logo">
-            <a:extLst>
-              <a:ext uri="{FF2B5EF4-FFF2-40B4-BE49-F238E27FC236}">
-                <a16:creationId xmlns:a16="http://schemas.microsoft.com/office/drawing/2014/main" id="{876B9815-458F-4480-BFFC-52F8EDC2D07B}"/>
-              </a:ext>
-            </a:extLst>
-          </p:cNvPr>
-          <p:cNvPicPr>
-            <a:picLocks noChangeAspect="1" noChangeArrowheads="1"/>
-          </p:cNvPicPr>
-          <p:nvPr/>
-        </p:nvPicPr>
-        <p:blipFill>
-          <a:blip r:embed="rId10">
-            <a:extLst>
-              <a:ext uri="{28A0092B-C50C-407E-A947-70E740481C1C}">
-                <a14:useLocalDpi xmlns:a14="http://schemas.microsoft.com/office/drawing/2010/main" val="0"/>
-              </a:ext>
-            </a:extLst>
-          </a:blip>
-          <a:srcRect/>
-          <a:stretch>
-            <a:fillRect/>
-          </a:stretch>
-        </p:blipFill>
-        <p:spPr bwMode="auto">
-          <a:xfrm>
-            <a:off x="5008425" y="4850805"/>
-            <a:ext cx="2054684" cy="735192"/>
-          </a:xfrm>
-          <a:prstGeom prst="rect">
-            <a:avLst/>
-          </a:prstGeom>
-          <a:noFill/>
-          <a:extLst>
-            <a:ext uri="{909E8E84-426E-40DD-AFC4-6F175D3DCCD1}">
-              <a14:hiddenFill xmlns:a14="http://schemas.microsoft.com/office/drawing/2010/main">
-                <a:solidFill>
-                  <a:srgbClr val="FFFFFF"/>
-                </a:solidFill>
-              </a14:hiddenFill>
-            </a:ext>
-          </a:extLst>
-        </p:spPr>
-      </p:pic>
-      <p:sp>
-        <p:nvSpPr>
-          <p:cNvPr id="28" name="Rectangle 27">
-            <a:extLst>
-              <a:ext uri="{FF2B5EF4-FFF2-40B4-BE49-F238E27FC236}">
-                <a16:creationId xmlns:a16="http://schemas.microsoft.com/office/drawing/2014/main" id="{DF87B157-3EA7-4E09-A51A-BAC91DF19860}"/>
-              </a:ext>
-            </a:extLst>
-          </p:cNvPr>
-          <p:cNvSpPr>
-            <a:spLocks/>
-          </p:cNvSpPr>
-          <p:nvPr/>
-        </p:nvSpPr>
-        <p:spPr>
-          <a:xfrm>
-            <a:off x="3697878" y="1333435"/>
-            <a:ext cx="914400" cy="457200"/>
-          </a:xfrm>
-          <a:prstGeom prst="rect">
-            <a:avLst/>
-          </a:prstGeom>
-          <a:solidFill>
-            <a:srgbClr val="7030A0"/>
-          </a:solidFill>
           <a:ln>
-            <a:solidFill>
-              <a:srgbClr val="7030A0"/>
-            </a:solidFill>
+            <a:noFill/>
           </a:ln>
         </p:spPr>
         <p:style>
@@ -5334,38 +5829,426 @@
           </a:fontRef>
         </p:style>
         <p:txBody>
-          <a:bodyPr wrap="square" lIns="0" tIns="0" rIns="0" bIns="0" rtlCol="0" anchor="ctr" anchorCtr="0"/>
+          <a:bodyPr rtlCol="0" anchor="ctr"/>
           <a:lstStyle/>
           <a:p>
             <a:pPr algn="ctr"/>
-            <a:r>
-              <a:rPr lang="en-IN" sz="1050" dirty="0">
-                <a:cs typeface="Segoe UI" panose="020B0502040204020203" pitchFamily="34" charset="0"/>
-              </a:rPr>
-              <a:t>Letterkenny</a:t>
-            </a:r>
-          </a:p>
-          <a:p>
-            <a:pPr algn="ctr">
-              <a:lnSpc>
-                <a:spcPts val="2000"/>
-              </a:lnSpc>
-            </a:pPr>
-            <a:r>
-              <a:rPr lang="en-IN" sz="2000" b="1" dirty="0">
-                <a:cs typeface="Segoe UI" panose="020B0502040204020203" pitchFamily="34" charset="0"/>
-              </a:rPr>
-              <a:t>.MUG</a:t>
-            </a:r>
-          </a:p>
-        </p:txBody>
-      </p:sp>
-      <p:sp>
-        <p:nvSpPr>
-          <p:cNvPr id="12" name="Rectangle 11">
-            <a:extLst>
-              <a:ext uri="{FF2B5EF4-FFF2-40B4-BE49-F238E27FC236}">
-                <a16:creationId xmlns:a16="http://schemas.microsoft.com/office/drawing/2014/main" id="{D7458ADA-590D-437E-A912-CD1305F1C7F7}"/>
+            <a:endParaRPr lang="en-IN" dirty="0"/>
+          </a:p>
+        </p:txBody>
+      </p:sp>
+      <p:pic>
+        <p:nvPicPr>
+          <p:cNvPr id="7" name="Picture 2" descr="Office Development">
+            <a:extLst>
+              <a:ext uri="{FF2B5EF4-FFF2-40B4-BE49-F238E27FC236}">
+                <a16:creationId xmlns:a16="http://schemas.microsoft.com/office/drawing/2014/main" id="{2F278892-9052-4DA4-93F8-FED72843C8F9}"/>
+              </a:ext>
+            </a:extLst>
+          </p:cNvPr>
+          <p:cNvPicPr>
+            <a:picLocks noChangeAspect="1" noChangeArrowheads="1"/>
+          </p:cNvPicPr>
+          <p:nvPr/>
+        </p:nvPicPr>
+        <p:blipFill>
+          <a:blip r:embed="rId3">
+            <a:extLst>
+              <a:ext uri="{28A0092B-C50C-407E-A947-70E740481C1C}">
+                <a14:useLocalDpi xmlns:a14="http://schemas.microsoft.com/office/drawing/2010/main" val="0"/>
+              </a:ext>
+            </a:extLst>
+          </a:blip>
+          <a:srcRect/>
+          <a:stretch>
+            <a:fillRect/>
+          </a:stretch>
+        </p:blipFill>
+        <p:spPr bwMode="auto">
+          <a:xfrm>
+            <a:off x="10041273" y="363855"/>
+            <a:ext cx="1585519" cy="639696"/>
+          </a:xfrm>
+          <a:prstGeom prst="rect">
+            <a:avLst/>
+          </a:prstGeom>
+          <a:noFill/>
+          <a:extLst>
+            <a:ext uri="{909E8E84-426E-40DD-AFC4-6F175D3DCCD1}">
+              <a14:hiddenFill xmlns:a14="http://schemas.microsoft.com/office/drawing/2010/main">
+                <a:solidFill>
+                  <a:srgbClr val="FFFFFF"/>
+                </a:solidFill>
+              </a14:hiddenFill>
+            </a:ext>
+          </a:extLst>
+        </p:spPr>
+      </p:pic>
+      <p:pic>
+        <p:nvPicPr>
+          <p:cNvPr id="8" name="Picture 8" descr="Image result for azure logo 2018">
+            <a:extLst>
+              <a:ext uri="{FF2B5EF4-FFF2-40B4-BE49-F238E27FC236}">
+                <a16:creationId xmlns:a16="http://schemas.microsoft.com/office/drawing/2014/main" id="{97AA1C64-9CB5-4DAB-B6D8-1D8F493CBFDA}"/>
+              </a:ext>
+            </a:extLst>
+          </p:cNvPr>
+          <p:cNvPicPr>
+            <a:picLocks noChangeAspect="1" noChangeArrowheads="1"/>
+          </p:cNvPicPr>
+          <p:nvPr/>
+        </p:nvPicPr>
+        <p:blipFill>
+          <a:blip r:embed="rId4">
+            <a:extLst>
+              <a:ext uri="{28A0092B-C50C-407E-A947-70E740481C1C}">
+                <a14:useLocalDpi xmlns:a14="http://schemas.microsoft.com/office/drawing/2010/main" val="0"/>
+              </a:ext>
+            </a:extLst>
+          </a:blip>
+          <a:srcRect/>
+          <a:stretch>
+            <a:fillRect/>
+          </a:stretch>
+        </p:blipFill>
+        <p:spPr bwMode="auto">
+          <a:xfrm>
+            <a:off x="179199" y="161488"/>
+            <a:ext cx="1998910" cy="1044430"/>
+          </a:xfrm>
+          <a:prstGeom prst="rect">
+            <a:avLst/>
+          </a:prstGeom>
+          <a:noFill/>
+          <a:extLst>
+            <a:ext uri="{909E8E84-426E-40DD-AFC4-6F175D3DCCD1}">
+              <a14:hiddenFill xmlns:a14="http://schemas.microsoft.com/office/drawing/2010/main">
+                <a:solidFill>
+                  <a:srgbClr val="FFFFFF"/>
+                </a:solidFill>
+              </a14:hiddenFill>
+            </a:ext>
+          </a:extLst>
+        </p:spPr>
+      </p:pic>
+      <p:sp>
+        <p:nvSpPr>
+          <p:cNvPr id="10" name="TextBox 9">
+            <a:extLst>
+              <a:ext uri="{FF2B5EF4-FFF2-40B4-BE49-F238E27FC236}">
+                <a16:creationId xmlns:a16="http://schemas.microsoft.com/office/drawing/2014/main" id="{C14FAA99-80D8-41D2-886D-9B65A83B5489}"/>
+              </a:ext>
+            </a:extLst>
+          </p:cNvPr>
+          <p:cNvSpPr txBox="1"/>
+          <p:nvPr/>
+        </p:nvSpPr>
+        <p:spPr>
+          <a:xfrm>
+            <a:off x="4848582" y="3375095"/>
+            <a:ext cx="4073382" cy="1200329"/>
+          </a:xfrm>
+          <a:prstGeom prst="rect">
+            <a:avLst/>
+          </a:prstGeom>
+          <a:noFill/>
+        </p:spPr>
+        <p:txBody>
+          <a:bodyPr wrap="square" rtlCol="0">
+            <a:spAutoFit/>
+          </a:bodyPr>
+          <a:lstStyle/>
+          <a:p>
+            <a:r>
+              <a:rPr lang="en-IN" sz="3600" b="1" dirty="0">
+                <a:solidFill>
+                  <a:schemeClr val="bg1"/>
+                </a:solidFill>
+                <a:latin typeface="Verdana Pro Light" panose="020B0304030504040204" pitchFamily="34" charset="0"/>
+              </a:rPr>
+              <a:t>Introduction to Microsoft Graph</a:t>
+            </a:r>
+          </a:p>
+        </p:txBody>
+      </p:sp>
+      <p:pic>
+        <p:nvPicPr>
+          <p:cNvPr id="12" name="Picture 11">
+            <a:extLst>
+              <a:ext uri="{FF2B5EF4-FFF2-40B4-BE49-F238E27FC236}">
+                <a16:creationId xmlns:a16="http://schemas.microsoft.com/office/drawing/2014/main" id="{2A3B408B-3E75-4D68-9F71-857AE6630559}"/>
+              </a:ext>
+            </a:extLst>
+          </p:cNvPr>
+          <p:cNvPicPr>
+            <a:picLocks noChangeAspect="1"/>
+          </p:cNvPicPr>
+          <p:nvPr/>
+        </p:nvPicPr>
+        <p:blipFill>
+          <a:blip r:embed="rId5"/>
+          <a:stretch>
+            <a:fillRect/>
+          </a:stretch>
+        </p:blipFill>
+        <p:spPr>
+          <a:xfrm>
+            <a:off x="9090887" y="336800"/>
+            <a:ext cx="664460" cy="1333501"/>
+          </a:xfrm>
+          <a:prstGeom prst="rect">
+            <a:avLst/>
+          </a:prstGeom>
+        </p:spPr>
+      </p:pic>
+      <p:pic>
+        <p:nvPicPr>
+          <p:cNvPr id="2050" name="Picture 2">
+            <a:extLst>
+              <a:ext uri="{FF2B5EF4-FFF2-40B4-BE49-F238E27FC236}">
+                <a16:creationId xmlns:a16="http://schemas.microsoft.com/office/drawing/2014/main" id="{11DC4FDF-09DC-4E64-927A-6CA47BA47773}"/>
+              </a:ext>
+            </a:extLst>
+          </p:cNvPr>
+          <p:cNvPicPr>
+            <a:picLocks noChangeAspect="1" noChangeArrowheads="1"/>
+          </p:cNvPicPr>
+          <p:nvPr/>
+        </p:nvPicPr>
+        <p:blipFill>
+          <a:blip r:embed="rId6">
+            <a:extLst>
+              <a:ext uri="{28A0092B-C50C-407E-A947-70E740481C1C}">
+                <a14:useLocalDpi xmlns:a14="http://schemas.microsoft.com/office/drawing/2010/main" val="0"/>
+              </a:ext>
+            </a:extLst>
+          </a:blip>
+          <a:stretch>
+            <a:fillRect/>
+          </a:stretch>
+        </p:blipFill>
+        <p:spPr bwMode="auto">
+          <a:xfrm>
+            <a:off x="9372920" y="2881023"/>
+            <a:ext cx="1826955" cy="1826955"/>
+          </a:xfrm>
+          <a:prstGeom prst="ellipse">
+            <a:avLst/>
+          </a:prstGeom>
+          <a:ln w="63500" cap="rnd">
+            <a:solidFill>
+              <a:schemeClr val="bg1">
+                <a:lumMod val="95000"/>
+              </a:schemeClr>
+            </a:solidFill>
+          </a:ln>
+          <a:effectLst>
+            <a:outerShdw blurRad="381000" dist="292100" dir="5400000" sx="-80000" sy="-18000" rotWithShape="0">
+              <a:srgbClr val="000000">
+                <a:alpha val="22000"/>
+              </a:srgbClr>
+            </a:outerShdw>
+          </a:effectLst>
+          <a:scene3d>
+            <a:camera prst="orthographicFront"/>
+            <a:lightRig rig="contrasting" dir="t">
+              <a:rot lat="0" lon="0" rev="3000000"/>
+            </a:lightRig>
+          </a:scene3d>
+          <a:sp3d contourW="7620">
+            <a:bevelT w="95250" h="31750"/>
+            <a:contourClr>
+              <a:srgbClr val="333333"/>
+            </a:contourClr>
+          </a:sp3d>
+          <a:extLst>
+            <a:ext uri="{909E8E84-426E-40DD-AFC4-6F175D3DCCD1}">
+              <a14:hiddenFill xmlns:a14="http://schemas.microsoft.com/office/drawing/2010/main">
+                <a:solidFill>
+                  <a:srgbClr val="FFFFFF"/>
+                </a:solidFill>
+              </a14:hiddenFill>
+            </a:ext>
+          </a:extLst>
+        </p:spPr>
+      </p:pic>
+      <p:sp>
+        <p:nvSpPr>
+          <p:cNvPr id="14" name="TextBox 13">
+            <a:extLst>
+              <a:ext uri="{FF2B5EF4-FFF2-40B4-BE49-F238E27FC236}">
+                <a16:creationId xmlns:a16="http://schemas.microsoft.com/office/drawing/2014/main" id="{FBF76FEC-8382-43FA-B1CE-CC52BC95AF18}"/>
+              </a:ext>
+            </a:extLst>
+          </p:cNvPr>
+          <p:cNvSpPr txBox="1"/>
+          <p:nvPr/>
+        </p:nvSpPr>
+        <p:spPr>
+          <a:xfrm>
+            <a:off x="7394877" y="6755524"/>
+            <a:ext cx="978632" cy="646331"/>
+          </a:xfrm>
+          <a:prstGeom prst="rect">
+            <a:avLst/>
+          </a:prstGeom>
+          <a:noFill/>
+        </p:spPr>
+        <p:txBody>
+          <a:bodyPr wrap="square" rtlCol="0">
+            <a:spAutoFit/>
+          </a:bodyPr>
+          <a:lstStyle/>
+          <a:p>
+            <a:r>
+              <a:rPr lang="en-IN" dirty="0">
+                <a:solidFill>
+                  <a:schemeClr val="bg1"/>
+                </a:solidFill>
+                <a:latin typeface="Arial Nova" panose="020B0504020202020204" pitchFamily="34" charset="0"/>
+              </a:rPr>
+              <a:t>Richard Fisher</a:t>
+            </a:r>
+          </a:p>
+        </p:txBody>
+      </p:sp>
+      <p:sp>
+        <p:nvSpPr>
+          <p:cNvPr id="15" name="TextBox 14">
+            <a:extLst>
+              <a:ext uri="{FF2B5EF4-FFF2-40B4-BE49-F238E27FC236}">
+                <a16:creationId xmlns:a16="http://schemas.microsoft.com/office/drawing/2014/main" id="{A3A8F64E-7F0A-4512-B70A-9DEA039295E0}"/>
+              </a:ext>
+            </a:extLst>
+          </p:cNvPr>
+          <p:cNvSpPr txBox="1"/>
+          <p:nvPr/>
+        </p:nvSpPr>
+        <p:spPr>
+          <a:xfrm>
+            <a:off x="9438838" y="5119706"/>
+            <a:ext cx="2367268" cy="523220"/>
+          </a:xfrm>
+          <a:prstGeom prst="rect">
+            <a:avLst/>
+          </a:prstGeom>
+          <a:noFill/>
+        </p:spPr>
+        <p:txBody>
+          <a:bodyPr wrap="square" rtlCol="0">
+            <a:spAutoFit/>
+          </a:bodyPr>
+          <a:lstStyle/>
+          <a:p>
+            <a:r>
+              <a:rPr lang="en-IN" sz="1400" dirty="0">
+                <a:solidFill>
+                  <a:schemeClr val="bg1"/>
+                </a:solidFill>
+              </a:rPr>
+              <a:t>Solutions Architect</a:t>
+            </a:r>
+          </a:p>
+          <a:p>
+            <a:r>
+              <a:rPr lang="en-IN" sz="1400" dirty="0">
+                <a:solidFill>
+                  <a:schemeClr val="bg1"/>
+                </a:solidFill>
+              </a:rPr>
+              <a:t>Pramerica </a:t>
+            </a:r>
+          </a:p>
+        </p:txBody>
+      </p:sp>
+      <p:pic>
+        <p:nvPicPr>
+          <p:cNvPr id="20" name="Picture 19">
+            <a:extLst>
+              <a:ext uri="{FF2B5EF4-FFF2-40B4-BE49-F238E27FC236}">
+                <a16:creationId xmlns:a16="http://schemas.microsoft.com/office/drawing/2014/main" id="{AB116DEF-5B2D-452A-ABEB-23CBF7154C8B}"/>
+              </a:ext>
+            </a:extLst>
+          </p:cNvPr>
+          <p:cNvPicPr>
+            <a:picLocks noChangeAspect="1"/>
+          </p:cNvPicPr>
+          <p:nvPr/>
+        </p:nvPicPr>
+        <p:blipFill>
+          <a:blip r:embed="rId7"/>
+          <a:stretch>
+            <a:fillRect/>
+          </a:stretch>
+        </p:blipFill>
+        <p:spPr>
+          <a:xfrm>
+            <a:off x="10041273" y="1047814"/>
+            <a:ext cx="1510367" cy="623325"/>
+          </a:xfrm>
+          <a:prstGeom prst="rect">
+            <a:avLst/>
+          </a:prstGeom>
+        </p:spPr>
+      </p:pic>
+      <p:sp>
+        <p:nvSpPr>
+          <p:cNvPr id="16" name="TextBox 15">
+            <a:extLst>
+              <a:ext uri="{FF2B5EF4-FFF2-40B4-BE49-F238E27FC236}">
+                <a16:creationId xmlns:a16="http://schemas.microsoft.com/office/drawing/2014/main" id="{11680B4A-784D-4F48-81D9-4B1792C36E96}"/>
+              </a:ext>
+            </a:extLst>
+          </p:cNvPr>
+          <p:cNvSpPr txBox="1"/>
+          <p:nvPr/>
+        </p:nvSpPr>
+        <p:spPr>
+          <a:xfrm>
+            <a:off x="9433245" y="5552773"/>
+            <a:ext cx="1937856" cy="276999"/>
+          </a:xfrm>
+          <a:prstGeom prst="rect">
+            <a:avLst/>
+          </a:prstGeom>
+          <a:noFill/>
+        </p:spPr>
+        <p:txBody>
+          <a:bodyPr wrap="square" rtlCol="0">
+            <a:spAutoFit/>
+          </a:bodyPr>
+          <a:lstStyle/>
+          <a:p>
+            <a:r>
+              <a:rPr lang="en-IN" sz="1200" b="1" dirty="0">
+                <a:solidFill>
+                  <a:srgbClr val="00B0F0"/>
+                </a:solidFill>
+              </a:rPr>
+              <a:t>@</a:t>
+            </a:r>
+            <a:r>
+              <a:rPr lang="en-US" sz="1200" b="1" dirty="0">
+                <a:solidFill>
+                  <a:srgbClr val="00B0F0"/>
+                </a:solidFill>
+              </a:rPr>
+              <a:t>joon_net</a:t>
+            </a:r>
+            <a:endParaRPr lang="en-IN" sz="1200" b="1" dirty="0">
+              <a:solidFill>
+                <a:srgbClr val="00B0F0"/>
+              </a:solidFill>
+            </a:endParaRPr>
+          </a:p>
+        </p:txBody>
+      </p:sp>
+      <p:sp>
+        <p:nvSpPr>
+          <p:cNvPr id="22" name="Rectangle 21">
+            <a:extLst>
+              <a:ext uri="{FF2B5EF4-FFF2-40B4-BE49-F238E27FC236}">
+                <a16:creationId xmlns:a16="http://schemas.microsoft.com/office/drawing/2014/main" id="{5DF1B98B-7665-4AC4-99F5-F1D416F6D152}"/>
               </a:ext>
             </a:extLst>
           </p:cNvPr>
@@ -5374,8 +6257,8 @@
         </p:nvSpPr>
         <p:spPr>
           <a:xfrm>
-            <a:off x="2132537" y="3554312"/>
-            <a:ext cx="695575" cy="276999"/>
+            <a:off x="472737" y="5964117"/>
+            <a:ext cx="1279709" cy="461665"/>
           </a:xfrm>
           <a:prstGeom prst="rect">
             <a:avLst/>
@@ -5388,35 +6271,257 @@
           <a:lstStyle/>
           <a:p>
             <a:r>
-              <a:rPr lang="en-IN" sz="1200">
-                <a:solidFill>
-                  <a:schemeClr val="accent2">
-                    <a:lumMod val="75000"/>
-                  </a:schemeClr>
-                </a:solidFill>
-                <a:latin typeface="Leelawadee" panose="020B0502040204020203" pitchFamily="34" charset="-34"/>
-                <a:cs typeface="Leelawadee" panose="020B0502040204020203" pitchFamily="34" charset="-34"/>
-              </a:rPr>
-              <a:t>Where?</a:t>
-            </a:r>
-            <a:endParaRPr lang="en-IN" sz="1200" dirty="0">
-              <a:solidFill>
-                <a:schemeClr val="accent2">
-                  <a:lumMod val="75000"/>
-                </a:schemeClr>
-              </a:solidFill>
-              <a:latin typeface="Leelawadee" panose="020B0502040204020203" pitchFamily="34" charset="-34"/>
-              <a:cs typeface="Leelawadee" panose="020B0502040204020203" pitchFamily="34" charset="-34"/>
-            </a:endParaRPr>
-          </a:p>
-        </p:txBody>
-      </p:sp>
-      <p:sp>
-        <p:nvSpPr>
-          <p:cNvPr id="33" name="Rectangle 32">
-            <a:extLst>
-              <a:ext uri="{FF2B5EF4-FFF2-40B4-BE49-F238E27FC236}">
-                <a16:creationId xmlns:a16="http://schemas.microsoft.com/office/drawing/2014/main" id="{A724CD9C-0CF6-44B6-9033-1526DE33AB0C}"/>
+              <a:rPr lang="en-IN" sz="1200" i="0" strike="noStrike" dirty="0">
+                <a:solidFill>
+                  <a:schemeClr val="bg1"/>
+                </a:solidFill>
+                <a:effectLst/>
+                <a:latin typeface="Arial Nova" panose="020B0504020202020204" pitchFamily="34" charset="0"/>
+              </a:rPr>
+              <a:t>@lkmsug</a:t>
+            </a:r>
+          </a:p>
+          <a:p>
+            <a:r>
+              <a:rPr lang="en-IN" sz="1200" dirty="0">
+                <a:solidFill>
+                  <a:schemeClr val="bg1"/>
+                </a:solidFill>
+                <a:latin typeface="Arial Nova" panose="020B0504020202020204" pitchFamily="34" charset="0"/>
+              </a:rPr>
+              <a:t>www.lk-mug.org</a:t>
+            </a:r>
+          </a:p>
+        </p:txBody>
+      </p:sp>
+      <p:sp>
+        <p:nvSpPr>
+          <p:cNvPr id="23" name="Rectangle 7">
+            <a:extLst>
+              <a:ext uri="{FF2B5EF4-FFF2-40B4-BE49-F238E27FC236}">
+                <a16:creationId xmlns:a16="http://schemas.microsoft.com/office/drawing/2014/main" id="{AD575721-96A2-41F2-8179-6B854752BE89}"/>
+              </a:ext>
+            </a:extLst>
+          </p:cNvPr>
+          <p:cNvSpPr>
+            <a:spLocks noChangeArrowheads="1"/>
+          </p:cNvSpPr>
+          <p:nvPr/>
+        </p:nvSpPr>
+        <p:spPr bwMode="auto">
+          <a:xfrm>
+            <a:off x="9433245" y="5806024"/>
+            <a:ext cx="2233497" cy="276999"/>
+          </a:xfrm>
+          <a:prstGeom prst="rect">
+            <a:avLst/>
+          </a:prstGeom>
+          <a:noFill/>
+        </p:spPr>
+        <p:txBody>
+          <a:bodyPr wrap="square" rtlCol="0">
+            <a:spAutoFit/>
+          </a:bodyPr>
+          <a:lstStyle/>
+          <a:p>
+            <a:r>
+              <a:rPr lang="en-US" sz="1200" dirty="0">
+                <a:solidFill>
+                  <a:srgbClr val="00B0F0"/>
+                </a:solidFill>
+              </a:rPr>
+              <a:t>linkedin.com/in/joondurandt/</a:t>
+            </a:r>
+          </a:p>
+        </p:txBody>
+      </p:sp>
+      <p:pic>
+        <p:nvPicPr>
+          <p:cNvPr id="3" name="Picture 2">
+            <a:extLst>
+              <a:ext uri="{FF2B5EF4-FFF2-40B4-BE49-F238E27FC236}">
+                <a16:creationId xmlns:a16="http://schemas.microsoft.com/office/drawing/2014/main" id="{97152F8B-5900-4B67-B120-153CAE279DFC}"/>
+              </a:ext>
+            </a:extLst>
+          </p:cNvPr>
+          <p:cNvPicPr>
+            <a:picLocks noChangeAspect="1"/>
+          </p:cNvPicPr>
+          <p:nvPr/>
+        </p:nvPicPr>
+        <p:blipFill>
+          <a:blip r:embed="rId8">
+            <a:extLst>
+              <a:ext uri="{28A0092B-C50C-407E-A947-70E740481C1C}">
+                <a14:useLocalDpi xmlns:a14="http://schemas.microsoft.com/office/drawing/2010/main" val="0"/>
+              </a:ext>
+            </a:extLst>
+          </a:blip>
+          <a:stretch>
+            <a:fillRect/>
+          </a:stretch>
+        </p:blipFill>
+        <p:spPr>
+          <a:xfrm>
+            <a:off x="6356852" y="2319754"/>
+            <a:ext cx="397766" cy="397766"/>
+          </a:xfrm>
+          <a:prstGeom prst="rect">
+            <a:avLst/>
+          </a:prstGeom>
+        </p:spPr>
+      </p:pic>
+      <p:sp>
+        <p:nvSpPr>
+          <p:cNvPr id="5" name="TextBox 4">
+            <a:extLst>
+              <a:ext uri="{FF2B5EF4-FFF2-40B4-BE49-F238E27FC236}">
+                <a16:creationId xmlns:a16="http://schemas.microsoft.com/office/drawing/2014/main" id="{F9240FE3-B8EF-4C5E-B6ED-16E772727D60}"/>
+              </a:ext>
+            </a:extLst>
+          </p:cNvPr>
+          <p:cNvSpPr txBox="1"/>
+          <p:nvPr/>
+        </p:nvSpPr>
+        <p:spPr>
+          <a:xfrm>
+            <a:off x="6728830" y="2216266"/>
+            <a:ext cx="2582440" cy="830997"/>
+          </a:xfrm>
+          <a:prstGeom prst="rect">
+            <a:avLst/>
+          </a:prstGeom>
+          <a:noFill/>
+        </p:spPr>
+        <p:txBody>
+          <a:bodyPr wrap="square" rtlCol="0">
+            <a:spAutoFit/>
+          </a:bodyPr>
+          <a:lstStyle/>
+          <a:p>
+            <a:r>
+              <a:rPr lang="en-IN" sz="1600" dirty="0">
+                <a:solidFill>
+                  <a:schemeClr val="bg1"/>
+                </a:solidFill>
+              </a:rPr>
+              <a:t>Pramerica Services,</a:t>
+            </a:r>
+          </a:p>
+          <a:p>
+            <a:r>
+              <a:rPr lang="en-IN" sz="1600" dirty="0">
+                <a:solidFill>
+                  <a:schemeClr val="bg1"/>
+                </a:solidFill>
+              </a:rPr>
+              <a:t>Letterkenny, Donegal, Ireland</a:t>
+            </a:r>
+          </a:p>
+        </p:txBody>
+      </p:sp>
+      <p:pic>
+        <p:nvPicPr>
+          <p:cNvPr id="1026" name="Picture 2" descr="calendar, calender, date icon">
+            <a:extLst>
+              <a:ext uri="{FF2B5EF4-FFF2-40B4-BE49-F238E27FC236}">
+                <a16:creationId xmlns:a16="http://schemas.microsoft.com/office/drawing/2014/main" id="{A194E95C-ACA5-4062-A9DF-0725A45C929A}"/>
+              </a:ext>
+            </a:extLst>
+          </p:cNvPr>
+          <p:cNvPicPr>
+            <a:picLocks noChangeAspect="1" noChangeArrowheads="1"/>
+          </p:cNvPicPr>
+          <p:nvPr/>
+        </p:nvPicPr>
+        <p:blipFill>
+          <a:blip r:embed="rId9">
+            <a:extLst>
+              <a:ext uri="{28A0092B-C50C-407E-A947-70E740481C1C}">
+                <a14:useLocalDpi xmlns:a14="http://schemas.microsoft.com/office/drawing/2010/main" val="0"/>
+              </a:ext>
+            </a:extLst>
+          </a:blip>
+          <a:srcRect/>
+          <a:stretch>
+            <a:fillRect/>
+          </a:stretch>
+        </p:blipFill>
+        <p:spPr bwMode="auto">
+          <a:xfrm>
+            <a:off x="3478687" y="2335831"/>
+            <a:ext cx="426577" cy="426577"/>
+          </a:xfrm>
+          <a:prstGeom prst="rect">
+            <a:avLst/>
+          </a:prstGeom>
+          <a:noFill/>
+          <a:extLst>
+            <a:ext uri="{909E8E84-426E-40DD-AFC4-6F175D3DCCD1}">
+              <a14:hiddenFill xmlns:a14="http://schemas.microsoft.com/office/drawing/2010/main">
+                <a:solidFill>
+                  <a:srgbClr val="FFFFFF"/>
+                </a:solidFill>
+              </a14:hiddenFill>
+            </a:ext>
+          </a:extLst>
+        </p:spPr>
+      </p:pic>
+      <p:sp>
+        <p:nvSpPr>
+          <p:cNvPr id="25" name="TextBox 24">
+            <a:extLst>
+              <a:ext uri="{FF2B5EF4-FFF2-40B4-BE49-F238E27FC236}">
+                <a16:creationId xmlns:a16="http://schemas.microsoft.com/office/drawing/2014/main" id="{BD901492-721D-4650-8944-B7EA171863C1}"/>
+              </a:ext>
+            </a:extLst>
+          </p:cNvPr>
+          <p:cNvSpPr txBox="1"/>
+          <p:nvPr/>
+        </p:nvSpPr>
+        <p:spPr>
+          <a:xfrm>
+            <a:off x="3874005" y="2262951"/>
+            <a:ext cx="1949154" cy="584775"/>
+          </a:xfrm>
+          <a:prstGeom prst="rect">
+            <a:avLst/>
+          </a:prstGeom>
+          <a:noFill/>
+        </p:spPr>
+        <p:txBody>
+          <a:bodyPr wrap="square" rtlCol="0">
+            <a:spAutoFit/>
+          </a:bodyPr>
+          <a:lstStyle/>
+          <a:p>
+            <a:r>
+              <a:rPr lang="en-IN" sz="1600" dirty="0">
+                <a:solidFill>
+                  <a:schemeClr val="bg1"/>
+                </a:solidFill>
+              </a:rPr>
+              <a:t>Nov 10, 2018</a:t>
+            </a:r>
+          </a:p>
+          <a:p>
+            <a:r>
+              <a:rPr lang="en-IN" sz="1600" dirty="0">
+                <a:solidFill>
+                  <a:schemeClr val="bg1"/>
+                </a:solidFill>
+              </a:rPr>
+              <a:t>9:00AM – 5:30PM</a:t>
+            </a:r>
+          </a:p>
+        </p:txBody>
+      </p:sp>
+      <p:sp>
+        <p:nvSpPr>
+          <p:cNvPr id="9" name="Rectangle 8">
+            <a:extLst>
+              <a:ext uri="{FF2B5EF4-FFF2-40B4-BE49-F238E27FC236}">
+                <a16:creationId xmlns:a16="http://schemas.microsoft.com/office/drawing/2014/main" id="{042168FF-FC13-4CEF-B747-06C68A903AC0}"/>
               </a:ext>
             </a:extLst>
           </p:cNvPr>
@@ -5425,8 +6530,8 @@
         </p:nvSpPr>
         <p:spPr>
           <a:xfrm>
-            <a:off x="5878852" y="3688445"/>
-            <a:ext cx="615874" cy="276999"/>
+            <a:off x="4043617" y="6103586"/>
+            <a:ext cx="4647362" cy="369332"/>
           </a:xfrm>
           <a:prstGeom prst="rect">
             <a:avLst/>
@@ -5439,26 +6544,63 @@
           <a:lstStyle/>
           <a:p>
             <a:r>
-              <a:rPr lang="en-IN" sz="1200" dirty="0">
-                <a:solidFill>
-                  <a:schemeClr val="accent2">
-                    <a:lumMod val="75000"/>
-                  </a:schemeClr>
-                </a:solidFill>
-                <a:latin typeface="Leelawadee" panose="020B0502040204020203" pitchFamily="34" charset="-34"/>
-                <a:cs typeface="Leelawadee" panose="020B0502040204020203" pitchFamily="34" charset="-34"/>
-              </a:rPr>
-              <a:t>When:</a:t>
-            </a:r>
-          </a:p>
-        </p:txBody>
-      </p:sp>
-      <p:sp>
-        <p:nvSpPr>
-          <p:cNvPr id="17" name="Cloud 16">
-            <a:extLst>
-              <a:ext uri="{FF2B5EF4-FFF2-40B4-BE49-F238E27FC236}">
-                <a16:creationId xmlns:a16="http://schemas.microsoft.com/office/drawing/2014/main" id="{A7056E19-F8CC-47FF-9DC7-7FDAB5F6C614}"/>
+              <a:rPr lang="en-IN" dirty="0">
+                <a:solidFill>
+                  <a:schemeClr val="accent2"/>
+                </a:solidFill>
+                <a:latin typeface="Arial Nova" panose="020B0504020202020204" pitchFamily="34" charset="0"/>
+              </a:rPr>
+              <a:t>#mvpbuzz #Office365 #O365DevBootCamp</a:t>
+            </a:r>
+          </a:p>
+        </p:txBody>
+      </p:sp>
+      <p:sp>
+        <p:nvSpPr>
+          <p:cNvPr id="11" name="TextBox 10">
+            <a:extLst>
+              <a:ext uri="{FF2B5EF4-FFF2-40B4-BE49-F238E27FC236}">
+                <a16:creationId xmlns:a16="http://schemas.microsoft.com/office/drawing/2014/main" id="{A36A45C3-4786-4572-9104-B78FFD6DBBDA}"/>
+              </a:ext>
+            </a:extLst>
+          </p:cNvPr>
+          <p:cNvSpPr txBox="1"/>
+          <p:nvPr/>
+        </p:nvSpPr>
+        <p:spPr>
+          <a:xfrm>
+            <a:off x="4848838" y="4525402"/>
+            <a:ext cx="3682766" cy="646331"/>
+          </a:xfrm>
+          <a:prstGeom prst="rect">
+            <a:avLst/>
+          </a:prstGeom>
+          <a:noFill/>
+        </p:spPr>
+        <p:txBody>
+          <a:bodyPr wrap="square" rtlCol="0">
+            <a:spAutoFit/>
+          </a:bodyPr>
+          <a:lstStyle/>
+          <a:p>
+            <a:r>
+              <a:rPr lang="en-GB" dirty="0">
+                <a:solidFill>
+                  <a:schemeClr val="bg1"/>
+                </a:solidFill>
+                <a:latin typeface="Verdana Pro Light" panose="020B0604020202020204" pitchFamily="34" charset="0"/>
+              </a:rPr>
+              <a:t>Build smarter Productivity apps using Microsoft Graph</a:t>
+            </a:r>
+          </a:p>
+        </p:txBody>
+      </p:sp>
+      <p:sp>
+        <p:nvSpPr>
+          <p:cNvPr id="26" name="Rectangle 25">
+            <a:extLst>
+              <a:ext uri="{FF2B5EF4-FFF2-40B4-BE49-F238E27FC236}">
+                <a16:creationId xmlns:a16="http://schemas.microsoft.com/office/drawing/2014/main" id="{5D51E1F4-F174-418A-8A2B-8F3444070D06}"/>
               </a:ext>
             </a:extLst>
           </p:cNvPr>
@@ -5467,15 +6609,20 @@
         </p:nvSpPr>
         <p:spPr>
           <a:xfrm>
-            <a:off x="2721290" y="3570341"/>
-            <a:ext cx="1597487" cy="1046018"/>
-          </a:xfrm>
-          <a:prstGeom prst="cloud">
+            <a:off x="385894" y="1003550"/>
+            <a:ext cx="1092589" cy="1009085"/>
+          </a:xfrm>
+          <a:prstGeom prst="rect">
             <a:avLst/>
           </a:prstGeom>
           <a:solidFill>
-            <a:schemeClr val="bg2"/>
+            <a:srgbClr val="7030A0"/>
           </a:solidFill>
+          <a:ln>
+            <a:solidFill>
+              <a:srgbClr val="7030A0"/>
+            </a:solidFill>
+          </a:ln>
         </p:spPr>
         <p:style>
           <a:lnRef idx="2">
@@ -5497,150 +6644,176 @@
           <a:bodyPr rtlCol="0" anchor="ctr"/>
           <a:lstStyle/>
           <a:p>
-            <a:r>
-              <a:rPr lang="en-IN" sz="1400" b="1" dirty="0">
-                <a:solidFill>
-                  <a:schemeClr val="tx2"/>
-                </a:solidFill>
-                <a:latin typeface="Leelawadee" panose="020B0502040204020203" pitchFamily="34" charset="-34"/>
-                <a:cs typeface="Leelawadee" panose="020B0502040204020203" pitchFamily="34" charset="-34"/>
-              </a:rPr>
-              <a:t>Pramerica</a:t>
-            </a:r>
-          </a:p>
-          <a:p>
-            <a:r>
-              <a:rPr lang="en-IN" sz="1200" dirty="0">
-                <a:solidFill>
-                  <a:schemeClr val="tx2"/>
-                </a:solidFill>
-                <a:latin typeface="Leelawadee" panose="020B0502040204020203" pitchFamily="34" charset="-34"/>
-                <a:cs typeface="Leelawadee" panose="020B0502040204020203" pitchFamily="34" charset="-34"/>
+            <a:pPr marL="144000">
+              <a:lnSpc>
+                <a:spcPts val="2000"/>
+              </a:lnSpc>
+            </a:pPr>
+            <a:r>
+              <a:rPr lang="en-IN" sz="1100" dirty="0">
+                <a:cs typeface="Segoe UI" panose="020B0502040204020203" pitchFamily="34" charset="0"/>
               </a:rPr>
               <a:t>Letterkenny</a:t>
             </a:r>
-            <a:endParaRPr lang="en-IN" sz="1100" dirty="0">
-              <a:solidFill>
-                <a:schemeClr val="tx2"/>
-              </a:solidFill>
-              <a:latin typeface="Leelawadee" panose="020B0502040204020203" pitchFamily="34" charset="-34"/>
-              <a:cs typeface="Leelawadee" panose="020B0502040204020203" pitchFamily="34" charset="-34"/>
-            </a:endParaRPr>
-          </a:p>
-        </p:txBody>
-      </p:sp>
-      <p:sp>
-        <p:nvSpPr>
-          <p:cNvPr id="35" name="Cloud 34">
-            <a:extLst>
-              <a:ext uri="{FF2B5EF4-FFF2-40B4-BE49-F238E27FC236}">
-                <a16:creationId xmlns:a16="http://schemas.microsoft.com/office/drawing/2014/main" id="{E3AC8691-1FA7-4F8E-A760-8D158CBAB980}"/>
-              </a:ext>
-            </a:extLst>
-          </p:cNvPr>
-          <p:cNvSpPr/>
-          <p:nvPr/>
-        </p:nvSpPr>
-        <p:spPr>
-          <a:xfrm>
-            <a:off x="6551552" y="3763036"/>
-            <a:ext cx="1503249" cy="1046018"/>
-          </a:xfrm>
-          <a:prstGeom prst="cloud">
-            <a:avLst/>
-          </a:prstGeom>
-          <a:solidFill>
-            <a:schemeClr val="bg2"/>
-          </a:solidFill>
-        </p:spPr>
-        <p:style>
-          <a:lnRef idx="2">
-            <a:schemeClr val="accent1">
-              <a:shade val="50000"/>
-            </a:schemeClr>
-          </a:lnRef>
-          <a:fillRef idx="1">
-            <a:schemeClr val="accent1"/>
-          </a:fillRef>
-          <a:effectRef idx="0">
-            <a:schemeClr val="accent1"/>
-          </a:effectRef>
-          <a:fontRef idx="minor">
-            <a:schemeClr val="lt1"/>
-          </a:fontRef>
-        </p:style>
-        <p:txBody>
-          <a:bodyPr rtlCol="0" anchor="ctr"/>
-          <a:lstStyle/>
-          <a:p>
-            <a:r>
-              <a:rPr lang="en-IN" sz="1400" b="1" dirty="0">
-                <a:solidFill>
-                  <a:schemeClr val="tx2"/>
-                </a:solidFill>
-                <a:latin typeface="Leelawadee" panose="020B0502040204020203" pitchFamily="34" charset="-34"/>
-                <a:cs typeface="Leelawadee" panose="020B0502040204020203" pitchFamily="34" charset="-34"/>
-              </a:rPr>
-              <a:t>10</a:t>
-            </a:r>
-            <a:r>
-              <a:rPr lang="en-IN" sz="1400" b="1" baseline="30000" dirty="0">
-                <a:solidFill>
-                  <a:schemeClr val="tx2"/>
-                </a:solidFill>
-                <a:latin typeface="Leelawadee" panose="020B0502040204020203" pitchFamily="34" charset="-34"/>
-                <a:cs typeface="Leelawadee" panose="020B0502040204020203" pitchFamily="34" charset="-34"/>
-              </a:rPr>
-              <a:t>th</a:t>
-            </a:r>
-            <a:r>
-              <a:rPr lang="en-IN" sz="1400" b="1" dirty="0">
-                <a:solidFill>
-                  <a:schemeClr val="tx2"/>
-                </a:solidFill>
-                <a:latin typeface="Leelawadee" panose="020B0502040204020203" pitchFamily="34" charset="-34"/>
-                <a:cs typeface="Leelawadee" panose="020B0502040204020203" pitchFamily="34" charset="-34"/>
-              </a:rPr>
-              <a:t> Nov</a:t>
-            </a:r>
-          </a:p>
-          <a:p>
-            <a:r>
-              <a:rPr lang="en-IN" sz="1400" b="1" dirty="0">
-                <a:solidFill>
-                  <a:schemeClr val="tx2"/>
-                </a:solidFill>
-                <a:latin typeface="Leelawadee" panose="020B0502040204020203" pitchFamily="34" charset="-34"/>
-                <a:cs typeface="Leelawadee" panose="020B0502040204020203" pitchFamily="34" charset="-34"/>
-              </a:rPr>
-              <a:t>9:00AM</a:t>
-            </a:r>
-          </a:p>
-          <a:p>
-            <a:r>
-              <a:rPr lang="en-IN" sz="1400" b="1" dirty="0">
-                <a:solidFill>
-                  <a:schemeClr val="tx2"/>
-                </a:solidFill>
-                <a:latin typeface="Leelawadee" panose="020B0502040204020203" pitchFamily="34" charset="-34"/>
-                <a:cs typeface="Leelawadee" panose="020B0502040204020203" pitchFamily="34" charset="-34"/>
-              </a:rPr>
-              <a:t> - 5:30PM</a:t>
-            </a:r>
-            <a:endParaRPr lang="en-IN" sz="1100" dirty="0">
-              <a:solidFill>
-                <a:schemeClr val="tx2"/>
-              </a:solidFill>
-              <a:latin typeface="Leelawadee" panose="020B0502040204020203" pitchFamily="34" charset="-34"/>
-              <a:cs typeface="Leelawadee" panose="020B0502040204020203" pitchFamily="34" charset="-34"/>
-            </a:endParaRPr>
-          </a:p>
-        </p:txBody>
-      </p:sp>
+          </a:p>
+          <a:p>
+            <a:pPr marL="144000">
+              <a:lnSpc>
+                <a:spcPts val="2000"/>
+              </a:lnSpc>
+            </a:pPr>
+            <a:r>
+              <a:rPr lang="en-IN" sz="2400" b="1" dirty="0">
+                <a:cs typeface="Segoe UI" panose="020B0502040204020203" pitchFamily="34" charset="0"/>
+              </a:rPr>
+              <a:t>MUG</a:t>
+            </a:r>
+          </a:p>
+          <a:p>
+            <a:pPr marL="144000">
+              <a:lnSpc>
+                <a:spcPts val="2000"/>
+              </a:lnSpc>
+            </a:pPr>
+            <a:r>
+              <a:rPr lang="en-IN" sz="1400" dirty="0">
+                <a:cs typeface="Segoe UI" panose="020B0502040204020203" pitchFamily="34" charset="0"/>
+              </a:rPr>
+              <a:t>#lkmug</a:t>
+            </a:r>
+          </a:p>
+        </p:txBody>
+      </p:sp>
+      <p:sp>
+        <p:nvSpPr>
+          <p:cNvPr id="40" name="TextBox 39">
+            <a:extLst>
+              <a:ext uri="{FF2B5EF4-FFF2-40B4-BE49-F238E27FC236}">
+                <a16:creationId xmlns:a16="http://schemas.microsoft.com/office/drawing/2014/main" id="{01EC5E8E-26D2-4223-BCAB-AB38E9DECDBA}"/>
+              </a:ext>
+            </a:extLst>
+          </p:cNvPr>
+          <p:cNvSpPr txBox="1"/>
+          <p:nvPr/>
+        </p:nvSpPr>
+        <p:spPr>
+          <a:xfrm>
+            <a:off x="9438838" y="4804249"/>
+            <a:ext cx="2171174" cy="369332"/>
+          </a:xfrm>
+          <a:prstGeom prst="rect">
+            <a:avLst/>
+          </a:prstGeom>
+          <a:noFill/>
+        </p:spPr>
+        <p:txBody>
+          <a:bodyPr wrap="square" rtlCol="0">
+            <a:spAutoFit/>
+          </a:bodyPr>
+          <a:lstStyle/>
+          <a:p>
+            <a:r>
+              <a:rPr lang="en-IN" dirty="0">
+                <a:solidFill>
+                  <a:schemeClr val="bg1"/>
+                </a:solidFill>
+                <a:latin typeface="Arial Nova" panose="020B0504020202020204" pitchFamily="34" charset="0"/>
+              </a:rPr>
+              <a:t>Joon Du Rant</a:t>
+            </a:r>
+          </a:p>
+        </p:txBody>
+      </p:sp>
+      <p:sp>
+        <p:nvSpPr>
+          <p:cNvPr id="19" name="TextBox 18">
+            <a:extLst>
+              <a:ext uri="{FF2B5EF4-FFF2-40B4-BE49-F238E27FC236}">
+                <a16:creationId xmlns:a16="http://schemas.microsoft.com/office/drawing/2014/main" id="{6B97F933-59F7-4C9F-B106-DA972263CD52}"/>
+              </a:ext>
+            </a:extLst>
+          </p:cNvPr>
+          <p:cNvSpPr txBox="1"/>
+          <p:nvPr/>
+        </p:nvSpPr>
+        <p:spPr>
+          <a:xfrm>
+            <a:off x="4842990" y="5304476"/>
+            <a:ext cx="4166548" cy="307777"/>
+          </a:xfrm>
+          <a:prstGeom prst="rect">
+            <a:avLst/>
+          </a:prstGeom>
+          <a:noFill/>
+        </p:spPr>
+        <p:txBody>
+          <a:bodyPr wrap="square" rtlCol="0">
+            <a:spAutoFit/>
+          </a:bodyPr>
+          <a:lstStyle/>
+          <a:p>
+            <a:r>
+              <a:rPr lang="en-US" sz="1400" dirty="0">
+                <a:solidFill>
+                  <a:schemeClr val="bg1"/>
+                </a:solidFill>
+              </a:rPr>
+              <a:t>https://developer.microsoft.com/en-us/graph</a:t>
+            </a:r>
+          </a:p>
+        </p:txBody>
+      </p:sp>
+      <p:pic>
+        <p:nvPicPr>
+          <p:cNvPr id="2054" name="Picture 6" descr="Image result for microsoft graph">
+            <a:extLst>
+              <a:ext uri="{FF2B5EF4-FFF2-40B4-BE49-F238E27FC236}">
+                <a16:creationId xmlns:a16="http://schemas.microsoft.com/office/drawing/2014/main" id="{A00483F9-DDA9-40E6-9DC2-908D9A4A8EA0}"/>
+              </a:ext>
+            </a:extLst>
+          </p:cNvPr>
+          <p:cNvPicPr>
+            <a:picLocks noChangeAspect="1" noChangeArrowheads="1"/>
+          </p:cNvPicPr>
+          <p:nvPr/>
+        </p:nvPicPr>
+        <p:blipFill>
+          <a:blip r:embed="rId10">
+            <a:extLst>
+              <a:ext uri="{28A0092B-C50C-407E-A947-70E740481C1C}">
+                <a14:useLocalDpi xmlns:a14="http://schemas.microsoft.com/office/drawing/2010/main" val="0"/>
+              </a:ext>
+            </a:extLst>
+          </a:blip>
+          <a:srcRect/>
+          <a:stretch>
+            <a:fillRect/>
+          </a:stretch>
+        </p:blipFill>
+        <p:spPr bwMode="auto">
+          <a:xfrm>
+            <a:off x="138548" y="3365011"/>
+            <a:ext cx="4740859" cy="2317095"/>
+          </a:xfrm>
+          <a:prstGeom prst="rect">
+            <a:avLst/>
+          </a:prstGeom>
+          <a:noFill/>
+          <a:extLst>
+            <a:ext uri="{909E8E84-426E-40DD-AFC4-6F175D3DCCD1}">
+              <a14:hiddenFill xmlns:a14="http://schemas.microsoft.com/office/drawing/2010/main">
+                <a:solidFill>
+                  <a:srgbClr val="FFFFFF"/>
+                </a:solidFill>
+              </a14:hiddenFill>
+            </a:ext>
+          </a:extLst>
+        </p:spPr>
+      </p:pic>
     </p:spTree>
     <p:extLst>
       <p:ext uri="{BB962C8B-B14F-4D97-AF65-F5344CB8AC3E}">
-        <p14:creationId xmlns:p14="http://schemas.microsoft.com/office/powerpoint/2010/main" val="424097210"/>
+        <p14:creationId xmlns:p14="http://schemas.microsoft.com/office/powerpoint/2010/main" val="3196265731"/>
       </p:ext>
     </p:extLst>
   </p:cSld>
@@ -5669,10 +6842,10 @@
       </p:grpSpPr>
       <p:sp>
         <p:nvSpPr>
-          <p:cNvPr id="9" name="Rectangle 8">
-            <a:extLst>
-              <a:ext uri="{FF2B5EF4-FFF2-40B4-BE49-F238E27FC236}">
-                <a16:creationId xmlns:a16="http://schemas.microsoft.com/office/drawing/2014/main" id="{6753DDC4-7C48-4558-A26C-E1F6E0133CC7}"/>
+          <p:cNvPr id="2" name="Rectangle 1">
+            <a:extLst>
+              <a:ext uri="{FF2B5EF4-FFF2-40B4-BE49-F238E27FC236}">
+                <a16:creationId xmlns:a16="http://schemas.microsoft.com/office/drawing/2014/main" id="{655D0239-2CE4-4BEA-B25A-99A3E72F15A7}"/>
               </a:ext>
             </a:extLst>
           </p:cNvPr>
@@ -5681,18 +6854,19 @@
         </p:nvSpPr>
         <p:spPr>
           <a:xfrm>
-            <a:off x="1939637" y="1174459"/>
-            <a:ext cx="7148946" cy="4350420"/>
-          </a:xfrm>
-          <a:prstGeom prst="rect">
-            <a:avLst/>
-          </a:prstGeom>
-          <a:solidFill>
-            <a:schemeClr val="bg1"/>
-          </a:solidFill>
-          <a:ln w="3175">
+            <a:off x="179199" y="161488"/>
+            <a:ext cx="11833602" cy="6535024"/>
+          </a:xfrm>
+          <a:prstGeom prst="rect">
+            <a:avLst/>
+          </a:prstGeom>
+          <a:noFill/>
+          <a:ln w="12700">
             <a:solidFill>
-              <a:schemeClr val="bg2"/>
+              <a:schemeClr val="tx1">
+                <a:lumMod val="65000"/>
+                <a:lumOff val="35000"/>
+              </a:schemeClr>
             </a:solidFill>
           </a:ln>
         </p:spPr>
@@ -5717,7 +6891,7 @@
           <a:lstStyle/>
           <a:p>
             <a:pPr algn="ctr"/>
-            <a:endParaRPr lang="en-IN"/>
+            <a:endParaRPr lang="en-US"/>
           </a:p>
         </p:txBody>
       </p:sp>
@@ -5726,7 +6900,7 @@
           <p:cNvPr id="6" name="Picture 5">
             <a:extLst>
               <a:ext uri="{FF2B5EF4-FFF2-40B4-BE49-F238E27FC236}">
-                <a16:creationId xmlns:a16="http://schemas.microsoft.com/office/drawing/2014/main" id="{E5EC1FC8-0440-4514-B9ED-854B050F3ADF}"/>
+                <a16:creationId xmlns:a16="http://schemas.microsoft.com/office/drawing/2014/main" id="{84974FFD-941E-471D-973D-C316B2DC5257}"/>
               </a:ext>
             </a:extLst>
           </p:cNvPr>
@@ -5749,8 +6923,8 @@
         </p:blipFill>
         <p:spPr>
           <a:xfrm>
-            <a:off x="3273568" y="2029340"/>
-            <a:ext cx="4953000" cy="1333500"/>
+            <a:off x="2436653" y="683703"/>
+            <a:ext cx="6346621" cy="1708706"/>
           </a:xfrm>
           <a:prstGeom prst="rect">
             <a:avLst/>
@@ -5759,389 +6933,10 @@
       </p:pic>
       <p:sp>
         <p:nvSpPr>
-          <p:cNvPr id="7" name="TextBox 6">
-            <a:extLst>
-              <a:ext uri="{FF2B5EF4-FFF2-40B4-BE49-F238E27FC236}">
-                <a16:creationId xmlns:a16="http://schemas.microsoft.com/office/drawing/2014/main" id="{73CA501D-0783-4580-B550-3C2E433EFC78}"/>
-              </a:ext>
-            </a:extLst>
-          </p:cNvPr>
-          <p:cNvSpPr txBox="1"/>
-          <p:nvPr/>
-        </p:nvSpPr>
-        <p:spPr>
-          <a:xfrm>
-            <a:off x="4811284" y="3368597"/>
-            <a:ext cx="1094467" cy="276999"/>
-          </a:xfrm>
-          <a:prstGeom prst="rect">
-            <a:avLst/>
-          </a:prstGeom>
-          <a:noFill/>
-        </p:spPr>
-        <p:txBody>
-          <a:bodyPr wrap="square" rtlCol="0">
-            <a:spAutoFit/>
-          </a:bodyPr>
-          <a:lstStyle/>
-          <a:p>
-            <a:r>
-              <a:rPr lang="en-IN" sz="1200" dirty="0">
-                <a:ln w="0"/>
-                <a:solidFill>
-                  <a:schemeClr val="tx2"/>
-                </a:solidFill>
-                <a:effectLst>
-                  <a:outerShdw blurRad="38100" dist="19050" dir="2700000" algn="tl" rotWithShape="0">
-                    <a:schemeClr val="dk1">
-                      <a:alpha val="40000"/>
-                    </a:schemeClr>
-                  </a:outerShdw>
-                </a:effectLst>
-                <a:latin typeface="MV Boli" panose="02000500030200090000" pitchFamily="2" charset="0"/>
-                <a:cs typeface="MV Boli" panose="02000500030200090000" pitchFamily="2" charset="0"/>
-              </a:rPr>
-              <a:t>Hosted by</a:t>
-            </a:r>
-          </a:p>
-        </p:txBody>
-      </p:sp>
-      <p:pic>
-        <p:nvPicPr>
-          <p:cNvPr id="1032" name="Picture 8" descr="Image result for azure logo 2018">
-            <a:extLst>
-              <a:ext uri="{FF2B5EF4-FFF2-40B4-BE49-F238E27FC236}">
-                <a16:creationId xmlns:a16="http://schemas.microsoft.com/office/drawing/2014/main" id="{8660A130-4158-45B2-B372-6F95D59AFF72}"/>
-              </a:ext>
-            </a:extLst>
-          </p:cNvPr>
-          <p:cNvPicPr>
-            <a:picLocks noChangeAspect="1" noChangeArrowheads="1"/>
-          </p:cNvPicPr>
-          <p:nvPr/>
-        </p:nvPicPr>
-        <p:blipFill>
-          <a:blip r:embed="rId3">
-            <a:extLst>
-              <a:ext uri="{28A0092B-C50C-407E-A947-70E740481C1C}">
-                <a14:useLocalDpi xmlns:a14="http://schemas.microsoft.com/office/drawing/2010/main" val="0"/>
-              </a:ext>
-            </a:extLst>
-          </a:blip>
-          <a:srcRect/>
-          <a:stretch>
-            <a:fillRect/>
-          </a:stretch>
-        </p:blipFill>
-        <p:spPr bwMode="auto">
-          <a:xfrm>
-            <a:off x="2041369" y="1090957"/>
-            <a:ext cx="1596482" cy="834161"/>
-          </a:xfrm>
-          <a:prstGeom prst="rect">
-            <a:avLst/>
-          </a:prstGeom>
-          <a:noFill/>
-          <a:extLst>
-            <a:ext uri="{909E8E84-426E-40DD-AFC4-6F175D3DCCD1}">
-              <a14:hiddenFill xmlns:a14="http://schemas.microsoft.com/office/drawing/2010/main">
-                <a:solidFill>
-                  <a:srgbClr val="FFFFFF"/>
-                </a:solidFill>
-              </a14:hiddenFill>
-            </a:ext>
-          </a:extLst>
-        </p:spPr>
-      </p:pic>
-      <p:pic>
-        <p:nvPicPr>
-          <p:cNvPr id="1042" name="Picture 18" descr="Image result for sharepoint pnp">
-            <a:extLst>
-              <a:ext uri="{FF2B5EF4-FFF2-40B4-BE49-F238E27FC236}">
-                <a16:creationId xmlns:a16="http://schemas.microsoft.com/office/drawing/2014/main" id="{7A970780-D166-4668-BD63-50F261D2CE5E}"/>
-              </a:ext>
-            </a:extLst>
-          </p:cNvPr>
-          <p:cNvPicPr>
-            <a:picLocks noChangeAspect="1" noChangeArrowheads="1"/>
-          </p:cNvPicPr>
-          <p:nvPr/>
-        </p:nvPicPr>
-        <p:blipFill>
-          <a:blip r:embed="rId4">
-            <a:extLst>
-              <a:ext uri="{28A0092B-C50C-407E-A947-70E740481C1C}">
-                <a14:useLocalDpi xmlns:a14="http://schemas.microsoft.com/office/drawing/2010/main" val="0"/>
-              </a:ext>
-            </a:extLst>
-          </a:blip>
-          <a:srcRect/>
-          <a:stretch>
-            <a:fillRect/>
-          </a:stretch>
-        </p:blipFill>
-        <p:spPr bwMode="auto">
-          <a:xfrm>
-            <a:off x="6966621" y="1274324"/>
-            <a:ext cx="1435245" cy="522293"/>
-          </a:xfrm>
-          <a:prstGeom prst="rect">
-            <a:avLst/>
-          </a:prstGeom>
-          <a:noFill/>
-          <a:extLst>
-            <a:ext uri="{909E8E84-426E-40DD-AFC4-6F175D3DCCD1}">
-              <a14:hiddenFill xmlns:a14="http://schemas.microsoft.com/office/drawing/2010/main">
-                <a:solidFill>
-                  <a:srgbClr val="FFFFFF"/>
-                </a:solidFill>
-              </a14:hiddenFill>
-            </a:ext>
-          </a:extLst>
-        </p:spPr>
-      </p:pic>
-      <p:pic>
-        <p:nvPicPr>
-          <p:cNvPr id="1044" name="Picture 20" descr="Image result for github logo">
-            <a:extLst>
-              <a:ext uri="{FF2B5EF4-FFF2-40B4-BE49-F238E27FC236}">
-                <a16:creationId xmlns:a16="http://schemas.microsoft.com/office/drawing/2014/main" id="{7650AAB2-FCC3-4F9E-A34E-FBB847593501}"/>
-              </a:ext>
-            </a:extLst>
-          </p:cNvPr>
-          <p:cNvPicPr>
-            <a:picLocks noChangeAspect="1" noChangeArrowheads="1"/>
-          </p:cNvPicPr>
-          <p:nvPr/>
-        </p:nvPicPr>
-        <p:blipFill>
-          <a:blip r:embed="rId5">
-            <a:extLst>
-              <a:ext uri="{28A0092B-C50C-407E-A947-70E740481C1C}">
-                <a14:useLocalDpi xmlns:a14="http://schemas.microsoft.com/office/drawing/2010/main" val="0"/>
-              </a:ext>
-            </a:extLst>
-          </a:blip>
-          <a:srcRect/>
-          <a:stretch>
-            <a:fillRect/>
-          </a:stretch>
-        </p:blipFill>
-        <p:spPr bwMode="auto">
-          <a:xfrm>
-            <a:off x="8341476" y="1266928"/>
-            <a:ext cx="650147" cy="540435"/>
-          </a:xfrm>
-          <a:prstGeom prst="rect">
-            <a:avLst/>
-          </a:prstGeom>
-          <a:noFill/>
-          <a:extLst>
-            <a:ext uri="{909E8E84-426E-40DD-AFC4-6F175D3DCCD1}">
-              <a14:hiddenFill xmlns:a14="http://schemas.microsoft.com/office/drawing/2010/main">
-                <a:solidFill>
-                  <a:srgbClr val="FFFFFF"/>
-                </a:solidFill>
-              </a14:hiddenFill>
-            </a:ext>
-          </a:extLst>
-        </p:spPr>
-      </p:pic>
-      <p:pic>
-        <p:nvPicPr>
-          <p:cNvPr id="8" name="Picture 7">
-            <a:extLst>
-              <a:ext uri="{FF2B5EF4-FFF2-40B4-BE49-F238E27FC236}">
-                <a16:creationId xmlns:a16="http://schemas.microsoft.com/office/drawing/2014/main" id="{A69A64EC-D410-4ABF-AFD1-38CB2F0EB18C}"/>
-              </a:ext>
-            </a:extLst>
-          </p:cNvPr>
-          <p:cNvPicPr>
-            <a:picLocks noChangeAspect="1"/>
-          </p:cNvPicPr>
-          <p:nvPr/>
-        </p:nvPicPr>
-        <p:blipFill>
-          <a:blip r:embed="rId6"/>
-          <a:stretch>
-            <a:fillRect/>
-          </a:stretch>
-        </p:blipFill>
-        <p:spPr>
-          <a:xfrm>
-            <a:off x="5878852" y="1314962"/>
-            <a:ext cx="1175171" cy="484991"/>
-          </a:xfrm>
-          <a:prstGeom prst="rect">
-            <a:avLst/>
-          </a:prstGeom>
-        </p:spPr>
-      </p:pic>
-      <p:pic>
-        <p:nvPicPr>
-          <p:cNvPr id="13" name="Picture 12">
-            <a:extLst>
-              <a:ext uri="{FF2B5EF4-FFF2-40B4-BE49-F238E27FC236}">
-                <a16:creationId xmlns:a16="http://schemas.microsoft.com/office/drawing/2014/main" id="{E839E819-1252-4479-8DBE-0B893882DB7C}"/>
-              </a:ext>
-            </a:extLst>
-          </p:cNvPr>
-          <p:cNvPicPr>
-            <a:picLocks noChangeAspect="1"/>
-          </p:cNvPicPr>
-          <p:nvPr/>
-        </p:nvPicPr>
-        <p:blipFill>
-          <a:blip r:embed="rId7"/>
-          <a:stretch>
-            <a:fillRect/>
-          </a:stretch>
-        </p:blipFill>
-        <p:spPr>
-          <a:xfrm>
-            <a:off x="2175150" y="2048389"/>
-            <a:ext cx="664460" cy="1333501"/>
-          </a:xfrm>
-          <a:prstGeom prst="rect">
-            <a:avLst/>
-          </a:prstGeom>
-        </p:spPr>
-      </p:pic>
-      <p:pic>
-        <p:nvPicPr>
-          <p:cNvPr id="14" name="Picture 2" descr="Office Development">
-            <a:extLst>
-              <a:ext uri="{FF2B5EF4-FFF2-40B4-BE49-F238E27FC236}">
-                <a16:creationId xmlns:a16="http://schemas.microsoft.com/office/drawing/2014/main" id="{B6FD555C-40D9-4D85-B395-3CDD76247D70}"/>
-              </a:ext>
-            </a:extLst>
-          </p:cNvPr>
-          <p:cNvPicPr>
-            <a:picLocks noChangeAspect="1" noChangeArrowheads="1"/>
-          </p:cNvPicPr>
-          <p:nvPr/>
-        </p:nvPicPr>
-        <p:blipFill>
-          <a:blip r:embed="rId8">
-            <a:extLst>
-              <a:ext uri="{28A0092B-C50C-407E-A947-70E740481C1C}">
-                <a14:useLocalDpi xmlns:a14="http://schemas.microsoft.com/office/drawing/2010/main" val="0"/>
-              </a:ext>
-            </a:extLst>
-          </a:blip>
-          <a:srcRect/>
-          <a:stretch>
-            <a:fillRect/>
-          </a:stretch>
-        </p:blipFill>
-        <p:spPr bwMode="auto">
-          <a:xfrm>
-            <a:off x="4661658" y="1333122"/>
-            <a:ext cx="1133980" cy="457200"/>
-          </a:xfrm>
-          <a:prstGeom prst="rect">
-            <a:avLst/>
-          </a:prstGeom>
-          <a:noFill/>
-          <a:extLst>
-            <a:ext uri="{909E8E84-426E-40DD-AFC4-6F175D3DCCD1}">
-              <a14:hiddenFill xmlns:a14="http://schemas.microsoft.com/office/drawing/2010/main">
-                <a:solidFill>
-                  <a:srgbClr val="FFFFFF"/>
-                </a:solidFill>
-              </a14:hiddenFill>
-            </a:ext>
-          </a:extLst>
-        </p:spPr>
-      </p:pic>
-      <p:sp>
-        <p:nvSpPr>
-          <p:cNvPr id="18" name="TextBox 17">
-            <a:extLst>
-              <a:ext uri="{FF2B5EF4-FFF2-40B4-BE49-F238E27FC236}">
-                <a16:creationId xmlns:a16="http://schemas.microsoft.com/office/drawing/2014/main" id="{810502BE-3D6E-4DB7-8BE2-0C52097A1246}"/>
-              </a:ext>
-            </a:extLst>
-          </p:cNvPr>
-          <p:cNvSpPr txBox="1"/>
-          <p:nvPr/>
-        </p:nvSpPr>
-        <p:spPr>
-          <a:xfrm>
-            <a:off x="7551879" y="2662244"/>
-            <a:ext cx="1076737" cy="492443"/>
-          </a:xfrm>
-          <a:prstGeom prst="rect">
-            <a:avLst/>
-          </a:prstGeom>
-          <a:noFill/>
-        </p:spPr>
-        <p:txBody>
-          <a:bodyPr wrap="square" rtlCol="0">
-            <a:spAutoFit/>
-          </a:bodyPr>
-          <a:lstStyle/>
-          <a:p>
-            <a:r>
-              <a:rPr lang="en-IN" sz="2600" b="1" dirty="0">
-                <a:solidFill>
-                  <a:schemeClr val="bg2">
-                    <a:lumMod val="25000"/>
-                  </a:schemeClr>
-                </a:solidFill>
-                <a:latin typeface="Segoe WP Semibold" panose="020B0702040204020203" pitchFamily="34" charset="0"/>
-                <a:cs typeface="Segoe UI" panose="020B0502040204020203" pitchFamily="34" charset="0"/>
-              </a:rPr>
-              <a:t>2018</a:t>
-            </a:r>
-          </a:p>
-        </p:txBody>
-      </p:sp>
-      <p:sp>
-        <p:nvSpPr>
-          <p:cNvPr id="22" name="TextBox 21">
-            <a:extLst>
-              <a:ext uri="{FF2B5EF4-FFF2-40B4-BE49-F238E27FC236}">
-                <a16:creationId xmlns:a16="http://schemas.microsoft.com/office/drawing/2014/main" id="{10D3D6C3-F174-4763-89D2-0DD95027AE0D}"/>
-              </a:ext>
-            </a:extLst>
-          </p:cNvPr>
-          <p:cNvSpPr txBox="1"/>
-          <p:nvPr/>
-        </p:nvSpPr>
-        <p:spPr>
-          <a:xfrm>
-            <a:off x="7005136" y="1820897"/>
-            <a:ext cx="2691832" cy="276999"/>
-          </a:xfrm>
-          <a:prstGeom prst="rect">
-            <a:avLst/>
-          </a:prstGeom>
-          <a:noFill/>
-        </p:spPr>
-        <p:txBody>
-          <a:bodyPr wrap="square" rtlCol="0">
-            <a:spAutoFit/>
-          </a:bodyPr>
-          <a:lstStyle/>
-          <a:p>
-            <a:r>
-              <a:rPr lang="en-IN" sz="1200" dirty="0">
-                <a:solidFill>
-                  <a:srgbClr val="00B0F0"/>
-                </a:solidFill>
-              </a:rPr>
-              <a:t>#o365devbootcamp #lkmug</a:t>
-            </a:r>
-          </a:p>
-        </p:txBody>
-      </p:sp>
-      <p:sp>
-        <p:nvSpPr>
-          <p:cNvPr id="24" name="Rectangle 23">
-            <a:extLst>
-              <a:ext uri="{FF2B5EF4-FFF2-40B4-BE49-F238E27FC236}">
-                <a16:creationId xmlns:a16="http://schemas.microsoft.com/office/drawing/2014/main" id="{2CF061B8-0995-42B6-8944-AEB84208BC27}"/>
+          <p:cNvPr id="4" name="Rectangle 3">
+            <a:extLst>
+              <a:ext uri="{FF2B5EF4-FFF2-40B4-BE49-F238E27FC236}">
+                <a16:creationId xmlns:a16="http://schemas.microsoft.com/office/drawing/2014/main" id="{F24AE978-AB1C-4882-9984-C3C53C2697D1}"/>
               </a:ext>
             </a:extLst>
           </p:cNvPr>
@@ -6150,199 +6945,20 @@
         </p:nvSpPr>
         <p:spPr>
           <a:xfrm>
-            <a:off x="5534614" y="3282251"/>
-            <a:ext cx="3175870" cy="369332"/>
-          </a:xfrm>
-          <a:prstGeom prst="rect">
-            <a:avLst/>
-          </a:prstGeom>
-          <a:noFill/>
-        </p:spPr>
-        <p:txBody>
-          <a:bodyPr wrap="none" lIns="91440" tIns="45720" rIns="91440" bIns="45720">
-            <a:spAutoFit/>
-          </a:bodyPr>
-          <a:lstStyle/>
-          <a:p>
-            <a:pPr algn="ctr"/>
-            <a:r>
-              <a:rPr lang="en-US" b="1" dirty="0">
-                <a:ln w="10160">
-                  <a:solidFill>
-                    <a:srgbClr val="0070C0"/>
-                  </a:solidFill>
-                  <a:prstDash val="solid"/>
-                </a:ln>
-                <a:solidFill>
-                  <a:srgbClr val="0070C0"/>
-                </a:solidFill>
-                <a:effectLst>
-                  <a:outerShdw blurRad="38100" dist="22860" dir="5400000" algn="tl" rotWithShape="0">
-                    <a:srgbClr val="000000">
-                      <a:alpha val="30000"/>
-                    </a:srgbClr>
-                  </a:outerShdw>
-                </a:effectLst>
-                <a:latin typeface="Ink Free" panose="03080402000500000000" pitchFamily="66" charset="0"/>
-              </a:rPr>
-              <a:t>Letterkenny Dotnet Azure UG</a:t>
-            </a:r>
-          </a:p>
-        </p:txBody>
-      </p:sp>
-      <p:sp>
-        <p:nvSpPr>
-          <p:cNvPr id="11" name="TextBox 10">
-            <a:extLst>
-              <a:ext uri="{FF2B5EF4-FFF2-40B4-BE49-F238E27FC236}">
-                <a16:creationId xmlns:a16="http://schemas.microsoft.com/office/drawing/2014/main" id="{BA595AF8-7A7F-4791-9CFF-7DC9E1C02941}"/>
-              </a:ext>
-            </a:extLst>
-          </p:cNvPr>
-          <p:cNvSpPr txBox="1"/>
-          <p:nvPr/>
-        </p:nvSpPr>
-        <p:spPr>
-          <a:xfrm>
-            <a:off x="2130060" y="4776860"/>
-            <a:ext cx="2349575" cy="276999"/>
-          </a:xfrm>
-          <a:prstGeom prst="rect">
-            <a:avLst/>
-          </a:prstGeom>
-          <a:noFill/>
-        </p:spPr>
-        <p:txBody>
-          <a:bodyPr wrap="square" rtlCol="0">
-            <a:spAutoFit/>
-          </a:bodyPr>
-          <a:lstStyle/>
-          <a:p>
-            <a:r>
-              <a:rPr lang="en-US" sz="1200" b="1" dirty="0">
-                <a:solidFill>
-                  <a:schemeClr val="tx2"/>
-                </a:solidFill>
-                <a:latin typeface="Leelawadee" panose="020B0502040204020203" pitchFamily="34" charset="-34"/>
-                <a:cs typeface="Leelawadee" panose="020B0502040204020203" pitchFamily="34" charset="-34"/>
-              </a:rPr>
-              <a:t>Event Sponsors</a:t>
-            </a:r>
-          </a:p>
-        </p:txBody>
-      </p:sp>
-      <p:pic>
-        <p:nvPicPr>
-          <p:cNvPr id="25" name="Picture 24">
-            <a:extLst>
-              <a:ext uri="{FF2B5EF4-FFF2-40B4-BE49-F238E27FC236}">
-                <a16:creationId xmlns:a16="http://schemas.microsoft.com/office/drawing/2014/main" id="{37068CF9-A9DC-459B-9D00-04EB459242D8}"/>
-              </a:ext>
-            </a:extLst>
-          </p:cNvPr>
-          <p:cNvPicPr>
-            <a:picLocks noChangeAspect="1"/>
-          </p:cNvPicPr>
-          <p:nvPr/>
-        </p:nvPicPr>
-        <p:blipFill>
-          <a:blip r:embed="rId9">
-            <a:extLst>
-              <a:ext uri="{28A0092B-C50C-407E-A947-70E740481C1C}">
-                <a14:useLocalDpi xmlns:a14="http://schemas.microsoft.com/office/drawing/2010/main" val="0"/>
-              </a:ext>
-            </a:extLst>
-          </a:blip>
-          <a:stretch>
-            <a:fillRect/>
-          </a:stretch>
-        </p:blipFill>
-        <p:spPr>
-          <a:xfrm>
-            <a:off x="3521748" y="5012617"/>
-            <a:ext cx="1607145" cy="374150"/>
-          </a:xfrm>
-          <a:prstGeom prst="rect">
-            <a:avLst/>
-          </a:prstGeom>
-        </p:spPr>
-      </p:pic>
-      <p:pic>
-        <p:nvPicPr>
-          <p:cNvPr id="1028" name="Picture 4" descr="Image result for rev debug logo">
-            <a:extLst>
-              <a:ext uri="{FF2B5EF4-FFF2-40B4-BE49-F238E27FC236}">
-                <a16:creationId xmlns:a16="http://schemas.microsoft.com/office/drawing/2014/main" id="{876B9815-458F-4480-BFFC-52F8EDC2D07B}"/>
-              </a:ext>
-            </a:extLst>
-          </p:cNvPr>
-          <p:cNvPicPr>
-            <a:picLocks noChangeAspect="1" noChangeArrowheads="1"/>
-          </p:cNvPicPr>
-          <p:nvPr/>
-        </p:nvPicPr>
-        <p:blipFill>
-          <a:blip r:embed="rId10">
-            <a:extLst>
-              <a:ext uri="{28A0092B-C50C-407E-A947-70E740481C1C}">
-                <a14:useLocalDpi xmlns:a14="http://schemas.microsoft.com/office/drawing/2010/main" val="0"/>
-              </a:ext>
-            </a:extLst>
-          </a:blip>
-          <a:srcRect/>
-          <a:stretch>
-            <a:fillRect/>
-          </a:stretch>
-        </p:blipFill>
-        <p:spPr bwMode="auto">
-          <a:xfrm>
-            <a:off x="5008425" y="4850805"/>
-            <a:ext cx="2054684" cy="735192"/>
-          </a:xfrm>
-          <a:prstGeom prst="rect">
-            <a:avLst/>
-          </a:prstGeom>
-          <a:noFill/>
-          <a:extLst>
-            <a:ext uri="{909E8E84-426E-40DD-AFC4-6F175D3DCCD1}">
-              <a14:hiddenFill xmlns:a14="http://schemas.microsoft.com/office/drawing/2010/main">
-                <a:solidFill>
-                  <a:srgbClr val="FFFFFF"/>
-                </a:solidFill>
-              </a14:hiddenFill>
-            </a:ext>
-          </a:extLst>
-        </p:spPr>
-      </p:pic>
-      <p:sp>
-        <p:nvSpPr>
-          <p:cNvPr id="28" name="Rectangle 27">
-            <a:extLst>
-              <a:ext uri="{FF2B5EF4-FFF2-40B4-BE49-F238E27FC236}">
-                <a16:creationId xmlns:a16="http://schemas.microsoft.com/office/drawing/2014/main" id="{DF87B157-3EA7-4E09-A51A-BAC91DF19860}"/>
-              </a:ext>
-            </a:extLst>
-          </p:cNvPr>
-          <p:cNvSpPr>
-            <a:spLocks/>
-          </p:cNvSpPr>
-          <p:nvPr/>
-        </p:nvSpPr>
-        <p:spPr>
-          <a:xfrm>
-            <a:off x="3697878" y="1333435"/>
-            <a:ext cx="914400" cy="457200"/>
+            <a:off x="385894" y="2088859"/>
+            <a:ext cx="11425805" cy="4488110"/>
           </a:xfrm>
           <a:prstGeom prst="rect">
             <a:avLst/>
           </a:prstGeom>
           <a:solidFill>
-            <a:srgbClr val="7030A0"/>
+            <a:schemeClr val="tx1">
+              <a:lumMod val="85000"/>
+              <a:lumOff val="15000"/>
+            </a:schemeClr>
           </a:solidFill>
           <a:ln>
-            <a:solidFill>
-              <a:srgbClr val="7030A0"/>
-            </a:solidFill>
+            <a:noFill/>
           </a:ln>
         </p:spPr>
         <p:style>
@@ -6362,12 +6978,2934 @@
           </a:fontRef>
         </p:style>
         <p:txBody>
+          <a:bodyPr rtlCol="0" anchor="ctr"/>
+          <a:lstStyle/>
+          <a:p>
+            <a:pPr algn="ctr"/>
+            <a:endParaRPr lang="en-IN" dirty="0"/>
+          </a:p>
+        </p:txBody>
+      </p:sp>
+      <p:pic>
+        <p:nvPicPr>
+          <p:cNvPr id="7" name="Picture 2" descr="Office Development">
+            <a:extLst>
+              <a:ext uri="{FF2B5EF4-FFF2-40B4-BE49-F238E27FC236}">
+                <a16:creationId xmlns:a16="http://schemas.microsoft.com/office/drawing/2014/main" id="{2F278892-9052-4DA4-93F8-FED72843C8F9}"/>
+              </a:ext>
+            </a:extLst>
+          </p:cNvPr>
+          <p:cNvPicPr>
+            <a:picLocks noChangeAspect="1" noChangeArrowheads="1"/>
+          </p:cNvPicPr>
+          <p:nvPr/>
+        </p:nvPicPr>
+        <p:blipFill>
+          <a:blip r:embed="rId3">
+            <a:extLst>
+              <a:ext uri="{28A0092B-C50C-407E-A947-70E740481C1C}">
+                <a14:useLocalDpi xmlns:a14="http://schemas.microsoft.com/office/drawing/2010/main" val="0"/>
+              </a:ext>
+            </a:extLst>
+          </a:blip>
+          <a:srcRect/>
+          <a:stretch>
+            <a:fillRect/>
+          </a:stretch>
+        </p:blipFill>
+        <p:spPr bwMode="auto">
+          <a:xfrm>
+            <a:off x="10041273" y="363855"/>
+            <a:ext cx="1585519" cy="639696"/>
+          </a:xfrm>
+          <a:prstGeom prst="rect">
+            <a:avLst/>
+          </a:prstGeom>
+          <a:noFill/>
+          <a:extLst>
+            <a:ext uri="{909E8E84-426E-40DD-AFC4-6F175D3DCCD1}">
+              <a14:hiddenFill xmlns:a14="http://schemas.microsoft.com/office/drawing/2010/main">
+                <a:solidFill>
+                  <a:srgbClr val="FFFFFF"/>
+                </a:solidFill>
+              </a14:hiddenFill>
+            </a:ext>
+          </a:extLst>
+        </p:spPr>
+      </p:pic>
+      <p:pic>
+        <p:nvPicPr>
+          <p:cNvPr id="8" name="Picture 8" descr="Image result for azure logo 2018">
+            <a:extLst>
+              <a:ext uri="{FF2B5EF4-FFF2-40B4-BE49-F238E27FC236}">
+                <a16:creationId xmlns:a16="http://schemas.microsoft.com/office/drawing/2014/main" id="{97AA1C64-9CB5-4DAB-B6D8-1D8F493CBFDA}"/>
+              </a:ext>
+            </a:extLst>
+          </p:cNvPr>
+          <p:cNvPicPr>
+            <a:picLocks noChangeAspect="1" noChangeArrowheads="1"/>
+          </p:cNvPicPr>
+          <p:nvPr/>
+        </p:nvPicPr>
+        <p:blipFill>
+          <a:blip r:embed="rId4">
+            <a:extLst>
+              <a:ext uri="{28A0092B-C50C-407E-A947-70E740481C1C}">
+                <a14:useLocalDpi xmlns:a14="http://schemas.microsoft.com/office/drawing/2010/main" val="0"/>
+              </a:ext>
+            </a:extLst>
+          </a:blip>
+          <a:srcRect/>
+          <a:stretch>
+            <a:fillRect/>
+          </a:stretch>
+        </p:blipFill>
+        <p:spPr bwMode="auto">
+          <a:xfrm>
+            <a:off x="179199" y="161488"/>
+            <a:ext cx="1998910" cy="1044430"/>
+          </a:xfrm>
+          <a:prstGeom prst="rect">
+            <a:avLst/>
+          </a:prstGeom>
+          <a:noFill/>
+          <a:extLst>
+            <a:ext uri="{909E8E84-426E-40DD-AFC4-6F175D3DCCD1}">
+              <a14:hiddenFill xmlns:a14="http://schemas.microsoft.com/office/drawing/2010/main">
+                <a:solidFill>
+                  <a:srgbClr val="FFFFFF"/>
+                </a:solidFill>
+              </a14:hiddenFill>
+            </a:ext>
+          </a:extLst>
+        </p:spPr>
+      </p:pic>
+      <p:sp>
+        <p:nvSpPr>
+          <p:cNvPr id="10" name="TextBox 9">
+            <a:extLst>
+              <a:ext uri="{FF2B5EF4-FFF2-40B4-BE49-F238E27FC236}">
+                <a16:creationId xmlns:a16="http://schemas.microsoft.com/office/drawing/2014/main" id="{C14FAA99-80D8-41D2-886D-9B65A83B5489}"/>
+              </a:ext>
+            </a:extLst>
+          </p:cNvPr>
+          <p:cNvSpPr txBox="1"/>
+          <p:nvPr/>
+        </p:nvSpPr>
+        <p:spPr>
+          <a:xfrm>
+            <a:off x="4848582" y="3375095"/>
+            <a:ext cx="4073382" cy="1200329"/>
+          </a:xfrm>
+          <a:prstGeom prst="rect">
+            <a:avLst/>
+          </a:prstGeom>
+          <a:noFill/>
+        </p:spPr>
+        <p:txBody>
+          <a:bodyPr wrap="square" rtlCol="0">
+            <a:spAutoFit/>
+          </a:bodyPr>
+          <a:lstStyle/>
+          <a:p>
+            <a:r>
+              <a:rPr lang="en-IN" sz="3600" b="1" dirty="0">
+                <a:solidFill>
+                  <a:schemeClr val="bg1"/>
+                </a:solidFill>
+                <a:latin typeface="Verdana Pro Light" panose="020B0304030504040204" pitchFamily="34" charset="0"/>
+              </a:rPr>
+              <a:t>Keynote &amp; Introduction</a:t>
+            </a:r>
+          </a:p>
+        </p:txBody>
+      </p:sp>
+      <p:pic>
+        <p:nvPicPr>
+          <p:cNvPr id="12" name="Picture 11">
+            <a:extLst>
+              <a:ext uri="{FF2B5EF4-FFF2-40B4-BE49-F238E27FC236}">
+                <a16:creationId xmlns:a16="http://schemas.microsoft.com/office/drawing/2014/main" id="{2A3B408B-3E75-4D68-9F71-857AE6630559}"/>
+              </a:ext>
+            </a:extLst>
+          </p:cNvPr>
+          <p:cNvPicPr>
+            <a:picLocks noChangeAspect="1"/>
+          </p:cNvPicPr>
+          <p:nvPr/>
+        </p:nvPicPr>
+        <p:blipFill>
+          <a:blip r:embed="rId5"/>
+          <a:stretch>
+            <a:fillRect/>
+          </a:stretch>
+        </p:blipFill>
+        <p:spPr>
+          <a:xfrm>
+            <a:off x="9090887" y="336800"/>
+            <a:ext cx="664460" cy="1333501"/>
+          </a:xfrm>
+          <a:prstGeom prst="rect">
+            <a:avLst/>
+          </a:prstGeom>
+        </p:spPr>
+      </p:pic>
+      <p:pic>
+        <p:nvPicPr>
+          <p:cNvPr id="2050" name="Picture 2">
+            <a:extLst>
+              <a:ext uri="{FF2B5EF4-FFF2-40B4-BE49-F238E27FC236}">
+                <a16:creationId xmlns:a16="http://schemas.microsoft.com/office/drawing/2014/main" id="{11DC4FDF-09DC-4E64-927A-6CA47BA47773}"/>
+              </a:ext>
+            </a:extLst>
+          </p:cNvPr>
+          <p:cNvPicPr>
+            <a:picLocks noChangeAspect="1" noChangeArrowheads="1"/>
+          </p:cNvPicPr>
+          <p:nvPr/>
+        </p:nvPicPr>
+        <p:blipFill>
+          <a:blip r:embed="rId6">
+            <a:extLst>
+              <a:ext uri="{28A0092B-C50C-407E-A947-70E740481C1C}">
+                <a14:useLocalDpi xmlns:a14="http://schemas.microsoft.com/office/drawing/2010/main" val="0"/>
+              </a:ext>
+            </a:extLst>
+          </a:blip>
+          <a:stretch>
+            <a:fillRect/>
+          </a:stretch>
+        </p:blipFill>
+        <p:spPr bwMode="auto">
+          <a:xfrm>
+            <a:off x="9372920" y="2881023"/>
+            <a:ext cx="1826955" cy="1826955"/>
+          </a:xfrm>
+          <a:prstGeom prst="ellipse">
+            <a:avLst/>
+          </a:prstGeom>
+          <a:ln w="63500" cap="rnd">
+            <a:solidFill>
+              <a:schemeClr val="bg1">
+                <a:lumMod val="95000"/>
+              </a:schemeClr>
+            </a:solidFill>
+          </a:ln>
+          <a:effectLst>
+            <a:outerShdw blurRad="381000" dist="292100" dir="5400000" sx="-80000" sy="-18000" rotWithShape="0">
+              <a:srgbClr val="000000">
+                <a:alpha val="22000"/>
+              </a:srgbClr>
+            </a:outerShdw>
+          </a:effectLst>
+          <a:scene3d>
+            <a:camera prst="orthographicFront"/>
+            <a:lightRig rig="contrasting" dir="t">
+              <a:rot lat="0" lon="0" rev="3000000"/>
+            </a:lightRig>
+          </a:scene3d>
+          <a:sp3d contourW="7620">
+            <a:bevelT w="95250" h="31750"/>
+            <a:contourClr>
+              <a:srgbClr val="333333"/>
+            </a:contourClr>
+          </a:sp3d>
+          <a:extLst>
+            <a:ext uri="{909E8E84-426E-40DD-AFC4-6F175D3DCCD1}">
+              <a14:hiddenFill xmlns:a14="http://schemas.microsoft.com/office/drawing/2010/main">
+                <a:solidFill>
+                  <a:srgbClr val="FFFFFF"/>
+                </a:solidFill>
+              </a14:hiddenFill>
+            </a:ext>
+          </a:extLst>
+        </p:spPr>
+      </p:pic>
+      <p:sp>
+        <p:nvSpPr>
+          <p:cNvPr id="14" name="TextBox 13">
+            <a:extLst>
+              <a:ext uri="{FF2B5EF4-FFF2-40B4-BE49-F238E27FC236}">
+                <a16:creationId xmlns:a16="http://schemas.microsoft.com/office/drawing/2014/main" id="{FBF76FEC-8382-43FA-B1CE-CC52BC95AF18}"/>
+              </a:ext>
+            </a:extLst>
+          </p:cNvPr>
+          <p:cNvSpPr txBox="1"/>
+          <p:nvPr/>
+        </p:nvSpPr>
+        <p:spPr>
+          <a:xfrm>
+            <a:off x="7394877" y="6755524"/>
+            <a:ext cx="978632" cy="646331"/>
+          </a:xfrm>
+          <a:prstGeom prst="rect">
+            <a:avLst/>
+          </a:prstGeom>
+          <a:noFill/>
+        </p:spPr>
+        <p:txBody>
+          <a:bodyPr wrap="square" rtlCol="0">
+            <a:spAutoFit/>
+          </a:bodyPr>
+          <a:lstStyle/>
+          <a:p>
+            <a:r>
+              <a:rPr lang="en-IN" dirty="0">
+                <a:solidFill>
+                  <a:schemeClr val="bg1"/>
+                </a:solidFill>
+                <a:latin typeface="Arial Nova" panose="020B0504020202020204" pitchFamily="34" charset="0"/>
+              </a:rPr>
+              <a:t>Richard Fisher</a:t>
+            </a:r>
+          </a:p>
+        </p:txBody>
+      </p:sp>
+      <p:sp>
+        <p:nvSpPr>
+          <p:cNvPr id="15" name="TextBox 14">
+            <a:extLst>
+              <a:ext uri="{FF2B5EF4-FFF2-40B4-BE49-F238E27FC236}">
+                <a16:creationId xmlns:a16="http://schemas.microsoft.com/office/drawing/2014/main" id="{A3A8F64E-7F0A-4512-B70A-9DEA039295E0}"/>
+              </a:ext>
+            </a:extLst>
+          </p:cNvPr>
+          <p:cNvSpPr txBox="1"/>
+          <p:nvPr/>
+        </p:nvSpPr>
+        <p:spPr>
+          <a:xfrm>
+            <a:off x="9438838" y="5119706"/>
+            <a:ext cx="2367268" cy="523220"/>
+          </a:xfrm>
+          <a:prstGeom prst="rect">
+            <a:avLst/>
+          </a:prstGeom>
+          <a:noFill/>
+        </p:spPr>
+        <p:txBody>
+          <a:bodyPr wrap="square" rtlCol="0">
+            <a:spAutoFit/>
+          </a:bodyPr>
+          <a:lstStyle/>
+          <a:p>
+            <a:r>
+              <a:rPr lang="en-IN" sz="1400" dirty="0">
+                <a:solidFill>
+                  <a:schemeClr val="bg1"/>
+                </a:solidFill>
+              </a:rPr>
+              <a:t>Solutions Architect</a:t>
+            </a:r>
+          </a:p>
+          <a:p>
+            <a:r>
+              <a:rPr lang="en-IN" sz="1400" dirty="0">
+                <a:solidFill>
+                  <a:schemeClr val="bg1"/>
+                </a:solidFill>
+              </a:rPr>
+              <a:t>Pramerica </a:t>
+            </a:r>
+          </a:p>
+        </p:txBody>
+      </p:sp>
+      <p:pic>
+        <p:nvPicPr>
+          <p:cNvPr id="20" name="Picture 19">
+            <a:extLst>
+              <a:ext uri="{FF2B5EF4-FFF2-40B4-BE49-F238E27FC236}">
+                <a16:creationId xmlns:a16="http://schemas.microsoft.com/office/drawing/2014/main" id="{AB116DEF-5B2D-452A-ABEB-23CBF7154C8B}"/>
+              </a:ext>
+            </a:extLst>
+          </p:cNvPr>
+          <p:cNvPicPr>
+            <a:picLocks noChangeAspect="1"/>
+          </p:cNvPicPr>
+          <p:nvPr/>
+        </p:nvPicPr>
+        <p:blipFill>
+          <a:blip r:embed="rId7"/>
+          <a:stretch>
+            <a:fillRect/>
+          </a:stretch>
+        </p:blipFill>
+        <p:spPr>
+          <a:xfrm>
+            <a:off x="10041273" y="1047814"/>
+            <a:ext cx="1510367" cy="623325"/>
+          </a:xfrm>
+          <a:prstGeom prst="rect">
+            <a:avLst/>
+          </a:prstGeom>
+        </p:spPr>
+      </p:pic>
+      <p:sp>
+        <p:nvSpPr>
+          <p:cNvPr id="16" name="TextBox 15">
+            <a:extLst>
+              <a:ext uri="{FF2B5EF4-FFF2-40B4-BE49-F238E27FC236}">
+                <a16:creationId xmlns:a16="http://schemas.microsoft.com/office/drawing/2014/main" id="{11680B4A-784D-4F48-81D9-4B1792C36E96}"/>
+              </a:ext>
+            </a:extLst>
+          </p:cNvPr>
+          <p:cNvSpPr txBox="1"/>
+          <p:nvPr/>
+        </p:nvSpPr>
+        <p:spPr>
+          <a:xfrm>
+            <a:off x="9433245" y="5591301"/>
+            <a:ext cx="1937856" cy="276999"/>
+          </a:xfrm>
+          <a:prstGeom prst="rect">
+            <a:avLst/>
+          </a:prstGeom>
+          <a:noFill/>
+        </p:spPr>
+        <p:txBody>
+          <a:bodyPr wrap="square" rtlCol="0">
+            <a:spAutoFit/>
+          </a:bodyPr>
+          <a:lstStyle/>
+          <a:p>
+            <a:r>
+              <a:rPr lang="en-IN" sz="1200" b="1" dirty="0">
+                <a:solidFill>
+                  <a:srgbClr val="00B0F0"/>
+                </a:solidFill>
+              </a:rPr>
+              <a:t>@RichJFish</a:t>
+            </a:r>
+            <a:endParaRPr lang="en-IN" sz="1200" dirty="0">
+              <a:solidFill>
+                <a:srgbClr val="00B0F0"/>
+              </a:solidFill>
+            </a:endParaRPr>
+          </a:p>
+        </p:txBody>
+      </p:sp>
+      <p:sp>
+        <p:nvSpPr>
+          <p:cNvPr id="22" name="Rectangle 21">
+            <a:extLst>
+              <a:ext uri="{FF2B5EF4-FFF2-40B4-BE49-F238E27FC236}">
+                <a16:creationId xmlns:a16="http://schemas.microsoft.com/office/drawing/2014/main" id="{5DF1B98B-7665-4AC4-99F5-F1D416F6D152}"/>
+              </a:ext>
+            </a:extLst>
+          </p:cNvPr>
+          <p:cNvSpPr/>
+          <p:nvPr/>
+        </p:nvSpPr>
+        <p:spPr>
+          <a:xfrm>
+            <a:off x="472737" y="5964117"/>
+            <a:ext cx="1279709" cy="461665"/>
+          </a:xfrm>
+          <a:prstGeom prst="rect">
+            <a:avLst/>
+          </a:prstGeom>
+        </p:spPr>
+        <p:txBody>
+          <a:bodyPr wrap="none">
+            <a:spAutoFit/>
+          </a:bodyPr>
+          <a:lstStyle/>
+          <a:p>
+            <a:r>
+              <a:rPr lang="en-IN" sz="1200" i="0" strike="noStrike" dirty="0">
+                <a:solidFill>
+                  <a:schemeClr val="bg1"/>
+                </a:solidFill>
+                <a:effectLst/>
+                <a:latin typeface="Arial Nova" panose="020B0504020202020204" pitchFamily="34" charset="0"/>
+              </a:rPr>
+              <a:t>@lkmsug</a:t>
+            </a:r>
+          </a:p>
+          <a:p>
+            <a:r>
+              <a:rPr lang="en-IN" sz="1200" dirty="0">
+                <a:solidFill>
+                  <a:schemeClr val="bg1"/>
+                </a:solidFill>
+                <a:latin typeface="Arial Nova" panose="020B0504020202020204" pitchFamily="34" charset="0"/>
+              </a:rPr>
+              <a:t>www.lk-mug.org</a:t>
+            </a:r>
+          </a:p>
+        </p:txBody>
+      </p:sp>
+      <p:sp>
+        <p:nvSpPr>
+          <p:cNvPr id="23" name="Rectangle 7">
+            <a:extLst>
+              <a:ext uri="{FF2B5EF4-FFF2-40B4-BE49-F238E27FC236}">
+                <a16:creationId xmlns:a16="http://schemas.microsoft.com/office/drawing/2014/main" id="{AD575721-96A2-41F2-8179-6B854752BE89}"/>
+              </a:ext>
+            </a:extLst>
+          </p:cNvPr>
+          <p:cNvSpPr>
+            <a:spLocks noChangeArrowheads="1"/>
+          </p:cNvSpPr>
+          <p:nvPr/>
+        </p:nvSpPr>
+        <p:spPr bwMode="auto">
+          <a:xfrm>
+            <a:off x="9433245" y="5806024"/>
+            <a:ext cx="2233497" cy="276999"/>
+          </a:xfrm>
+          <a:prstGeom prst="rect">
+            <a:avLst/>
+          </a:prstGeom>
+          <a:noFill/>
+        </p:spPr>
+        <p:txBody>
+          <a:bodyPr wrap="square" rtlCol="0">
+            <a:spAutoFit/>
+          </a:bodyPr>
+          <a:lstStyle/>
+          <a:p>
+            <a:r>
+              <a:rPr lang="en-US" sz="1200" dirty="0">
+                <a:solidFill>
+                  <a:srgbClr val="00B0F0"/>
+                </a:solidFill>
+              </a:rPr>
+              <a:t>linkedin.com/in/rjfisher-architect</a:t>
+            </a:r>
+          </a:p>
+        </p:txBody>
+      </p:sp>
+      <p:pic>
+        <p:nvPicPr>
+          <p:cNvPr id="3" name="Picture 2">
+            <a:extLst>
+              <a:ext uri="{FF2B5EF4-FFF2-40B4-BE49-F238E27FC236}">
+                <a16:creationId xmlns:a16="http://schemas.microsoft.com/office/drawing/2014/main" id="{97152F8B-5900-4B67-B120-153CAE279DFC}"/>
+              </a:ext>
+            </a:extLst>
+          </p:cNvPr>
+          <p:cNvPicPr>
+            <a:picLocks noChangeAspect="1"/>
+          </p:cNvPicPr>
+          <p:nvPr/>
+        </p:nvPicPr>
+        <p:blipFill>
+          <a:blip r:embed="rId8">
+            <a:extLst>
+              <a:ext uri="{28A0092B-C50C-407E-A947-70E740481C1C}">
+                <a14:useLocalDpi xmlns:a14="http://schemas.microsoft.com/office/drawing/2010/main" val="0"/>
+              </a:ext>
+            </a:extLst>
+          </a:blip>
+          <a:stretch>
+            <a:fillRect/>
+          </a:stretch>
+        </p:blipFill>
+        <p:spPr>
+          <a:xfrm>
+            <a:off x="6356852" y="2319754"/>
+            <a:ext cx="397766" cy="397766"/>
+          </a:xfrm>
+          <a:prstGeom prst="rect">
+            <a:avLst/>
+          </a:prstGeom>
+        </p:spPr>
+      </p:pic>
+      <p:sp>
+        <p:nvSpPr>
+          <p:cNvPr id="5" name="TextBox 4">
+            <a:extLst>
+              <a:ext uri="{FF2B5EF4-FFF2-40B4-BE49-F238E27FC236}">
+                <a16:creationId xmlns:a16="http://schemas.microsoft.com/office/drawing/2014/main" id="{F9240FE3-B8EF-4C5E-B6ED-16E772727D60}"/>
+              </a:ext>
+            </a:extLst>
+          </p:cNvPr>
+          <p:cNvSpPr txBox="1"/>
+          <p:nvPr/>
+        </p:nvSpPr>
+        <p:spPr>
+          <a:xfrm>
+            <a:off x="6728830" y="2216266"/>
+            <a:ext cx="2582440" cy="830997"/>
+          </a:xfrm>
+          <a:prstGeom prst="rect">
+            <a:avLst/>
+          </a:prstGeom>
+          <a:noFill/>
+        </p:spPr>
+        <p:txBody>
+          <a:bodyPr wrap="square" rtlCol="0">
+            <a:spAutoFit/>
+          </a:bodyPr>
+          <a:lstStyle/>
+          <a:p>
+            <a:r>
+              <a:rPr lang="en-IN" sz="1600" dirty="0">
+                <a:solidFill>
+                  <a:schemeClr val="bg1"/>
+                </a:solidFill>
+              </a:rPr>
+              <a:t>Pramerica Services,</a:t>
+            </a:r>
+          </a:p>
+          <a:p>
+            <a:r>
+              <a:rPr lang="en-IN" sz="1600" dirty="0">
+                <a:solidFill>
+                  <a:schemeClr val="bg1"/>
+                </a:solidFill>
+              </a:rPr>
+              <a:t>Letterkenny, Donegal, Ireland</a:t>
+            </a:r>
+          </a:p>
+        </p:txBody>
+      </p:sp>
+      <p:pic>
+        <p:nvPicPr>
+          <p:cNvPr id="1026" name="Picture 2" descr="calendar, calender, date icon">
+            <a:extLst>
+              <a:ext uri="{FF2B5EF4-FFF2-40B4-BE49-F238E27FC236}">
+                <a16:creationId xmlns:a16="http://schemas.microsoft.com/office/drawing/2014/main" id="{A194E95C-ACA5-4062-A9DF-0725A45C929A}"/>
+              </a:ext>
+            </a:extLst>
+          </p:cNvPr>
+          <p:cNvPicPr>
+            <a:picLocks noChangeAspect="1" noChangeArrowheads="1"/>
+          </p:cNvPicPr>
+          <p:nvPr/>
+        </p:nvPicPr>
+        <p:blipFill>
+          <a:blip r:embed="rId9">
+            <a:extLst>
+              <a:ext uri="{28A0092B-C50C-407E-A947-70E740481C1C}">
+                <a14:useLocalDpi xmlns:a14="http://schemas.microsoft.com/office/drawing/2010/main" val="0"/>
+              </a:ext>
+            </a:extLst>
+          </a:blip>
+          <a:srcRect/>
+          <a:stretch>
+            <a:fillRect/>
+          </a:stretch>
+        </p:blipFill>
+        <p:spPr bwMode="auto">
+          <a:xfrm>
+            <a:off x="3478687" y="2335831"/>
+            <a:ext cx="426577" cy="426577"/>
+          </a:xfrm>
+          <a:prstGeom prst="rect">
+            <a:avLst/>
+          </a:prstGeom>
+          <a:noFill/>
+          <a:extLst>
+            <a:ext uri="{909E8E84-426E-40DD-AFC4-6F175D3DCCD1}">
+              <a14:hiddenFill xmlns:a14="http://schemas.microsoft.com/office/drawing/2010/main">
+                <a:solidFill>
+                  <a:srgbClr val="FFFFFF"/>
+                </a:solidFill>
+              </a14:hiddenFill>
+            </a:ext>
+          </a:extLst>
+        </p:spPr>
+      </p:pic>
+      <p:sp>
+        <p:nvSpPr>
+          <p:cNvPr id="25" name="TextBox 24">
+            <a:extLst>
+              <a:ext uri="{FF2B5EF4-FFF2-40B4-BE49-F238E27FC236}">
+                <a16:creationId xmlns:a16="http://schemas.microsoft.com/office/drawing/2014/main" id="{BD901492-721D-4650-8944-B7EA171863C1}"/>
+              </a:ext>
+            </a:extLst>
+          </p:cNvPr>
+          <p:cNvSpPr txBox="1"/>
+          <p:nvPr/>
+        </p:nvSpPr>
+        <p:spPr>
+          <a:xfrm>
+            <a:off x="3874005" y="2262951"/>
+            <a:ext cx="1949154" cy="584775"/>
+          </a:xfrm>
+          <a:prstGeom prst="rect">
+            <a:avLst/>
+          </a:prstGeom>
+          <a:noFill/>
+        </p:spPr>
+        <p:txBody>
+          <a:bodyPr wrap="square" rtlCol="0">
+            <a:spAutoFit/>
+          </a:bodyPr>
+          <a:lstStyle/>
+          <a:p>
+            <a:r>
+              <a:rPr lang="en-IN" sz="1600" dirty="0">
+                <a:solidFill>
+                  <a:schemeClr val="bg1"/>
+                </a:solidFill>
+              </a:rPr>
+              <a:t>Nov 10, 2018</a:t>
+            </a:r>
+          </a:p>
+          <a:p>
+            <a:r>
+              <a:rPr lang="en-IN" sz="1600" dirty="0">
+                <a:solidFill>
+                  <a:schemeClr val="bg1"/>
+                </a:solidFill>
+              </a:rPr>
+              <a:t>9:00AM – 5:30PM</a:t>
+            </a:r>
+          </a:p>
+        </p:txBody>
+      </p:sp>
+      <p:sp>
+        <p:nvSpPr>
+          <p:cNvPr id="9" name="Rectangle 8">
+            <a:extLst>
+              <a:ext uri="{FF2B5EF4-FFF2-40B4-BE49-F238E27FC236}">
+                <a16:creationId xmlns:a16="http://schemas.microsoft.com/office/drawing/2014/main" id="{042168FF-FC13-4CEF-B747-06C68A903AC0}"/>
+              </a:ext>
+            </a:extLst>
+          </p:cNvPr>
+          <p:cNvSpPr/>
+          <p:nvPr/>
+        </p:nvSpPr>
+        <p:spPr>
+          <a:xfrm>
+            <a:off x="4043617" y="6103586"/>
+            <a:ext cx="4647362" cy="369332"/>
+          </a:xfrm>
+          <a:prstGeom prst="rect">
+            <a:avLst/>
+          </a:prstGeom>
+        </p:spPr>
+        <p:txBody>
+          <a:bodyPr wrap="none">
+            <a:spAutoFit/>
+          </a:bodyPr>
+          <a:lstStyle/>
+          <a:p>
+            <a:r>
+              <a:rPr lang="en-IN" dirty="0">
+                <a:solidFill>
+                  <a:schemeClr val="accent2"/>
+                </a:solidFill>
+                <a:latin typeface="Arial Nova" panose="020B0504020202020204" pitchFamily="34" charset="0"/>
+              </a:rPr>
+              <a:t>#mvpbuzz #Office365 #O365DevBootCamp</a:t>
+            </a:r>
+          </a:p>
+        </p:txBody>
+      </p:sp>
+      <p:sp>
+        <p:nvSpPr>
+          <p:cNvPr id="11" name="TextBox 10">
+            <a:extLst>
+              <a:ext uri="{FF2B5EF4-FFF2-40B4-BE49-F238E27FC236}">
+                <a16:creationId xmlns:a16="http://schemas.microsoft.com/office/drawing/2014/main" id="{A36A45C3-4786-4572-9104-B78FFD6DBBDA}"/>
+              </a:ext>
+            </a:extLst>
+          </p:cNvPr>
+          <p:cNvSpPr txBox="1"/>
+          <p:nvPr/>
+        </p:nvSpPr>
+        <p:spPr>
+          <a:xfrm>
+            <a:off x="4848838" y="4525402"/>
+            <a:ext cx="3682766" cy="646331"/>
+          </a:xfrm>
+          <a:prstGeom prst="rect">
+            <a:avLst/>
+          </a:prstGeom>
+          <a:noFill/>
+        </p:spPr>
+        <p:txBody>
+          <a:bodyPr wrap="square" rtlCol="0">
+            <a:spAutoFit/>
+          </a:bodyPr>
+          <a:lstStyle/>
+          <a:p>
+            <a:r>
+              <a:rPr lang="en-GB" dirty="0">
+                <a:solidFill>
+                  <a:schemeClr val="bg1"/>
+                </a:solidFill>
+                <a:latin typeface="Verdana Pro Light" panose="020B0604020202020204" pitchFamily="34" charset="0"/>
+              </a:rPr>
+              <a:t>Introduction to Office 365 Developer Landscape</a:t>
+            </a:r>
+          </a:p>
+        </p:txBody>
+      </p:sp>
+      <p:sp>
+        <p:nvSpPr>
+          <p:cNvPr id="26" name="Rectangle 25">
+            <a:extLst>
+              <a:ext uri="{FF2B5EF4-FFF2-40B4-BE49-F238E27FC236}">
+                <a16:creationId xmlns:a16="http://schemas.microsoft.com/office/drawing/2014/main" id="{5D51E1F4-F174-418A-8A2B-8F3444070D06}"/>
+              </a:ext>
+            </a:extLst>
+          </p:cNvPr>
+          <p:cNvSpPr/>
+          <p:nvPr/>
+        </p:nvSpPr>
+        <p:spPr>
+          <a:xfrm>
+            <a:off x="385894" y="1003550"/>
+            <a:ext cx="1092589" cy="1009085"/>
+          </a:xfrm>
+          <a:prstGeom prst="rect">
+            <a:avLst/>
+          </a:prstGeom>
+          <a:solidFill>
+            <a:srgbClr val="7030A0"/>
+          </a:solidFill>
+          <a:ln>
+            <a:solidFill>
+              <a:srgbClr val="7030A0"/>
+            </a:solidFill>
+          </a:ln>
+        </p:spPr>
+        <p:style>
+          <a:lnRef idx="2">
+            <a:schemeClr val="accent1">
+              <a:shade val="50000"/>
+            </a:schemeClr>
+          </a:lnRef>
+          <a:fillRef idx="1">
+            <a:schemeClr val="accent1"/>
+          </a:fillRef>
+          <a:effectRef idx="0">
+            <a:schemeClr val="accent1"/>
+          </a:effectRef>
+          <a:fontRef idx="minor">
+            <a:schemeClr val="lt1"/>
+          </a:fontRef>
+        </p:style>
+        <p:txBody>
+          <a:bodyPr rtlCol="0" anchor="ctr"/>
+          <a:lstStyle/>
+          <a:p>
+            <a:pPr marL="144000">
+              <a:lnSpc>
+                <a:spcPts val="2000"/>
+              </a:lnSpc>
+            </a:pPr>
+            <a:r>
+              <a:rPr lang="en-IN" sz="1100" dirty="0">
+                <a:cs typeface="Segoe UI" panose="020B0502040204020203" pitchFamily="34" charset="0"/>
+              </a:rPr>
+              <a:t>Letterkenny</a:t>
+            </a:r>
+          </a:p>
+          <a:p>
+            <a:pPr marL="144000">
+              <a:lnSpc>
+                <a:spcPts val="2000"/>
+              </a:lnSpc>
+            </a:pPr>
+            <a:r>
+              <a:rPr lang="en-IN" sz="2400" b="1" dirty="0">
+                <a:cs typeface="Segoe UI" panose="020B0502040204020203" pitchFamily="34" charset="0"/>
+              </a:rPr>
+              <a:t>MUG</a:t>
+            </a:r>
+          </a:p>
+          <a:p>
+            <a:pPr marL="144000">
+              <a:lnSpc>
+                <a:spcPts val="2000"/>
+              </a:lnSpc>
+            </a:pPr>
+            <a:r>
+              <a:rPr lang="en-IN" sz="1400" dirty="0">
+                <a:cs typeface="Segoe UI" panose="020B0502040204020203" pitchFamily="34" charset="0"/>
+              </a:rPr>
+              <a:t>#lkmug</a:t>
+            </a:r>
+          </a:p>
+        </p:txBody>
+      </p:sp>
+      <p:sp>
+        <p:nvSpPr>
+          <p:cNvPr id="40" name="TextBox 39">
+            <a:extLst>
+              <a:ext uri="{FF2B5EF4-FFF2-40B4-BE49-F238E27FC236}">
+                <a16:creationId xmlns:a16="http://schemas.microsoft.com/office/drawing/2014/main" id="{01EC5E8E-26D2-4223-BCAB-AB38E9DECDBA}"/>
+              </a:ext>
+            </a:extLst>
+          </p:cNvPr>
+          <p:cNvSpPr txBox="1"/>
+          <p:nvPr/>
+        </p:nvSpPr>
+        <p:spPr>
+          <a:xfrm>
+            <a:off x="9438838" y="4804249"/>
+            <a:ext cx="2171174" cy="369332"/>
+          </a:xfrm>
+          <a:prstGeom prst="rect">
+            <a:avLst/>
+          </a:prstGeom>
+          <a:noFill/>
+        </p:spPr>
+        <p:txBody>
+          <a:bodyPr wrap="square" rtlCol="0">
+            <a:spAutoFit/>
+          </a:bodyPr>
+          <a:lstStyle/>
+          <a:p>
+            <a:r>
+              <a:rPr lang="en-IN" dirty="0">
+                <a:solidFill>
+                  <a:schemeClr val="bg1"/>
+                </a:solidFill>
+                <a:latin typeface="Arial Nova" panose="020B0504020202020204" pitchFamily="34" charset="0"/>
+              </a:rPr>
+              <a:t>Richard Fisher</a:t>
+            </a:r>
+          </a:p>
+        </p:txBody>
+      </p:sp>
+      <p:grpSp>
+        <p:nvGrpSpPr>
+          <p:cNvPr id="18" name="Group 17">
+            <a:extLst>
+              <a:ext uri="{FF2B5EF4-FFF2-40B4-BE49-F238E27FC236}">
+                <a16:creationId xmlns:a16="http://schemas.microsoft.com/office/drawing/2014/main" id="{C76F1ACE-86AA-4227-A3C6-AC40CC4C336A}"/>
+              </a:ext>
+            </a:extLst>
+          </p:cNvPr>
+          <p:cNvGrpSpPr/>
+          <p:nvPr/>
+        </p:nvGrpSpPr>
+        <p:grpSpPr>
+          <a:xfrm>
+            <a:off x="444319" y="3077379"/>
+            <a:ext cx="4398671" cy="2886738"/>
+            <a:chOff x="508624" y="2983599"/>
+            <a:chExt cx="4205990" cy="2735551"/>
+          </a:xfrm>
+        </p:grpSpPr>
+        <p:pic>
+          <p:nvPicPr>
+            <p:cNvPr id="2052" name="Picture 4" descr="Image result for office 365 tools">
+              <a:extLst>
+                <a:ext uri="{FF2B5EF4-FFF2-40B4-BE49-F238E27FC236}">
+                  <a16:creationId xmlns:a16="http://schemas.microsoft.com/office/drawing/2014/main" id="{EA43C414-9B02-4DD8-9062-7E263D7F2BF2}"/>
+                </a:ext>
+              </a:extLst>
+            </p:cNvPr>
+            <p:cNvPicPr>
+              <a:picLocks noChangeAspect="1" noChangeArrowheads="1"/>
+            </p:cNvPicPr>
+            <p:nvPr/>
+          </p:nvPicPr>
+          <p:blipFill>
+            <a:blip r:embed="rId10">
+              <a:extLst>
+                <a:ext uri="{28A0092B-C50C-407E-A947-70E740481C1C}">
+                  <a14:useLocalDpi xmlns:a14="http://schemas.microsoft.com/office/drawing/2010/main" val="0"/>
+                </a:ext>
+              </a:extLst>
+            </a:blip>
+            <a:srcRect/>
+            <a:stretch>
+              <a:fillRect/>
+            </a:stretch>
+          </p:blipFill>
+          <p:spPr bwMode="auto">
+            <a:xfrm>
+              <a:off x="508624" y="2983599"/>
+              <a:ext cx="3925410" cy="2659327"/>
+            </a:xfrm>
+            <a:prstGeom prst="rect">
+              <a:avLst/>
+            </a:prstGeom>
+            <a:noFill/>
+            <a:extLst>
+              <a:ext uri="{909E8E84-426E-40DD-AFC4-6F175D3DCCD1}">
+                <a14:hiddenFill xmlns:a14="http://schemas.microsoft.com/office/drawing/2010/main">
+                  <a:solidFill>
+                    <a:srgbClr val="FFFFFF"/>
+                  </a:solidFill>
+                </a14:hiddenFill>
+              </a:ext>
+            </a:extLst>
+          </p:spPr>
+        </p:pic>
+        <p:sp>
+          <p:nvSpPr>
+            <p:cNvPr id="17" name="Rectangle 16">
+              <a:extLst>
+                <a:ext uri="{FF2B5EF4-FFF2-40B4-BE49-F238E27FC236}">
+                  <a16:creationId xmlns:a16="http://schemas.microsoft.com/office/drawing/2014/main" id="{F0CB5E00-97EA-475B-A02F-52AA85AADAF1}"/>
+                </a:ext>
+              </a:extLst>
+            </p:cNvPr>
+            <p:cNvSpPr/>
+            <p:nvPr/>
+          </p:nvSpPr>
+          <p:spPr>
+            <a:xfrm>
+              <a:off x="3458050" y="5519956"/>
+              <a:ext cx="1256563" cy="199194"/>
+            </a:xfrm>
+            <a:prstGeom prst="rect">
+              <a:avLst/>
+            </a:prstGeom>
+            <a:solidFill>
+              <a:schemeClr val="tx1">
+                <a:lumMod val="85000"/>
+                <a:lumOff val="15000"/>
+              </a:schemeClr>
+            </a:solidFill>
+            <a:ln>
+              <a:noFill/>
+            </a:ln>
+          </p:spPr>
+          <p:style>
+            <a:lnRef idx="2">
+              <a:schemeClr val="accent1">
+                <a:shade val="50000"/>
+              </a:schemeClr>
+            </a:lnRef>
+            <a:fillRef idx="1">
+              <a:schemeClr val="accent1"/>
+            </a:fillRef>
+            <a:effectRef idx="0">
+              <a:schemeClr val="accent1"/>
+            </a:effectRef>
+            <a:fontRef idx="minor">
+              <a:schemeClr val="lt1"/>
+            </a:fontRef>
+          </p:style>
+          <p:txBody>
+            <a:bodyPr rtlCol="0" anchor="ctr"/>
+            <a:lstStyle/>
+            <a:p>
+              <a:pPr algn="ctr"/>
+              <a:endParaRPr lang="en-US"/>
+            </a:p>
+          </p:txBody>
+        </p:sp>
+      </p:grpSp>
+    </p:spTree>
+    <p:extLst>
+      <p:ext uri="{BB962C8B-B14F-4D97-AF65-F5344CB8AC3E}">
+        <p14:creationId xmlns:p14="http://schemas.microsoft.com/office/powerpoint/2010/main" val="3734081573"/>
+      </p:ext>
+    </p:extLst>
+  </p:cSld>
+  <p:clrMapOvr>
+    <a:masterClrMapping/>
+  </p:clrMapOvr>
+</p:sld>
+</file>
+
+<file path=ppt/slides/slide5.xml><?xml version="1.0" encoding="utf-8"?>
+<p:sld xmlns:a="http://schemas.openxmlformats.org/drawingml/2006/main" xmlns:r="http://schemas.openxmlformats.org/officeDocument/2006/relationships" xmlns:p="http://schemas.openxmlformats.org/presentationml/2006/main">
+  <p:cSld>
+    <p:spTree>
+      <p:nvGrpSpPr>
+        <p:cNvPr id="1" name=""/>
+        <p:cNvGrpSpPr/>
+        <p:nvPr/>
+      </p:nvGrpSpPr>
+      <p:grpSpPr>
+        <a:xfrm>
+          <a:off x="0" y="0"/>
+          <a:ext cx="0" cy="0"/>
+          <a:chOff x="0" y="0"/>
+          <a:chExt cx="0" cy="0"/>
+        </a:xfrm>
+      </p:grpSpPr>
+      <p:sp>
+        <p:nvSpPr>
+          <p:cNvPr id="2" name="Rectangle 1">
+            <a:extLst>
+              <a:ext uri="{FF2B5EF4-FFF2-40B4-BE49-F238E27FC236}">
+                <a16:creationId xmlns:a16="http://schemas.microsoft.com/office/drawing/2014/main" id="{655D0239-2CE4-4BEA-B25A-99A3E72F15A7}"/>
+              </a:ext>
+            </a:extLst>
+          </p:cNvPr>
+          <p:cNvSpPr/>
+          <p:nvPr/>
+        </p:nvSpPr>
+        <p:spPr>
+          <a:xfrm>
+            <a:off x="179199" y="161488"/>
+            <a:ext cx="11833602" cy="6535024"/>
+          </a:xfrm>
+          <a:prstGeom prst="rect">
+            <a:avLst/>
+          </a:prstGeom>
+          <a:noFill/>
+          <a:ln w="12700">
+            <a:solidFill>
+              <a:schemeClr val="tx1">
+                <a:lumMod val="65000"/>
+                <a:lumOff val="35000"/>
+              </a:schemeClr>
+            </a:solidFill>
+          </a:ln>
+        </p:spPr>
+        <p:style>
+          <a:lnRef idx="2">
+            <a:schemeClr val="accent1">
+              <a:shade val="50000"/>
+            </a:schemeClr>
+          </a:lnRef>
+          <a:fillRef idx="1">
+            <a:schemeClr val="accent1"/>
+          </a:fillRef>
+          <a:effectRef idx="0">
+            <a:schemeClr val="accent1"/>
+          </a:effectRef>
+          <a:fontRef idx="minor">
+            <a:schemeClr val="lt1"/>
+          </a:fontRef>
+        </p:style>
+        <p:txBody>
+          <a:bodyPr rtlCol="0" anchor="ctr"/>
+          <a:lstStyle/>
+          <a:p>
+            <a:pPr algn="ctr"/>
+            <a:endParaRPr lang="en-US"/>
+          </a:p>
+        </p:txBody>
+      </p:sp>
+      <p:pic>
+        <p:nvPicPr>
+          <p:cNvPr id="6" name="Picture 5">
+            <a:extLst>
+              <a:ext uri="{FF2B5EF4-FFF2-40B4-BE49-F238E27FC236}">
+                <a16:creationId xmlns:a16="http://schemas.microsoft.com/office/drawing/2014/main" id="{84974FFD-941E-471D-973D-C316B2DC5257}"/>
+              </a:ext>
+            </a:extLst>
+          </p:cNvPr>
+          <p:cNvPicPr>
+            <a:picLocks noChangeAspect="1"/>
+          </p:cNvPicPr>
+          <p:nvPr/>
+        </p:nvPicPr>
+        <p:blipFill>
+          <a:blip r:embed="rId2">
+            <a:extLst>
+              <a:ext uri="{28A0092B-C50C-407E-A947-70E740481C1C}">
+                <a14:useLocalDpi xmlns:a14="http://schemas.microsoft.com/office/drawing/2010/main" val="0"/>
+              </a:ext>
+            </a:extLst>
+          </a:blip>
+          <a:stretch>
+            <a:fillRect/>
+          </a:stretch>
+        </p:blipFill>
+        <p:spPr>
+          <a:xfrm>
+            <a:off x="2436653" y="683703"/>
+            <a:ext cx="6346621" cy="1708706"/>
+          </a:xfrm>
+          <a:prstGeom prst="rect">
+            <a:avLst/>
+          </a:prstGeom>
+        </p:spPr>
+      </p:pic>
+      <p:sp>
+        <p:nvSpPr>
+          <p:cNvPr id="4" name="Rectangle 3">
+            <a:extLst>
+              <a:ext uri="{FF2B5EF4-FFF2-40B4-BE49-F238E27FC236}">
+                <a16:creationId xmlns:a16="http://schemas.microsoft.com/office/drawing/2014/main" id="{F24AE978-AB1C-4882-9984-C3C53C2697D1}"/>
+              </a:ext>
+            </a:extLst>
+          </p:cNvPr>
+          <p:cNvSpPr/>
+          <p:nvPr/>
+        </p:nvSpPr>
+        <p:spPr>
+          <a:xfrm>
+            <a:off x="385894" y="2088859"/>
+            <a:ext cx="11425805" cy="4488110"/>
+          </a:xfrm>
+          <a:prstGeom prst="rect">
+            <a:avLst/>
+          </a:prstGeom>
+          <a:solidFill>
+            <a:schemeClr val="tx1">
+              <a:lumMod val="85000"/>
+              <a:lumOff val="15000"/>
+            </a:schemeClr>
+          </a:solidFill>
+          <a:ln>
+            <a:noFill/>
+          </a:ln>
+        </p:spPr>
+        <p:style>
+          <a:lnRef idx="2">
+            <a:schemeClr val="accent1">
+              <a:shade val="50000"/>
+            </a:schemeClr>
+          </a:lnRef>
+          <a:fillRef idx="1">
+            <a:schemeClr val="accent1"/>
+          </a:fillRef>
+          <a:effectRef idx="0">
+            <a:schemeClr val="accent1"/>
+          </a:effectRef>
+          <a:fontRef idx="minor">
+            <a:schemeClr val="lt1"/>
+          </a:fontRef>
+        </p:style>
+        <p:txBody>
+          <a:bodyPr rtlCol="0" anchor="ctr"/>
+          <a:lstStyle/>
+          <a:p>
+            <a:pPr algn="ctr"/>
+            <a:endParaRPr lang="en-IN" dirty="0"/>
+          </a:p>
+        </p:txBody>
+      </p:sp>
+      <p:pic>
+        <p:nvPicPr>
+          <p:cNvPr id="7" name="Picture 2" descr="Office Development">
+            <a:extLst>
+              <a:ext uri="{FF2B5EF4-FFF2-40B4-BE49-F238E27FC236}">
+                <a16:creationId xmlns:a16="http://schemas.microsoft.com/office/drawing/2014/main" id="{2F278892-9052-4DA4-93F8-FED72843C8F9}"/>
+              </a:ext>
+            </a:extLst>
+          </p:cNvPr>
+          <p:cNvPicPr>
+            <a:picLocks noChangeAspect="1" noChangeArrowheads="1"/>
+          </p:cNvPicPr>
+          <p:nvPr/>
+        </p:nvPicPr>
+        <p:blipFill>
+          <a:blip r:embed="rId3">
+            <a:extLst>
+              <a:ext uri="{28A0092B-C50C-407E-A947-70E740481C1C}">
+                <a14:useLocalDpi xmlns:a14="http://schemas.microsoft.com/office/drawing/2010/main" val="0"/>
+              </a:ext>
+            </a:extLst>
+          </a:blip>
+          <a:srcRect/>
+          <a:stretch>
+            <a:fillRect/>
+          </a:stretch>
+        </p:blipFill>
+        <p:spPr bwMode="auto">
+          <a:xfrm>
+            <a:off x="10041273" y="363855"/>
+            <a:ext cx="1585519" cy="639696"/>
+          </a:xfrm>
+          <a:prstGeom prst="rect">
+            <a:avLst/>
+          </a:prstGeom>
+          <a:noFill/>
+          <a:extLst>
+            <a:ext uri="{909E8E84-426E-40DD-AFC4-6F175D3DCCD1}">
+              <a14:hiddenFill xmlns:a14="http://schemas.microsoft.com/office/drawing/2010/main">
+                <a:solidFill>
+                  <a:srgbClr val="FFFFFF"/>
+                </a:solidFill>
+              </a14:hiddenFill>
+            </a:ext>
+          </a:extLst>
+        </p:spPr>
+      </p:pic>
+      <p:pic>
+        <p:nvPicPr>
+          <p:cNvPr id="8" name="Picture 8" descr="Image result for azure logo 2018">
+            <a:extLst>
+              <a:ext uri="{FF2B5EF4-FFF2-40B4-BE49-F238E27FC236}">
+                <a16:creationId xmlns:a16="http://schemas.microsoft.com/office/drawing/2014/main" id="{97AA1C64-9CB5-4DAB-B6D8-1D8F493CBFDA}"/>
+              </a:ext>
+            </a:extLst>
+          </p:cNvPr>
+          <p:cNvPicPr>
+            <a:picLocks noChangeAspect="1" noChangeArrowheads="1"/>
+          </p:cNvPicPr>
+          <p:nvPr/>
+        </p:nvPicPr>
+        <p:blipFill>
+          <a:blip r:embed="rId4">
+            <a:extLst>
+              <a:ext uri="{28A0092B-C50C-407E-A947-70E740481C1C}">
+                <a14:useLocalDpi xmlns:a14="http://schemas.microsoft.com/office/drawing/2010/main" val="0"/>
+              </a:ext>
+            </a:extLst>
+          </a:blip>
+          <a:srcRect/>
+          <a:stretch>
+            <a:fillRect/>
+          </a:stretch>
+        </p:blipFill>
+        <p:spPr bwMode="auto">
+          <a:xfrm>
+            <a:off x="179199" y="161488"/>
+            <a:ext cx="1998910" cy="1044430"/>
+          </a:xfrm>
+          <a:prstGeom prst="rect">
+            <a:avLst/>
+          </a:prstGeom>
+          <a:noFill/>
+          <a:extLst>
+            <a:ext uri="{909E8E84-426E-40DD-AFC4-6F175D3DCCD1}">
+              <a14:hiddenFill xmlns:a14="http://schemas.microsoft.com/office/drawing/2010/main">
+                <a:solidFill>
+                  <a:srgbClr val="FFFFFF"/>
+                </a:solidFill>
+              </a14:hiddenFill>
+            </a:ext>
+          </a:extLst>
+        </p:spPr>
+      </p:pic>
+      <p:sp>
+        <p:nvSpPr>
+          <p:cNvPr id="10" name="TextBox 9">
+            <a:extLst>
+              <a:ext uri="{FF2B5EF4-FFF2-40B4-BE49-F238E27FC236}">
+                <a16:creationId xmlns:a16="http://schemas.microsoft.com/office/drawing/2014/main" id="{C14FAA99-80D8-41D2-886D-9B65A83B5489}"/>
+              </a:ext>
+            </a:extLst>
+          </p:cNvPr>
+          <p:cNvSpPr txBox="1"/>
+          <p:nvPr/>
+        </p:nvSpPr>
+        <p:spPr>
+          <a:xfrm>
+            <a:off x="4848582" y="3375095"/>
+            <a:ext cx="4073382" cy="1200329"/>
+          </a:xfrm>
+          <a:prstGeom prst="rect">
+            <a:avLst/>
+          </a:prstGeom>
+          <a:noFill/>
+        </p:spPr>
+        <p:txBody>
+          <a:bodyPr wrap="square" rtlCol="0">
+            <a:spAutoFit/>
+          </a:bodyPr>
+          <a:lstStyle/>
+          <a:p>
+            <a:r>
+              <a:rPr lang="en-IN" sz="3600" b="1" dirty="0">
+                <a:solidFill>
+                  <a:schemeClr val="bg1"/>
+                </a:solidFill>
+                <a:latin typeface="Verdana Pro Light" panose="020B0304030504040204" pitchFamily="34" charset="0"/>
+              </a:rPr>
+              <a:t>Keynote &amp; Introduction</a:t>
+            </a:r>
+          </a:p>
+        </p:txBody>
+      </p:sp>
+      <p:pic>
+        <p:nvPicPr>
+          <p:cNvPr id="12" name="Picture 11">
+            <a:extLst>
+              <a:ext uri="{FF2B5EF4-FFF2-40B4-BE49-F238E27FC236}">
+                <a16:creationId xmlns:a16="http://schemas.microsoft.com/office/drawing/2014/main" id="{2A3B408B-3E75-4D68-9F71-857AE6630559}"/>
+              </a:ext>
+            </a:extLst>
+          </p:cNvPr>
+          <p:cNvPicPr>
+            <a:picLocks noChangeAspect="1"/>
+          </p:cNvPicPr>
+          <p:nvPr/>
+        </p:nvPicPr>
+        <p:blipFill>
+          <a:blip r:embed="rId5"/>
+          <a:stretch>
+            <a:fillRect/>
+          </a:stretch>
+        </p:blipFill>
+        <p:spPr>
+          <a:xfrm>
+            <a:off x="9090887" y="336800"/>
+            <a:ext cx="664460" cy="1333501"/>
+          </a:xfrm>
+          <a:prstGeom prst="rect">
+            <a:avLst/>
+          </a:prstGeom>
+        </p:spPr>
+      </p:pic>
+      <p:pic>
+        <p:nvPicPr>
+          <p:cNvPr id="2050" name="Picture 2">
+            <a:extLst>
+              <a:ext uri="{FF2B5EF4-FFF2-40B4-BE49-F238E27FC236}">
+                <a16:creationId xmlns:a16="http://schemas.microsoft.com/office/drawing/2014/main" id="{11DC4FDF-09DC-4E64-927A-6CA47BA47773}"/>
+              </a:ext>
+            </a:extLst>
+          </p:cNvPr>
+          <p:cNvPicPr>
+            <a:picLocks noChangeAspect="1" noChangeArrowheads="1"/>
+          </p:cNvPicPr>
+          <p:nvPr/>
+        </p:nvPicPr>
+        <p:blipFill>
+          <a:blip r:embed="rId6">
+            <a:extLst>
+              <a:ext uri="{28A0092B-C50C-407E-A947-70E740481C1C}">
+                <a14:useLocalDpi xmlns:a14="http://schemas.microsoft.com/office/drawing/2010/main" val="0"/>
+              </a:ext>
+            </a:extLst>
+          </a:blip>
+          <a:stretch>
+            <a:fillRect/>
+          </a:stretch>
+        </p:blipFill>
+        <p:spPr bwMode="auto">
+          <a:xfrm>
+            <a:off x="9372920" y="2881023"/>
+            <a:ext cx="1826955" cy="1826955"/>
+          </a:xfrm>
+          <a:prstGeom prst="ellipse">
+            <a:avLst/>
+          </a:prstGeom>
+          <a:ln w="63500" cap="rnd">
+            <a:solidFill>
+              <a:schemeClr val="bg1">
+                <a:lumMod val="95000"/>
+              </a:schemeClr>
+            </a:solidFill>
+          </a:ln>
+          <a:effectLst>
+            <a:outerShdw blurRad="381000" dist="292100" dir="5400000" sx="-80000" sy="-18000" rotWithShape="0">
+              <a:srgbClr val="000000">
+                <a:alpha val="22000"/>
+              </a:srgbClr>
+            </a:outerShdw>
+          </a:effectLst>
+          <a:scene3d>
+            <a:camera prst="orthographicFront"/>
+            <a:lightRig rig="contrasting" dir="t">
+              <a:rot lat="0" lon="0" rev="3000000"/>
+            </a:lightRig>
+          </a:scene3d>
+          <a:sp3d contourW="7620">
+            <a:bevelT w="95250" h="31750"/>
+            <a:contourClr>
+              <a:srgbClr val="333333"/>
+            </a:contourClr>
+          </a:sp3d>
+          <a:extLst>
+            <a:ext uri="{909E8E84-426E-40DD-AFC4-6F175D3DCCD1}">
+              <a14:hiddenFill xmlns:a14="http://schemas.microsoft.com/office/drawing/2010/main">
+                <a:solidFill>
+                  <a:srgbClr val="FFFFFF"/>
+                </a:solidFill>
+              </a14:hiddenFill>
+            </a:ext>
+          </a:extLst>
+        </p:spPr>
+      </p:pic>
+      <p:sp>
+        <p:nvSpPr>
+          <p:cNvPr id="14" name="TextBox 13">
+            <a:extLst>
+              <a:ext uri="{FF2B5EF4-FFF2-40B4-BE49-F238E27FC236}">
+                <a16:creationId xmlns:a16="http://schemas.microsoft.com/office/drawing/2014/main" id="{FBF76FEC-8382-43FA-B1CE-CC52BC95AF18}"/>
+              </a:ext>
+            </a:extLst>
+          </p:cNvPr>
+          <p:cNvSpPr txBox="1"/>
+          <p:nvPr/>
+        </p:nvSpPr>
+        <p:spPr>
+          <a:xfrm>
+            <a:off x="7394877" y="6755524"/>
+            <a:ext cx="978632" cy="646331"/>
+          </a:xfrm>
+          <a:prstGeom prst="rect">
+            <a:avLst/>
+          </a:prstGeom>
+          <a:noFill/>
+        </p:spPr>
+        <p:txBody>
+          <a:bodyPr wrap="square" rtlCol="0">
+            <a:spAutoFit/>
+          </a:bodyPr>
+          <a:lstStyle/>
+          <a:p>
+            <a:r>
+              <a:rPr lang="en-IN" dirty="0">
+                <a:solidFill>
+                  <a:schemeClr val="bg1"/>
+                </a:solidFill>
+                <a:latin typeface="Arial Nova" panose="020B0504020202020204" pitchFamily="34" charset="0"/>
+              </a:rPr>
+              <a:t>Richard Fisher</a:t>
+            </a:r>
+          </a:p>
+        </p:txBody>
+      </p:sp>
+      <p:sp>
+        <p:nvSpPr>
+          <p:cNvPr id="15" name="TextBox 14">
+            <a:extLst>
+              <a:ext uri="{FF2B5EF4-FFF2-40B4-BE49-F238E27FC236}">
+                <a16:creationId xmlns:a16="http://schemas.microsoft.com/office/drawing/2014/main" id="{A3A8F64E-7F0A-4512-B70A-9DEA039295E0}"/>
+              </a:ext>
+            </a:extLst>
+          </p:cNvPr>
+          <p:cNvSpPr txBox="1"/>
+          <p:nvPr/>
+        </p:nvSpPr>
+        <p:spPr>
+          <a:xfrm>
+            <a:off x="9438838" y="5119706"/>
+            <a:ext cx="2367268" cy="523220"/>
+          </a:xfrm>
+          <a:prstGeom prst="rect">
+            <a:avLst/>
+          </a:prstGeom>
+          <a:noFill/>
+        </p:spPr>
+        <p:txBody>
+          <a:bodyPr wrap="square" rtlCol="0">
+            <a:spAutoFit/>
+          </a:bodyPr>
+          <a:lstStyle/>
+          <a:p>
+            <a:r>
+              <a:rPr lang="en-IN" sz="1400" dirty="0">
+                <a:solidFill>
+                  <a:schemeClr val="bg1"/>
+                </a:solidFill>
+              </a:rPr>
+              <a:t>Solutions Architect</a:t>
+            </a:r>
+          </a:p>
+          <a:p>
+            <a:r>
+              <a:rPr lang="en-IN" sz="1400" dirty="0">
+                <a:solidFill>
+                  <a:schemeClr val="bg1"/>
+                </a:solidFill>
+              </a:rPr>
+              <a:t>Pramerica </a:t>
+            </a:r>
+          </a:p>
+        </p:txBody>
+      </p:sp>
+      <p:pic>
+        <p:nvPicPr>
+          <p:cNvPr id="20" name="Picture 19">
+            <a:extLst>
+              <a:ext uri="{FF2B5EF4-FFF2-40B4-BE49-F238E27FC236}">
+                <a16:creationId xmlns:a16="http://schemas.microsoft.com/office/drawing/2014/main" id="{AB116DEF-5B2D-452A-ABEB-23CBF7154C8B}"/>
+              </a:ext>
+            </a:extLst>
+          </p:cNvPr>
+          <p:cNvPicPr>
+            <a:picLocks noChangeAspect="1"/>
+          </p:cNvPicPr>
+          <p:nvPr/>
+        </p:nvPicPr>
+        <p:blipFill>
+          <a:blip r:embed="rId7"/>
+          <a:stretch>
+            <a:fillRect/>
+          </a:stretch>
+        </p:blipFill>
+        <p:spPr>
+          <a:xfrm>
+            <a:off x="10041273" y="1047814"/>
+            <a:ext cx="1510367" cy="623325"/>
+          </a:xfrm>
+          <a:prstGeom prst="rect">
+            <a:avLst/>
+          </a:prstGeom>
+        </p:spPr>
+      </p:pic>
+      <p:sp>
+        <p:nvSpPr>
+          <p:cNvPr id="16" name="TextBox 15">
+            <a:extLst>
+              <a:ext uri="{FF2B5EF4-FFF2-40B4-BE49-F238E27FC236}">
+                <a16:creationId xmlns:a16="http://schemas.microsoft.com/office/drawing/2014/main" id="{11680B4A-784D-4F48-81D9-4B1792C36E96}"/>
+              </a:ext>
+            </a:extLst>
+          </p:cNvPr>
+          <p:cNvSpPr txBox="1"/>
+          <p:nvPr/>
+        </p:nvSpPr>
+        <p:spPr>
+          <a:xfrm>
+            <a:off x="9433245" y="5591301"/>
+            <a:ext cx="1937856" cy="276999"/>
+          </a:xfrm>
+          <a:prstGeom prst="rect">
+            <a:avLst/>
+          </a:prstGeom>
+          <a:noFill/>
+        </p:spPr>
+        <p:txBody>
+          <a:bodyPr wrap="square" rtlCol="0">
+            <a:spAutoFit/>
+          </a:bodyPr>
+          <a:lstStyle/>
+          <a:p>
+            <a:r>
+              <a:rPr lang="en-IN" sz="1200" b="1" dirty="0">
+                <a:solidFill>
+                  <a:srgbClr val="00B0F0"/>
+                </a:solidFill>
+              </a:rPr>
+              <a:t>@RichJFish</a:t>
+            </a:r>
+            <a:endParaRPr lang="en-IN" sz="1200" dirty="0">
+              <a:solidFill>
+                <a:srgbClr val="00B0F0"/>
+              </a:solidFill>
+            </a:endParaRPr>
+          </a:p>
+        </p:txBody>
+      </p:sp>
+      <p:sp>
+        <p:nvSpPr>
+          <p:cNvPr id="22" name="Rectangle 21">
+            <a:extLst>
+              <a:ext uri="{FF2B5EF4-FFF2-40B4-BE49-F238E27FC236}">
+                <a16:creationId xmlns:a16="http://schemas.microsoft.com/office/drawing/2014/main" id="{5DF1B98B-7665-4AC4-99F5-F1D416F6D152}"/>
+              </a:ext>
+            </a:extLst>
+          </p:cNvPr>
+          <p:cNvSpPr/>
+          <p:nvPr/>
+        </p:nvSpPr>
+        <p:spPr>
+          <a:xfrm>
+            <a:off x="472737" y="5964117"/>
+            <a:ext cx="1279709" cy="461665"/>
+          </a:xfrm>
+          <a:prstGeom prst="rect">
+            <a:avLst/>
+          </a:prstGeom>
+        </p:spPr>
+        <p:txBody>
+          <a:bodyPr wrap="none">
+            <a:spAutoFit/>
+          </a:bodyPr>
+          <a:lstStyle/>
+          <a:p>
+            <a:r>
+              <a:rPr lang="en-IN" sz="1200" i="0" strike="noStrike" dirty="0">
+                <a:solidFill>
+                  <a:schemeClr val="bg1"/>
+                </a:solidFill>
+                <a:effectLst/>
+                <a:latin typeface="Arial Nova" panose="020B0504020202020204" pitchFamily="34" charset="0"/>
+              </a:rPr>
+              <a:t>@lkmsug</a:t>
+            </a:r>
+          </a:p>
+          <a:p>
+            <a:r>
+              <a:rPr lang="en-IN" sz="1200" dirty="0">
+                <a:solidFill>
+                  <a:schemeClr val="bg1"/>
+                </a:solidFill>
+                <a:latin typeface="Arial Nova" panose="020B0504020202020204" pitchFamily="34" charset="0"/>
+              </a:rPr>
+              <a:t>www.lk-mug.org</a:t>
+            </a:r>
+          </a:p>
+        </p:txBody>
+      </p:sp>
+      <p:sp>
+        <p:nvSpPr>
+          <p:cNvPr id="23" name="Rectangle 7">
+            <a:extLst>
+              <a:ext uri="{FF2B5EF4-FFF2-40B4-BE49-F238E27FC236}">
+                <a16:creationId xmlns:a16="http://schemas.microsoft.com/office/drawing/2014/main" id="{AD575721-96A2-41F2-8179-6B854752BE89}"/>
+              </a:ext>
+            </a:extLst>
+          </p:cNvPr>
+          <p:cNvSpPr>
+            <a:spLocks noChangeArrowheads="1"/>
+          </p:cNvSpPr>
+          <p:nvPr/>
+        </p:nvSpPr>
+        <p:spPr bwMode="auto">
+          <a:xfrm>
+            <a:off x="9433245" y="5806024"/>
+            <a:ext cx="2233497" cy="276999"/>
+          </a:xfrm>
+          <a:prstGeom prst="rect">
+            <a:avLst/>
+          </a:prstGeom>
+          <a:noFill/>
+        </p:spPr>
+        <p:txBody>
+          <a:bodyPr wrap="square" rtlCol="0">
+            <a:spAutoFit/>
+          </a:bodyPr>
+          <a:lstStyle/>
+          <a:p>
+            <a:r>
+              <a:rPr lang="en-US" sz="1200" dirty="0">
+                <a:solidFill>
+                  <a:srgbClr val="00B0F0"/>
+                </a:solidFill>
+              </a:rPr>
+              <a:t>linkedin.com/in/rjfisher-architect</a:t>
+            </a:r>
+          </a:p>
+        </p:txBody>
+      </p:sp>
+      <p:pic>
+        <p:nvPicPr>
+          <p:cNvPr id="3" name="Picture 2">
+            <a:extLst>
+              <a:ext uri="{FF2B5EF4-FFF2-40B4-BE49-F238E27FC236}">
+                <a16:creationId xmlns:a16="http://schemas.microsoft.com/office/drawing/2014/main" id="{97152F8B-5900-4B67-B120-153CAE279DFC}"/>
+              </a:ext>
+            </a:extLst>
+          </p:cNvPr>
+          <p:cNvPicPr>
+            <a:picLocks noChangeAspect="1"/>
+          </p:cNvPicPr>
+          <p:nvPr/>
+        </p:nvPicPr>
+        <p:blipFill>
+          <a:blip r:embed="rId8">
+            <a:extLst>
+              <a:ext uri="{28A0092B-C50C-407E-A947-70E740481C1C}">
+                <a14:useLocalDpi xmlns:a14="http://schemas.microsoft.com/office/drawing/2010/main" val="0"/>
+              </a:ext>
+            </a:extLst>
+          </a:blip>
+          <a:stretch>
+            <a:fillRect/>
+          </a:stretch>
+        </p:blipFill>
+        <p:spPr>
+          <a:xfrm>
+            <a:off x="6356852" y="2319754"/>
+            <a:ext cx="397766" cy="397766"/>
+          </a:xfrm>
+          <a:prstGeom prst="rect">
+            <a:avLst/>
+          </a:prstGeom>
+        </p:spPr>
+      </p:pic>
+      <p:sp>
+        <p:nvSpPr>
+          <p:cNvPr id="5" name="TextBox 4">
+            <a:extLst>
+              <a:ext uri="{FF2B5EF4-FFF2-40B4-BE49-F238E27FC236}">
+                <a16:creationId xmlns:a16="http://schemas.microsoft.com/office/drawing/2014/main" id="{F9240FE3-B8EF-4C5E-B6ED-16E772727D60}"/>
+              </a:ext>
+            </a:extLst>
+          </p:cNvPr>
+          <p:cNvSpPr txBox="1"/>
+          <p:nvPr/>
+        </p:nvSpPr>
+        <p:spPr>
+          <a:xfrm>
+            <a:off x="6728830" y="2216266"/>
+            <a:ext cx="2582440" cy="830997"/>
+          </a:xfrm>
+          <a:prstGeom prst="rect">
+            <a:avLst/>
+          </a:prstGeom>
+          <a:noFill/>
+        </p:spPr>
+        <p:txBody>
+          <a:bodyPr wrap="square" rtlCol="0">
+            <a:spAutoFit/>
+          </a:bodyPr>
+          <a:lstStyle/>
+          <a:p>
+            <a:r>
+              <a:rPr lang="en-IN" sz="1600" dirty="0">
+                <a:solidFill>
+                  <a:schemeClr val="bg1"/>
+                </a:solidFill>
+              </a:rPr>
+              <a:t>Pramerica Services,</a:t>
+            </a:r>
+          </a:p>
+          <a:p>
+            <a:r>
+              <a:rPr lang="en-IN" sz="1600" dirty="0">
+                <a:solidFill>
+                  <a:schemeClr val="bg1"/>
+                </a:solidFill>
+              </a:rPr>
+              <a:t>Letterkenny, Donegal, Ireland</a:t>
+            </a:r>
+          </a:p>
+        </p:txBody>
+      </p:sp>
+      <p:pic>
+        <p:nvPicPr>
+          <p:cNvPr id="1026" name="Picture 2" descr="calendar, calender, date icon">
+            <a:extLst>
+              <a:ext uri="{FF2B5EF4-FFF2-40B4-BE49-F238E27FC236}">
+                <a16:creationId xmlns:a16="http://schemas.microsoft.com/office/drawing/2014/main" id="{A194E95C-ACA5-4062-A9DF-0725A45C929A}"/>
+              </a:ext>
+            </a:extLst>
+          </p:cNvPr>
+          <p:cNvPicPr>
+            <a:picLocks noChangeAspect="1" noChangeArrowheads="1"/>
+          </p:cNvPicPr>
+          <p:nvPr/>
+        </p:nvPicPr>
+        <p:blipFill>
+          <a:blip r:embed="rId9">
+            <a:extLst>
+              <a:ext uri="{28A0092B-C50C-407E-A947-70E740481C1C}">
+                <a14:useLocalDpi xmlns:a14="http://schemas.microsoft.com/office/drawing/2010/main" val="0"/>
+              </a:ext>
+            </a:extLst>
+          </a:blip>
+          <a:srcRect/>
+          <a:stretch>
+            <a:fillRect/>
+          </a:stretch>
+        </p:blipFill>
+        <p:spPr bwMode="auto">
+          <a:xfrm>
+            <a:off x="3478687" y="2335831"/>
+            <a:ext cx="426577" cy="426577"/>
+          </a:xfrm>
+          <a:prstGeom prst="rect">
+            <a:avLst/>
+          </a:prstGeom>
+          <a:noFill/>
+          <a:extLst>
+            <a:ext uri="{909E8E84-426E-40DD-AFC4-6F175D3DCCD1}">
+              <a14:hiddenFill xmlns:a14="http://schemas.microsoft.com/office/drawing/2010/main">
+                <a:solidFill>
+                  <a:srgbClr val="FFFFFF"/>
+                </a:solidFill>
+              </a14:hiddenFill>
+            </a:ext>
+          </a:extLst>
+        </p:spPr>
+      </p:pic>
+      <p:sp>
+        <p:nvSpPr>
+          <p:cNvPr id="25" name="TextBox 24">
+            <a:extLst>
+              <a:ext uri="{FF2B5EF4-FFF2-40B4-BE49-F238E27FC236}">
+                <a16:creationId xmlns:a16="http://schemas.microsoft.com/office/drawing/2014/main" id="{BD901492-721D-4650-8944-B7EA171863C1}"/>
+              </a:ext>
+            </a:extLst>
+          </p:cNvPr>
+          <p:cNvSpPr txBox="1"/>
+          <p:nvPr/>
+        </p:nvSpPr>
+        <p:spPr>
+          <a:xfrm>
+            <a:off x="3874005" y="2262951"/>
+            <a:ext cx="1949154" cy="584775"/>
+          </a:xfrm>
+          <a:prstGeom prst="rect">
+            <a:avLst/>
+          </a:prstGeom>
+          <a:noFill/>
+        </p:spPr>
+        <p:txBody>
+          <a:bodyPr wrap="square" rtlCol="0">
+            <a:spAutoFit/>
+          </a:bodyPr>
+          <a:lstStyle/>
+          <a:p>
+            <a:r>
+              <a:rPr lang="en-IN" sz="1600" dirty="0">
+                <a:solidFill>
+                  <a:schemeClr val="bg1"/>
+                </a:solidFill>
+              </a:rPr>
+              <a:t>Nov 10, 2018</a:t>
+            </a:r>
+          </a:p>
+          <a:p>
+            <a:r>
+              <a:rPr lang="en-IN" sz="1600" dirty="0">
+                <a:solidFill>
+                  <a:schemeClr val="bg1"/>
+                </a:solidFill>
+              </a:rPr>
+              <a:t>9:00AM – 5:30PM</a:t>
+            </a:r>
+          </a:p>
+        </p:txBody>
+      </p:sp>
+      <p:sp>
+        <p:nvSpPr>
+          <p:cNvPr id="9" name="Rectangle 8">
+            <a:extLst>
+              <a:ext uri="{FF2B5EF4-FFF2-40B4-BE49-F238E27FC236}">
+                <a16:creationId xmlns:a16="http://schemas.microsoft.com/office/drawing/2014/main" id="{042168FF-FC13-4CEF-B747-06C68A903AC0}"/>
+              </a:ext>
+            </a:extLst>
+          </p:cNvPr>
+          <p:cNvSpPr/>
+          <p:nvPr/>
+        </p:nvSpPr>
+        <p:spPr>
+          <a:xfrm>
+            <a:off x="4043617" y="6103586"/>
+            <a:ext cx="4647362" cy="369332"/>
+          </a:xfrm>
+          <a:prstGeom prst="rect">
+            <a:avLst/>
+          </a:prstGeom>
+        </p:spPr>
+        <p:txBody>
+          <a:bodyPr wrap="none">
+            <a:spAutoFit/>
+          </a:bodyPr>
+          <a:lstStyle/>
+          <a:p>
+            <a:r>
+              <a:rPr lang="en-IN" dirty="0">
+                <a:solidFill>
+                  <a:schemeClr val="accent2"/>
+                </a:solidFill>
+                <a:latin typeface="Arial Nova" panose="020B0504020202020204" pitchFamily="34" charset="0"/>
+              </a:rPr>
+              <a:t>#mvpbuzz #Office365 #O365DevBootCamp</a:t>
+            </a:r>
+          </a:p>
+        </p:txBody>
+      </p:sp>
+      <p:sp>
+        <p:nvSpPr>
+          <p:cNvPr id="11" name="TextBox 10">
+            <a:extLst>
+              <a:ext uri="{FF2B5EF4-FFF2-40B4-BE49-F238E27FC236}">
+                <a16:creationId xmlns:a16="http://schemas.microsoft.com/office/drawing/2014/main" id="{A36A45C3-4786-4572-9104-B78FFD6DBBDA}"/>
+              </a:ext>
+            </a:extLst>
+          </p:cNvPr>
+          <p:cNvSpPr txBox="1"/>
+          <p:nvPr/>
+        </p:nvSpPr>
+        <p:spPr>
+          <a:xfrm>
+            <a:off x="4848838" y="4525402"/>
+            <a:ext cx="3682766" cy="646331"/>
+          </a:xfrm>
+          <a:prstGeom prst="rect">
+            <a:avLst/>
+          </a:prstGeom>
+          <a:noFill/>
+        </p:spPr>
+        <p:txBody>
+          <a:bodyPr wrap="square" rtlCol="0">
+            <a:spAutoFit/>
+          </a:bodyPr>
+          <a:lstStyle/>
+          <a:p>
+            <a:r>
+              <a:rPr lang="en-GB" dirty="0">
+                <a:solidFill>
+                  <a:schemeClr val="bg1"/>
+                </a:solidFill>
+                <a:latin typeface="Verdana Pro Light" panose="020B0604020202020204" pitchFamily="34" charset="0"/>
+              </a:rPr>
+              <a:t>Introduction to Office 365 Developer Landscape</a:t>
+            </a:r>
+          </a:p>
+        </p:txBody>
+      </p:sp>
+      <p:sp>
+        <p:nvSpPr>
+          <p:cNvPr id="26" name="Rectangle 25">
+            <a:extLst>
+              <a:ext uri="{FF2B5EF4-FFF2-40B4-BE49-F238E27FC236}">
+                <a16:creationId xmlns:a16="http://schemas.microsoft.com/office/drawing/2014/main" id="{5D51E1F4-F174-418A-8A2B-8F3444070D06}"/>
+              </a:ext>
+            </a:extLst>
+          </p:cNvPr>
+          <p:cNvSpPr/>
+          <p:nvPr/>
+        </p:nvSpPr>
+        <p:spPr>
+          <a:xfrm>
+            <a:off x="385894" y="1003550"/>
+            <a:ext cx="1092589" cy="1009085"/>
+          </a:xfrm>
+          <a:prstGeom prst="rect">
+            <a:avLst/>
+          </a:prstGeom>
+          <a:solidFill>
+            <a:srgbClr val="7030A0"/>
+          </a:solidFill>
+          <a:ln>
+            <a:solidFill>
+              <a:srgbClr val="7030A0"/>
+            </a:solidFill>
+          </a:ln>
+        </p:spPr>
+        <p:style>
+          <a:lnRef idx="2">
+            <a:schemeClr val="accent1">
+              <a:shade val="50000"/>
+            </a:schemeClr>
+          </a:lnRef>
+          <a:fillRef idx="1">
+            <a:schemeClr val="accent1"/>
+          </a:fillRef>
+          <a:effectRef idx="0">
+            <a:schemeClr val="accent1"/>
+          </a:effectRef>
+          <a:fontRef idx="minor">
+            <a:schemeClr val="lt1"/>
+          </a:fontRef>
+        </p:style>
+        <p:txBody>
+          <a:bodyPr rtlCol="0" anchor="ctr"/>
+          <a:lstStyle/>
+          <a:p>
+            <a:pPr marL="144000">
+              <a:lnSpc>
+                <a:spcPts val="2000"/>
+              </a:lnSpc>
+            </a:pPr>
+            <a:r>
+              <a:rPr lang="en-IN" sz="1100" dirty="0">
+                <a:cs typeface="Segoe UI" panose="020B0502040204020203" pitchFamily="34" charset="0"/>
+              </a:rPr>
+              <a:t>Letterkenny</a:t>
+            </a:r>
+          </a:p>
+          <a:p>
+            <a:pPr marL="144000">
+              <a:lnSpc>
+                <a:spcPts val="2000"/>
+              </a:lnSpc>
+            </a:pPr>
+            <a:r>
+              <a:rPr lang="en-IN" sz="2400" b="1" dirty="0">
+                <a:cs typeface="Segoe UI" panose="020B0502040204020203" pitchFamily="34" charset="0"/>
+              </a:rPr>
+              <a:t>MUG</a:t>
+            </a:r>
+          </a:p>
+          <a:p>
+            <a:pPr marL="144000">
+              <a:lnSpc>
+                <a:spcPts val="2000"/>
+              </a:lnSpc>
+            </a:pPr>
+            <a:r>
+              <a:rPr lang="en-IN" sz="1400" dirty="0">
+                <a:cs typeface="Segoe UI" panose="020B0502040204020203" pitchFamily="34" charset="0"/>
+              </a:rPr>
+              <a:t>#lkmug</a:t>
+            </a:r>
+          </a:p>
+        </p:txBody>
+      </p:sp>
+      <p:sp>
+        <p:nvSpPr>
+          <p:cNvPr id="40" name="TextBox 39">
+            <a:extLst>
+              <a:ext uri="{FF2B5EF4-FFF2-40B4-BE49-F238E27FC236}">
+                <a16:creationId xmlns:a16="http://schemas.microsoft.com/office/drawing/2014/main" id="{01EC5E8E-26D2-4223-BCAB-AB38E9DECDBA}"/>
+              </a:ext>
+            </a:extLst>
+          </p:cNvPr>
+          <p:cNvSpPr txBox="1"/>
+          <p:nvPr/>
+        </p:nvSpPr>
+        <p:spPr>
+          <a:xfrm>
+            <a:off x="9438838" y="4804249"/>
+            <a:ext cx="2171174" cy="369332"/>
+          </a:xfrm>
+          <a:prstGeom prst="rect">
+            <a:avLst/>
+          </a:prstGeom>
+          <a:noFill/>
+        </p:spPr>
+        <p:txBody>
+          <a:bodyPr wrap="square" rtlCol="0">
+            <a:spAutoFit/>
+          </a:bodyPr>
+          <a:lstStyle/>
+          <a:p>
+            <a:r>
+              <a:rPr lang="en-IN" dirty="0">
+                <a:solidFill>
+                  <a:schemeClr val="bg1"/>
+                </a:solidFill>
+                <a:latin typeface="Arial Nova" panose="020B0504020202020204" pitchFamily="34" charset="0"/>
+              </a:rPr>
+              <a:t>Richard Fisher</a:t>
+            </a:r>
+          </a:p>
+        </p:txBody>
+      </p:sp>
+      <p:grpSp>
+        <p:nvGrpSpPr>
+          <p:cNvPr id="18" name="Group 17">
+            <a:extLst>
+              <a:ext uri="{FF2B5EF4-FFF2-40B4-BE49-F238E27FC236}">
+                <a16:creationId xmlns:a16="http://schemas.microsoft.com/office/drawing/2014/main" id="{C76F1ACE-86AA-4227-A3C6-AC40CC4C336A}"/>
+              </a:ext>
+            </a:extLst>
+          </p:cNvPr>
+          <p:cNvGrpSpPr/>
+          <p:nvPr/>
+        </p:nvGrpSpPr>
+        <p:grpSpPr>
+          <a:xfrm>
+            <a:off x="444319" y="3077379"/>
+            <a:ext cx="4398671" cy="2886738"/>
+            <a:chOff x="508624" y="2983599"/>
+            <a:chExt cx="4205990" cy="2735551"/>
+          </a:xfrm>
+        </p:grpSpPr>
+        <p:pic>
+          <p:nvPicPr>
+            <p:cNvPr id="2052" name="Picture 4" descr="Image result for office 365 tools">
+              <a:extLst>
+                <a:ext uri="{FF2B5EF4-FFF2-40B4-BE49-F238E27FC236}">
+                  <a16:creationId xmlns:a16="http://schemas.microsoft.com/office/drawing/2014/main" id="{EA43C414-9B02-4DD8-9062-7E263D7F2BF2}"/>
+                </a:ext>
+              </a:extLst>
+            </p:cNvPr>
+            <p:cNvPicPr>
+              <a:picLocks noChangeAspect="1" noChangeArrowheads="1"/>
+            </p:cNvPicPr>
+            <p:nvPr/>
+          </p:nvPicPr>
+          <p:blipFill>
+            <a:blip r:embed="rId10">
+              <a:extLst>
+                <a:ext uri="{28A0092B-C50C-407E-A947-70E740481C1C}">
+                  <a14:useLocalDpi xmlns:a14="http://schemas.microsoft.com/office/drawing/2010/main" val="0"/>
+                </a:ext>
+              </a:extLst>
+            </a:blip>
+            <a:srcRect/>
+            <a:stretch>
+              <a:fillRect/>
+            </a:stretch>
+          </p:blipFill>
+          <p:spPr bwMode="auto">
+            <a:xfrm>
+              <a:off x="508624" y="2983599"/>
+              <a:ext cx="3925410" cy="2659327"/>
+            </a:xfrm>
+            <a:prstGeom prst="rect">
+              <a:avLst/>
+            </a:prstGeom>
+            <a:noFill/>
+            <a:extLst>
+              <a:ext uri="{909E8E84-426E-40DD-AFC4-6F175D3DCCD1}">
+                <a14:hiddenFill xmlns:a14="http://schemas.microsoft.com/office/drawing/2010/main">
+                  <a:solidFill>
+                    <a:srgbClr val="FFFFFF"/>
+                  </a:solidFill>
+                </a14:hiddenFill>
+              </a:ext>
+            </a:extLst>
+          </p:spPr>
+        </p:pic>
+        <p:sp>
+          <p:nvSpPr>
+            <p:cNvPr id="17" name="Rectangle 16">
+              <a:extLst>
+                <a:ext uri="{FF2B5EF4-FFF2-40B4-BE49-F238E27FC236}">
+                  <a16:creationId xmlns:a16="http://schemas.microsoft.com/office/drawing/2014/main" id="{F0CB5E00-97EA-475B-A02F-52AA85AADAF1}"/>
+                </a:ext>
+              </a:extLst>
+            </p:cNvPr>
+            <p:cNvSpPr/>
+            <p:nvPr/>
+          </p:nvSpPr>
+          <p:spPr>
+            <a:xfrm>
+              <a:off x="3458050" y="5519956"/>
+              <a:ext cx="1256563" cy="199194"/>
+            </a:xfrm>
+            <a:prstGeom prst="rect">
+              <a:avLst/>
+            </a:prstGeom>
+            <a:solidFill>
+              <a:schemeClr val="tx1">
+                <a:lumMod val="85000"/>
+                <a:lumOff val="15000"/>
+              </a:schemeClr>
+            </a:solidFill>
+            <a:ln>
+              <a:noFill/>
+            </a:ln>
+          </p:spPr>
+          <p:style>
+            <a:lnRef idx="2">
+              <a:schemeClr val="accent1">
+                <a:shade val="50000"/>
+              </a:schemeClr>
+            </a:lnRef>
+            <a:fillRef idx="1">
+              <a:schemeClr val="accent1"/>
+            </a:fillRef>
+            <a:effectRef idx="0">
+              <a:schemeClr val="accent1"/>
+            </a:effectRef>
+            <a:fontRef idx="minor">
+              <a:schemeClr val="lt1"/>
+            </a:fontRef>
+          </p:style>
+          <p:txBody>
+            <a:bodyPr rtlCol="0" anchor="ctr"/>
+            <a:lstStyle/>
+            <a:p>
+              <a:pPr algn="ctr"/>
+              <a:endParaRPr lang="en-US"/>
+            </a:p>
+          </p:txBody>
+        </p:sp>
+      </p:grpSp>
+    </p:spTree>
+    <p:extLst>
+      <p:ext uri="{BB962C8B-B14F-4D97-AF65-F5344CB8AC3E}">
+        <p14:creationId xmlns:p14="http://schemas.microsoft.com/office/powerpoint/2010/main" val="3121030732"/>
+      </p:ext>
+    </p:extLst>
+  </p:cSld>
+  <p:clrMapOvr>
+    <a:masterClrMapping/>
+  </p:clrMapOvr>
+</p:sld>
+</file>
+
+<file path=ppt/slides/slide6.xml><?xml version="1.0" encoding="utf-8"?>
+<p:sld xmlns:a="http://schemas.openxmlformats.org/drawingml/2006/main" xmlns:r="http://schemas.openxmlformats.org/officeDocument/2006/relationships" xmlns:p="http://schemas.openxmlformats.org/presentationml/2006/main" show="0">
+  <p:cSld>
+    <p:spTree>
+      <p:nvGrpSpPr>
+        <p:cNvPr id="1" name=""/>
+        <p:cNvGrpSpPr/>
+        <p:nvPr/>
+      </p:nvGrpSpPr>
+      <p:grpSpPr>
+        <a:xfrm>
+          <a:off x="0" y="0"/>
+          <a:ext cx="0" cy="0"/>
+          <a:chOff x="0" y="0"/>
+          <a:chExt cx="0" cy="0"/>
+        </a:xfrm>
+      </p:grpSpPr>
+      <p:pic>
+        <p:nvPicPr>
+          <p:cNvPr id="3" name="Picture 2">
+            <a:extLst>
+              <a:ext uri="{FF2B5EF4-FFF2-40B4-BE49-F238E27FC236}">
+                <a16:creationId xmlns:a16="http://schemas.microsoft.com/office/drawing/2014/main" id="{000F2E49-57BF-42C0-A6D2-DD55A2FC033D}"/>
+              </a:ext>
+            </a:extLst>
+          </p:cNvPr>
+          <p:cNvPicPr>
+            <a:picLocks noChangeAspect="1"/>
+          </p:cNvPicPr>
+          <p:nvPr/>
+        </p:nvPicPr>
+        <p:blipFill>
+          <a:blip r:embed="rId2">
+            <a:extLst>
+              <a:ext uri="{28A0092B-C50C-407E-A947-70E740481C1C}">
+                <a14:useLocalDpi xmlns:a14="http://schemas.microsoft.com/office/drawing/2010/main" val="0"/>
+              </a:ext>
+            </a:extLst>
+          </a:blip>
+          <a:stretch>
+            <a:fillRect/>
+          </a:stretch>
+        </p:blipFill>
+        <p:spPr>
+          <a:xfrm>
+            <a:off x="1426127" y="1191995"/>
+            <a:ext cx="8579111" cy="2309761"/>
+          </a:xfrm>
+          <a:prstGeom prst="rect">
+            <a:avLst/>
+          </a:prstGeom>
+        </p:spPr>
+      </p:pic>
+      <p:sp>
+        <p:nvSpPr>
+          <p:cNvPr id="9" name="Rectangle 8">
+            <a:extLst>
+              <a:ext uri="{FF2B5EF4-FFF2-40B4-BE49-F238E27FC236}">
+                <a16:creationId xmlns:a16="http://schemas.microsoft.com/office/drawing/2014/main" id="{6753DDC4-7C48-4558-A26C-E1F6E0133CC7}"/>
+              </a:ext>
+            </a:extLst>
+          </p:cNvPr>
+          <p:cNvSpPr/>
+          <p:nvPr/>
+        </p:nvSpPr>
+        <p:spPr>
+          <a:xfrm>
+            <a:off x="176170" y="226503"/>
+            <a:ext cx="11794920" cy="6400801"/>
+          </a:xfrm>
+          <a:prstGeom prst="rect">
+            <a:avLst/>
+          </a:prstGeom>
+          <a:noFill/>
+          <a:ln w="3175">
+            <a:solidFill>
+              <a:schemeClr val="tx1">
+                <a:lumMod val="65000"/>
+                <a:lumOff val="35000"/>
+              </a:schemeClr>
+            </a:solidFill>
+          </a:ln>
+        </p:spPr>
+        <p:style>
+          <a:lnRef idx="2">
+            <a:schemeClr val="accent1">
+              <a:shade val="50000"/>
+            </a:schemeClr>
+          </a:lnRef>
+          <a:fillRef idx="1">
+            <a:schemeClr val="accent1"/>
+          </a:fillRef>
+          <a:effectRef idx="0">
+            <a:schemeClr val="accent1"/>
+          </a:effectRef>
+          <a:fontRef idx="minor">
+            <a:schemeClr val="lt1"/>
+          </a:fontRef>
+        </p:style>
+        <p:txBody>
+          <a:bodyPr rtlCol="0" anchor="ctr"/>
+          <a:lstStyle/>
+          <a:p>
+            <a:pPr algn="ctr"/>
+            <a:endParaRPr lang="en-IN"/>
+          </a:p>
+        </p:txBody>
+      </p:sp>
+      <p:pic>
+        <p:nvPicPr>
+          <p:cNvPr id="1032" name="Picture 8" descr="Image result for azure logo 2018">
+            <a:extLst>
+              <a:ext uri="{FF2B5EF4-FFF2-40B4-BE49-F238E27FC236}">
+                <a16:creationId xmlns:a16="http://schemas.microsoft.com/office/drawing/2014/main" id="{8660A130-4158-45B2-B372-6F95D59AFF72}"/>
+              </a:ext>
+            </a:extLst>
+          </p:cNvPr>
+          <p:cNvPicPr>
+            <a:picLocks noChangeAspect="1" noChangeArrowheads="1"/>
+          </p:cNvPicPr>
+          <p:nvPr/>
+        </p:nvPicPr>
+        <p:blipFill>
+          <a:blip r:embed="rId3">
+            <a:extLst>
+              <a:ext uri="{28A0092B-C50C-407E-A947-70E740481C1C}">
+                <a14:useLocalDpi xmlns:a14="http://schemas.microsoft.com/office/drawing/2010/main" val="0"/>
+              </a:ext>
+            </a:extLst>
+          </a:blip>
+          <a:srcRect/>
+          <a:stretch>
+            <a:fillRect/>
+          </a:stretch>
+        </p:blipFill>
+        <p:spPr bwMode="auto">
+          <a:xfrm>
+            <a:off x="331047" y="150742"/>
+            <a:ext cx="2215986" cy="1157852"/>
+          </a:xfrm>
+          <a:prstGeom prst="rect">
+            <a:avLst/>
+          </a:prstGeom>
+          <a:noFill/>
+          <a:extLst>
+            <a:ext uri="{909E8E84-426E-40DD-AFC4-6F175D3DCCD1}">
+              <a14:hiddenFill xmlns:a14="http://schemas.microsoft.com/office/drawing/2010/main">
+                <a:solidFill>
+                  <a:srgbClr val="FFFFFF"/>
+                </a:solidFill>
+              </a14:hiddenFill>
+            </a:ext>
+          </a:extLst>
+        </p:spPr>
+      </p:pic>
+      <p:pic>
+        <p:nvPicPr>
+          <p:cNvPr id="1042" name="Picture 18" descr="Image result for sharepoint pnp">
+            <a:extLst>
+              <a:ext uri="{FF2B5EF4-FFF2-40B4-BE49-F238E27FC236}">
+                <a16:creationId xmlns:a16="http://schemas.microsoft.com/office/drawing/2014/main" id="{7A970780-D166-4668-BD63-50F261D2CE5E}"/>
+              </a:ext>
+            </a:extLst>
+          </p:cNvPr>
+          <p:cNvPicPr>
+            <a:picLocks noChangeAspect="1" noChangeArrowheads="1"/>
+          </p:cNvPicPr>
+          <p:nvPr/>
+        </p:nvPicPr>
+        <p:blipFill>
+          <a:blip r:embed="rId4">
+            <a:extLst>
+              <a:ext uri="{28A0092B-C50C-407E-A947-70E740481C1C}">
+                <a14:useLocalDpi xmlns:a14="http://schemas.microsoft.com/office/drawing/2010/main" val="0"/>
+              </a:ext>
+            </a:extLst>
+          </a:blip>
+          <a:srcRect/>
+          <a:stretch>
+            <a:fillRect/>
+          </a:stretch>
+        </p:blipFill>
+        <p:spPr bwMode="auto">
+          <a:xfrm>
+            <a:off x="9045823" y="349993"/>
+            <a:ext cx="1947697" cy="708777"/>
+          </a:xfrm>
+          <a:prstGeom prst="rect">
+            <a:avLst/>
+          </a:prstGeom>
+          <a:noFill/>
+          <a:extLst>
+            <a:ext uri="{909E8E84-426E-40DD-AFC4-6F175D3DCCD1}">
+              <a14:hiddenFill xmlns:a14="http://schemas.microsoft.com/office/drawing/2010/main">
+                <a:solidFill>
+                  <a:srgbClr val="FFFFFF"/>
+                </a:solidFill>
+              </a14:hiddenFill>
+            </a:ext>
+          </a:extLst>
+        </p:spPr>
+      </p:pic>
+      <p:pic>
+        <p:nvPicPr>
+          <p:cNvPr id="1044" name="Picture 20" descr="Image result for github logo">
+            <a:extLst>
+              <a:ext uri="{FF2B5EF4-FFF2-40B4-BE49-F238E27FC236}">
+                <a16:creationId xmlns:a16="http://schemas.microsoft.com/office/drawing/2014/main" id="{7650AAB2-FCC3-4F9E-A34E-FBB847593501}"/>
+              </a:ext>
+            </a:extLst>
+          </p:cNvPr>
+          <p:cNvPicPr>
+            <a:picLocks noChangeAspect="1" noChangeArrowheads="1"/>
+          </p:cNvPicPr>
+          <p:nvPr/>
+        </p:nvPicPr>
+        <p:blipFill>
+          <a:blip r:embed="rId5">
+            <a:extLst>
+              <a:ext uri="{28A0092B-C50C-407E-A947-70E740481C1C}">
+                <a14:useLocalDpi xmlns:a14="http://schemas.microsoft.com/office/drawing/2010/main" val="0"/>
+              </a:ext>
+            </a:extLst>
+          </a:blip>
+          <a:srcRect/>
+          <a:stretch>
+            <a:fillRect/>
+          </a:stretch>
+        </p:blipFill>
+        <p:spPr bwMode="auto">
+          <a:xfrm>
+            <a:off x="10993520" y="470422"/>
+            <a:ext cx="650147" cy="540435"/>
+          </a:xfrm>
+          <a:prstGeom prst="rect">
+            <a:avLst/>
+          </a:prstGeom>
+          <a:noFill/>
+          <a:extLst>
+            <a:ext uri="{909E8E84-426E-40DD-AFC4-6F175D3DCCD1}">
+              <a14:hiddenFill xmlns:a14="http://schemas.microsoft.com/office/drawing/2010/main">
+                <a:solidFill>
+                  <a:srgbClr val="FFFFFF"/>
+                </a:solidFill>
+              </a14:hiddenFill>
+            </a:ext>
+          </a:extLst>
+        </p:spPr>
+      </p:pic>
+      <p:pic>
+        <p:nvPicPr>
+          <p:cNvPr id="8" name="Picture 7">
+            <a:extLst>
+              <a:ext uri="{FF2B5EF4-FFF2-40B4-BE49-F238E27FC236}">
+                <a16:creationId xmlns:a16="http://schemas.microsoft.com/office/drawing/2014/main" id="{A69A64EC-D410-4ABF-AFD1-38CB2F0EB18C}"/>
+              </a:ext>
+            </a:extLst>
+          </p:cNvPr>
+          <p:cNvPicPr>
+            <a:picLocks noChangeAspect="1"/>
+          </p:cNvPicPr>
+          <p:nvPr/>
+        </p:nvPicPr>
+        <p:blipFill>
+          <a:blip r:embed="rId6"/>
+          <a:stretch>
+            <a:fillRect/>
+          </a:stretch>
+        </p:blipFill>
+        <p:spPr>
+          <a:xfrm>
+            <a:off x="7503714" y="456020"/>
+            <a:ext cx="1542110" cy="636426"/>
+          </a:xfrm>
+          <a:prstGeom prst="rect">
+            <a:avLst/>
+          </a:prstGeom>
+        </p:spPr>
+      </p:pic>
+      <p:pic>
+        <p:nvPicPr>
+          <p:cNvPr id="13" name="Picture 12">
+            <a:extLst>
+              <a:ext uri="{FF2B5EF4-FFF2-40B4-BE49-F238E27FC236}">
+                <a16:creationId xmlns:a16="http://schemas.microsoft.com/office/drawing/2014/main" id="{E839E819-1252-4479-8DBE-0B893882DB7C}"/>
+              </a:ext>
+            </a:extLst>
+          </p:cNvPr>
+          <p:cNvPicPr>
+            <a:picLocks noChangeAspect="1"/>
+          </p:cNvPicPr>
+          <p:nvPr/>
+        </p:nvPicPr>
+        <p:blipFill>
+          <a:blip r:embed="rId7"/>
+          <a:stretch>
+            <a:fillRect/>
+          </a:stretch>
+        </p:blipFill>
+        <p:spPr>
+          <a:xfrm>
+            <a:off x="480704" y="1456492"/>
+            <a:ext cx="945424" cy="1897366"/>
+          </a:xfrm>
+          <a:prstGeom prst="rect">
+            <a:avLst/>
+          </a:prstGeom>
+        </p:spPr>
+      </p:pic>
+      <p:pic>
+        <p:nvPicPr>
+          <p:cNvPr id="14" name="Picture 2" descr="Office Development">
+            <a:extLst>
+              <a:ext uri="{FF2B5EF4-FFF2-40B4-BE49-F238E27FC236}">
+                <a16:creationId xmlns:a16="http://schemas.microsoft.com/office/drawing/2014/main" id="{B6FD555C-40D9-4D85-B395-3CDD76247D70}"/>
+              </a:ext>
+            </a:extLst>
+          </p:cNvPr>
+          <p:cNvPicPr>
+            <a:picLocks noChangeAspect="1" noChangeArrowheads="1"/>
+          </p:cNvPicPr>
+          <p:nvPr/>
+        </p:nvPicPr>
+        <p:blipFill>
+          <a:blip r:embed="rId8">
+            <a:extLst>
+              <a:ext uri="{28A0092B-C50C-407E-A947-70E740481C1C}">
+                <a14:useLocalDpi xmlns:a14="http://schemas.microsoft.com/office/drawing/2010/main" val="0"/>
+              </a:ext>
+            </a:extLst>
+          </a:blip>
+          <a:srcRect/>
+          <a:stretch>
+            <a:fillRect/>
+          </a:stretch>
+        </p:blipFill>
+        <p:spPr bwMode="auto">
+          <a:xfrm>
+            <a:off x="6136934" y="498906"/>
+            <a:ext cx="1277228" cy="514955"/>
+          </a:xfrm>
+          <a:prstGeom prst="rect">
+            <a:avLst/>
+          </a:prstGeom>
+          <a:noFill/>
+          <a:extLst>
+            <a:ext uri="{909E8E84-426E-40DD-AFC4-6F175D3DCCD1}">
+              <a14:hiddenFill xmlns:a14="http://schemas.microsoft.com/office/drawing/2010/main">
+                <a:solidFill>
+                  <a:srgbClr val="FFFFFF"/>
+                </a:solidFill>
+              </a14:hiddenFill>
+            </a:ext>
+          </a:extLst>
+        </p:spPr>
+      </p:pic>
+      <p:sp>
+        <p:nvSpPr>
+          <p:cNvPr id="22" name="TextBox 21">
+            <a:extLst>
+              <a:ext uri="{FF2B5EF4-FFF2-40B4-BE49-F238E27FC236}">
+                <a16:creationId xmlns:a16="http://schemas.microsoft.com/office/drawing/2014/main" id="{10D3D6C3-F174-4763-89D2-0DD95027AE0D}"/>
+              </a:ext>
+            </a:extLst>
+          </p:cNvPr>
+          <p:cNvSpPr txBox="1"/>
+          <p:nvPr/>
+        </p:nvSpPr>
+        <p:spPr>
+          <a:xfrm>
+            <a:off x="8686547" y="3957507"/>
+            <a:ext cx="2619077" cy="830997"/>
+          </a:xfrm>
+          <a:prstGeom prst="rect">
+            <a:avLst/>
+          </a:prstGeom>
+          <a:noFill/>
+        </p:spPr>
+        <p:txBody>
+          <a:bodyPr wrap="square" rtlCol="0">
+            <a:spAutoFit/>
+          </a:bodyPr>
+          <a:lstStyle/>
+          <a:p>
+            <a:r>
+              <a:rPr lang="en-US" sz="1600" dirty="0">
+                <a:solidFill>
+                  <a:schemeClr val="tx2"/>
+                </a:solidFill>
+                <a:latin typeface="Leelawadee" panose="020B0502040204020203" pitchFamily="34" charset="-34"/>
+                <a:cs typeface="Leelawadee" panose="020B0502040204020203" pitchFamily="34" charset="-34"/>
+              </a:rPr>
+              <a:t>Register at: </a:t>
+            </a:r>
+          </a:p>
+          <a:p>
+            <a:endParaRPr lang="en-US" sz="1600" dirty="0">
+              <a:solidFill>
+                <a:schemeClr val="tx2"/>
+              </a:solidFill>
+              <a:latin typeface="Leelawadee" panose="020B0502040204020203" pitchFamily="34" charset="-34"/>
+              <a:cs typeface="Leelawadee" panose="020B0502040204020203" pitchFamily="34" charset="-34"/>
+            </a:endParaRPr>
+          </a:p>
+          <a:p>
+            <a:r>
+              <a:rPr lang="en-US" sz="1600" b="1" dirty="0">
+                <a:solidFill>
+                  <a:schemeClr val="tx2"/>
+                </a:solidFill>
+                <a:latin typeface="Leelawadee" panose="020B0502040204020203" pitchFamily="34" charset="-34"/>
+                <a:cs typeface="Leelawadee" panose="020B0502040204020203" pitchFamily="34" charset="-34"/>
+              </a:rPr>
+              <a:t>https://lnkd.in/ee8STGe</a:t>
+            </a:r>
+            <a:endParaRPr lang="en-IN" sz="1600" b="1" dirty="0">
+              <a:solidFill>
+                <a:schemeClr val="tx2"/>
+              </a:solidFill>
+              <a:latin typeface="Leelawadee" panose="020B0502040204020203" pitchFamily="34" charset="-34"/>
+              <a:cs typeface="Leelawadee" panose="020B0502040204020203" pitchFamily="34" charset="-34"/>
+            </a:endParaRPr>
+          </a:p>
+        </p:txBody>
+      </p:sp>
+      <p:grpSp>
+        <p:nvGrpSpPr>
+          <p:cNvPr id="5" name="Group 4">
+            <a:extLst>
+              <a:ext uri="{FF2B5EF4-FFF2-40B4-BE49-F238E27FC236}">
+                <a16:creationId xmlns:a16="http://schemas.microsoft.com/office/drawing/2014/main" id="{C9443FFF-A4C8-4398-B8BD-EAA43699E5FE}"/>
+              </a:ext>
+            </a:extLst>
+          </p:cNvPr>
+          <p:cNvGrpSpPr/>
+          <p:nvPr/>
+        </p:nvGrpSpPr>
+        <p:grpSpPr>
+          <a:xfrm>
+            <a:off x="6300684" y="3319093"/>
+            <a:ext cx="5164265" cy="461665"/>
+            <a:chOff x="5673393" y="3133957"/>
+            <a:chExt cx="4164494" cy="461665"/>
+          </a:xfrm>
+        </p:grpSpPr>
+        <p:sp>
+          <p:nvSpPr>
+            <p:cNvPr id="7" name="TextBox 6">
+              <a:extLst>
+                <a:ext uri="{FF2B5EF4-FFF2-40B4-BE49-F238E27FC236}">
+                  <a16:creationId xmlns:a16="http://schemas.microsoft.com/office/drawing/2014/main" id="{73CA501D-0783-4580-B550-3C2E433EFC78}"/>
+                </a:ext>
+              </a:extLst>
+            </p:cNvPr>
+            <p:cNvSpPr txBox="1"/>
+            <p:nvPr/>
+          </p:nvSpPr>
+          <p:spPr>
+            <a:xfrm>
+              <a:off x="5673393" y="3257146"/>
+              <a:ext cx="1094467" cy="307777"/>
+            </a:xfrm>
+            <a:prstGeom prst="rect">
+              <a:avLst/>
+            </a:prstGeom>
+            <a:noFill/>
+          </p:spPr>
+          <p:txBody>
+            <a:bodyPr wrap="square" rtlCol="0">
+              <a:spAutoFit/>
+            </a:bodyPr>
+            <a:lstStyle/>
+            <a:p>
+              <a:r>
+                <a:rPr lang="en-IN" sz="1400" dirty="0">
+                  <a:ln w="0"/>
+                  <a:solidFill>
+                    <a:schemeClr val="tx2"/>
+                  </a:solidFill>
+                  <a:effectLst>
+                    <a:outerShdw blurRad="38100" dist="19050" dir="2700000" algn="tl" rotWithShape="0">
+                      <a:schemeClr val="dk1">
+                        <a:alpha val="40000"/>
+                      </a:schemeClr>
+                    </a:outerShdw>
+                  </a:effectLst>
+                  <a:latin typeface="MV Boli" panose="02000500030200090000" pitchFamily="2" charset="0"/>
+                  <a:cs typeface="MV Boli" panose="02000500030200090000" pitchFamily="2" charset="0"/>
+                </a:rPr>
+                <a:t>Hosted by</a:t>
+              </a:r>
+            </a:p>
+          </p:txBody>
+        </p:sp>
+        <p:sp>
+          <p:nvSpPr>
+            <p:cNvPr id="24" name="Rectangle 23">
+              <a:extLst>
+                <a:ext uri="{FF2B5EF4-FFF2-40B4-BE49-F238E27FC236}">
+                  <a16:creationId xmlns:a16="http://schemas.microsoft.com/office/drawing/2014/main" id="{2CF061B8-0995-42B6-8944-AEB84208BC27}"/>
+                </a:ext>
+              </a:extLst>
+            </p:cNvPr>
+            <p:cNvSpPr/>
+            <p:nvPr/>
+          </p:nvSpPr>
+          <p:spPr>
+            <a:xfrm>
+              <a:off x="6195105" y="3133957"/>
+              <a:ext cx="3642782" cy="461665"/>
+            </a:xfrm>
+            <a:prstGeom prst="rect">
+              <a:avLst/>
+            </a:prstGeom>
+            <a:noFill/>
+          </p:spPr>
+          <p:txBody>
+            <a:bodyPr wrap="square" lIns="91440" tIns="45720" rIns="91440" bIns="45720">
+              <a:spAutoFit/>
+            </a:bodyPr>
+            <a:lstStyle/>
+            <a:p>
+              <a:pPr algn="ctr"/>
+              <a:r>
+                <a:rPr lang="en-US" sz="2400" b="1" dirty="0">
+                  <a:ln w="10160">
+                    <a:solidFill>
+                      <a:srgbClr val="0070C0"/>
+                    </a:solidFill>
+                    <a:prstDash val="solid"/>
+                  </a:ln>
+                  <a:solidFill>
+                    <a:srgbClr val="0070C0"/>
+                  </a:solidFill>
+                  <a:effectLst>
+                    <a:outerShdw blurRad="38100" dist="22860" dir="5400000" algn="tl" rotWithShape="0">
+                      <a:srgbClr val="000000">
+                        <a:alpha val="30000"/>
+                      </a:srgbClr>
+                    </a:outerShdw>
+                  </a:effectLst>
+                  <a:latin typeface="Ink Free" panose="03080402000500000000" pitchFamily="66" charset="0"/>
+                </a:rPr>
+                <a:t>Letterkenny Dotnet Azure UG</a:t>
+              </a:r>
+            </a:p>
+          </p:txBody>
+        </p:sp>
+      </p:grpSp>
+      <p:sp>
+        <p:nvSpPr>
+          <p:cNvPr id="11" name="TextBox 10">
+            <a:extLst>
+              <a:ext uri="{FF2B5EF4-FFF2-40B4-BE49-F238E27FC236}">
+                <a16:creationId xmlns:a16="http://schemas.microsoft.com/office/drawing/2014/main" id="{BA595AF8-7A7F-4791-9CFF-7DC9E1C02941}"/>
+              </a:ext>
+            </a:extLst>
+          </p:cNvPr>
+          <p:cNvSpPr txBox="1"/>
+          <p:nvPr/>
+        </p:nvSpPr>
+        <p:spPr>
+          <a:xfrm>
+            <a:off x="886376" y="5413529"/>
+            <a:ext cx="2349575" cy="338554"/>
+          </a:xfrm>
+          <a:prstGeom prst="rect">
+            <a:avLst/>
+          </a:prstGeom>
+          <a:noFill/>
+        </p:spPr>
+        <p:txBody>
+          <a:bodyPr wrap="square" rtlCol="0">
+            <a:spAutoFit/>
+          </a:bodyPr>
+          <a:lstStyle/>
+          <a:p>
+            <a:r>
+              <a:rPr lang="en-US" sz="1600" b="1" dirty="0">
+                <a:solidFill>
+                  <a:schemeClr val="tx2"/>
+                </a:solidFill>
+                <a:latin typeface="Leelawadee" panose="020B0502040204020203" pitchFamily="34" charset="-34"/>
+                <a:cs typeface="Leelawadee" panose="020B0502040204020203" pitchFamily="34" charset="-34"/>
+              </a:rPr>
+              <a:t>Event Sponsors</a:t>
+            </a:r>
+          </a:p>
+        </p:txBody>
+      </p:sp>
+      <p:pic>
+        <p:nvPicPr>
+          <p:cNvPr id="25" name="Picture 24">
+            <a:extLst>
+              <a:ext uri="{FF2B5EF4-FFF2-40B4-BE49-F238E27FC236}">
+                <a16:creationId xmlns:a16="http://schemas.microsoft.com/office/drawing/2014/main" id="{37068CF9-A9DC-459B-9D00-04EB459242D8}"/>
+              </a:ext>
+            </a:extLst>
+          </p:cNvPr>
+          <p:cNvPicPr>
+            <a:picLocks noChangeAspect="1"/>
+          </p:cNvPicPr>
+          <p:nvPr/>
+        </p:nvPicPr>
+        <p:blipFill>
+          <a:blip r:embed="rId9">
+            <a:extLst>
+              <a:ext uri="{28A0092B-C50C-407E-A947-70E740481C1C}">
+                <a14:useLocalDpi xmlns:a14="http://schemas.microsoft.com/office/drawing/2010/main" val="0"/>
+              </a:ext>
+            </a:extLst>
+          </a:blip>
+          <a:stretch>
+            <a:fillRect/>
+          </a:stretch>
+        </p:blipFill>
+        <p:spPr>
+          <a:xfrm>
+            <a:off x="2912842" y="5635141"/>
+            <a:ext cx="2782051" cy="647673"/>
+          </a:xfrm>
+          <a:prstGeom prst="rect">
+            <a:avLst/>
+          </a:prstGeom>
+        </p:spPr>
+      </p:pic>
+      <p:pic>
+        <p:nvPicPr>
+          <p:cNvPr id="1028" name="Picture 4" descr="Image result for rev debug logo">
+            <a:extLst>
+              <a:ext uri="{FF2B5EF4-FFF2-40B4-BE49-F238E27FC236}">
+                <a16:creationId xmlns:a16="http://schemas.microsoft.com/office/drawing/2014/main" id="{876B9815-458F-4480-BFFC-52F8EDC2D07B}"/>
+              </a:ext>
+            </a:extLst>
+          </p:cNvPr>
+          <p:cNvPicPr>
+            <a:picLocks noChangeAspect="1" noChangeArrowheads="1"/>
+          </p:cNvPicPr>
+          <p:nvPr/>
+        </p:nvPicPr>
+        <p:blipFill>
+          <a:blip r:embed="rId10">
+            <a:extLst>
+              <a:ext uri="{28A0092B-C50C-407E-A947-70E740481C1C}">
+                <a14:useLocalDpi xmlns:a14="http://schemas.microsoft.com/office/drawing/2010/main" val="0"/>
+              </a:ext>
+            </a:extLst>
+          </a:blip>
+          <a:srcRect/>
+          <a:stretch>
+            <a:fillRect/>
+          </a:stretch>
+        </p:blipFill>
+        <p:spPr bwMode="auto">
+          <a:xfrm>
+            <a:off x="6220626" y="5486319"/>
+            <a:ext cx="2985671" cy="1068311"/>
+          </a:xfrm>
+          <a:prstGeom prst="rect">
+            <a:avLst/>
+          </a:prstGeom>
+          <a:noFill/>
+          <a:extLst>
+            <a:ext uri="{909E8E84-426E-40DD-AFC4-6F175D3DCCD1}">
+              <a14:hiddenFill xmlns:a14="http://schemas.microsoft.com/office/drawing/2010/main">
+                <a:solidFill>
+                  <a:srgbClr val="FFFFFF"/>
+                </a:solidFill>
+              </a14:hiddenFill>
+            </a:ext>
+          </a:extLst>
+        </p:spPr>
+      </p:pic>
+      <p:sp>
+        <p:nvSpPr>
+          <p:cNvPr id="28" name="Rectangle 27">
+            <a:extLst>
+              <a:ext uri="{FF2B5EF4-FFF2-40B4-BE49-F238E27FC236}">
+                <a16:creationId xmlns:a16="http://schemas.microsoft.com/office/drawing/2014/main" id="{DF87B157-3EA7-4E09-A51A-BAC91DF19860}"/>
+              </a:ext>
+            </a:extLst>
+          </p:cNvPr>
+          <p:cNvSpPr>
+            <a:spLocks/>
+          </p:cNvSpPr>
+          <p:nvPr/>
+        </p:nvSpPr>
+        <p:spPr>
+          <a:xfrm>
+            <a:off x="4926900" y="504914"/>
+            <a:ext cx="1018245" cy="514955"/>
+          </a:xfrm>
+          <a:prstGeom prst="rect">
+            <a:avLst/>
+          </a:prstGeom>
+          <a:solidFill>
+            <a:srgbClr val="7030A0"/>
+          </a:solidFill>
+          <a:ln>
+            <a:solidFill>
+              <a:srgbClr val="7030A0"/>
+            </a:solidFill>
+          </a:ln>
+        </p:spPr>
+        <p:style>
+          <a:lnRef idx="2">
+            <a:schemeClr val="accent1">
+              <a:shade val="50000"/>
+            </a:schemeClr>
+          </a:lnRef>
+          <a:fillRef idx="1">
+            <a:schemeClr val="accent1"/>
+          </a:fillRef>
+          <a:effectRef idx="0">
+            <a:schemeClr val="accent1"/>
+          </a:effectRef>
+          <a:fontRef idx="minor">
+            <a:schemeClr val="lt1"/>
+          </a:fontRef>
+        </p:style>
+        <p:txBody>
           <a:bodyPr wrap="square" lIns="0" tIns="0" rIns="0" bIns="0" rtlCol="0" anchor="ctr" anchorCtr="0"/>
           <a:lstStyle/>
           <a:p>
             <a:pPr algn="ctr"/>
             <a:r>
-              <a:rPr lang="en-IN" sz="1050" dirty="0">
+              <a:rPr lang="en-IN" sz="1100" dirty="0">
                 <a:cs typeface="Segoe UI" panose="020B0502040204020203" pitchFamily="34" charset="0"/>
               </a:rPr>
               <a:t>Letterkenny</a:t>
@@ -6380,7 +9918,7 @@
               </a:lnSpc>
             </a:pPr>
             <a:r>
-              <a:rPr lang="en-IN" sz="2000" b="1" dirty="0">
+              <a:rPr lang="en-IN" sz="2400" b="1" dirty="0">
                 <a:cs typeface="Segoe UI" panose="020B0502040204020203" pitchFamily="34" charset="0"/>
               </a:rPr>
               <a:t>.MUG</a:t>
@@ -6402,8 +9940,8 @@
         </p:nvSpPr>
         <p:spPr>
           <a:xfrm>
-            <a:off x="2130060" y="3776586"/>
-            <a:ext cx="3258018" cy="830997"/>
+            <a:off x="886376" y="3924466"/>
+            <a:ext cx="3967994" cy="1046440"/>
           </a:xfrm>
           <a:prstGeom prst="rect">
             <a:avLst/>
@@ -6417,7 +9955,7 @@
           <a:lstStyle/>
           <a:p>
             <a:r>
-              <a:rPr lang="en-IN" sz="1200" dirty="0">
+              <a:rPr lang="en-IN" sz="1600" dirty="0">
                 <a:solidFill>
                   <a:schemeClr val="tx2"/>
                 </a:solidFill>
@@ -6430,20 +9968,20 @@
           <a:p>
             <a:pPr lvl="1"/>
             <a:r>
-              <a:rPr lang="en-IN" sz="1400" b="1" dirty="0">
+              <a:rPr lang="en-IN" b="1" dirty="0">
                 <a:solidFill>
                   <a:schemeClr val="tx2"/>
                 </a:solidFill>
                 <a:latin typeface="Leelawadee" panose="020B0502040204020203" pitchFamily="34" charset="-34"/>
                 <a:cs typeface="Leelawadee" panose="020B0502040204020203" pitchFamily="34" charset="-34"/>
               </a:rPr>
-              <a:t>Pramerica,</a:t>
+              <a:t>Pramerica</a:t>
             </a:r>
           </a:p>
           <a:p>
             <a:pPr lvl="1"/>
             <a:r>
-              <a:rPr lang="en-IN" sz="1100" dirty="0">
+              <a:rPr lang="en-IN" sz="1400" dirty="0">
                 <a:solidFill>
                   <a:schemeClr val="tx2"/>
                 </a:solidFill>
@@ -6456,7 +9994,7 @@
           <a:p>
             <a:pPr lvl="1"/>
             <a:r>
-              <a:rPr lang="en-IN" sz="1100" dirty="0">
+              <a:rPr lang="en-IN" sz="1400" dirty="0">
                 <a:solidFill>
                   <a:schemeClr val="tx2"/>
                 </a:solidFill>
@@ -6482,8 +10020,8 @@
         </p:nvSpPr>
         <p:spPr>
           <a:xfrm>
-            <a:off x="5795638" y="3835688"/>
-            <a:ext cx="3538061" cy="923330"/>
+            <a:off x="5046426" y="3938362"/>
+            <a:ext cx="4159871" cy="1138773"/>
           </a:xfrm>
           <a:prstGeom prst="rect">
             <a:avLst/>
@@ -6497,7 +10035,7 @@
           <a:lstStyle/>
           <a:p>
             <a:r>
-              <a:rPr lang="en-IN" sz="1200" dirty="0">
+              <a:rPr lang="en-IN" sz="1600" dirty="0">
                 <a:solidFill>
                   <a:schemeClr val="tx2"/>
                 </a:solidFill>
@@ -6509,7 +10047,7 @@
           </a:p>
           <a:p>
             <a:r>
-              <a:rPr lang="en-IN" sz="1400" b="1" dirty="0">
+              <a:rPr lang="en-IN" b="1" dirty="0">
                 <a:solidFill>
                   <a:schemeClr val="tx2"/>
                 </a:solidFill>
@@ -6519,7 +10057,7 @@
               <a:t>        Saturday, 10</a:t>
             </a:r>
             <a:r>
-              <a:rPr lang="en-IN" sz="1400" b="1" baseline="30000" dirty="0">
+              <a:rPr lang="en-IN" b="1" baseline="30000" dirty="0">
                 <a:solidFill>
                   <a:schemeClr val="tx2"/>
                 </a:solidFill>
@@ -6529,7 +10067,7 @@
               <a:t>th</a:t>
             </a:r>
             <a:r>
-              <a:rPr lang="en-IN" sz="1400" b="1" dirty="0">
+              <a:rPr lang="en-IN" b="1" dirty="0">
                 <a:solidFill>
                   <a:schemeClr val="tx2"/>
                 </a:solidFill>
@@ -6541,7 +10079,7 @@
           </a:p>
           <a:p>
             <a:r>
-              <a:rPr lang="en-IN" sz="1200" dirty="0">
+              <a:rPr lang="en-IN" sz="1600" dirty="0">
                 <a:solidFill>
                   <a:schemeClr val="tx2"/>
                 </a:solidFill>
@@ -6553,7 +10091,7 @@
           </a:p>
           <a:p>
             <a:r>
-              <a:rPr lang="en-IN" sz="1400" b="1" dirty="0">
+              <a:rPr lang="en-IN" b="1" dirty="0">
                 <a:solidFill>
                   <a:schemeClr val="tx2"/>
                 </a:solidFill>
@@ -6565,6 +10103,42 @@
           </a:p>
         </p:txBody>
       </p:sp>
+      <p:pic>
+        <p:nvPicPr>
+          <p:cNvPr id="12" name="Picture 11">
+            <a:extLst>
+              <a:ext uri="{FF2B5EF4-FFF2-40B4-BE49-F238E27FC236}">
+                <a16:creationId xmlns:a16="http://schemas.microsoft.com/office/drawing/2014/main" id="{2B58E659-E39F-4124-A977-DC31977951A0}"/>
+              </a:ext>
+            </a:extLst>
+          </p:cNvPr>
+          <p:cNvPicPr>
+            <a:picLocks noChangeAspect="1"/>
+          </p:cNvPicPr>
+          <p:nvPr/>
+        </p:nvPicPr>
+        <p:blipFill>
+          <a:blip r:embed="rId11">
+            <a:extLst>
+              <a:ext uri="{28A0092B-C50C-407E-A947-70E740481C1C}">
+                <a14:useLocalDpi xmlns:a14="http://schemas.microsoft.com/office/drawing/2010/main" val="0"/>
+              </a:ext>
+            </a:extLst>
+          </a:blip>
+          <a:stretch>
+            <a:fillRect/>
+          </a:stretch>
+        </p:blipFill>
+        <p:spPr>
+          <a:xfrm>
+            <a:off x="9732030" y="5439696"/>
+            <a:ext cx="985526" cy="1068311"/>
+          </a:xfrm>
+          <a:prstGeom prst="rect">
+            <a:avLst/>
+          </a:prstGeom>
+        </p:spPr>
+      </p:pic>
     </p:spTree>
     <p:extLst>
       <p:ext uri="{BB962C8B-B14F-4D97-AF65-F5344CB8AC3E}">
@@ -6578,8 +10152,77 @@
 </p:sld>
 </file>
 
-<file path=ppt/slides/slide5.xml><?xml version="1.0" encoding="utf-8"?>
+<file path=ppt/slides/slide7.xml><?xml version="1.0" encoding="utf-8"?>
 <p:sld xmlns:a="http://schemas.openxmlformats.org/drawingml/2006/main" xmlns:r="http://schemas.openxmlformats.org/officeDocument/2006/relationships" xmlns:p="http://schemas.openxmlformats.org/presentationml/2006/main">
+  <p:cSld>
+    <p:spTree>
+      <p:nvGrpSpPr>
+        <p:cNvPr id="1" name=""/>
+        <p:cNvGrpSpPr/>
+        <p:nvPr/>
+      </p:nvGrpSpPr>
+      <p:grpSpPr>
+        <a:xfrm>
+          <a:off x="0" y="0"/>
+          <a:ext cx="0" cy="0"/>
+          <a:chOff x="0" y="0"/>
+          <a:chExt cx="0" cy="0"/>
+        </a:xfrm>
+      </p:grpSpPr>
+      <p:pic>
+        <p:nvPicPr>
+          <p:cNvPr id="2" name="Picture 1" descr="https://pbs.twimg.com/media/Dp0jSeAWkAAq1ET.jpg:large">
+            <a:extLst>
+              <a:ext uri="{FF2B5EF4-FFF2-40B4-BE49-F238E27FC236}">
+                <a16:creationId xmlns:a16="http://schemas.microsoft.com/office/drawing/2014/main" id="{DC9B158C-6AE1-41F9-98DE-1696B73B6138}"/>
+              </a:ext>
+            </a:extLst>
+          </p:cNvPr>
+          <p:cNvPicPr/>
+          <p:nvPr/>
+        </p:nvPicPr>
+        <p:blipFill>
+          <a:blip r:embed="rId2">
+            <a:extLst>
+              <a:ext uri="{28A0092B-C50C-407E-A947-70E740481C1C}">
+                <a14:useLocalDpi xmlns:a14="http://schemas.microsoft.com/office/drawing/2010/main" val="0"/>
+              </a:ext>
+            </a:extLst>
+          </a:blip>
+          <a:srcRect/>
+          <a:stretch>
+            <a:fillRect/>
+          </a:stretch>
+        </p:blipFill>
+        <p:spPr bwMode="auto">
+          <a:xfrm>
+            <a:off x="2179874" y="1106249"/>
+            <a:ext cx="7026910" cy="4377055"/>
+          </a:xfrm>
+          <a:prstGeom prst="rect">
+            <a:avLst/>
+          </a:prstGeom>
+          <a:noFill/>
+          <a:ln>
+            <a:noFill/>
+          </a:ln>
+        </p:spPr>
+      </p:pic>
+    </p:spTree>
+    <p:extLst>
+      <p:ext uri="{BB962C8B-B14F-4D97-AF65-F5344CB8AC3E}">
+        <p14:creationId xmlns:p14="http://schemas.microsoft.com/office/powerpoint/2010/main" val="656894665"/>
+      </p:ext>
+    </p:extLst>
+  </p:cSld>
+  <p:clrMapOvr>
+    <a:masterClrMapping/>
+  </p:clrMapOvr>
+</p:sld>
+</file>
+
+<file path=ppt/slides/slide8.xml><?xml version="1.0" encoding="utf-8"?>
+<p:sld xmlns:a="http://schemas.openxmlformats.org/drawingml/2006/main" xmlns:r="http://schemas.openxmlformats.org/officeDocument/2006/relationships" xmlns:p="http://schemas.openxmlformats.org/presentationml/2006/main" show="0">
   <p:cSld>
     <p:spTree>
       <p:nvGrpSpPr>

--- a/Presentations/Marketing/Event-Marketing-Slide.pptx
+++ b/Presentations/Marketing/Event-Marketing-Slide.pptx
@@ -5,7 +5,7 @@
     <p:sldMasterId id="2147483648" r:id="rId1"/>
   </p:sldMasterIdLst>
   <p:notesMasterIdLst>
-    <p:notesMasterId r:id="rId13"/>
+    <p:notesMasterId r:id="rId14"/>
   </p:notesMasterIdLst>
   <p:sldIdLst>
     <p:sldId id="1595" r:id="rId2"/>
@@ -13,12 +13,13 @@
     <p:sldId id="256" r:id="rId4"/>
     <p:sldId id="261" r:id="rId5"/>
     <p:sldId id="262" r:id="rId6"/>
-    <p:sldId id="264" r:id="rId7"/>
-    <p:sldId id="260" r:id="rId8"/>
-    <p:sldId id="265" r:id="rId9"/>
-    <p:sldId id="266" r:id="rId10"/>
-    <p:sldId id="257" r:id="rId11"/>
-    <p:sldId id="259" r:id="rId12"/>
+    <p:sldId id="1596" r:id="rId7"/>
+    <p:sldId id="264" r:id="rId8"/>
+    <p:sldId id="260" r:id="rId9"/>
+    <p:sldId id="265" r:id="rId10"/>
+    <p:sldId id="266" r:id="rId11"/>
+    <p:sldId id="257" r:id="rId12"/>
+    <p:sldId id="259" r:id="rId13"/>
   </p:sldIdLst>
   <p:sldSz cx="12192000" cy="6858000"/>
   <p:notesSz cx="6858000" cy="9144000"/>
@@ -620,7 +621,7 @@
           <a:p>
             <a:fld id="{D18B56EA-E28F-4F92-9F16-7A6F2501B303}" type="datetime8">
               <a:rPr lang="en-US" smtClean="0"/>
-              <a:t>10/19/2018 4:33 PM</a:t>
+              <a:t>10/19/2018 4:38 PM</a:t>
             </a:fld>
             <a:endParaRPr lang="en-US" dirty="0"/>
           </a:p>
@@ -4380,6 +4381,664 @@
 </file>
 
 <file path=ppt/slides/slide10.xml><?xml version="1.0" encoding="utf-8"?>
+<p:sld xmlns:a="http://schemas.openxmlformats.org/drawingml/2006/main" xmlns:r="http://schemas.openxmlformats.org/officeDocument/2006/relationships" xmlns:p="http://schemas.openxmlformats.org/presentationml/2006/main">
+  <p:cSld>
+    <p:spTree>
+      <p:nvGrpSpPr>
+        <p:cNvPr id="1" name=""/>
+        <p:cNvGrpSpPr/>
+        <p:nvPr/>
+      </p:nvGrpSpPr>
+      <p:grpSpPr>
+        <a:xfrm>
+          <a:off x="0" y="0"/>
+          <a:ext cx="0" cy="0"/>
+          <a:chOff x="0" y="0"/>
+          <a:chExt cx="0" cy="0"/>
+        </a:xfrm>
+      </p:grpSpPr>
+      <p:sp>
+        <p:nvSpPr>
+          <p:cNvPr id="4" name="Title 3">
+            <a:extLst>
+              <a:ext uri="{FF2B5EF4-FFF2-40B4-BE49-F238E27FC236}">
+                <a16:creationId xmlns:a16="http://schemas.microsoft.com/office/drawing/2014/main" id="{9B5D7F5C-0805-4F43-A9C0-612C391BEBA2}"/>
+              </a:ext>
+            </a:extLst>
+          </p:cNvPr>
+          <p:cNvSpPr>
+            <a:spLocks noGrp="1"/>
+          </p:cNvSpPr>
+          <p:nvPr>
+            <p:ph type="title"/>
+          </p:nvPr>
+        </p:nvSpPr>
+        <p:spPr/>
+        <p:txBody>
+          <a:bodyPr/>
+          <a:lstStyle/>
+          <a:p>
+            <a:endParaRPr lang="en-US" dirty="0"/>
+          </a:p>
+        </p:txBody>
+      </p:sp>
+      <p:pic>
+        <p:nvPicPr>
+          <p:cNvPr id="5" name="Picture 4">
+            <a:extLst>
+              <a:ext uri="{FF2B5EF4-FFF2-40B4-BE49-F238E27FC236}">
+                <a16:creationId xmlns:a16="http://schemas.microsoft.com/office/drawing/2014/main" id="{17FCE7C9-59F5-4799-9D6B-1924DB719E1C}"/>
+              </a:ext>
+            </a:extLst>
+          </p:cNvPr>
+          <p:cNvPicPr>
+            <a:picLocks noChangeAspect="1"/>
+          </p:cNvPicPr>
+          <p:nvPr/>
+        </p:nvPicPr>
+        <p:blipFill>
+          <a:blip r:embed="rId2">
+            <a:extLst>
+              <a:ext uri="{28A0092B-C50C-407E-A947-70E740481C1C}">
+                <a14:useLocalDpi xmlns:a14="http://schemas.microsoft.com/office/drawing/2010/main" val="0"/>
+              </a:ext>
+            </a:extLst>
+          </a:blip>
+          <a:stretch>
+            <a:fillRect/>
+          </a:stretch>
+        </p:blipFill>
+        <p:spPr>
+          <a:xfrm>
+            <a:off x="0" y="1678"/>
+            <a:ext cx="12192000" cy="1741714"/>
+          </a:xfrm>
+          <a:prstGeom prst="rect">
+            <a:avLst/>
+          </a:prstGeom>
+        </p:spPr>
+      </p:pic>
+      <p:sp>
+        <p:nvSpPr>
+          <p:cNvPr id="6" name="TextBox 5">
+            <a:extLst>
+              <a:ext uri="{FF2B5EF4-FFF2-40B4-BE49-F238E27FC236}">
+                <a16:creationId xmlns:a16="http://schemas.microsoft.com/office/drawing/2014/main" id="{3CEC6D9F-D08A-4256-AC9F-5B4A20838D7C}"/>
+              </a:ext>
+            </a:extLst>
+          </p:cNvPr>
+          <p:cNvSpPr txBox="1"/>
+          <p:nvPr/>
+        </p:nvSpPr>
+        <p:spPr>
+          <a:xfrm>
+            <a:off x="5902842" y="1281727"/>
+            <a:ext cx="5397868" cy="369332"/>
+          </a:xfrm>
+          <a:prstGeom prst="rect">
+            <a:avLst/>
+          </a:prstGeom>
+          <a:noFill/>
+        </p:spPr>
+        <p:txBody>
+          <a:bodyPr wrap="square" rtlCol="0">
+            <a:spAutoFit/>
+          </a:bodyPr>
+          <a:lstStyle/>
+          <a:p>
+            <a:r>
+              <a:rPr lang="en-IN" sz="1600" dirty="0">
+                <a:solidFill>
+                  <a:schemeClr val="tx1">
+                    <a:lumMod val="75000"/>
+                    <a:lumOff val="25000"/>
+                  </a:schemeClr>
+                </a:solidFill>
+                <a:latin typeface="Leelawadee" panose="020B0502040204020203" pitchFamily="34" charset="-34"/>
+                <a:cs typeface="Leelawadee" panose="020B0502040204020203" pitchFamily="34" charset="-34"/>
+              </a:rPr>
+              <a:t>Date:  </a:t>
+            </a:r>
+            <a:r>
+              <a:rPr lang="en-IN" b="1" dirty="0">
+                <a:solidFill>
+                  <a:schemeClr val="tx1">
+                    <a:lumMod val="75000"/>
+                    <a:lumOff val="25000"/>
+                  </a:schemeClr>
+                </a:solidFill>
+                <a:latin typeface="Leelawadee" panose="020B0502040204020203" pitchFamily="34" charset="-34"/>
+                <a:cs typeface="Leelawadee" panose="020B0502040204020203" pitchFamily="34" charset="-34"/>
+              </a:rPr>
+              <a:t>Saturday, 10</a:t>
+            </a:r>
+            <a:r>
+              <a:rPr lang="en-IN" b="1" baseline="30000" dirty="0">
+                <a:solidFill>
+                  <a:schemeClr val="tx1">
+                    <a:lumMod val="75000"/>
+                    <a:lumOff val="25000"/>
+                  </a:schemeClr>
+                </a:solidFill>
+                <a:latin typeface="Leelawadee" panose="020B0502040204020203" pitchFamily="34" charset="-34"/>
+                <a:cs typeface="Leelawadee" panose="020B0502040204020203" pitchFamily="34" charset="-34"/>
+              </a:rPr>
+              <a:t>th</a:t>
+            </a:r>
+            <a:r>
+              <a:rPr lang="en-IN" b="1" dirty="0">
+                <a:solidFill>
+                  <a:schemeClr val="tx1">
+                    <a:lumMod val="75000"/>
+                    <a:lumOff val="25000"/>
+                  </a:schemeClr>
+                </a:solidFill>
+                <a:latin typeface="Leelawadee" panose="020B0502040204020203" pitchFamily="34" charset="-34"/>
+                <a:cs typeface="Leelawadee" panose="020B0502040204020203" pitchFamily="34" charset="-34"/>
+              </a:rPr>
+              <a:t> Nov   </a:t>
+            </a:r>
+            <a:r>
+              <a:rPr lang="en-IN" sz="1600" dirty="0">
+                <a:solidFill>
+                  <a:schemeClr val="tx1">
+                    <a:lumMod val="75000"/>
+                    <a:lumOff val="25000"/>
+                  </a:schemeClr>
+                </a:solidFill>
+                <a:latin typeface="Leelawadee" panose="020B0502040204020203" pitchFamily="34" charset="-34"/>
+                <a:cs typeface="Leelawadee" panose="020B0502040204020203" pitchFamily="34" charset="-34"/>
+              </a:rPr>
+              <a:t>Time: </a:t>
+            </a:r>
+            <a:r>
+              <a:rPr lang="en-IN" b="1" dirty="0">
+                <a:solidFill>
+                  <a:schemeClr val="tx1">
+                    <a:lumMod val="75000"/>
+                    <a:lumOff val="25000"/>
+                  </a:schemeClr>
+                </a:solidFill>
+                <a:latin typeface="Leelawadee" panose="020B0502040204020203" pitchFamily="34" charset="-34"/>
+                <a:cs typeface="Leelawadee" panose="020B0502040204020203" pitchFamily="34" charset="-34"/>
+              </a:rPr>
+              <a:t>9:00AM – 5:30PM</a:t>
+            </a:r>
+          </a:p>
+        </p:txBody>
+      </p:sp>
+      <p:sp>
+        <p:nvSpPr>
+          <p:cNvPr id="7" name="TextBox 6">
+            <a:extLst>
+              <a:ext uri="{FF2B5EF4-FFF2-40B4-BE49-F238E27FC236}">
+                <a16:creationId xmlns:a16="http://schemas.microsoft.com/office/drawing/2014/main" id="{732D7478-17D9-40B8-B8A9-5D286DA31DF4}"/>
+              </a:ext>
+            </a:extLst>
+          </p:cNvPr>
+          <p:cNvSpPr txBox="1"/>
+          <p:nvPr/>
+        </p:nvSpPr>
+        <p:spPr>
+          <a:xfrm>
+            <a:off x="601846" y="1325939"/>
+            <a:ext cx="2349575" cy="369332"/>
+          </a:xfrm>
+          <a:prstGeom prst="rect">
+            <a:avLst/>
+          </a:prstGeom>
+          <a:noFill/>
+        </p:spPr>
+        <p:txBody>
+          <a:bodyPr wrap="square" rtlCol="0">
+            <a:spAutoFit/>
+          </a:bodyPr>
+          <a:lstStyle/>
+          <a:p>
+            <a:r>
+              <a:rPr lang="en-US" b="1" dirty="0">
+                <a:solidFill>
+                  <a:schemeClr val="tx1">
+                    <a:lumMod val="75000"/>
+                    <a:lumOff val="25000"/>
+                  </a:schemeClr>
+                </a:solidFill>
+                <a:latin typeface="Leelawadee" panose="020B0502040204020203" pitchFamily="34" charset="-34"/>
+                <a:cs typeface="Leelawadee" panose="020B0502040204020203" pitchFamily="34" charset="-34"/>
+              </a:rPr>
+              <a:t>Sponsors:</a:t>
+            </a:r>
+          </a:p>
+        </p:txBody>
+      </p:sp>
+      <p:pic>
+        <p:nvPicPr>
+          <p:cNvPr id="8" name="Picture 7">
+            <a:extLst>
+              <a:ext uri="{FF2B5EF4-FFF2-40B4-BE49-F238E27FC236}">
+                <a16:creationId xmlns:a16="http://schemas.microsoft.com/office/drawing/2014/main" id="{F6D6D55E-444B-45B0-A89F-88A45107E32C}"/>
+              </a:ext>
+            </a:extLst>
+          </p:cNvPr>
+          <p:cNvPicPr>
+            <a:picLocks noChangeAspect="1"/>
+          </p:cNvPicPr>
+          <p:nvPr/>
+        </p:nvPicPr>
+        <p:blipFill>
+          <a:blip r:embed="rId3">
+            <a:extLst>
+              <a:ext uri="{28A0092B-C50C-407E-A947-70E740481C1C}">
+                <a14:useLocalDpi xmlns:a14="http://schemas.microsoft.com/office/drawing/2010/main" val="0"/>
+              </a:ext>
+            </a:extLst>
+          </a:blip>
+          <a:stretch>
+            <a:fillRect/>
+          </a:stretch>
+        </p:blipFill>
+        <p:spPr>
+          <a:xfrm>
+            <a:off x="1193098" y="2148164"/>
+            <a:ext cx="2782051" cy="647673"/>
+          </a:xfrm>
+          <a:prstGeom prst="rect">
+            <a:avLst/>
+          </a:prstGeom>
+        </p:spPr>
+      </p:pic>
+      <p:pic>
+        <p:nvPicPr>
+          <p:cNvPr id="9" name="Picture 4" descr="Image result for rev debug logo">
+            <a:extLst>
+              <a:ext uri="{FF2B5EF4-FFF2-40B4-BE49-F238E27FC236}">
+                <a16:creationId xmlns:a16="http://schemas.microsoft.com/office/drawing/2014/main" id="{F5C6AF76-32BA-4770-BC47-2FCCA9F3A842}"/>
+              </a:ext>
+            </a:extLst>
+          </p:cNvPr>
+          <p:cNvPicPr>
+            <a:picLocks noChangeAspect="1" noChangeArrowheads="1"/>
+          </p:cNvPicPr>
+          <p:nvPr/>
+        </p:nvPicPr>
+        <p:blipFill>
+          <a:blip r:embed="rId4">
+            <a:extLst>
+              <a:ext uri="{28A0092B-C50C-407E-A947-70E740481C1C}">
+                <a14:useLocalDpi xmlns:a14="http://schemas.microsoft.com/office/drawing/2010/main" val="0"/>
+              </a:ext>
+            </a:extLst>
+          </a:blip>
+          <a:srcRect/>
+          <a:stretch>
+            <a:fillRect/>
+          </a:stretch>
+        </p:blipFill>
+        <p:spPr bwMode="auto">
+          <a:xfrm>
+            <a:off x="953126" y="3067653"/>
+            <a:ext cx="2985671" cy="1068311"/>
+          </a:xfrm>
+          <a:prstGeom prst="rect">
+            <a:avLst/>
+          </a:prstGeom>
+          <a:noFill/>
+          <a:extLst>
+            <a:ext uri="{909E8E84-426E-40DD-AFC4-6F175D3DCCD1}">
+              <a14:hiddenFill xmlns:a14="http://schemas.microsoft.com/office/drawing/2010/main">
+                <a:solidFill>
+                  <a:srgbClr val="FFFFFF"/>
+                </a:solidFill>
+              </a14:hiddenFill>
+            </a:ext>
+          </a:extLst>
+        </p:spPr>
+      </p:pic>
+      <p:pic>
+        <p:nvPicPr>
+          <p:cNvPr id="10" name="Picture 9">
+            <a:extLst>
+              <a:ext uri="{FF2B5EF4-FFF2-40B4-BE49-F238E27FC236}">
+                <a16:creationId xmlns:a16="http://schemas.microsoft.com/office/drawing/2014/main" id="{537C4BFD-6377-4974-8F28-8D0462BC663F}"/>
+              </a:ext>
+            </a:extLst>
+          </p:cNvPr>
+          <p:cNvPicPr>
+            <a:picLocks noChangeAspect="1"/>
+          </p:cNvPicPr>
+          <p:nvPr/>
+        </p:nvPicPr>
+        <p:blipFill>
+          <a:blip r:embed="rId5">
+            <a:extLst>
+              <a:ext uri="{28A0092B-C50C-407E-A947-70E740481C1C}">
+                <a14:useLocalDpi xmlns:a14="http://schemas.microsoft.com/office/drawing/2010/main" val="0"/>
+              </a:ext>
+            </a:extLst>
+          </a:blip>
+          <a:stretch>
+            <a:fillRect/>
+          </a:stretch>
+        </p:blipFill>
+        <p:spPr>
+          <a:xfrm>
+            <a:off x="1368205" y="4120098"/>
+            <a:ext cx="985526" cy="1068311"/>
+          </a:xfrm>
+          <a:prstGeom prst="rect">
+            <a:avLst/>
+          </a:prstGeom>
+        </p:spPr>
+      </p:pic>
+      <p:sp>
+        <p:nvSpPr>
+          <p:cNvPr id="11" name="TextBox 10">
+            <a:extLst>
+              <a:ext uri="{FF2B5EF4-FFF2-40B4-BE49-F238E27FC236}">
+                <a16:creationId xmlns:a16="http://schemas.microsoft.com/office/drawing/2014/main" id="{36BCE60E-650F-4230-978F-FBA1621B27D2}"/>
+              </a:ext>
+            </a:extLst>
+          </p:cNvPr>
+          <p:cNvSpPr txBox="1"/>
+          <p:nvPr/>
+        </p:nvSpPr>
+        <p:spPr>
+          <a:xfrm>
+            <a:off x="4910620" y="2382995"/>
+            <a:ext cx="3691156" cy="369332"/>
+          </a:xfrm>
+          <a:prstGeom prst="rect">
+            <a:avLst/>
+          </a:prstGeom>
+          <a:noFill/>
+        </p:spPr>
+        <p:txBody>
+          <a:bodyPr wrap="square" rtlCol="0">
+            <a:spAutoFit/>
+          </a:bodyPr>
+          <a:lstStyle/>
+          <a:p>
+            <a:r>
+              <a:rPr lang="en-US" dirty="0">
+                <a:solidFill>
+                  <a:srgbClr val="0070C0"/>
+                </a:solidFill>
+              </a:rPr>
+              <a:t>Venue &amp; Refreshments</a:t>
+            </a:r>
+          </a:p>
+        </p:txBody>
+      </p:sp>
+      <p:sp>
+        <p:nvSpPr>
+          <p:cNvPr id="12" name="TextBox 11">
+            <a:extLst>
+              <a:ext uri="{FF2B5EF4-FFF2-40B4-BE49-F238E27FC236}">
+                <a16:creationId xmlns:a16="http://schemas.microsoft.com/office/drawing/2014/main" id="{F1144995-76CA-4C84-8A23-84251D6FCAB1}"/>
+              </a:ext>
+            </a:extLst>
+          </p:cNvPr>
+          <p:cNvSpPr txBox="1"/>
+          <p:nvPr/>
+        </p:nvSpPr>
+        <p:spPr>
+          <a:xfrm>
+            <a:off x="4910620" y="3500504"/>
+            <a:ext cx="3691156" cy="369332"/>
+          </a:xfrm>
+          <a:prstGeom prst="rect">
+            <a:avLst/>
+          </a:prstGeom>
+          <a:noFill/>
+        </p:spPr>
+        <p:txBody>
+          <a:bodyPr wrap="square" rtlCol="0">
+            <a:spAutoFit/>
+          </a:bodyPr>
+          <a:lstStyle/>
+          <a:p>
+            <a:r>
+              <a:rPr lang="en-US" dirty="0">
+                <a:solidFill>
+                  <a:srgbClr val="0070C0"/>
+                </a:solidFill>
+              </a:rPr>
+              <a:t>RAFFLE for one, 1 year license </a:t>
+            </a:r>
+          </a:p>
+        </p:txBody>
+      </p:sp>
+      <p:sp>
+        <p:nvSpPr>
+          <p:cNvPr id="13" name="TextBox 12">
+            <a:extLst>
+              <a:ext uri="{FF2B5EF4-FFF2-40B4-BE49-F238E27FC236}">
+                <a16:creationId xmlns:a16="http://schemas.microsoft.com/office/drawing/2014/main" id="{A234F84D-783F-4D54-A1D6-3BD0E6FCB7B3}"/>
+              </a:ext>
+            </a:extLst>
+          </p:cNvPr>
+          <p:cNvSpPr txBox="1"/>
+          <p:nvPr/>
+        </p:nvSpPr>
+        <p:spPr>
+          <a:xfrm>
+            <a:off x="4910620" y="4368283"/>
+            <a:ext cx="3691156" cy="369332"/>
+          </a:xfrm>
+          <a:prstGeom prst="rect">
+            <a:avLst/>
+          </a:prstGeom>
+          <a:noFill/>
+        </p:spPr>
+        <p:txBody>
+          <a:bodyPr wrap="square" rtlCol="0">
+            <a:spAutoFit/>
+          </a:bodyPr>
+          <a:lstStyle/>
+          <a:p>
+            <a:r>
+              <a:rPr lang="en-US" dirty="0">
+                <a:solidFill>
+                  <a:srgbClr val="0070C0"/>
+                </a:solidFill>
+              </a:rPr>
+              <a:t>RAFFLE for one, 1 year license </a:t>
+            </a:r>
+          </a:p>
+        </p:txBody>
+      </p:sp>
+      <p:pic>
+        <p:nvPicPr>
+          <p:cNvPr id="14" name="Picture 8" descr="Image result for azure logo 2018">
+            <a:extLst>
+              <a:ext uri="{FF2B5EF4-FFF2-40B4-BE49-F238E27FC236}">
+                <a16:creationId xmlns:a16="http://schemas.microsoft.com/office/drawing/2014/main" id="{78AAC9E6-1DD9-487D-94C4-66377D758CEB}"/>
+              </a:ext>
+            </a:extLst>
+          </p:cNvPr>
+          <p:cNvPicPr>
+            <a:picLocks noChangeAspect="1" noChangeArrowheads="1"/>
+          </p:cNvPicPr>
+          <p:nvPr/>
+        </p:nvPicPr>
+        <p:blipFill>
+          <a:blip r:embed="rId6">
+            <a:extLst>
+              <a:ext uri="{28A0092B-C50C-407E-A947-70E740481C1C}">
+                <a14:useLocalDpi xmlns:a14="http://schemas.microsoft.com/office/drawing/2010/main" val="0"/>
+              </a:ext>
+            </a:extLst>
+          </a:blip>
+          <a:srcRect/>
+          <a:stretch>
+            <a:fillRect/>
+          </a:stretch>
+        </p:blipFill>
+        <p:spPr bwMode="auto">
+          <a:xfrm>
+            <a:off x="1193098" y="5196424"/>
+            <a:ext cx="1998910" cy="1044430"/>
+          </a:xfrm>
+          <a:prstGeom prst="rect">
+            <a:avLst/>
+          </a:prstGeom>
+          <a:noFill/>
+          <a:extLst>
+            <a:ext uri="{909E8E84-426E-40DD-AFC4-6F175D3DCCD1}">
+              <a14:hiddenFill xmlns:a14="http://schemas.microsoft.com/office/drawing/2010/main">
+                <a:solidFill>
+                  <a:srgbClr val="FFFFFF"/>
+                </a:solidFill>
+              </a14:hiddenFill>
+            </a:ext>
+          </a:extLst>
+        </p:spPr>
+      </p:pic>
+      <p:sp>
+        <p:nvSpPr>
+          <p:cNvPr id="15" name="TextBox 14">
+            <a:extLst>
+              <a:ext uri="{FF2B5EF4-FFF2-40B4-BE49-F238E27FC236}">
+                <a16:creationId xmlns:a16="http://schemas.microsoft.com/office/drawing/2014/main" id="{3C1E6403-4242-4BB7-B70A-841691329C1C}"/>
+              </a:ext>
+            </a:extLst>
+          </p:cNvPr>
+          <p:cNvSpPr txBox="1"/>
+          <p:nvPr/>
+        </p:nvSpPr>
+        <p:spPr>
+          <a:xfrm>
+            <a:off x="4910620" y="5458719"/>
+            <a:ext cx="3691156" cy="369332"/>
+          </a:xfrm>
+          <a:prstGeom prst="rect">
+            <a:avLst/>
+          </a:prstGeom>
+          <a:noFill/>
+        </p:spPr>
+        <p:txBody>
+          <a:bodyPr wrap="square" rtlCol="0">
+            <a:spAutoFit/>
+          </a:bodyPr>
+          <a:lstStyle/>
+          <a:p>
+            <a:r>
+              <a:rPr lang="en-US" dirty="0">
+                <a:solidFill>
+                  <a:srgbClr val="0070C0"/>
+                </a:solidFill>
+              </a:rPr>
+              <a:t>Swags, T-Shirts</a:t>
+            </a:r>
+          </a:p>
+        </p:txBody>
+      </p:sp>
+      <p:sp>
+        <p:nvSpPr>
+          <p:cNvPr id="2" name="AutoShape 2" descr="Image result for raffle">
+            <a:extLst>
+              <a:ext uri="{FF2B5EF4-FFF2-40B4-BE49-F238E27FC236}">
+                <a16:creationId xmlns:a16="http://schemas.microsoft.com/office/drawing/2014/main" id="{FBBCC9F9-FF91-456A-85D4-CA896A608D03}"/>
+              </a:ext>
+            </a:extLst>
+          </p:cNvPr>
+          <p:cNvSpPr>
+            <a:spLocks noChangeAspect="1" noChangeArrowheads="1"/>
+          </p:cNvSpPr>
+          <p:nvPr/>
+        </p:nvSpPr>
+        <p:spPr bwMode="auto">
+          <a:xfrm>
+            <a:off x="5943600" y="3276600"/>
+            <a:ext cx="304800" cy="304800"/>
+          </a:xfrm>
+          <a:prstGeom prst="rect">
+            <a:avLst/>
+          </a:prstGeom>
+          <a:noFill/>
+          <a:extLst>
+            <a:ext uri="{909E8E84-426E-40DD-AFC4-6F175D3DCCD1}">
+              <a14:hiddenFill xmlns:a14="http://schemas.microsoft.com/office/drawing/2010/main">
+                <a:solidFill>
+                  <a:srgbClr val="FFFFFF"/>
+                </a:solidFill>
+              </a14:hiddenFill>
+            </a:ext>
+          </a:extLst>
+        </p:spPr>
+        <p:txBody>
+          <a:bodyPr vert="horz" wrap="square" lIns="91440" tIns="45720" rIns="91440" bIns="45720" numCol="1" anchor="t" anchorCtr="0" compatLnSpc="1">
+            <a:prstTxWarp prst="textNoShape">
+              <a:avLst/>
+            </a:prstTxWarp>
+          </a:bodyPr>
+          <a:lstStyle/>
+          <a:p>
+            <a:endParaRPr lang="en-US"/>
+          </a:p>
+        </p:txBody>
+      </p:sp>
+      <p:pic>
+        <p:nvPicPr>
+          <p:cNvPr id="1030" name="Picture 6" descr="Related image">
+            <a:extLst>
+              <a:ext uri="{FF2B5EF4-FFF2-40B4-BE49-F238E27FC236}">
+                <a16:creationId xmlns:a16="http://schemas.microsoft.com/office/drawing/2014/main" id="{A1AA4D4D-CC1B-4D79-BDCA-D8D44352DFC3}"/>
+              </a:ext>
+            </a:extLst>
+          </p:cNvPr>
+          <p:cNvPicPr>
+            <a:picLocks noChangeAspect="1" noChangeArrowheads="1"/>
+          </p:cNvPicPr>
+          <p:nvPr/>
+        </p:nvPicPr>
+        <p:blipFill>
+          <a:blip r:embed="rId7">
+            <a:extLst>
+              <a:ext uri="{28A0092B-C50C-407E-A947-70E740481C1C}">
+                <a14:useLocalDpi xmlns:a14="http://schemas.microsoft.com/office/drawing/2010/main" val="0"/>
+              </a:ext>
+            </a:extLst>
+          </a:blip>
+          <a:srcRect/>
+          <a:stretch>
+            <a:fillRect/>
+          </a:stretch>
+        </p:blipFill>
+        <p:spPr bwMode="auto">
+          <a:xfrm>
+            <a:off x="8059258" y="2222606"/>
+            <a:ext cx="3766135" cy="3766135"/>
+          </a:xfrm>
+          <a:prstGeom prst="rect">
+            <a:avLst/>
+          </a:prstGeom>
+          <a:noFill/>
+          <a:extLst>
+            <a:ext uri="{909E8E84-426E-40DD-AFC4-6F175D3DCCD1}">
+              <a14:hiddenFill xmlns:a14="http://schemas.microsoft.com/office/drawing/2010/main">
+                <a:solidFill>
+                  <a:srgbClr val="FFFFFF"/>
+                </a:solidFill>
+              </a14:hiddenFill>
+            </a:ext>
+          </a:extLst>
+        </p:spPr>
+      </p:pic>
+    </p:spTree>
+    <p:extLst>
+      <p:ext uri="{BB962C8B-B14F-4D97-AF65-F5344CB8AC3E}">
+        <p14:creationId xmlns:p14="http://schemas.microsoft.com/office/powerpoint/2010/main" val="1789037511"/>
+      </p:ext>
+    </p:extLst>
+  </p:cSld>
+  <p:clrMapOvr>
+    <a:masterClrMapping/>
+  </p:clrMapOvr>
+</p:sld>
+</file>
+
+<file path=ppt/slides/slide11.xml><?xml version="1.0" encoding="utf-8"?>
 <p:sld xmlns:a="http://schemas.openxmlformats.org/drawingml/2006/main" xmlns:r="http://schemas.openxmlformats.org/officeDocument/2006/relationships" xmlns:p="http://schemas.openxmlformats.org/presentationml/2006/main" show="0">
   <p:cSld>
     <p:spTree>
@@ -4448,7 +5107,7 @@
 </p:sld>
 </file>
 
-<file path=ppt/slides/slide11.xml><?xml version="1.0" encoding="utf-8"?>
+<file path=ppt/slides/slide12.xml><?xml version="1.0" encoding="utf-8"?>
 <p:sld xmlns:a="http://schemas.openxmlformats.org/drawingml/2006/main" xmlns:r="http://schemas.openxmlformats.org/officeDocument/2006/relationships" xmlns:p="http://schemas.openxmlformats.org/presentationml/2006/main" show="0">
   <p:cSld>
     <p:spTree>
@@ -10223,8 +10882,8 @@
         </p:nvSpPr>
         <p:spPr>
           <a:xfrm>
-            <a:off x="4848582" y="3375095"/>
-            <a:ext cx="4073382" cy="1200329"/>
+            <a:off x="3874005" y="3375095"/>
+            <a:ext cx="5047959" cy="1200329"/>
           </a:xfrm>
           <a:prstGeom prst="rect">
             <a:avLst/>
@@ -10244,7 +10903,18 @@
                 </a:solidFill>
                 <a:latin typeface="Verdana Pro Light" panose="020B0304030504040204" pitchFamily="34" charset="0"/>
               </a:rPr>
-              <a:t>Integration of Graph JS SDK </a:t>
+              <a:t>Introduction to </a:t>
+            </a:r>
+          </a:p>
+          <a:p>
+            <a:r>
+              <a:rPr lang="en-IN" sz="3600" b="1" dirty="0">
+                <a:solidFill>
+                  <a:schemeClr val="bg1"/>
+                </a:solidFill>
+                <a:latin typeface="Verdana Pro Light" panose="020B0304030504040204" pitchFamily="34" charset="0"/>
+              </a:rPr>
+              <a:t>SharePoint Framework</a:t>
             </a:r>
           </a:p>
         </p:txBody>
@@ -10424,7 +11094,7 @@
                   <a:schemeClr val="bg1"/>
                 </a:solidFill>
               </a:rPr>
-              <a:t>Senior Developer</a:t>
+              <a:t>Solutions Architect</a:t>
             </a:r>
           </a:p>
           <a:p>
@@ -10483,7 +11153,7 @@
         </p:nvSpPr>
         <p:spPr>
           <a:xfrm>
-            <a:off x="9433245" y="5591301"/>
+            <a:off x="9433245" y="5552773"/>
             <a:ext cx="1937856" cy="276999"/>
           </a:xfrm>
           <a:prstGeom prst="rect">
@@ -10506,14 +11176,14 @@
               <a:t>@</a:t>
             </a:r>
             <a:r>
-              <a:rPr lang="en-IN" sz="1200" b="1" dirty="0" err="1">
+              <a:rPr lang="en-US" sz="1200" b="1" dirty="0">
                 <a:solidFill>
                   <a:srgbClr val="00B0F0"/>
                 </a:solidFill>
               </a:rPr>
-              <a:t>AustinBreslinDev</a:t>
-            </a:r>
-            <a:endParaRPr lang="en-IN" sz="1200" dirty="0">
+              <a:t>joon_net</a:t>
+            </a:r>
+            <a:endParaRPr lang="en-IN" sz="1200" b="1" dirty="0">
               <a:solidFill>
                 <a:srgbClr val="00B0F0"/>
               </a:solidFill>
@@ -10588,8 +11258,8 @@
         </p:nvSpPr>
         <p:spPr bwMode="auto">
           <a:xfrm>
-            <a:off x="9453346" y="5788251"/>
-            <a:ext cx="2575855" cy="461665"/>
+            <a:off x="9433245" y="5806024"/>
+            <a:ext cx="2233497" cy="276999"/>
           </a:xfrm>
           <a:prstGeom prst="rect">
             <a:avLst/>
@@ -10608,7 +11278,7 @@
                   <a:srgbClr val="00B0F0"/>
                 </a:solidFill>
               </a:rPr>
-              <a:t>linkedin.com/in/austin-breslin-84b4a74b</a:t>
+              <a:t>linkedin.com/in/joondurandt/</a:t>
             </a:r>
           </a:p>
         </p:txBody>
@@ -10847,8 +11517,8 @@
         </p:nvSpPr>
         <p:spPr>
           <a:xfrm>
-            <a:off x="4848838" y="4525402"/>
-            <a:ext cx="3682766" cy="923330"/>
+            <a:off x="3911893" y="4554094"/>
+            <a:ext cx="3682766" cy="671915"/>
           </a:xfrm>
           <a:prstGeom prst="rect">
             <a:avLst/>
@@ -10859,23 +11529,24 @@
           <a:bodyPr wrap="square" rtlCol="0">
             <a:spAutoFit/>
           </a:bodyPr>
-          <a:lstStyle/>
-          <a:p>
-            <a:r>
-              <a:rPr lang="en-US" dirty="0">
+          <a:lstStyle>
+            <a:defPPr>
+              <a:defRPr lang="en-US"/>
+            </a:defPPr>
+            <a:lvl1pPr>
+              <a:defRPr>
                 <a:solidFill>
                   <a:schemeClr val="bg1"/>
                 </a:solidFill>
                 <a:latin typeface="Verdana Pro Light" panose="020B0604020202020204" pitchFamily="34" charset="0"/>
-              </a:rPr>
-              <a:t>Build SharePoint Framework Client-Side Web Parts Using the Microsoft Graph JavaScript SDK</a:t>
-            </a:r>
-            <a:endParaRPr lang="en-GB" dirty="0">
-              <a:solidFill>
-                <a:schemeClr val="bg1"/>
-              </a:solidFill>
-              <a:latin typeface="Verdana Pro Light" panose="020B0604020202020204" pitchFamily="34" charset="0"/>
-            </a:endParaRPr>
+              </a:defRPr>
+            </a:lvl1pPr>
+          </a:lstStyle>
+          <a:p>
+            <a:r>
+              <a:rPr lang="en-US" dirty="0"/>
+              <a:t>Build your first SharePoint Framework web part</a:t>
+            </a:r>
           </a:p>
         </p:txBody>
       </p:sp>
@@ -11003,6 +11674,1122 @@
                 </a:solidFill>
                 <a:latin typeface="Arial Nova" panose="020B0504020202020204" pitchFamily="34" charset="0"/>
               </a:rPr>
+              <a:t>Joon Du Rant</a:t>
+            </a:r>
+          </a:p>
+        </p:txBody>
+      </p:sp>
+      <p:pic>
+        <p:nvPicPr>
+          <p:cNvPr id="13" name="Picture 2" descr="Related image">
+            <a:extLst>
+              <a:ext uri="{FF2B5EF4-FFF2-40B4-BE49-F238E27FC236}">
+                <a16:creationId xmlns:a16="http://schemas.microsoft.com/office/drawing/2014/main" id="{8D55C8C1-324A-4906-8582-E435977BE2F4}"/>
+              </a:ext>
+            </a:extLst>
+          </p:cNvPr>
+          <p:cNvPicPr>
+            <a:picLocks noChangeAspect="1" noChangeArrowheads="1"/>
+          </p:cNvPicPr>
+          <p:nvPr/>
+        </p:nvPicPr>
+        <p:blipFill>
+          <a:blip r:embed="rId10">
+            <a:extLst>
+              <a:ext uri="{28A0092B-C50C-407E-A947-70E740481C1C}">
+                <a14:useLocalDpi xmlns:a14="http://schemas.microsoft.com/office/drawing/2010/main" val="0"/>
+              </a:ext>
+            </a:extLst>
+          </a:blip>
+          <a:srcRect/>
+          <a:stretch>
+            <a:fillRect/>
+          </a:stretch>
+        </p:blipFill>
+        <p:spPr bwMode="auto">
+          <a:xfrm>
+            <a:off x="581988" y="3143766"/>
+            <a:ext cx="2786476" cy="2476868"/>
+          </a:xfrm>
+          <a:prstGeom prst="rect">
+            <a:avLst/>
+          </a:prstGeom>
+          <a:noFill/>
+          <a:extLst>
+            <a:ext uri="{909E8E84-426E-40DD-AFC4-6F175D3DCCD1}">
+              <a14:hiddenFill xmlns:a14="http://schemas.microsoft.com/office/drawing/2010/main">
+                <a:solidFill>
+                  <a:srgbClr val="FFFFFF"/>
+                </a:solidFill>
+              </a14:hiddenFill>
+            </a:ext>
+          </a:extLst>
+        </p:spPr>
+      </p:pic>
+    </p:spTree>
+    <p:extLst>
+      <p:ext uri="{BB962C8B-B14F-4D97-AF65-F5344CB8AC3E}">
+        <p14:creationId xmlns:p14="http://schemas.microsoft.com/office/powerpoint/2010/main" val="2832631105"/>
+      </p:ext>
+    </p:extLst>
+  </p:cSld>
+  <p:clrMapOvr>
+    <a:masterClrMapping/>
+  </p:clrMapOvr>
+</p:sld>
+</file>
+
+<file path=ppt/slides/slide7.xml><?xml version="1.0" encoding="utf-8"?>
+<p:sld xmlns:a="http://schemas.openxmlformats.org/drawingml/2006/main" xmlns:r="http://schemas.openxmlformats.org/officeDocument/2006/relationships" xmlns:p="http://schemas.openxmlformats.org/presentationml/2006/main">
+  <p:cSld>
+    <p:spTree>
+      <p:nvGrpSpPr>
+        <p:cNvPr id="1" name=""/>
+        <p:cNvGrpSpPr/>
+        <p:nvPr/>
+      </p:nvGrpSpPr>
+      <p:grpSpPr>
+        <a:xfrm>
+          <a:off x="0" y="0"/>
+          <a:ext cx="0" cy="0"/>
+          <a:chOff x="0" y="0"/>
+          <a:chExt cx="0" cy="0"/>
+        </a:xfrm>
+      </p:grpSpPr>
+      <p:sp>
+        <p:nvSpPr>
+          <p:cNvPr id="2" name="Rectangle 1">
+            <a:extLst>
+              <a:ext uri="{FF2B5EF4-FFF2-40B4-BE49-F238E27FC236}">
+                <a16:creationId xmlns:a16="http://schemas.microsoft.com/office/drawing/2014/main" id="{655D0239-2CE4-4BEA-B25A-99A3E72F15A7}"/>
+              </a:ext>
+            </a:extLst>
+          </p:cNvPr>
+          <p:cNvSpPr/>
+          <p:nvPr/>
+        </p:nvSpPr>
+        <p:spPr>
+          <a:xfrm>
+            <a:off x="179199" y="161488"/>
+            <a:ext cx="11833602" cy="6535024"/>
+          </a:xfrm>
+          <a:prstGeom prst="rect">
+            <a:avLst/>
+          </a:prstGeom>
+          <a:noFill/>
+          <a:ln w="12700">
+            <a:solidFill>
+              <a:schemeClr val="tx1">
+                <a:lumMod val="65000"/>
+                <a:lumOff val="35000"/>
+              </a:schemeClr>
+            </a:solidFill>
+          </a:ln>
+        </p:spPr>
+        <p:style>
+          <a:lnRef idx="2">
+            <a:schemeClr val="accent1">
+              <a:shade val="50000"/>
+            </a:schemeClr>
+          </a:lnRef>
+          <a:fillRef idx="1">
+            <a:schemeClr val="accent1"/>
+          </a:fillRef>
+          <a:effectRef idx="0">
+            <a:schemeClr val="accent1"/>
+          </a:effectRef>
+          <a:fontRef idx="minor">
+            <a:schemeClr val="lt1"/>
+          </a:fontRef>
+        </p:style>
+        <p:txBody>
+          <a:bodyPr rtlCol="0" anchor="ctr"/>
+          <a:lstStyle/>
+          <a:p>
+            <a:pPr algn="ctr"/>
+            <a:endParaRPr lang="en-US"/>
+          </a:p>
+        </p:txBody>
+      </p:sp>
+      <p:pic>
+        <p:nvPicPr>
+          <p:cNvPr id="6" name="Picture 5">
+            <a:extLst>
+              <a:ext uri="{FF2B5EF4-FFF2-40B4-BE49-F238E27FC236}">
+                <a16:creationId xmlns:a16="http://schemas.microsoft.com/office/drawing/2014/main" id="{84974FFD-941E-471D-973D-C316B2DC5257}"/>
+              </a:ext>
+            </a:extLst>
+          </p:cNvPr>
+          <p:cNvPicPr>
+            <a:picLocks noChangeAspect="1"/>
+          </p:cNvPicPr>
+          <p:nvPr/>
+        </p:nvPicPr>
+        <p:blipFill>
+          <a:blip r:embed="rId2">
+            <a:extLst>
+              <a:ext uri="{28A0092B-C50C-407E-A947-70E740481C1C}">
+                <a14:useLocalDpi xmlns:a14="http://schemas.microsoft.com/office/drawing/2010/main" val="0"/>
+              </a:ext>
+            </a:extLst>
+          </a:blip>
+          <a:stretch>
+            <a:fillRect/>
+          </a:stretch>
+        </p:blipFill>
+        <p:spPr>
+          <a:xfrm>
+            <a:off x="2436653" y="683703"/>
+            <a:ext cx="6346621" cy="1708706"/>
+          </a:xfrm>
+          <a:prstGeom prst="rect">
+            <a:avLst/>
+          </a:prstGeom>
+        </p:spPr>
+      </p:pic>
+      <p:sp>
+        <p:nvSpPr>
+          <p:cNvPr id="4" name="Rectangle 3">
+            <a:extLst>
+              <a:ext uri="{FF2B5EF4-FFF2-40B4-BE49-F238E27FC236}">
+                <a16:creationId xmlns:a16="http://schemas.microsoft.com/office/drawing/2014/main" id="{F24AE978-AB1C-4882-9984-C3C53C2697D1}"/>
+              </a:ext>
+            </a:extLst>
+          </p:cNvPr>
+          <p:cNvSpPr/>
+          <p:nvPr/>
+        </p:nvSpPr>
+        <p:spPr>
+          <a:xfrm>
+            <a:off x="385894" y="2088859"/>
+            <a:ext cx="11425805" cy="4488110"/>
+          </a:xfrm>
+          <a:prstGeom prst="rect">
+            <a:avLst/>
+          </a:prstGeom>
+          <a:solidFill>
+            <a:schemeClr val="tx1">
+              <a:lumMod val="85000"/>
+              <a:lumOff val="15000"/>
+            </a:schemeClr>
+          </a:solidFill>
+          <a:ln>
+            <a:noFill/>
+          </a:ln>
+        </p:spPr>
+        <p:style>
+          <a:lnRef idx="2">
+            <a:schemeClr val="accent1">
+              <a:shade val="50000"/>
+            </a:schemeClr>
+          </a:lnRef>
+          <a:fillRef idx="1">
+            <a:schemeClr val="accent1"/>
+          </a:fillRef>
+          <a:effectRef idx="0">
+            <a:schemeClr val="accent1"/>
+          </a:effectRef>
+          <a:fontRef idx="minor">
+            <a:schemeClr val="lt1"/>
+          </a:fontRef>
+        </p:style>
+        <p:txBody>
+          <a:bodyPr rtlCol="0" anchor="ctr"/>
+          <a:lstStyle/>
+          <a:p>
+            <a:pPr algn="ctr"/>
+            <a:endParaRPr lang="en-IN" dirty="0"/>
+          </a:p>
+        </p:txBody>
+      </p:sp>
+      <p:pic>
+        <p:nvPicPr>
+          <p:cNvPr id="7" name="Picture 2" descr="Office Development">
+            <a:extLst>
+              <a:ext uri="{FF2B5EF4-FFF2-40B4-BE49-F238E27FC236}">
+                <a16:creationId xmlns:a16="http://schemas.microsoft.com/office/drawing/2014/main" id="{2F278892-9052-4DA4-93F8-FED72843C8F9}"/>
+              </a:ext>
+            </a:extLst>
+          </p:cNvPr>
+          <p:cNvPicPr>
+            <a:picLocks noChangeAspect="1" noChangeArrowheads="1"/>
+          </p:cNvPicPr>
+          <p:nvPr/>
+        </p:nvPicPr>
+        <p:blipFill>
+          <a:blip r:embed="rId3">
+            <a:extLst>
+              <a:ext uri="{28A0092B-C50C-407E-A947-70E740481C1C}">
+                <a14:useLocalDpi xmlns:a14="http://schemas.microsoft.com/office/drawing/2010/main" val="0"/>
+              </a:ext>
+            </a:extLst>
+          </a:blip>
+          <a:srcRect/>
+          <a:stretch>
+            <a:fillRect/>
+          </a:stretch>
+        </p:blipFill>
+        <p:spPr bwMode="auto">
+          <a:xfrm>
+            <a:off x="10041273" y="363855"/>
+            <a:ext cx="1585519" cy="639696"/>
+          </a:xfrm>
+          <a:prstGeom prst="rect">
+            <a:avLst/>
+          </a:prstGeom>
+          <a:noFill/>
+          <a:extLst>
+            <a:ext uri="{909E8E84-426E-40DD-AFC4-6F175D3DCCD1}">
+              <a14:hiddenFill xmlns:a14="http://schemas.microsoft.com/office/drawing/2010/main">
+                <a:solidFill>
+                  <a:srgbClr val="FFFFFF"/>
+                </a:solidFill>
+              </a14:hiddenFill>
+            </a:ext>
+          </a:extLst>
+        </p:spPr>
+      </p:pic>
+      <p:pic>
+        <p:nvPicPr>
+          <p:cNvPr id="8" name="Picture 8" descr="Image result for azure logo 2018">
+            <a:extLst>
+              <a:ext uri="{FF2B5EF4-FFF2-40B4-BE49-F238E27FC236}">
+                <a16:creationId xmlns:a16="http://schemas.microsoft.com/office/drawing/2014/main" id="{97AA1C64-9CB5-4DAB-B6D8-1D8F493CBFDA}"/>
+              </a:ext>
+            </a:extLst>
+          </p:cNvPr>
+          <p:cNvPicPr>
+            <a:picLocks noChangeAspect="1" noChangeArrowheads="1"/>
+          </p:cNvPicPr>
+          <p:nvPr/>
+        </p:nvPicPr>
+        <p:blipFill>
+          <a:blip r:embed="rId4">
+            <a:extLst>
+              <a:ext uri="{28A0092B-C50C-407E-A947-70E740481C1C}">
+                <a14:useLocalDpi xmlns:a14="http://schemas.microsoft.com/office/drawing/2010/main" val="0"/>
+              </a:ext>
+            </a:extLst>
+          </a:blip>
+          <a:srcRect/>
+          <a:stretch>
+            <a:fillRect/>
+          </a:stretch>
+        </p:blipFill>
+        <p:spPr bwMode="auto">
+          <a:xfrm>
+            <a:off x="179199" y="161488"/>
+            <a:ext cx="1998910" cy="1044430"/>
+          </a:xfrm>
+          <a:prstGeom prst="rect">
+            <a:avLst/>
+          </a:prstGeom>
+          <a:noFill/>
+          <a:extLst>
+            <a:ext uri="{909E8E84-426E-40DD-AFC4-6F175D3DCCD1}">
+              <a14:hiddenFill xmlns:a14="http://schemas.microsoft.com/office/drawing/2010/main">
+                <a:solidFill>
+                  <a:srgbClr val="FFFFFF"/>
+                </a:solidFill>
+              </a14:hiddenFill>
+            </a:ext>
+          </a:extLst>
+        </p:spPr>
+      </p:pic>
+      <p:sp>
+        <p:nvSpPr>
+          <p:cNvPr id="10" name="TextBox 9">
+            <a:extLst>
+              <a:ext uri="{FF2B5EF4-FFF2-40B4-BE49-F238E27FC236}">
+                <a16:creationId xmlns:a16="http://schemas.microsoft.com/office/drawing/2014/main" id="{C14FAA99-80D8-41D2-886D-9B65A83B5489}"/>
+              </a:ext>
+            </a:extLst>
+          </p:cNvPr>
+          <p:cNvSpPr txBox="1"/>
+          <p:nvPr/>
+        </p:nvSpPr>
+        <p:spPr>
+          <a:xfrm>
+            <a:off x="4848582" y="3375095"/>
+            <a:ext cx="4073382" cy="1200329"/>
+          </a:xfrm>
+          <a:prstGeom prst="rect">
+            <a:avLst/>
+          </a:prstGeom>
+          <a:noFill/>
+        </p:spPr>
+        <p:txBody>
+          <a:bodyPr wrap="square" rtlCol="0">
+            <a:spAutoFit/>
+          </a:bodyPr>
+          <a:lstStyle/>
+          <a:p>
+            <a:r>
+              <a:rPr lang="en-IN" sz="3600" b="1" dirty="0">
+                <a:solidFill>
+                  <a:schemeClr val="bg1"/>
+                </a:solidFill>
+                <a:latin typeface="Verdana Pro Light" panose="020B0304030504040204" pitchFamily="34" charset="0"/>
+              </a:rPr>
+              <a:t>Integration of Graph JS SDK </a:t>
+            </a:r>
+          </a:p>
+        </p:txBody>
+      </p:sp>
+      <p:pic>
+        <p:nvPicPr>
+          <p:cNvPr id="12" name="Picture 11">
+            <a:extLst>
+              <a:ext uri="{FF2B5EF4-FFF2-40B4-BE49-F238E27FC236}">
+                <a16:creationId xmlns:a16="http://schemas.microsoft.com/office/drawing/2014/main" id="{2A3B408B-3E75-4D68-9F71-857AE6630559}"/>
+              </a:ext>
+            </a:extLst>
+          </p:cNvPr>
+          <p:cNvPicPr>
+            <a:picLocks noChangeAspect="1"/>
+          </p:cNvPicPr>
+          <p:nvPr/>
+        </p:nvPicPr>
+        <p:blipFill>
+          <a:blip r:embed="rId5"/>
+          <a:stretch>
+            <a:fillRect/>
+          </a:stretch>
+        </p:blipFill>
+        <p:spPr>
+          <a:xfrm>
+            <a:off x="9090887" y="336800"/>
+            <a:ext cx="664460" cy="1333501"/>
+          </a:xfrm>
+          <a:prstGeom prst="rect">
+            <a:avLst/>
+          </a:prstGeom>
+        </p:spPr>
+      </p:pic>
+      <p:pic>
+        <p:nvPicPr>
+          <p:cNvPr id="2050" name="Picture 2">
+            <a:extLst>
+              <a:ext uri="{FF2B5EF4-FFF2-40B4-BE49-F238E27FC236}">
+                <a16:creationId xmlns:a16="http://schemas.microsoft.com/office/drawing/2014/main" id="{11DC4FDF-09DC-4E64-927A-6CA47BA47773}"/>
+              </a:ext>
+            </a:extLst>
+          </p:cNvPr>
+          <p:cNvPicPr>
+            <a:picLocks noChangeAspect="1" noChangeArrowheads="1"/>
+          </p:cNvPicPr>
+          <p:nvPr/>
+        </p:nvPicPr>
+        <p:blipFill>
+          <a:blip r:embed="rId6">
+            <a:extLst>
+              <a:ext uri="{28A0092B-C50C-407E-A947-70E740481C1C}">
+                <a14:useLocalDpi xmlns:a14="http://schemas.microsoft.com/office/drawing/2010/main" val="0"/>
+              </a:ext>
+            </a:extLst>
+          </a:blip>
+          <a:stretch>
+            <a:fillRect/>
+          </a:stretch>
+        </p:blipFill>
+        <p:spPr bwMode="auto">
+          <a:xfrm>
+            <a:off x="9372920" y="2881023"/>
+            <a:ext cx="1826955" cy="1826955"/>
+          </a:xfrm>
+          <a:prstGeom prst="ellipse">
+            <a:avLst/>
+          </a:prstGeom>
+          <a:ln w="63500" cap="rnd">
+            <a:solidFill>
+              <a:schemeClr val="bg1">
+                <a:lumMod val="95000"/>
+              </a:schemeClr>
+            </a:solidFill>
+          </a:ln>
+          <a:effectLst>
+            <a:outerShdw blurRad="381000" dist="292100" dir="5400000" sx="-80000" sy="-18000" rotWithShape="0">
+              <a:srgbClr val="000000">
+                <a:alpha val="22000"/>
+              </a:srgbClr>
+            </a:outerShdw>
+          </a:effectLst>
+          <a:scene3d>
+            <a:camera prst="orthographicFront"/>
+            <a:lightRig rig="contrasting" dir="t">
+              <a:rot lat="0" lon="0" rev="3000000"/>
+            </a:lightRig>
+          </a:scene3d>
+          <a:sp3d contourW="7620">
+            <a:bevelT w="95250" h="31750"/>
+            <a:contourClr>
+              <a:srgbClr val="333333"/>
+            </a:contourClr>
+          </a:sp3d>
+          <a:extLst>
+            <a:ext uri="{909E8E84-426E-40DD-AFC4-6F175D3DCCD1}">
+              <a14:hiddenFill xmlns:a14="http://schemas.microsoft.com/office/drawing/2010/main">
+                <a:solidFill>
+                  <a:srgbClr val="FFFFFF"/>
+                </a:solidFill>
+              </a14:hiddenFill>
+            </a:ext>
+          </a:extLst>
+        </p:spPr>
+      </p:pic>
+      <p:sp>
+        <p:nvSpPr>
+          <p:cNvPr id="14" name="TextBox 13">
+            <a:extLst>
+              <a:ext uri="{FF2B5EF4-FFF2-40B4-BE49-F238E27FC236}">
+                <a16:creationId xmlns:a16="http://schemas.microsoft.com/office/drawing/2014/main" id="{FBF76FEC-8382-43FA-B1CE-CC52BC95AF18}"/>
+              </a:ext>
+            </a:extLst>
+          </p:cNvPr>
+          <p:cNvSpPr txBox="1"/>
+          <p:nvPr/>
+        </p:nvSpPr>
+        <p:spPr>
+          <a:xfrm>
+            <a:off x="7394877" y="6755524"/>
+            <a:ext cx="978632" cy="646331"/>
+          </a:xfrm>
+          <a:prstGeom prst="rect">
+            <a:avLst/>
+          </a:prstGeom>
+          <a:noFill/>
+        </p:spPr>
+        <p:txBody>
+          <a:bodyPr wrap="square" rtlCol="0">
+            <a:spAutoFit/>
+          </a:bodyPr>
+          <a:lstStyle/>
+          <a:p>
+            <a:r>
+              <a:rPr lang="en-IN" dirty="0">
+                <a:solidFill>
+                  <a:schemeClr val="bg1"/>
+                </a:solidFill>
+                <a:latin typeface="Arial Nova" panose="020B0504020202020204" pitchFamily="34" charset="0"/>
+              </a:rPr>
+              <a:t>Richard Fisher</a:t>
+            </a:r>
+          </a:p>
+        </p:txBody>
+      </p:sp>
+      <p:sp>
+        <p:nvSpPr>
+          <p:cNvPr id="15" name="TextBox 14">
+            <a:extLst>
+              <a:ext uri="{FF2B5EF4-FFF2-40B4-BE49-F238E27FC236}">
+                <a16:creationId xmlns:a16="http://schemas.microsoft.com/office/drawing/2014/main" id="{A3A8F64E-7F0A-4512-B70A-9DEA039295E0}"/>
+              </a:ext>
+            </a:extLst>
+          </p:cNvPr>
+          <p:cNvSpPr txBox="1"/>
+          <p:nvPr/>
+        </p:nvSpPr>
+        <p:spPr>
+          <a:xfrm>
+            <a:off x="9438838" y="5119706"/>
+            <a:ext cx="2367268" cy="523220"/>
+          </a:xfrm>
+          <a:prstGeom prst="rect">
+            <a:avLst/>
+          </a:prstGeom>
+          <a:noFill/>
+        </p:spPr>
+        <p:txBody>
+          <a:bodyPr wrap="square" rtlCol="0">
+            <a:spAutoFit/>
+          </a:bodyPr>
+          <a:lstStyle/>
+          <a:p>
+            <a:r>
+              <a:rPr lang="en-IN" sz="1400" dirty="0">
+                <a:solidFill>
+                  <a:schemeClr val="bg1"/>
+                </a:solidFill>
+              </a:rPr>
+              <a:t>Senior Developer</a:t>
+            </a:r>
+          </a:p>
+          <a:p>
+            <a:r>
+              <a:rPr lang="en-IN" sz="1400" dirty="0">
+                <a:solidFill>
+                  <a:schemeClr val="bg1"/>
+                </a:solidFill>
+              </a:rPr>
+              <a:t>Pramerica </a:t>
+            </a:r>
+          </a:p>
+        </p:txBody>
+      </p:sp>
+      <p:pic>
+        <p:nvPicPr>
+          <p:cNvPr id="20" name="Picture 19">
+            <a:extLst>
+              <a:ext uri="{FF2B5EF4-FFF2-40B4-BE49-F238E27FC236}">
+                <a16:creationId xmlns:a16="http://schemas.microsoft.com/office/drawing/2014/main" id="{AB116DEF-5B2D-452A-ABEB-23CBF7154C8B}"/>
+              </a:ext>
+            </a:extLst>
+          </p:cNvPr>
+          <p:cNvPicPr>
+            <a:picLocks noChangeAspect="1"/>
+          </p:cNvPicPr>
+          <p:nvPr/>
+        </p:nvPicPr>
+        <p:blipFill>
+          <a:blip r:embed="rId7"/>
+          <a:stretch>
+            <a:fillRect/>
+          </a:stretch>
+        </p:blipFill>
+        <p:spPr>
+          <a:xfrm>
+            <a:off x="10041273" y="1047814"/>
+            <a:ext cx="1510367" cy="623325"/>
+          </a:xfrm>
+          <a:prstGeom prst="rect">
+            <a:avLst/>
+          </a:prstGeom>
+        </p:spPr>
+      </p:pic>
+      <p:sp>
+        <p:nvSpPr>
+          <p:cNvPr id="16" name="TextBox 15">
+            <a:extLst>
+              <a:ext uri="{FF2B5EF4-FFF2-40B4-BE49-F238E27FC236}">
+                <a16:creationId xmlns:a16="http://schemas.microsoft.com/office/drawing/2014/main" id="{11680B4A-784D-4F48-81D9-4B1792C36E96}"/>
+              </a:ext>
+            </a:extLst>
+          </p:cNvPr>
+          <p:cNvSpPr txBox="1"/>
+          <p:nvPr/>
+        </p:nvSpPr>
+        <p:spPr>
+          <a:xfrm>
+            <a:off x="9433245" y="5591301"/>
+            <a:ext cx="1937856" cy="276999"/>
+          </a:xfrm>
+          <a:prstGeom prst="rect">
+            <a:avLst/>
+          </a:prstGeom>
+          <a:noFill/>
+        </p:spPr>
+        <p:txBody>
+          <a:bodyPr wrap="square" rtlCol="0">
+            <a:spAutoFit/>
+          </a:bodyPr>
+          <a:lstStyle/>
+          <a:p>
+            <a:r>
+              <a:rPr lang="en-IN" sz="1200" b="1" dirty="0">
+                <a:solidFill>
+                  <a:srgbClr val="00B0F0"/>
+                </a:solidFill>
+              </a:rPr>
+              <a:t>@</a:t>
+            </a:r>
+            <a:r>
+              <a:rPr lang="en-IN" sz="1200" b="1" dirty="0" err="1">
+                <a:solidFill>
+                  <a:srgbClr val="00B0F0"/>
+                </a:solidFill>
+              </a:rPr>
+              <a:t>AustinBreslinDev</a:t>
+            </a:r>
+            <a:endParaRPr lang="en-IN" sz="1200" dirty="0">
+              <a:solidFill>
+                <a:srgbClr val="00B0F0"/>
+              </a:solidFill>
+            </a:endParaRPr>
+          </a:p>
+        </p:txBody>
+      </p:sp>
+      <p:sp>
+        <p:nvSpPr>
+          <p:cNvPr id="22" name="Rectangle 21">
+            <a:extLst>
+              <a:ext uri="{FF2B5EF4-FFF2-40B4-BE49-F238E27FC236}">
+                <a16:creationId xmlns:a16="http://schemas.microsoft.com/office/drawing/2014/main" id="{5DF1B98B-7665-4AC4-99F5-F1D416F6D152}"/>
+              </a:ext>
+            </a:extLst>
+          </p:cNvPr>
+          <p:cNvSpPr/>
+          <p:nvPr/>
+        </p:nvSpPr>
+        <p:spPr>
+          <a:xfrm>
+            <a:off x="472737" y="5964117"/>
+            <a:ext cx="1279709" cy="461665"/>
+          </a:xfrm>
+          <a:prstGeom prst="rect">
+            <a:avLst/>
+          </a:prstGeom>
+        </p:spPr>
+        <p:txBody>
+          <a:bodyPr wrap="none">
+            <a:spAutoFit/>
+          </a:bodyPr>
+          <a:lstStyle/>
+          <a:p>
+            <a:r>
+              <a:rPr lang="en-IN" sz="1200" i="0" strike="noStrike" dirty="0">
+                <a:solidFill>
+                  <a:schemeClr val="bg1"/>
+                </a:solidFill>
+                <a:effectLst/>
+                <a:latin typeface="Arial Nova" panose="020B0504020202020204" pitchFamily="34" charset="0"/>
+              </a:rPr>
+              <a:t>@lkmsug</a:t>
+            </a:r>
+          </a:p>
+          <a:p>
+            <a:r>
+              <a:rPr lang="en-IN" sz="1200" dirty="0">
+                <a:solidFill>
+                  <a:schemeClr val="bg1"/>
+                </a:solidFill>
+                <a:latin typeface="Arial Nova" panose="020B0504020202020204" pitchFamily="34" charset="0"/>
+              </a:rPr>
+              <a:t>www.lk-mug.org</a:t>
+            </a:r>
+          </a:p>
+        </p:txBody>
+      </p:sp>
+      <p:sp>
+        <p:nvSpPr>
+          <p:cNvPr id="23" name="Rectangle 7">
+            <a:extLst>
+              <a:ext uri="{FF2B5EF4-FFF2-40B4-BE49-F238E27FC236}">
+                <a16:creationId xmlns:a16="http://schemas.microsoft.com/office/drawing/2014/main" id="{AD575721-96A2-41F2-8179-6B854752BE89}"/>
+              </a:ext>
+            </a:extLst>
+          </p:cNvPr>
+          <p:cNvSpPr>
+            <a:spLocks noChangeArrowheads="1"/>
+          </p:cNvSpPr>
+          <p:nvPr/>
+        </p:nvSpPr>
+        <p:spPr bwMode="auto">
+          <a:xfrm>
+            <a:off x="9453346" y="5788251"/>
+            <a:ext cx="2575855" cy="461665"/>
+          </a:xfrm>
+          <a:prstGeom prst="rect">
+            <a:avLst/>
+          </a:prstGeom>
+          <a:noFill/>
+        </p:spPr>
+        <p:txBody>
+          <a:bodyPr wrap="square" rtlCol="0">
+            <a:spAutoFit/>
+          </a:bodyPr>
+          <a:lstStyle/>
+          <a:p>
+            <a:r>
+              <a:rPr lang="en-US" sz="1200" dirty="0">
+                <a:solidFill>
+                  <a:srgbClr val="00B0F0"/>
+                </a:solidFill>
+              </a:rPr>
+              <a:t>linkedin.com/in/austin-breslin-84b4a74b</a:t>
+            </a:r>
+          </a:p>
+        </p:txBody>
+      </p:sp>
+      <p:pic>
+        <p:nvPicPr>
+          <p:cNvPr id="3" name="Picture 2">
+            <a:extLst>
+              <a:ext uri="{FF2B5EF4-FFF2-40B4-BE49-F238E27FC236}">
+                <a16:creationId xmlns:a16="http://schemas.microsoft.com/office/drawing/2014/main" id="{97152F8B-5900-4B67-B120-153CAE279DFC}"/>
+              </a:ext>
+            </a:extLst>
+          </p:cNvPr>
+          <p:cNvPicPr>
+            <a:picLocks noChangeAspect="1"/>
+          </p:cNvPicPr>
+          <p:nvPr/>
+        </p:nvPicPr>
+        <p:blipFill>
+          <a:blip r:embed="rId8">
+            <a:extLst>
+              <a:ext uri="{28A0092B-C50C-407E-A947-70E740481C1C}">
+                <a14:useLocalDpi xmlns:a14="http://schemas.microsoft.com/office/drawing/2010/main" val="0"/>
+              </a:ext>
+            </a:extLst>
+          </a:blip>
+          <a:stretch>
+            <a:fillRect/>
+          </a:stretch>
+        </p:blipFill>
+        <p:spPr>
+          <a:xfrm>
+            <a:off x="6356852" y="2319754"/>
+            <a:ext cx="397766" cy="397766"/>
+          </a:xfrm>
+          <a:prstGeom prst="rect">
+            <a:avLst/>
+          </a:prstGeom>
+        </p:spPr>
+      </p:pic>
+      <p:sp>
+        <p:nvSpPr>
+          <p:cNvPr id="5" name="TextBox 4">
+            <a:extLst>
+              <a:ext uri="{FF2B5EF4-FFF2-40B4-BE49-F238E27FC236}">
+                <a16:creationId xmlns:a16="http://schemas.microsoft.com/office/drawing/2014/main" id="{F9240FE3-B8EF-4C5E-B6ED-16E772727D60}"/>
+              </a:ext>
+            </a:extLst>
+          </p:cNvPr>
+          <p:cNvSpPr txBox="1"/>
+          <p:nvPr/>
+        </p:nvSpPr>
+        <p:spPr>
+          <a:xfrm>
+            <a:off x="6728830" y="2216266"/>
+            <a:ext cx="2582440" cy="830997"/>
+          </a:xfrm>
+          <a:prstGeom prst="rect">
+            <a:avLst/>
+          </a:prstGeom>
+          <a:noFill/>
+        </p:spPr>
+        <p:txBody>
+          <a:bodyPr wrap="square" rtlCol="0">
+            <a:spAutoFit/>
+          </a:bodyPr>
+          <a:lstStyle/>
+          <a:p>
+            <a:r>
+              <a:rPr lang="en-IN" sz="1600" dirty="0">
+                <a:solidFill>
+                  <a:schemeClr val="bg1"/>
+                </a:solidFill>
+              </a:rPr>
+              <a:t>Pramerica Services,</a:t>
+            </a:r>
+          </a:p>
+          <a:p>
+            <a:r>
+              <a:rPr lang="en-IN" sz="1600" dirty="0">
+                <a:solidFill>
+                  <a:schemeClr val="bg1"/>
+                </a:solidFill>
+              </a:rPr>
+              <a:t>Letterkenny, Donegal, Ireland</a:t>
+            </a:r>
+          </a:p>
+        </p:txBody>
+      </p:sp>
+      <p:pic>
+        <p:nvPicPr>
+          <p:cNvPr id="1026" name="Picture 2" descr="calendar, calender, date icon">
+            <a:extLst>
+              <a:ext uri="{FF2B5EF4-FFF2-40B4-BE49-F238E27FC236}">
+                <a16:creationId xmlns:a16="http://schemas.microsoft.com/office/drawing/2014/main" id="{A194E95C-ACA5-4062-A9DF-0725A45C929A}"/>
+              </a:ext>
+            </a:extLst>
+          </p:cNvPr>
+          <p:cNvPicPr>
+            <a:picLocks noChangeAspect="1" noChangeArrowheads="1"/>
+          </p:cNvPicPr>
+          <p:nvPr/>
+        </p:nvPicPr>
+        <p:blipFill>
+          <a:blip r:embed="rId9">
+            <a:extLst>
+              <a:ext uri="{28A0092B-C50C-407E-A947-70E740481C1C}">
+                <a14:useLocalDpi xmlns:a14="http://schemas.microsoft.com/office/drawing/2010/main" val="0"/>
+              </a:ext>
+            </a:extLst>
+          </a:blip>
+          <a:srcRect/>
+          <a:stretch>
+            <a:fillRect/>
+          </a:stretch>
+        </p:blipFill>
+        <p:spPr bwMode="auto">
+          <a:xfrm>
+            <a:off x="3478687" y="2335831"/>
+            <a:ext cx="426577" cy="426577"/>
+          </a:xfrm>
+          <a:prstGeom prst="rect">
+            <a:avLst/>
+          </a:prstGeom>
+          <a:noFill/>
+          <a:extLst>
+            <a:ext uri="{909E8E84-426E-40DD-AFC4-6F175D3DCCD1}">
+              <a14:hiddenFill xmlns:a14="http://schemas.microsoft.com/office/drawing/2010/main">
+                <a:solidFill>
+                  <a:srgbClr val="FFFFFF"/>
+                </a:solidFill>
+              </a14:hiddenFill>
+            </a:ext>
+          </a:extLst>
+        </p:spPr>
+      </p:pic>
+      <p:sp>
+        <p:nvSpPr>
+          <p:cNvPr id="25" name="TextBox 24">
+            <a:extLst>
+              <a:ext uri="{FF2B5EF4-FFF2-40B4-BE49-F238E27FC236}">
+                <a16:creationId xmlns:a16="http://schemas.microsoft.com/office/drawing/2014/main" id="{BD901492-721D-4650-8944-B7EA171863C1}"/>
+              </a:ext>
+            </a:extLst>
+          </p:cNvPr>
+          <p:cNvSpPr txBox="1"/>
+          <p:nvPr/>
+        </p:nvSpPr>
+        <p:spPr>
+          <a:xfrm>
+            <a:off x="3874005" y="2262951"/>
+            <a:ext cx="1949154" cy="584775"/>
+          </a:xfrm>
+          <a:prstGeom prst="rect">
+            <a:avLst/>
+          </a:prstGeom>
+          <a:noFill/>
+        </p:spPr>
+        <p:txBody>
+          <a:bodyPr wrap="square" rtlCol="0">
+            <a:spAutoFit/>
+          </a:bodyPr>
+          <a:lstStyle/>
+          <a:p>
+            <a:r>
+              <a:rPr lang="en-IN" sz="1600" dirty="0">
+                <a:solidFill>
+                  <a:schemeClr val="bg1"/>
+                </a:solidFill>
+              </a:rPr>
+              <a:t>Nov 10, 2018</a:t>
+            </a:r>
+          </a:p>
+          <a:p>
+            <a:r>
+              <a:rPr lang="en-IN" sz="1600" dirty="0">
+                <a:solidFill>
+                  <a:schemeClr val="bg1"/>
+                </a:solidFill>
+              </a:rPr>
+              <a:t>9:00AM – 5:30PM</a:t>
+            </a:r>
+          </a:p>
+        </p:txBody>
+      </p:sp>
+      <p:sp>
+        <p:nvSpPr>
+          <p:cNvPr id="9" name="Rectangle 8">
+            <a:extLst>
+              <a:ext uri="{FF2B5EF4-FFF2-40B4-BE49-F238E27FC236}">
+                <a16:creationId xmlns:a16="http://schemas.microsoft.com/office/drawing/2014/main" id="{042168FF-FC13-4CEF-B747-06C68A903AC0}"/>
+              </a:ext>
+            </a:extLst>
+          </p:cNvPr>
+          <p:cNvSpPr/>
+          <p:nvPr/>
+        </p:nvSpPr>
+        <p:spPr>
+          <a:xfrm>
+            <a:off x="4043617" y="6103586"/>
+            <a:ext cx="4647362" cy="369332"/>
+          </a:xfrm>
+          <a:prstGeom prst="rect">
+            <a:avLst/>
+          </a:prstGeom>
+        </p:spPr>
+        <p:txBody>
+          <a:bodyPr wrap="none">
+            <a:spAutoFit/>
+          </a:bodyPr>
+          <a:lstStyle/>
+          <a:p>
+            <a:r>
+              <a:rPr lang="en-IN" dirty="0">
+                <a:solidFill>
+                  <a:schemeClr val="accent2"/>
+                </a:solidFill>
+                <a:latin typeface="Arial Nova" panose="020B0504020202020204" pitchFamily="34" charset="0"/>
+              </a:rPr>
+              <a:t>#mvpbuzz #Office365 #O365DevBootCamp</a:t>
+            </a:r>
+          </a:p>
+        </p:txBody>
+      </p:sp>
+      <p:sp>
+        <p:nvSpPr>
+          <p:cNvPr id="11" name="TextBox 10">
+            <a:extLst>
+              <a:ext uri="{FF2B5EF4-FFF2-40B4-BE49-F238E27FC236}">
+                <a16:creationId xmlns:a16="http://schemas.microsoft.com/office/drawing/2014/main" id="{A36A45C3-4786-4572-9104-B78FFD6DBBDA}"/>
+              </a:ext>
+            </a:extLst>
+          </p:cNvPr>
+          <p:cNvSpPr txBox="1"/>
+          <p:nvPr/>
+        </p:nvSpPr>
+        <p:spPr>
+          <a:xfrm>
+            <a:off x="4848838" y="4525402"/>
+            <a:ext cx="3682766" cy="923330"/>
+          </a:xfrm>
+          <a:prstGeom prst="rect">
+            <a:avLst/>
+          </a:prstGeom>
+          <a:noFill/>
+        </p:spPr>
+        <p:txBody>
+          <a:bodyPr wrap="square" rtlCol="0">
+            <a:spAutoFit/>
+          </a:bodyPr>
+          <a:lstStyle/>
+          <a:p>
+            <a:r>
+              <a:rPr lang="en-US" dirty="0">
+                <a:solidFill>
+                  <a:schemeClr val="bg1"/>
+                </a:solidFill>
+                <a:latin typeface="Verdana Pro Light" panose="020B0604020202020204" pitchFamily="34" charset="0"/>
+              </a:rPr>
+              <a:t>Build SharePoint Framework Client-Side Web Parts Using the Microsoft Graph JavaScript SDK</a:t>
+            </a:r>
+            <a:endParaRPr lang="en-GB" dirty="0">
+              <a:solidFill>
+                <a:schemeClr val="bg1"/>
+              </a:solidFill>
+              <a:latin typeface="Verdana Pro Light" panose="020B0604020202020204" pitchFamily="34" charset="0"/>
+            </a:endParaRPr>
+          </a:p>
+        </p:txBody>
+      </p:sp>
+      <p:sp>
+        <p:nvSpPr>
+          <p:cNvPr id="26" name="Rectangle 25">
+            <a:extLst>
+              <a:ext uri="{FF2B5EF4-FFF2-40B4-BE49-F238E27FC236}">
+                <a16:creationId xmlns:a16="http://schemas.microsoft.com/office/drawing/2014/main" id="{5D51E1F4-F174-418A-8A2B-8F3444070D06}"/>
+              </a:ext>
+            </a:extLst>
+          </p:cNvPr>
+          <p:cNvSpPr/>
+          <p:nvPr/>
+        </p:nvSpPr>
+        <p:spPr>
+          <a:xfrm>
+            <a:off x="385894" y="1003550"/>
+            <a:ext cx="1092589" cy="1009085"/>
+          </a:xfrm>
+          <a:prstGeom prst="rect">
+            <a:avLst/>
+          </a:prstGeom>
+          <a:solidFill>
+            <a:srgbClr val="7030A0"/>
+          </a:solidFill>
+          <a:ln>
+            <a:solidFill>
+              <a:srgbClr val="7030A0"/>
+            </a:solidFill>
+          </a:ln>
+        </p:spPr>
+        <p:style>
+          <a:lnRef idx="2">
+            <a:schemeClr val="accent1">
+              <a:shade val="50000"/>
+            </a:schemeClr>
+          </a:lnRef>
+          <a:fillRef idx="1">
+            <a:schemeClr val="accent1"/>
+          </a:fillRef>
+          <a:effectRef idx="0">
+            <a:schemeClr val="accent1"/>
+          </a:effectRef>
+          <a:fontRef idx="minor">
+            <a:schemeClr val="lt1"/>
+          </a:fontRef>
+        </p:style>
+        <p:txBody>
+          <a:bodyPr rtlCol="0" anchor="ctr"/>
+          <a:lstStyle/>
+          <a:p>
+            <a:pPr marL="144000">
+              <a:lnSpc>
+                <a:spcPts val="2000"/>
+              </a:lnSpc>
+            </a:pPr>
+            <a:r>
+              <a:rPr lang="en-IN" sz="1100" dirty="0">
+                <a:cs typeface="Segoe UI" panose="020B0502040204020203" pitchFamily="34" charset="0"/>
+              </a:rPr>
+              <a:t>Letterkenny</a:t>
+            </a:r>
+          </a:p>
+          <a:p>
+            <a:pPr marL="144000">
+              <a:lnSpc>
+                <a:spcPts val="2000"/>
+              </a:lnSpc>
+            </a:pPr>
+            <a:r>
+              <a:rPr lang="en-IN" sz="2400" b="1" dirty="0">
+                <a:cs typeface="Segoe UI" panose="020B0502040204020203" pitchFamily="34" charset="0"/>
+              </a:rPr>
+              <a:t>MUG</a:t>
+            </a:r>
+          </a:p>
+          <a:p>
+            <a:pPr marL="144000">
+              <a:lnSpc>
+                <a:spcPts val="2000"/>
+              </a:lnSpc>
+            </a:pPr>
+            <a:r>
+              <a:rPr lang="en-IN" sz="1400" dirty="0">
+                <a:cs typeface="Segoe UI" panose="020B0502040204020203" pitchFamily="34" charset="0"/>
+              </a:rPr>
+              <a:t>#lkmug</a:t>
+            </a:r>
+          </a:p>
+        </p:txBody>
+      </p:sp>
+      <p:sp>
+        <p:nvSpPr>
+          <p:cNvPr id="40" name="TextBox 39">
+            <a:extLst>
+              <a:ext uri="{FF2B5EF4-FFF2-40B4-BE49-F238E27FC236}">
+                <a16:creationId xmlns:a16="http://schemas.microsoft.com/office/drawing/2014/main" id="{01EC5E8E-26D2-4223-BCAB-AB38E9DECDBA}"/>
+              </a:ext>
+            </a:extLst>
+          </p:cNvPr>
+          <p:cNvSpPr txBox="1"/>
+          <p:nvPr/>
+        </p:nvSpPr>
+        <p:spPr>
+          <a:xfrm>
+            <a:off x="9438838" y="4804249"/>
+            <a:ext cx="2171174" cy="369332"/>
+          </a:xfrm>
+          <a:prstGeom prst="rect">
+            <a:avLst/>
+          </a:prstGeom>
+          <a:noFill/>
+        </p:spPr>
+        <p:txBody>
+          <a:bodyPr wrap="square" rtlCol="0">
+            <a:spAutoFit/>
+          </a:bodyPr>
+          <a:lstStyle/>
+          <a:p>
+            <a:r>
+              <a:rPr lang="en-IN" dirty="0">
+                <a:solidFill>
+                  <a:schemeClr val="bg1"/>
+                </a:solidFill>
+                <a:latin typeface="Arial Nova" panose="020B0504020202020204" pitchFamily="34" charset="0"/>
+              </a:rPr>
               <a:t>Austin Breslin</a:t>
             </a:r>
           </a:p>
@@ -11068,7 +12855,7 @@
 </p:sld>
 </file>
 
-<file path=ppt/slides/slide7.xml><?xml version="1.0" encoding="utf-8"?>
+<file path=ppt/slides/slide8.xml><?xml version="1.0" encoding="utf-8"?>
 <p:sld xmlns:a="http://schemas.openxmlformats.org/drawingml/2006/main" xmlns:r="http://schemas.openxmlformats.org/officeDocument/2006/relationships" xmlns:p="http://schemas.openxmlformats.org/presentationml/2006/main">
   <p:cSld>
     <p:spTree>
@@ -12041,7 +13828,7 @@
 </p:sld>
 </file>
 
-<file path=ppt/slides/slide8.xml><?xml version="1.0" encoding="utf-8"?>
+<file path=ppt/slides/slide9.xml><?xml version="1.0" encoding="utf-8"?>
 <p:sld xmlns:a="http://schemas.openxmlformats.org/drawingml/2006/main" xmlns:r="http://schemas.openxmlformats.org/officeDocument/2006/relationships" xmlns:p="http://schemas.openxmlformats.org/presentationml/2006/main">
   <p:cSld>
     <p:spTree>
@@ -15480,664 +17267,6 @@
 </p:sld>
 </file>
 
-<file path=ppt/slides/slide9.xml><?xml version="1.0" encoding="utf-8"?>
-<p:sld xmlns:a="http://schemas.openxmlformats.org/drawingml/2006/main" xmlns:r="http://schemas.openxmlformats.org/officeDocument/2006/relationships" xmlns:p="http://schemas.openxmlformats.org/presentationml/2006/main">
-  <p:cSld>
-    <p:spTree>
-      <p:nvGrpSpPr>
-        <p:cNvPr id="1" name=""/>
-        <p:cNvGrpSpPr/>
-        <p:nvPr/>
-      </p:nvGrpSpPr>
-      <p:grpSpPr>
-        <a:xfrm>
-          <a:off x="0" y="0"/>
-          <a:ext cx="0" cy="0"/>
-          <a:chOff x="0" y="0"/>
-          <a:chExt cx="0" cy="0"/>
-        </a:xfrm>
-      </p:grpSpPr>
-      <p:sp>
-        <p:nvSpPr>
-          <p:cNvPr id="4" name="Title 3">
-            <a:extLst>
-              <a:ext uri="{FF2B5EF4-FFF2-40B4-BE49-F238E27FC236}">
-                <a16:creationId xmlns:a16="http://schemas.microsoft.com/office/drawing/2014/main" id="{9B5D7F5C-0805-4F43-A9C0-612C391BEBA2}"/>
-              </a:ext>
-            </a:extLst>
-          </p:cNvPr>
-          <p:cNvSpPr>
-            <a:spLocks noGrp="1"/>
-          </p:cNvSpPr>
-          <p:nvPr>
-            <p:ph type="title"/>
-          </p:nvPr>
-        </p:nvSpPr>
-        <p:spPr/>
-        <p:txBody>
-          <a:bodyPr/>
-          <a:lstStyle/>
-          <a:p>
-            <a:endParaRPr lang="en-US" dirty="0"/>
-          </a:p>
-        </p:txBody>
-      </p:sp>
-      <p:pic>
-        <p:nvPicPr>
-          <p:cNvPr id="5" name="Picture 4">
-            <a:extLst>
-              <a:ext uri="{FF2B5EF4-FFF2-40B4-BE49-F238E27FC236}">
-                <a16:creationId xmlns:a16="http://schemas.microsoft.com/office/drawing/2014/main" id="{17FCE7C9-59F5-4799-9D6B-1924DB719E1C}"/>
-              </a:ext>
-            </a:extLst>
-          </p:cNvPr>
-          <p:cNvPicPr>
-            <a:picLocks noChangeAspect="1"/>
-          </p:cNvPicPr>
-          <p:nvPr/>
-        </p:nvPicPr>
-        <p:blipFill>
-          <a:blip r:embed="rId2">
-            <a:extLst>
-              <a:ext uri="{28A0092B-C50C-407E-A947-70E740481C1C}">
-                <a14:useLocalDpi xmlns:a14="http://schemas.microsoft.com/office/drawing/2010/main" val="0"/>
-              </a:ext>
-            </a:extLst>
-          </a:blip>
-          <a:stretch>
-            <a:fillRect/>
-          </a:stretch>
-        </p:blipFill>
-        <p:spPr>
-          <a:xfrm>
-            <a:off x="0" y="1678"/>
-            <a:ext cx="12192000" cy="1741714"/>
-          </a:xfrm>
-          <a:prstGeom prst="rect">
-            <a:avLst/>
-          </a:prstGeom>
-        </p:spPr>
-      </p:pic>
-      <p:sp>
-        <p:nvSpPr>
-          <p:cNvPr id="6" name="TextBox 5">
-            <a:extLst>
-              <a:ext uri="{FF2B5EF4-FFF2-40B4-BE49-F238E27FC236}">
-                <a16:creationId xmlns:a16="http://schemas.microsoft.com/office/drawing/2014/main" id="{3CEC6D9F-D08A-4256-AC9F-5B4A20838D7C}"/>
-              </a:ext>
-            </a:extLst>
-          </p:cNvPr>
-          <p:cNvSpPr txBox="1"/>
-          <p:nvPr/>
-        </p:nvSpPr>
-        <p:spPr>
-          <a:xfrm>
-            <a:off x="5902842" y="1281727"/>
-            <a:ext cx="5397868" cy="369332"/>
-          </a:xfrm>
-          <a:prstGeom prst="rect">
-            <a:avLst/>
-          </a:prstGeom>
-          <a:noFill/>
-        </p:spPr>
-        <p:txBody>
-          <a:bodyPr wrap="square" rtlCol="0">
-            <a:spAutoFit/>
-          </a:bodyPr>
-          <a:lstStyle/>
-          <a:p>
-            <a:r>
-              <a:rPr lang="en-IN" sz="1600" dirty="0">
-                <a:solidFill>
-                  <a:schemeClr val="tx1">
-                    <a:lumMod val="75000"/>
-                    <a:lumOff val="25000"/>
-                  </a:schemeClr>
-                </a:solidFill>
-                <a:latin typeface="Leelawadee" panose="020B0502040204020203" pitchFamily="34" charset="-34"/>
-                <a:cs typeface="Leelawadee" panose="020B0502040204020203" pitchFamily="34" charset="-34"/>
-              </a:rPr>
-              <a:t>Date:  </a:t>
-            </a:r>
-            <a:r>
-              <a:rPr lang="en-IN" b="1" dirty="0">
-                <a:solidFill>
-                  <a:schemeClr val="tx1">
-                    <a:lumMod val="75000"/>
-                    <a:lumOff val="25000"/>
-                  </a:schemeClr>
-                </a:solidFill>
-                <a:latin typeface="Leelawadee" panose="020B0502040204020203" pitchFamily="34" charset="-34"/>
-                <a:cs typeface="Leelawadee" panose="020B0502040204020203" pitchFamily="34" charset="-34"/>
-              </a:rPr>
-              <a:t>Saturday, 10</a:t>
-            </a:r>
-            <a:r>
-              <a:rPr lang="en-IN" b="1" baseline="30000" dirty="0">
-                <a:solidFill>
-                  <a:schemeClr val="tx1">
-                    <a:lumMod val="75000"/>
-                    <a:lumOff val="25000"/>
-                  </a:schemeClr>
-                </a:solidFill>
-                <a:latin typeface="Leelawadee" panose="020B0502040204020203" pitchFamily="34" charset="-34"/>
-                <a:cs typeface="Leelawadee" panose="020B0502040204020203" pitchFamily="34" charset="-34"/>
-              </a:rPr>
-              <a:t>th</a:t>
-            </a:r>
-            <a:r>
-              <a:rPr lang="en-IN" b="1" dirty="0">
-                <a:solidFill>
-                  <a:schemeClr val="tx1">
-                    <a:lumMod val="75000"/>
-                    <a:lumOff val="25000"/>
-                  </a:schemeClr>
-                </a:solidFill>
-                <a:latin typeface="Leelawadee" panose="020B0502040204020203" pitchFamily="34" charset="-34"/>
-                <a:cs typeface="Leelawadee" panose="020B0502040204020203" pitchFamily="34" charset="-34"/>
-              </a:rPr>
-              <a:t> Nov   </a:t>
-            </a:r>
-            <a:r>
-              <a:rPr lang="en-IN" sz="1600" dirty="0">
-                <a:solidFill>
-                  <a:schemeClr val="tx1">
-                    <a:lumMod val="75000"/>
-                    <a:lumOff val="25000"/>
-                  </a:schemeClr>
-                </a:solidFill>
-                <a:latin typeface="Leelawadee" panose="020B0502040204020203" pitchFamily="34" charset="-34"/>
-                <a:cs typeface="Leelawadee" panose="020B0502040204020203" pitchFamily="34" charset="-34"/>
-              </a:rPr>
-              <a:t>Time: </a:t>
-            </a:r>
-            <a:r>
-              <a:rPr lang="en-IN" b="1" dirty="0">
-                <a:solidFill>
-                  <a:schemeClr val="tx1">
-                    <a:lumMod val="75000"/>
-                    <a:lumOff val="25000"/>
-                  </a:schemeClr>
-                </a:solidFill>
-                <a:latin typeface="Leelawadee" panose="020B0502040204020203" pitchFamily="34" charset="-34"/>
-                <a:cs typeface="Leelawadee" panose="020B0502040204020203" pitchFamily="34" charset="-34"/>
-              </a:rPr>
-              <a:t>9:00AM – 5:30PM</a:t>
-            </a:r>
-          </a:p>
-        </p:txBody>
-      </p:sp>
-      <p:sp>
-        <p:nvSpPr>
-          <p:cNvPr id="7" name="TextBox 6">
-            <a:extLst>
-              <a:ext uri="{FF2B5EF4-FFF2-40B4-BE49-F238E27FC236}">
-                <a16:creationId xmlns:a16="http://schemas.microsoft.com/office/drawing/2014/main" id="{732D7478-17D9-40B8-B8A9-5D286DA31DF4}"/>
-              </a:ext>
-            </a:extLst>
-          </p:cNvPr>
-          <p:cNvSpPr txBox="1"/>
-          <p:nvPr/>
-        </p:nvSpPr>
-        <p:spPr>
-          <a:xfrm>
-            <a:off x="601846" y="1325939"/>
-            <a:ext cx="2349575" cy="369332"/>
-          </a:xfrm>
-          <a:prstGeom prst="rect">
-            <a:avLst/>
-          </a:prstGeom>
-          <a:noFill/>
-        </p:spPr>
-        <p:txBody>
-          <a:bodyPr wrap="square" rtlCol="0">
-            <a:spAutoFit/>
-          </a:bodyPr>
-          <a:lstStyle/>
-          <a:p>
-            <a:r>
-              <a:rPr lang="en-US" b="1" dirty="0">
-                <a:solidFill>
-                  <a:schemeClr val="tx1">
-                    <a:lumMod val="75000"/>
-                    <a:lumOff val="25000"/>
-                  </a:schemeClr>
-                </a:solidFill>
-                <a:latin typeface="Leelawadee" panose="020B0502040204020203" pitchFamily="34" charset="-34"/>
-                <a:cs typeface="Leelawadee" panose="020B0502040204020203" pitchFamily="34" charset="-34"/>
-              </a:rPr>
-              <a:t>Sponsors:</a:t>
-            </a:r>
-          </a:p>
-        </p:txBody>
-      </p:sp>
-      <p:pic>
-        <p:nvPicPr>
-          <p:cNvPr id="8" name="Picture 7">
-            <a:extLst>
-              <a:ext uri="{FF2B5EF4-FFF2-40B4-BE49-F238E27FC236}">
-                <a16:creationId xmlns:a16="http://schemas.microsoft.com/office/drawing/2014/main" id="{F6D6D55E-444B-45B0-A89F-88A45107E32C}"/>
-              </a:ext>
-            </a:extLst>
-          </p:cNvPr>
-          <p:cNvPicPr>
-            <a:picLocks noChangeAspect="1"/>
-          </p:cNvPicPr>
-          <p:nvPr/>
-        </p:nvPicPr>
-        <p:blipFill>
-          <a:blip r:embed="rId3">
-            <a:extLst>
-              <a:ext uri="{28A0092B-C50C-407E-A947-70E740481C1C}">
-                <a14:useLocalDpi xmlns:a14="http://schemas.microsoft.com/office/drawing/2010/main" val="0"/>
-              </a:ext>
-            </a:extLst>
-          </a:blip>
-          <a:stretch>
-            <a:fillRect/>
-          </a:stretch>
-        </p:blipFill>
-        <p:spPr>
-          <a:xfrm>
-            <a:off x="1193098" y="2148164"/>
-            <a:ext cx="2782051" cy="647673"/>
-          </a:xfrm>
-          <a:prstGeom prst="rect">
-            <a:avLst/>
-          </a:prstGeom>
-        </p:spPr>
-      </p:pic>
-      <p:pic>
-        <p:nvPicPr>
-          <p:cNvPr id="9" name="Picture 4" descr="Image result for rev debug logo">
-            <a:extLst>
-              <a:ext uri="{FF2B5EF4-FFF2-40B4-BE49-F238E27FC236}">
-                <a16:creationId xmlns:a16="http://schemas.microsoft.com/office/drawing/2014/main" id="{F5C6AF76-32BA-4770-BC47-2FCCA9F3A842}"/>
-              </a:ext>
-            </a:extLst>
-          </p:cNvPr>
-          <p:cNvPicPr>
-            <a:picLocks noChangeAspect="1" noChangeArrowheads="1"/>
-          </p:cNvPicPr>
-          <p:nvPr/>
-        </p:nvPicPr>
-        <p:blipFill>
-          <a:blip r:embed="rId4">
-            <a:extLst>
-              <a:ext uri="{28A0092B-C50C-407E-A947-70E740481C1C}">
-                <a14:useLocalDpi xmlns:a14="http://schemas.microsoft.com/office/drawing/2010/main" val="0"/>
-              </a:ext>
-            </a:extLst>
-          </a:blip>
-          <a:srcRect/>
-          <a:stretch>
-            <a:fillRect/>
-          </a:stretch>
-        </p:blipFill>
-        <p:spPr bwMode="auto">
-          <a:xfrm>
-            <a:off x="953126" y="3067653"/>
-            <a:ext cx="2985671" cy="1068311"/>
-          </a:xfrm>
-          <a:prstGeom prst="rect">
-            <a:avLst/>
-          </a:prstGeom>
-          <a:noFill/>
-          <a:extLst>
-            <a:ext uri="{909E8E84-426E-40DD-AFC4-6F175D3DCCD1}">
-              <a14:hiddenFill xmlns:a14="http://schemas.microsoft.com/office/drawing/2010/main">
-                <a:solidFill>
-                  <a:srgbClr val="FFFFFF"/>
-                </a:solidFill>
-              </a14:hiddenFill>
-            </a:ext>
-          </a:extLst>
-        </p:spPr>
-      </p:pic>
-      <p:pic>
-        <p:nvPicPr>
-          <p:cNvPr id="10" name="Picture 9">
-            <a:extLst>
-              <a:ext uri="{FF2B5EF4-FFF2-40B4-BE49-F238E27FC236}">
-                <a16:creationId xmlns:a16="http://schemas.microsoft.com/office/drawing/2014/main" id="{537C4BFD-6377-4974-8F28-8D0462BC663F}"/>
-              </a:ext>
-            </a:extLst>
-          </p:cNvPr>
-          <p:cNvPicPr>
-            <a:picLocks noChangeAspect="1"/>
-          </p:cNvPicPr>
-          <p:nvPr/>
-        </p:nvPicPr>
-        <p:blipFill>
-          <a:blip r:embed="rId5">
-            <a:extLst>
-              <a:ext uri="{28A0092B-C50C-407E-A947-70E740481C1C}">
-                <a14:useLocalDpi xmlns:a14="http://schemas.microsoft.com/office/drawing/2010/main" val="0"/>
-              </a:ext>
-            </a:extLst>
-          </a:blip>
-          <a:stretch>
-            <a:fillRect/>
-          </a:stretch>
-        </p:blipFill>
-        <p:spPr>
-          <a:xfrm>
-            <a:off x="1368205" y="4120098"/>
-            <a:ext cx="985526" cy="1068311"/>
-          </a:xfrm>
-          <a:prstGeom prst="rect">
-            <a:avLst/>
-          </a:prstGeom>
-        </p:spPr>
-      </p:pic>
-      <p:sp>
-        <p:nvSpPr>
-          <p:cNvPr id="11" name="TextBox 10">
-            <a:extLst>
-              <a:ext uri="{FF2B5EF4-FFF2-40B4-BE49-F238E27FC236}">
-                <a16:creationId xmlns:a16="http://schemas.microsoft.com/office/drawing/2014/main" id="{36BCE60E-650F-4230-978F-FBA1621B27D2}"/>
-              </a:ext>
-            </a:extLst>
-          </p:cNvPr>
-          <p:cNvSpPr txBox="1"/>
-          <p:nvPr/>
-        </p:nvSpPr>
-        <p:spPr>
-          <a:xfrm>
-            <a:off x="4910620" y="2382995"/>
-            <a:ext cx="3691156" cy="369332"/>
-          </a:xfrm>
-          <a:prstGeom prst="rect">
-            <a:avLst/>
-          </a:prstGeom>
-          <a:noFill/>
-        </p:spPr>
-        <p:txBody>
-          <a:bodyPr wrap="square" rtlCol="0">
-            <a:spAutoFit/>
-          </a:bodyPr>
-          <a:lstStyle/>
-          <a:p>
-            <a:r>
-              <a:rPr lang="en-US" dirty="0">
-                <a:solidFill>
-                  <a:srgbClr val="0070C0"/>
-                </a:solidFill>
-              </a:rPr>
-              <a:t>Venue &amp; Refreshments</a:t>
-            </a:r>
-          </a:p>
-        </p:txBody>
-      </p:sp>
-      <p:sp>
-        <p:nvSpPr>
-          <p:cNvPr id="12" name="TextBox 11">
-            <a:extLst>
-              <a:ext uri="{FF2B5EF4-FFF2-40B4-BE49-F238E27FC236}">
-                <a16:creationId xmlns:a16="http://schemas.microsoft.com/office/drawing/2014/main" id="{F1144995-76CA-4C84-8A23-84251D6FCAB1}"/>
-              </a:ext>
-            </a:extLst>
-          </p:cNvPr>
-          <p:cNvSpPr txBox="1"/>
-          <p:nvPr/>
-        </p:nvSpPr>
-        <p:spPr>
-          <a:xfrm>
-            <a:off x="4910620" y="3500504"/>
-            <a:ext cx="3691156" cy="369332"/>
-          </a:xfrm>
-          <a:prstGeom prst="rect">
-            <a:avLst/>
-          </a:prstGeom>
-          <a:noFill/>
-        </p:spPr>
-        <p:txBody>
-          <a:bodyPr wrap="square" rtlCol="0">
-            <a:spAutoFit/>
-          </a:bodyPr>
-          <a:lstStyle/>
-          <a:p>
-            <a:r>
-              <a:rPr lang="en-US" dirty="0">
-                <a:solidFill>
-                  <a:srgbClr val="0070C0"/>
-                </a:solidFill>
-              </a:rPr>
-              <a:t>RAFFLE for one, 1 year license </a:t>
-            </a:r>
-          </a:p>
-        </p:txBody>
-      </p:sp>
-      <p:sp>
-        <p:nvSpPr>
-          <p:cNvPr id="13" name="TextBox 12">
-            <a:extLst>
-              <a:ext uri="{FF2B5EF4-FFF2-40B4-BE49-F238E27FC236}">
-                <a16:creationId xmlns:a16="http://schemas.microsoft.com/office/drawing/2014/main" id="{A234F84D-783F-4D54-A1D6-3BD0E6FCB7B3}"/>
-              </a:ext>
-            </a:extLst>
-          </p:cNvPr>
-          <p:cNvSpPr txBox="1"/>
-          <p:nvPr/>
-        </p:nvSpPr>
-        <p:spPr>
-          <a:xfrm>
-            <a:off x="4910620" y="4368283"/>
-            <a:ext cx="3691156" cy="369332"/>
-          </a:xfrm>
-          <a:prstGeom prst="rect">
-            <a:avLst/>
-          </a:prstGeom>
-          <a:noFill/>
-        </p:spPr>
-        <p:txBody>
-          <a:bodyPr wrap="square" rtlCol="0">
-            <a:spAutoFit/>
-          </a:bodyPr>
-          <a:lstStyle/>
-          <a:p>
-            <a:r>
-              <a:rPr lang="en-US" dirty="0">
-                <a:solidFill>
-                  <a:srgbClr val="0070C0"/>
-                </a:solidFill>
-              </a:rPr>
-              <a:t>RAFFLE for one, 1 year license </a:t>
-            </a:r>
-          </a:p>
-        </p:txBody>
-      </p:sp>
-      <p:pic>
-        <p:nvPicPr>
-          <p:cNvPr id="14" name="Picture 8" descr="Image result for azure logo 2018">
-            <a:extLst>
-              <a:ext uri="{FF2B5EF4-FFF2-40B4-BE49-F238E27FC236}">
-                <a16:creationId xmlns:a16="http://schemas.microsoft.com/office/drawing/2014/main" id="{78AAC9E6-1DD9-487D-94C4-66377D758CEB}"/>
-              </a:ext>
-            </a:extLst>
-          </p:cNvPr>
-          <p:cNvPicPr>
-            <a:picLocks noChangeAspect="1" noChangeArrowheads="1"/>
-          </p:cNvPicPr>
-          <p:nvPr/>
-        </p:nvPicPr>
-        <p:blipFill>
-          <a:blip r:embed="rId6">
-            <a:extLst>
-              <a:ext uri="{28A0092B-C50C-407E-A947-70E740481C1C}">
-                <a14:useLocalDpi xmlns:a14="http://schemas.microsoft.com/office/drawing/2010/main" val="0"/>
-              </a:ext>
-            </a:extLst>
-          </a:blip>
-          <a:srcRect/>
-          <a:stretch>
-            <a:fillRect/>
-          </a:stretch>
-        </p:blipFill>
-        <p:spPr bwMode="auto">
-          <a:xfrm>
-            <a:off x="1193098" y="5196424"/>
-            <a:ext cx="1998910" cy="1044430"/>
-          </a:xfrm>
-          <a:prstGeom prst="rect">
-            <a:avLst/>
-          </a:prstGeom>
-          <a:noFill/>
-          <a:extLst>
-            <a:ext uri="{909E8E84-426E-40DD-AFC4-6F175D3DCCD1}">
-              <a14:hiddenFill xmlns:a14="http://schemas.microsoft.com/office/drawing/2010/main">
-                <a:solidFill>
-                  <a:srgbClr val="FFFFFF"/>
-                </a:solidFill>
-              </a14:hiddenFill>
-            </a:ext>
-          </a:extLst>
-        </p:spPr>
-      </p:pic>
-      <p:sp>
-        <p:nvSpPr>
-          <p:cNvPr id="15" name="TextBox 14">
-            <a:extLst>
-              <a:ext uri="{FF2B5EF4-FFF2-40B4-BE49-F238E27FC236}">
-                <a16:creationId xmlns:a16="http://schemas.microsoft.com/office/drawing/2014/main" id="{3C1E6403-4242-4BB7-B70A-841691329C1C}"/>
-              </a:ext>
-            </a:extLst>
-          </p:cNvPr>
-          <p:cNvSpPr txBox="1"/>
-          <p:nvPr/>
-        </p:nvSpPr>
-        <p:spPr>
-          <a:xfrm>
-            <a:off x="4910620" y="5458719"/>
-            <a:ext cx="3691156" cy="369332"/>
-          </a:xfrm>
-          <a:prstGeom prst="rect">
-            <a:avLst/>
-          </a:prstGeom>
-          <a:noFill/>
-        </p:spPr>
-        <p:txBody>
-          <a:bodyPr wrap="square" rtlCol="0">
-            <a:spAutoFit/>
-          </a:bodyPr>
-          <a:lstStyle/>
-          <a:p>
-            <a:r>
-              <a:rPr lang="en-US" dirty="0">
-                <a:solidFill>
-                  <a:srgbClr val="0070C0"/>
-                </a:solidFill>
-              </a:rPr>
-              <a:t>Swags, T-Shirts</a:t>
-            </a:r>
-          </a:p>
-        </p:txBody>
-      </p:sp>
-      <p:sp>
-        <p:nvSpPr>
-          <p:cNvPr id="2" name="AutoShape 2" descr="Image result for raffle">
-            <a:extLst>
-              <a:ext uri="{FF2B5EF4-FFF2-40B4-BE49-F238E27FC236}">
-                <a16:creationId xmlns:a16="http://schemas.microsoft.com/office/drawing/2014/main" id="{FBBCC9F9-FF91-456A-85D4-CA896A608D03}"/>
-              </a:ext>
-            </a:extLst>
-          </p:cNvPr>
-          <p:cNvSpPr>
-            <a:spLocks noChangeAspect="1" noChangeArrowheads="1"/>
-          </p:cNvSpPr>
-          <p:nvPr/>
-        </p:nvSpPr>
-        <p:spPr bwMode="auto">
-          <a:xfrm>
-            <a:off x="5943600" y="3276600"/>
-            <a:ext cx="304800" cy="304800"/>
-          </a:xfrm>
-          <a:prstGeom prst="rect">
-            <a:avLst/>
-          </a:prstGeom>
-          <a:noFill/>
-          <a:extLst>
-            <a:ext uri="{909E8E84-426E-40DD-AFC4-6F175D3DCCD1}">
-              <a14:hiddenFill xmlns:a14="http://schemas.microsoft.com/office/drawing/2010/main">
-                <a:solidFill>
-                  <a:srgbClr val="FFFFFF"/>
-                </a:solidFill>
-              </a14:hiddenFill>
-            </a:ext>
-          </a:extLst>
-        </p:spPr>
-        <p:txBody>
-          <a:bodyPr vert="horz" wrap="square" lIns="91440" tIns="45720" rIns="91440" bIns="45720" numCol="1" anchor="t" anchorCtr="0" compatLnSpc="1">
-            <a:prstTxWarp prst="textNoShape">
-              <a:avLst/>
-            </a:prstTxWarp>
-          </a:bodyPr>
-          <a:lstStyle/>
-          <a:p>
-            <a:endParaRPr lang="en-US"/>
-          </a:p>
-        </p:txBody>
-      </p:sp>
-      <p:pic>
-        <p:nvPicPr>
-          <p:cNvPr id="1030" name="Picture 6" descr="Related image">
-            <a:extLst>
-              <a:ext uri="{FF2B5EF4-FFF2-40B4-BE49-F238E27FC236}">
-                <a16:creationId xmlns:a16="http://schemas.microsoft.com/office/drawing/2014/main" id="{A1AA4D4D-CC1B-4D79-BDCA-D8D44352DFC3}"/>
-              </a:ext>
-            </a:extLst>
-          </p:cNvPr>
-          <p:cNvPicPr>
-            <a:picLocks noChangeAspect="1" noChangeArrowheads="1"/>
-          </p:cNvPicPr>
-          <p:nvPr/>
-        </p:nvPicPr>
-        <p:blipFill>
-          <a:blip r:embed="rId7">
-            <a:extLst>
-              <a:ext uri="{28A0092B-C50C-407E-A947-70E740481C1C}">
-                <a14:useLocalDpi xmlns:a14="http://schemas.microsoft.com/office/drawing/2010/main" val="0"/>
-              </a:ext>
-            </a:extLst>
-          </a:blip>
-          <a:srcRect/>
-          <a:stretch>
-            <a:fillRect/>
-          </a:stretch>
-        </p:blipFill>
-        <p:spPr bwMode="auto">
-          <a:xfrm>
-            <a:off x="8059258" y="2222606"/>
-            <a:ext cx="3766135" cy="3766135"/>
-          </a:xfrm>
-          <a:prstGeom prst="rect">
-            <a:avLst/>
-          </a:prstGeom>
-          <a:noFill/>
-          <a:extLst>
-            <a:ext uri="{909E8E84-426E-40DD-AFC4-6F175D3DCCD1}">
-              <a14:hiddenFill xmlns:a14="http://schemas.microsoft.com/office/drawing/2010/main">
-                <a:solidFill>
-                  <a:srgbClr val="FFFFFF"/>
-                </a:solidFill>
-              </a14:hiddenFill>
-            </a:ext>
-          </a:extLst>
-        </p:spPr>
-      </p:pic>
-    </p:spTree>
-    <p:extLst>
-      <p:ext uri="{BB962C8B-B14F-4D97-AF65-F5344CB8AC3E}">
-        <p14:creationId xmlns:p14="http://schemas.microsoft.com/office/powerpoint/2010/main" val="1789037511"/>
-      </p:ext>
-    </p:extLst>
-  </p:cSld>
-  <p:clrMapOvr>
-    <a:masterClrMapping/>
-  </p:clrMapOvr>
-</p:sld>
-</file>
-
 <file path=ppt/theme/theme1.xml><?xml version="1.0" encoding="utf-8"?>
 <a:theme xmlns:a="http://schemas.openxmlformats.org/drawingml/2006/main" name="Office Theme">
   <a:themeElements>

--- a/Presentations/Marketing/Event-Marketing-Slide.pptx
+++ b/Presentations/Marketing/Event-Marketing-Slide.pptx
@@ -5,7 +5,7 @@
     <p:sldMasterId id="2147483648" r:id="rId1"/>
   </p:sldMasterIdLst>
   <p:notesMasterIdLst>
-    <p:notesMasterId r:id="rId14"/>
+    <p:notesMasterId r:id="rId12"/>
   </p:notesMasterIdLst>
   <p:sldIdLst>
     <p:sldId id="1595" r:id="rId2"/>
@@ -18,8 +18,6 @@
     <p:sldId id="260" r:id="rId9"/>
     <p:sldId id="265" r:id="rId10"/>
     <p:sldId id="266" r:id="rId11"/>
-    <p:sldId id="257" r:id="rId12"/>
-    <p:sldId id="259" r:id="rId13"/>
   </p:sldIdLst>
   <p:sldSz cx="12192000" cy="6858000"/>
   <p:notesSz cx="6858000" cy="9144000"/>
@@ -216,7 +214,7 @@
           <a:p>
             <a:fld id="{7CAFD162-E4B1-47A8-AF3E-BA49F8E2EF42}" type="datetimeFigureOut">
               <a:rPr lang="en-US" smtClean="0"/>
-              <a:t>10/19/2018</a:t>
+              <a:t>10/22/2018</a:t>
             </a:fld>
             <a:endParaRPr lang="en-US"/>
           </a:p>
@@ -621,7 +619,7 @@
           <a:p>
             <a:fld id="{D18B56EA-E28F-4F92-9F16-7A6F2501B303}" type="datetime8">
               <a:rPr lang="en-US" smtClean="0"/>
-              <a:t>10/19/2018 4:38 PM</a:t>
+              <a:t>10/22/2018 9:34 AM</a:t>
             </a:fld>
             <a:endParaRPr lang="en-US" dirty="0"/>
           </a:p>
@@ -813,7 +811,7 @@
           <a:p>
             <a:fld id="{DBE5D562-D135-4DC1-937A-9AB2B9CC6D76}" type="datetimeFigureOut">
               <a:rPr lang="en-IN" smtClean="0"/>
-              <a:t>19-10-2018</a:t>
+              <a:t>22-10-2018</a:t>
             </a:fld>
             <a:endParaRPr lang="en-IN"/>
           </a:p>
@@ -1013,7 +1011,7 @@
           <a:p>
             <a:fld id="{DBE5D562-D135-4DC1-937A-9AB2B9CC6D76}" type="datetimeFigureOut">
               <a:rPr lang="en-IN" smtClean="0"/>
-              <a:t>19-10-2018</a:t>
+              <a:t>22-10-2018</a:t>
             </a:fld>
             <a:endParaRPr lang="en-IN"/>
           </a:p>
@@ -1223,7 +1221,7 @@
           <a:p>
             <a:fld id="{DBE5D562-D135-4DC1-937A-9AB2B9CC6D76}" type="datetimeFigureOut">
               <a:rPr lang="en-IN" smtClean="0"/>
-              <a:t>19-10-2018</a:t>
+              <a:t>22-10-2018</a:t>
             </a:fld>
             <a:endParaRPr lang="en-IN"/>
           </a:p>
@@ -1730,7 +1728,7 @@
           <a:p>
             <a:fld id="{DBE5D562-D135-4DC1-937A-9AB2B9CC6D76}" type="datetimeFigureOut">
               <a:rPr lang="en-IN" smtClean="0"/>
-              <a:t>19-10-2018</a:t>
+              <a:t>22-10-2018</a:t>
             </a:fld>
             <a:endParaRPr lang="en-IN"/>
           </a:p>
@@ -2006,7 +2004,7 @@
           <a:p>
             <a:fld id="{DBE5D562-D135-4DC1-937A-9AB2B9CC6D76}" type="datetimeFigureOut">
               <a:rPr lang="en-IN" smtClean="0"/>
-              <a:t>19-10-2018</a:t>
+              <a:t>22-10-2018</a:t>
             </a:fld>
             <a:endParaRPr lang="en-IN"/>
           </a:p>
@@ -2274,7 +2272,7 @@
           <a:p>
             <a:fld id="{DBE5D562-D135-4DC1-937A-9AB2B9CC6D76}" type="datetimeFigureOut">
               <a:rPr lang="en-IN" smtClean="0"/>
-              <a:t>19-10-2018</a:t>
+              <a:t>22-10-2018</a:t>
             </a:fld>
             <a:endParaRPr lang="en-IN"/>
           </a:p>
@@ -2689,7 +2687,7 @@
           <a:p>
             <a:fld id="{DBE5D562-D135-4DC1-937A-9AB2B9CC6D76}" type="datetimeFigureOut">
               <a:rPr lang="en-IN" smtClean="0"/>
-              <a:t>19-10-2018</a:t>
+              <a:t>22-10-2018</a:t>
             </a:fld>
             <a:endParaRPr lang="en-IN"/>
           </a:p>
@@ -2831,7 +2829,7 @@
           <a:p>
             <a:fld id="{DBE5D562-D135-4DC1-937A-9AB2B9CC6D76}" type="datetimeFigureOut">
               <a:rPr lang="en-IN" smtClean="0"/>
-              <a:t>19-10-2018</a:t>
+              <a:t>22-10-2018</a:t>
             </a:fld>
             <a:endParaRPr lang="en-IN"/>
           </a:p>
@@ -2944,7 +2942,7 @@
           <a:p>
             <a:fld id="{DBE5D562-D135-4DC1-937A-9AB2B9CC6D76}" type="datetimeFigureOut">
               <a:rPr lang="en-IN" smtClean="0"/>
-              <a:t>19-10-2018</a:t>
+              <a:t>22-10-2018</a:t>
             </a:fld>
             <a:endParaRPr lang="en-IN"/>
           </a:p>
@@ -3257,7 +3255,7 @@
           <a:p>
             <a:fld id="{DBE5D562-D135-4DC1-937A-9AB2B9CC6D76}" type="datetimeFigureOut">
               <a:rPr lang="en-IN" smtClean="0"/>
-              <a:t>19-10-2018</a:t>
+              <a:t>22-10-2018</a:t>
             </a:fld>
             <a:endParaRPr lang="en-IN"/>
           </a:p>
@@ -3546,7 +3544,7 @@
           <a:p>
             <a:fld id="{DBE5D562-D135-4DC1-937A-9AB2B9CC6D76}" type="datetimeFigureOut">
               <a:rPr lang="en-IN" smtClean="0"/>
-              <a:t>19-10-2018</a:t>
+              <a:t>22-10-2018</a:t>
             </a:fld>
             <a:endParaRPr lang="en-IN"/>
           </a:p>
@@ -3789,7 +3787,7 @@
           <a:p>
             <a:fld id="{DBE5D562-D135-4DC1-937A-9AB2B9CC6D76}" type="datetimeFigureOut">
               <a:rPr lang="en-IN" smtClean="0"/>
-              <a:t>19-10-2018</a:t>
+              <a:t>22-10-2018</a:t>
             </a:fld>
             <a:endParaRPr lang="en-IN"/>
           </a:p>
@@ -4237,14 +4235,14 @@
               <a:rPr lang="en-US" dirty="0"/>
             </a:br>
             <a:r>
-              <a:rPr lang="en-US" dirty="0"/>
+              <a:rPr lang="en-US" b="1" dirty="0"/>
               <a:t>Letterkenny DotNet Azure </a:t>
             </a:r>
             <a:br>
-              <a:rPr lang="en-US" dirty="0"/>
+              <a:rPr lang="en-US" b="1" dirty="0"/>
             </a:br>
             <a:r>
-              <a:rPr lang="en-US" dirty="0"/>
+              <a:rPr lang="en-US" b="1" dirty="0"/>
               <a:t>User Group</a:t>
             </a:r>
           </a:p>
@@ -4349,8 +4347,78 @@
           </a:lstStyle>
           <a:p>
             <a:r>
-              <a:rPr lang="en-US" b="1" dirty="0"/>
+              <a:rPr lang="en-US" b="1" dirty="0">
+                <a:solidFill>
+                  <a:schemeClr val="tx1">
+                    <a:lumMod val="75000"/>
+                    <a:lumOff val="25000"/>
+                  </a:schemeClr>
+                </a:solidFill>
+              </a:rPr>
               <a:t>2018</a:t>
+            </a:r>
+          </a:p>
+        </p:txBody>
+      </p:sp>
+      <p:sp>
+        <p:nvSpPr>
+          <p:cNvPr id="6" name="Title 1">
+            <a:extLst>
+              <a:ext uri="{FF2B5EF4-FFF2-40B4-BE49-F238E27FC236}">
+                <a16:creationId xmlns:a16="http://schemas.microsoft.com/office/drawing/2014/main" id="{94ED820D-1A74-4C8D-8451-A775FAEBD4BD}"/>
+              </a:ext>
+            </a:extLst>
+          </p:cNvPr>
+          <p:cNvSpPr txBox="1">
+            <a:spLocks/>
+          </p:cNvSpPr>
+          <p:nvPr/>
+        </p:nvSpPr>
+        <p:spPr>
+          <a:xfrm>
+            <a:off x="1750696" y="1087512"/>
+            <a:ext cx="2649523" cy="501947"/>
+          </a:xfrm>
+          <a:prstGeom prst="rect">
+            <a:avLst/>
+          </a:prstGeom>
+          <a:noFill/>
+        </p:spPr>
+        <p:txBody>
+          <a:bodyPr vert="horz" lIns="0" tIns="91440" rIns="146304" bIns="91440" rtlCol="0" anchor="t" anchorCtr="0">
+            <a:normAutofit/>
+          </a:bodyPr>
+          <a:lstStyle>
+            <a:lvl1pPr algn="l" defTabSz="914400" rtl="0" eaLnBrk="1" latinLnBrk="0" hangingPunct="1">
+              <a:lnSpc>
+                <a:spcPct val="90000"/>
+              </a:lnSpc>
+              <a:spcBef>
+                <a:spcPct val="0"/>
+              </a:spcBef>
+              <a:buNone/>
+              <a:defRPr sz="5294" kern="1200" spc="-147" baseline="0">
+                <a:solidFill>
+                  <a:schemeClr val="tx1"/>
+                </a:solidFill>
+                <a:latin typeface="+mj-lt"/>
+                <a:ea typeface="+mj-ea"/>
+                <a:cs typeface="+mj-cs"/>
+              </a:defRPr>
+            </a:lvl1pPr>
+          </a:lstStyle>
+          <a:p>
+            <a:r>
+              <a:rPr lang="en-US" sz="2000" dirty="0">
+                <a:solidFill>
+                  <a:schemeClr val="tx1">
+                    <a:lumMod val="75000"/>
+                    <a:lumOff val="25000"/>
+                  </a:schemeClr>
+                </a:solidFill>
+                <a:latin typeface="+mn-lt"/>
+              </a:rPr>
+              <a:t>Letterkenny,  Ireland</a:t>
             </a:r>
           </a:p>
         </p:txBody>
@@ -4928,7 +4996,7 @@
                   <a:srgbClr val="0070C0"/>
                 </a:solidFill>
               </a:rPr>
-              <a:t>Swags, T-Shirts</a:t>
+              <a:t>Event, Swags, T-Shirts</a:t>
             </a:r>
           </a:p>
         </p:txBody>
@@ -5025,927 +5093,73 @@
           </a:extLst>
         </p:spPr>
       </p:pic>
+      <p:sp>
+        <p:nvSpPr>
+          <p:cNvPr id="16" name="Title 1">
+            <a:extLst>
+              <a:ext uri="{FF2B5EF4-FFF2-40B4-BE49-F238E27FC236}">
+                <a16:creationId xmlns:a16="http://schemas.microsoft.com/office/drawing/2014/main" id="{013859A8-9648-4ED4-A286-AA2192436450}"/>
+              </a:ext>
+            </a:extLst>
+          </p:cNvPr>
+          <p:cNvSpPr txBox="1">
+            <a:spLocks/>
+          </p:cNvSpPr>
+          <p:nvPr/>
+        </p:nvSpPr>
+        <p:spPr>
+          <a:xfrm>
+            <a:off x="3686790" y="1008658"/>
+            <a:ext cx="2649523" cy="501947"/>
+          </a:xfrm>
+          <a:prstGeom prst="rect">
+            <a:avLst/>
+          </a:prstGeom>
+          <a:noFill/>
+        </p:spPr>
+        <p:txBody>
+          <a:bodyPr vert="horz" lIns="0" tIns="91440" rIns="146304" bIns="91440" rtlCol="0" anchor="t" anchorCtr="0">
+            <a:normAutofit lnSpcReduction="10000"/>
+          </a:bodyPr>
+          <a:lstStyle>
+            <a:lvl1pPr algn="l" defTabSz="914400" rtl="0" eaLnBrk="1" latinLnBrk="0" hangingPunct="1">
+              <a:lnSpc>
+                <a:spcPct val="90000"/>
+              </a:lnSpc>
+              <a:spcBef>
+                <a:spcPct val="0"/>
+              </a:spcBef>
+              <a:buNone/>
+              <a:defRPr sz="5294" kern="1200" spc="-147" baseline="0">
+                <a:solidFill>
+                  <a:schemeClr val="tx1"/>
+                </a:solidFill>
+                <a:latin typeface="+mj-lt"/>
+                <a:ea typeface="+mj-ea"/>
+                <a:cs typeface="+mj-cs"/>
+              </a:defRPr>
+            </a:lvl1pPr>
+          </a:lstStyle>
+          <a:p>
+            <a:r>
+              <a:rPr lang="en-US" sz="2400" dirty="0">
+                <a:solidFill>
+                  <a:schemeClr val="tx1">
+                    <a:lumMod val="75000"/>
+                    <a:lumOff val="25000"/>
+                  </a:schemeClr>
+                </a:solidFill>
+                <a:latin typeface="+mn-lt"/>
+              </a:rPr>
+              <a:t>Letterkenny, Ireland</a:t>
+            </a:r>
+          </a:p>
+        </p:txBody>
+      </p:sp>
     </p:spTree>
     <p:extLst>
       <p:ext uri="{BB962C8B-B14F-4D97-AF65-F5344CB8AC3E}">
         <p14:creationId xmlns:p14="http://schemas.microsoft.com/office/powerpoint/2010/main" val="1789037511"/>
-      </p:ext>
-    </p:extLst>
-  </p:cSld>
-  <p:clrMapOvr>
-    <a:masterClrMapping/>
-  </p:clrMapOvr>
-</p:sld>
-</file>
-
-<file path=ppt/slides/slide11.xml><?xml version="1.0" encoding="utf-8"?>
-<p:sld xmlns:a="http://schemas.openxmlformats.org/drawingml/2006/main" xmlns:r="http://schemas.openxmlformats.org/officeDocument/2006/relationships" xmlns:p="http://schemas.openxmlformats.org/presentationml/2006/main" show="0">
-  <p:cSld>
-    <p:spTree>
-      <p:nvGrpSpPr>
-        <p:cNvPr id="1" name=""/>
-        <p:cNvGrpSpPr/>
-        <p:nvPr/>
-      </p:nvGrpSpPr>
-      <p:grpSpPr>
-        <a:xfrm>
-          <a:off x="0" y="0"/>
-          <a:ext cx="0" cy="0"/>
-          <a:chOff x="0" y="0"/>
-          <a:chExt cx="0" cy="0"/>
-        </a:xfrm>
-      </p:grpSpPr>
-      <p:pic>
-        <p:nvPicPr>
-          <p:cNvPr id="2" name="Picture 1" descr="https://pbs.twimg.com/media/Dp0jSeAWkAAq1ET.jpg:large">
-            <a:extLst>
-              <a:ext uri="{FF2B5EF4-FFF2-40B4-BE49-F238E27FC236}">
-                <a16:creationId xmlns:a16="http://schemas.microsoft.com/office/drawing/2014/main" id="{DC9B158C-6AE1-41F9-98DE-1696B73B6138}"/>
-              </a:ext>
-            </a:extLst>
-          </p:cNvPr>
-          <p:cNvPicPr/>
-          <p:nvPr/>
-        </p:nvPicPr>
-        <p:blipFill>
-          <a:blip r:embed="rId2">
-            <a:extLst>
-              <a:ext uri="{28A0092B-C50C-407E-A947-70E740481C1C}">
-                <a14:useLocalDpi xmlns:a14="http://schemas.microsoft.com/office/drawing/2010/main" val="0"/>
-              </a:ext>
-            </a:extLst>
-          </a:blip>
-          <a:srcRect/>
-          <a:stretch>
-            <a:fillRect/>
-          </a:stretch>
-        </p:blipFill>
-        <p:spPr bwMode="auto">
-          <a:xfrm>
-            <a:off x="2179874" y="1106249"/>
-            <a:ext cx="7026910" cy="4377055"/>
-          </a:xfrm>
-          <a:prstGeom prst="rect">
-            <a:avLst/>
-          </a:prstGeom>
-          <a:noFill/>
-          <a:ln>
-            <a:noFill/>
-          </a:ln>
-        </p:spPr>
-      </p:pic>
-    </p:spTree>
-    <p:extLst>
-      <p:ext uri="{BB962C8B-B14F-4D97-AF65-F5344CB8AC3E}">
-        <p14:creationId xmlns:p14="http://schemas.microsoft.com/office/powerpoint/2010/main" val="656894665"/>
-      </p:ext>
-    </p:extLst>
-  </p:cSld>
-  <p:clrMapOvr>
-    <a:masterClrMapping/>
-  </p:clrMapOvr>
-</p:sld>
-</file>
-
-<file path=ppt/slides/slide12.xml><?xml version="1.0" encoding="utf-8"?>
-<p:sld xmlns:a="http://schemas.openxmlformats.org/drawingml/2006/main" xmlns:r="http://schemas.openxmlformats.org/officeDocument/2006/relationships" xmlns:p="http://schemas.openxmlformats.org/presentationml/2006/main" show="0">
-  <p:cSld>
-    <p:spTree>
-      <p:nvGrpSpPr>
-        <p:cNvPr id="1" name=""/>
-        <p:cNvGrpSpPr/>
-        <p:nvPr/>
-      </p:nvGrpSpPr>
-      <p:grpSpPr>
-        <a:xfrm>
-          <a:off x="0" y="0"/>
-          <a:ext cx="0" cy="0"/>
-          <a:chOff x="0" y="0"/>
-          <a:chExt cx="0" cy="0"/>
-        </a:xfrm>
-      </p:grpSpPr>
-      <p:sp>
-        <p:nvSpPr>
-          <p:cNvPr id="2" name="Rectangle 1">
-            <a:extLst>
-              <a:ext uri="{FF2B5EF4-FFF2-40B4-BE49-F238E27FC236}">
-                <a16:creationId xmlns:a16="http://schemas.microsoft.com/office/drawing/2014/main" id="{E03C8270-DADD-4F75-9CEC-A66E6767EDAA}"/>
-              </a:ext>
-            </a:extLst>
-          </p:cNvPr>
-          <p:cNvSpPr/>
-          <p:nvPr/>
-        </p:nvSpPr>
-        <p:spPr>
-          <a:xfrm>
-            <a:off x="1912775" y="1187423"/>
-            <a:ext cx="6723884" cy="3607265"/>
-          </a:xfrm>
-          <a:prstGeom prst="rect">
-            <a:avLst/>
-          </a:prstGeom>
-          <a:solidFill>
-            <a:schemeClr val="bg1"/>
-          </a:solidFill>
-          <a:ln w="3175">
-            <a:solidFill>
-              <a:schemeClr val="bg2"/>
-            </a:solidFill>
-          </a:ln>
-        </p:spPr>
-        <p:style>
-          <a:lnRef idx="2">
-            <a:schemeClr val="accent1">
-              <a:shade val="50000"/>
-            </a:schemeClr>
-          </a:lnRef>
-          <a:fillRef idx="1">
-            <a:schemeClr val="accent1"/>
-          </a:fillRef>
-          <a:effectRef idx="0">
-            <a:schemeClr val="accent1"/>
-          </a:effectRef>
-          <a:fontRef idx="minor">
-            <a:schemeClr val="lt1"/>
-          </a:fontRef>
-        </p:style>
-        <p:txBody>
-          <a:bodyPr rtlCol="0" anchor="ctr"/>
-          <a:lstStyle/>
-          <a:p>
-            <a:pPr algn="ctr"/>
-            <a:endParaRPr lang="en-IN"/>
-          </a:p>
-        </p:txBody>
-      </p:sp>
-      <p:pic>
-        <p:nvPicPr>
-          <p:cNvPr id="3" name="Picture 2">
-            <a:extLst>
-              <a:ext uri="{FF2B5EF4-FFF2-40B4-BE49-F238E27FC236}">
-                <a16:creationId xmlns:a16="http://schemas.microsoft.com/office/drawing/2014/main" id="{FBA9829F-FBDE-4FB3-892A-4ADC07FA7EFC}"/>
-              </a:ext>
-            </a:extLst>
-          </p:cNvPr>
-          <p:cNvPicPr>
-            <a:picLocks noChangeAspect="1"/>
-          </p:cNvPicPr>
-          <p:nvPr/>
-        </p:nvPicPr>
-        <p:blipFill>
-          <a:blip r:embed="rId2">
-            <a:extLst>
-              <a:ext uri="{28A0092B-C50C-407E-A947-70E740481C1C}">
-                <a14:useLocalDpi xmlns:a14="http://schemas.microsoft.com/office/drawing/2010/main" val="0"/>
-              </a:ext>
-            </a:extLst>
-          </a:blip>
-          <a:stretch>
-            <a:fillRect/>
-          </a:stretch>
-        </p:blipFill>
-        <p:spPr>
-          <a:xfrm>
-            <a:off x="3131039" y="2042304"/>
-            <a:ext cx="4953000" cy="1333500"/>
-          </a:xfrm>
-          <a:prstGeom prst="rect">
-            <a:avLst/>
-          </a:prstGeom>
-        </p:spPr>
-      </p:pic>
-      <p:sp>
-        <p:nvSpPr>
-          <p:cNvPr id="4" name="TextBox 3">
-            <a:extLst>
-              <a:ext uri="{FF2B5EF4-FFF2-40B4-BE49-F238E27FC236}">
-                <a16:creationId xmlns:a16="http://schemas.microsoft.com/office/drawing/2014/main" id="{5666BFDE-3CD0-4208-BC48-1F27E7871FF8}"/>
-              </a:ext>
-            </a:extLst>
-          </p:cNvPr>
-          <p:cNvSpPr txBox="1"/>
-          <p:nvPr/>
-        </p:nvSpPr>
-        <p:spPr>
-          <a:xfrm>
-            <a:off x="4021314" y="3417693"/>
-            <a:ext cx="1094467" cy="276999"/>
-          </a:xfrm>
-          <a:prstGeom prst="rect">
-            <a:avLst/>
-          </a:prstGeom>
-          <a:noFill/>
-        </p:spPr>
-        <p:txBody>
-          <a:bodyPr wrap="square" rtlCol="0">
-            <a:spAutoFit/>
-          </a:bodyPr>
-          <a:lstStyle/>
-          <a:p>
-            <a:r>
-              <a:rPr lang="en-IN" sz="1200" dirty="0">
-                <a:ln w="0"/>
-                <a:solidFill>
-                  <a:schemeClr val="tx2"/>
-                </a:solidFill>
-                <a:effectLst>
-                  <a:outerShdw blurRad="38100" dist="19050" dir="2700000" algn="tl" rotWithShape="0">
-                    <a:schemeClr val="dk1">
-                      <a:alpha val="40000"/>
-                    </a:schemeClr>
-                  </a:outerShdw>
-                </a:effectLst>
-                <a:latin typeface="MV Boli" panose="02000500030200090000" pitchFamily="2" charset="0"/>
-                <a:cs typeface="MV Boli" panose="02000500030200090000" pitchFamily="2" charset="0"/>
-              </a:rPr>
-              <a:t>Hosted by</a:t>
-            </a:r>
-          </a:p>
-        </p:txBody>
-      </p:sp>
-      <p:sp>
-        <p:nvSpPr>
-          <p:cNvPr id="5" name="Rectangle 4">
-            <a:extLst>
-              <a:ext uri="{FF2B5EF4-FFF2-40B4-BE49-F238E27FC236}">
-                <a16:creationId xmlns:a16="http://schemas.microsoft.com/office/drawing/2014/main" id="{618525A4-EEB4-433C-A8EB-875EC42259E5}"/>
-              </a:ext>
-            </a:extLst>
-          </p:cNvPr>
-          <p:cNvSpPr/>
-          <p:nvPr/>
-        </p:nvSpPr>
-        <p:spPr>
-          <a:xfrm>
-            <a:off x="4810796" y="3356149"/>
-            <a:ext cx="3175870" cy="369332"/>
-          </a:xfrm>
-          <a:prstGeom prst="rect">
-            <a:avLst/>
-          </a:prstGeom>
-          <a:noFill/>
-        </p:spPr>
-        <p:txBody>
-          <a:bodyPr wrap="none" lIns="91440" tIns="45720" rIns="91440" bIns="45720">
-            <a:spAutoFit/>
-          </a:bodyPr>
-          <a:lstStyle/>
-          <a:p>
-            <a:pPr algn="ctr"/>
-            <a:r>
-              <a:rPr lang="en-US" b="1" dirty="0">
-                <a:ln w="10160">
-                  <a:solidFill>
-                    <a:srgbClr val="0070C0"/>
-                  </a:solidFill>
-                  <a:prstDash val="solid"/>
-                </a:ln>
-                <a:solidFill>
-                  <a:srgbClr val="0070C0"/>
-                </a:solidFill>
-                <a:effectLst>
-                  <a:outerShdw blurRad="38100" dist="22860" dir="5400000" algn="tl" rotWithShape="0">
-                    <a:srgbClr val="000000">
-                      <a:alpha val="30000"/>
-                    </a:srgbClr>
-                  </a:outerShdw>
-                </a:effectLst>
-                <a:latin typeface="Ink Free" panose="03080402000500000000" pitchFamily="66" charset="0"/>
-              </a:rPr>
-              <a:t>Letterkenny Dotnet Azure UG</a:t>
-            </a:r>
-          </a:p>
-        </p:txBody>
-      </p:sp>
-      <p:pic>
-        <p:nvPicPr>
-          <p:cNvPr id="6" name="Picture 8" descr="Image result for azure logo 2018">
-            <a:extLst>
-              <a:ext uri="{FF2B5EF4-FFF2-40B4-BE49-F238E27FC236}">
-                <a16:creationId xmlns:a16="http://schemas.microsoft.com/office/drawing/2014/main" id="{C4A31727-7DB3-497F-930E-DFFBEB1BD7C4}"/>
-              </a:ext>
-            </a:extLst>
-          </p:cNvPr>
-          <p:cNvPicPr>
-            <a:picLocks noChangeAspect="1" noChangeArrowheads="1"/>
-          </p:cNvPicPr>
-          <p:nvPr/>
-        </p:nvPicPr>
-        <p:blipFill>
-          <a:blip r:embed="rId3">
-            <a:extLst>
-              <a:ext uri="{28A0092B-C50C-407E-A947-70E740481C1C}">
-                <a14:useLocalDpi xmlns:a14="http://schemas.microsoft.com/office/drawing/2010/main" val="0"/>
-              </a:ext>
-            </a:extLst>
-          </a:blip>
-          <a:srcRect/>
-          <a:stretch>
-            <a:fillRect/>
-          </a:stretch>
-        </p:blipFill>
-        <p:spPr bwMode="auto">
-          <a:xfrm>
-            <a:off x="2036277" y="1279892"/>
-            <a:ext cx="1094762" cy="572013"/>
-          </a:xfrm>
-          <a:prstGeom prst="rect">
-            <a:avLst/>
-          </a:prstGeom>
-          <a:noFill/>
-          <a:extLst>
-            <a:ext uri="{909E8E84-426E-40DD-AFC4-6F175D3DCCD1}">
-              <a14:hiddenFill xmlns:a14="http://schemas.microsoft.com/office/drawing/2010/main">
-                <a:solidFill>
-                  <a:srgbClr val="FFFFFF"/>
-                </a:solidFill>
-              </a14:hiddenFill>
-            </a:ext>
-          </a:extLst>
-        </p:spPr>
-      </p:pic>
-      <p:pic>
-        <p:nvPicPr>
-          <p:cNvPr id="7" name="Picture 18" descr="Image result for sharepoint pnp">
-            <a:extLst>
-              <a:ext uri="{FF2B5EF4-FFF2-40B4-BE49-F238E27FC236}">
-                <a16:creationId xmlns:a16="http://schemas.microsoft.com/office/drawing/2014/main" id="{C8A8F575-96EE-450C-BC77-557E1A5F4D23}"/>
-              </a:ext>
-            </a:extLst>
-          </p:cNvPr>
-          <p:cNvPicPr>
-            <a:picLocks noChangeAspect="1" noChangeArrowheads="1"/>
-          </p:cNvPicPr>
-          <p:nvPr/>
-        </p:nvPicPr>
-        <p:blipFill>
-          <a:blip r:embed="rId4">
-            <a:extLst>
-              <a:ext uri="{28A0092B-C50C-407E-A947-70E740481C1C}">
-                <a14:useLocalDpi xmlns:a14="http://schemas.microsoft.com/office/drawing/2010/main" val="0"/>
-              </a:ext>
-            </a:extLst>
-          </a:blip>
-          <a:srcRect/>
-          <a:stretch>
-            <a:fillRect/>
-          </a:stretch>
-        </p:blipFill>
-        <p:spPr bwMode="auto">
-          <a:xfrm>
-            <a:off x="6856627" y="1303909"/>
-            <a:ext cx="1175171" cy="427651"/>
-          </a:xfrm>
-          <a:prstGeom prst="rect">
-            <a:avLst/>
-          </a:prstGeom>
-          <a:noFill/>
-          <a:extLst>
-            <a:ext uri="{909E8E84-426E-40DD-AFC4-6F175D3DCCD1}">
-              <a14:hiddenFill xmlns:a14="http://schemas.microsoft.com/office/drawing/2010/main">
-                <a:solidFill>
-                  <a:srgbClr val="FFFFFF"/>
-                </a:solidFill>
-              </a14:hiddenFill>
-            </a:ext>
-          </a:extLst>
-        </p:spPr>
-      </p:pic>
-      <p:pic>
-        <p:nvPicPr>
-          <p:cNvPr id="8" name="Picture 20" descr="Image result for github logo">
-            <a:extLst>
-              <a:ext uri="{FF2B5EF4-FFF2-40B4-BE49-F238E27FC236}">
-                <a16:creationId xmlns:a16="http://schemas.microsoft.com/office/drawing/2014/main" id="{8799C5B4-C113-4EEE-A7C3-5B64BB0F7FFC}"/>
-              </a:ext>
-            </a:extLst>
-          </p:cNvPr>
-          <p:cNvPicPr>
-            <a:picLocks noChangeAspect="1" noChangeArrowheads="1"/>
-          </p:cNvPicPr>
-          <p:nvPr/>
-        </p:nvPicPr>
-        <p:blipFill>
-          <a:blip r:embed="rId5">
-            <a:extLst>
-              <a:ext uri="{28A0092B-C50C-407E-A947-70E740481C1C}">
-                <a14:useLocalDpi xmlns:a14="http://schemas.microsoft.com/office/drawing/2010/main" val="0"/>
-              </a:ext>
-            </a:extLst>
-          </a:blip>
-          <a:srcRect/>
-          <a:stretch>
-            <a:fillRect/>
-          </a:stretch>
-        </p:blipFill>
-        <p:spPr bwMode="auto">
-          <a:xfrm>
-            <a:off x="7986512" y="1279892"/>
-            <a:ext cx="650147" cy="540435"/>
-          </a:xfrm>
-          <a:prstGeom prst="rect">
-            <a:avLst/>
-          </a:prstGeom>
-          <a:noFill/>
-          <a:extLst>
-            <a:ext uri="{909E8E84-426E-40DD-AFC4-6F175D3DCCD1}">
-              <a14:hiddenFill xmlns:a14="http://schemas.microsoft.com/office/drawing/2010/main">
-                <a:solidFill>
-                  <a:srgbClr val="FFFFFF"/>
-                </a:solidFill>
-              </a14:hiddenFill>
-            </a:ext>
-          </a:extLst>
-        </p:spPr>
-      </p:pic>
-      <p:pic>
-        <p:nvPicPr>
-          <p:cNvPr id="9" name="Picture 8">
-            <a:extLst>
-              <a:ext uri="{FF2B5EF4-FFF2-40B4-BE49-F238E27FC236}">
-                <a16:creationId xmlns:a16="http://schemas.microsoft.com/office/drawing/2014/main" id="{4452DCEF-DF61-4AED-9961-5779E7838B5C}"/>
-              </a:ext>
-            </a:extLst>
-          </p:cNvPr>
-          <p:cNvPicPr>
-            <a:picLocks noChangeAspect="1"/>
-          </p:cNvPicPr>
-          <p:nvPr/>
-        </p:nvPicPr>
-        <p:blipFill>
-          <a:blip r:embed="rId6"/>
-          <a:stretch>
-            <a:fillRect/>
-          </a:stretch>
-        </p:blipFill>
-        <p:spPr>
-          <a:xfrm>
-            <a:off x="5763222" y="1346086"/>
-            <a:ext cx="1093405" cy="451246"/>
-          </a:xfrm>
-          <a:prstGeom prst="rect">
-            <a:avLst/>
-          </a:prstGeom>
-        </p:spPr>
-      </p:pic>
-      <p:pic>
-        <p:nvPicPr>
-          <p:cNvPr id="10" name="Picture 9">
-            <a:extLst>
-              <a:ext uri="{FF2B5EF4-FFF2-40B4-BE49-F238E27FC236}">
-                <a16:creationId xmlns:a16="http://schemas.microsoft.com/office/drawing/2014/main" id="{5AE6B956-6D0A-4F49-BFB4-E309F9DC1B2D}"/>
-              </a:ext>
-            </a:extLst>
-          </p:cNvPr>
-          <p:cNvPicPr>
-            <a:picLocks noChangeAspect="1"/>
-          </p:cNvPicPr>
-          <p:nvPr/>
-        </p:nvPicPr>
-        <p:blipFill>
-          <a:blip r:embed="rId7"/>
-          <a:stretch>
-            <a:fillRect/>
-          </a:stretch>
-        </p:blipFill>
-        <p:spPr>
-          <a:xfrm>
-            <a:off x="2055361" y="2110301"/>
-            <a:ext cx="664460" cy="1333501"/>
-          </a:xfrm>
-          <a:prstGeom prst="rect">
-            <a:avLst/>
-          </a:prstGeom>
-        </p:spPr>
-      </p:pic>
-      <p:pic>
-        <p:nvPicPr>
-          <p:cNvPr id="11" name="Picture 2" descr="Office Development">
-            <a:extLst>
-              <a:ext uri="{FF2B5EF4-FFF2-40B4-BE49-F238E27FC236}">
-                <a16:creationId xmlns:a16="http://schemas.microsoft.com/office/drawing/2014/main" id="{78A816D9-80FF-453F-BCB6-CD408B496DFF}"/>
-              </a:ext>
-            </a:extLst>
-          </p:cNvPr>
-          <p:cNvPicPr>
-            <a:picLocks noChangeAspect="1" noChangeArrowheads="1"/>
-          </p:cNvPicPr>
-          <p:nvPr/>
-        </p:nvPicPr>
-        <p:blipFill>
-          <a:blip r:embed="rId8">
-            <a:extLst>
-              <a:ext uri="{28A0092B-C50C-407E-A947-70E740481C1C}">
-                <a14:useLocalDpi xmlns:a14="http://schemas.microsoft.com/office/drawing/2010/main" val="0"/>
-              </a:ext>
-            </a:extLst>
-          </a:blip>
-          <a:srcRect/>
-          <a:stretch>
-            <a:fillRect/>
-          </a:stretch>
-        </p:blipFill>
-        <p:spPr bwMode="auto">
-          <a:xfrm>
-            <a:off x="4776171" y="1346086"/>
-            <a:ext cx="957886" cy="386470"/>
-          </a:xfrm>
-          <a:prstGeom prst="rect">
-            <a:avLst/>
-          </a:prstGeom>
-          <a:noFill/>
-          <a:extLst>
-            <a:ext uri="{909E8E84-426E-40DD-AFC4-6F175D3DCCD1}">
-              <a14:hiddenFill xmlns:a14="http://schemas.microsoft.com/office/drawing/2010/main">
-                <a:solidFill>
-                  <a:srgbClr val="FFFFFF"/>
-                </a:solidFill>
-              </a14:hiddenFill>
-            </a:ext>
-          </a:extLst>
-        </p:spPr>
-      </p:pic>
-      <p:sp>
-        <p:nvSpPr>
-          <p:cNvPr id="12" name="TextBox 11">
-            <a:extLst>
-              <a:ext uri="{FF2B5EF4-FFF2-40B4-BE49-F238E27FC236}">
-                <a16:creationId xmlns:a16="http://schemas.microsoft.com/office/drawing/2014/main" id="{B2AA17B3-D2F5-492F-8971-BA27F3219926}"/>
-              </a:ext>
-            </a:extLst>
-          </p:cNvPr>
-          <p:cNvSpPr txBox="1"/>
-          <p:nvPr/>
-        </p:nvSpPr>
-        <p:spPr>
-          <a:xfrm>
-            <a:off x="3925570" y="3775482"/>
-            <a:ext cx="3538061" cy="923330"/>
-          </a:xfrm>
-          <a:prstGeom prst="rect">
-            <a:avLst/>
-          </a:prstGeom>
-          <a:noFill/>
-        </p:spPr>
-        <p:txBody>
-          <a:bodyPr wrap="square" rtlCol="0">
-            <a:spAutoFit/>
-          </a:bodyPr>
-          <a:lstStyle/>
-          <a:p>
-            <a:r>
-              <a:rPr lang="en-IN" sz="1200" dirty="0">
-                <a:solidFill>
-                  <a:schemeClr val="tx2"/>
-                </a:solidFill>
-                <a:latin typeface="Leelawadee" panose="020B0502040204020203" pitchFamily="34" charset="-34"/>
-                <a:cs typeface="Leelawadee" panose="020B0502040204020203" pitchFamily="34" charset="-34"/>
-              </a:rPr>
-              <a:t>Date: </a:t>
-            </a:r>
-          </a:p>
-          <a:p>
-            <a:r>
-              <a:rPr lang="en-IN" sz="1400" b="1" dirty="0">
-                <a:solidFill>
-                  <a:schemeClr val="tx2"/>
-                </a:solidFill>
-                <a:latin typeface="Leelawadee" panose="020B0502040204020203" pitchFamily="34" charset="-34"/>
-                <a:cs typeface="Leelawadee" panose="020B0502040204020203" pitchFamily="34" charset="-34"/>
-              </a:rPr>
-              <a:t>        Saturday, 10</a:t>
-            </a:r>
-            <a:r>
-              <a:rPr lang="en-IN" sz="1400" b="1" baseline="30000" dirty="0">
-                <a:solidFill>
-                  <a:schemeClr val="tx2"/>
-                </a:solidFill>
-                <a:latin typeface="Leelawadee" panose="020B0502040204020203" pitchFamily="34" charset="-34"/>
-                <a:cs typeface="Leelawadee" panose="020B0502040204020203" pitchFamily="34" charset="-34"/>
-              </a:rPr>
-              <a:t>th</a:t>
-            </a:r>
-            <a:r>
-              <a:rPr lang="en-IN" sz="1400" b="1" dirty="0">
-                <a:solidFill>
-                  <a:schemeClr val="tx2"/>
-                </a:solidFill>
-                <a:latin typeface="Leelawadee" panose="020B0502040204020203" pitchFamily="34" charset="-34"/>
-                <a:cs typeface="Leelawadee" panose="020B0502040204020203" pitchFamily="34" charset="-34"/>
-              </a:rPr>
-              <a:t> Nov   </a:t>
-            </a:r>
-          </a:p>
-          <a:p>
-            <a:r>
-              <a:rPr lang="en-IN" sz="1200" dirty="0">
-                <a:solidFill>
-                  <a:schemeClr val="tx2"/>
-                </a:solidFill>
-                <a:latin typeface="Leelawadee" panose="020B0502040204020203" pitchFamily="34" charset="-34"/>
-                <a:cs typeface="Leelawadee" panose="020B0502040204020203" pitchFamily="34" charset="-34"/>
-              </a:rPr>
-              <a:t>Time: </a:t>
-            </a:r>
-          </a:p>
-          <a:p>
-            <a:r>
-              <a:rPr lang="en-IN" sz="1400" b="1" dirty="0">
-                <a:solidFill>
-                  <a:schemeClr val="tx2"/>
-                </a:solidFill>
-                <a:latin typeface="Leelawadee" panose="020B0502040204020203" pitchFamily="34" charset="-34"/>
-                <a:cs typeface="Leelawadee" panose="020B0502040204020203" pitchFamily="34" charset="-34"/>
-              </a:rPr>
-              <a:t>         9:00AM – 5:30PM</a:t>
-            </a:r>
-          </a:p>
-        </p:txBody>
-      </p:sp>
-      <p:sp>
-        <p:nvSpPr>
-          <p:cNvPr id="13" name="TextBox 12">
-            <a:extLst>
-              <a:ext uri="{FF2B5EF4-FFF2-40B4-BE49-F238E27FC236}">
-                <a16:creationId xmlns:a16="http://schemas.microsoft.com/office/drawing/2014/main" id="{9A91D03B-1356-4E92-B47A-AEA9D1F3C228}"/>
-              </a:ext>
-            </a:extLst>
-          </p:cNvPr>
-          <p:cNvSpPr txBox="1"/>
-          <p:nvPr/>
-        </p:nvSpPr>
-        <p:spPr>
-          <a:xfrm>
-            <a:off x="7409350" y="2675208"/>
-            <a:ext cx="1076737" cy="492443"/>
-          </a:xfrm>
-          <a:prstGeom prst="rect">
-            <a:avLst/>
-          </a:prstGeom>
-          <a:noFill/>
-        </p:spPr>
-        <p:txBody>
-          <a:bodyPr wrap="square" rtlCol="0">
-            <a:spAutoFit/>
-          </a:bodyPr>
-          <a:lstStyle/>
-          <a:p>
-            <a:r>
-              <a:rPr lang="en-IN" sz="2600" b="1" dirty="0">
-                <a:solidFill>
-                  <a:schemeClr val="bg2">
-                    <a:lumMod val="25000"/>
-                  </a:schemeClr>
-                </a:solidFill>
-                <a:latin typeface="Segoe WP Semibold" panose="020B0702040204020203" pitchFamily="34" charset="0"/>
-                <a:cs typeface="Segoe UI" panose="020B0502040204020203" pitchFamily="34" charset="0"/>
-              </a:rPr>
-              <a:t>2018</a:t>
-            </a:r>
-          </a:p>
-        </p:txBody>
-      </p:sp>
-      <p:sp>
-        <p:nvSpPr>
-          <p:cNvPr id="14" name="TextBox 13">
-            <a:extLst>
-              <a:ext uri="{FF2B5EF4-FFF2-40B4-BE49-F238E27FC236}">
-                <a16:creationId xmlns:a16="http://schemas.microsoft.com/office/drawing/2014/main" id="{E3154799-BF92-4B78-943E-3FCFACE87F13}"/>
-              </a:ext>
-            </a:extLst>
-          </p:cNvPr>
-          <p:cNvSpPr txBox="1"/>
-          <p:nvPr/>
-        </p:nvSpPr>
-        <p:spPr>
-          <a:xfrm>
-            <a:off x="2295069" y="3762486"/>
-            <a:ext cx="1530324" cy="861774"/>
-          </a:xfrm>
-          <a:prstGeom prst="rect">
-            <a:avLst/>
-          </a:prstGeom>
-          <a:noFill/>
-        </p:spPr>
-        <p:txBody>
-          <a:bodyPr wrap="square" rtlCol="0">
-            <a:spAutoFit/>
-          </a:bodyPr>
-          <a:lstStyle/>
-          <a:p>
-            <a:r>
-              <a:rPr lang="en-IN" sz="1200" dirty="0">
-                <a:solidFill>
-                  <a:schemeClr val="tx2"/>
-                </a:solidFill>
-                <a:latin typeface="Leelawadee" panose="020B0502040204020203" pitchFamily="34" charset="-34"/>
-                <a:cs typeface="Leelawadee" panose="020B0502040204020203" pitchFamily="34" charset="-34"/>
-              </a:rPr>
-              <a:t>Venue: </a:t>
-            </a:r>
-          </a:p>
-          <a:p>
-            <a:r>
-              <a:rPr lang="en-IN" sz="1400" b="1" dirty="0">
-                <a:solidFill>
-                  <a:schemeClr val="tx2"/>
-                </a:solidFill>
-                <a:latin typeface="Leelawadee" panose="020B0502040204020203" pitchFamily="34" charset="-34"/>
-                <a:cs typeface="Leelawadee" panose="020B0502040204020203" pitchFamily="34" charset="-34"/>
-              </a:rPr>
-              <a:t>Letterkenny,</a:t>
-            </a:r>
-          </a:p>
-          <a:p>
-            <a:r>
-              <a:rPr lang="en-IN" sz="1100" dirty="0">
-                <a:solidFill>
-                  <a:schemeClr val="tx2"/>
-                </a:solidFill>
-                <a:latin typeface="Leelawadee" panose="020B0502040204020203" pitchFamily="34" charset="-34"/>
-                <a:cs typeface="Leelawadee" panose="020B0502040204020203" pitchFamily="34" charset="-34"/>
-              </a:rPr>
-              <a:t>Co Donegal,</a:t>
-            </a:r>
-          </a:p>
-          <a:p>
-            <a:r>
-              <a:rPr lang="en-IN" sz="1100" dirty="0">
-                <a:solidFill>
-                  <a:schemeClr val="tx2"/>
-                </a:solidFill>
-                <a:latin typeface="Leelawadee" panose="020B0502040204020203" pitchFamily="34" charset="-34"/>
-                <a:cs typeface="Leelawadee" panose="020B0502040204020203" pitchFamily="34" charset="-34"/>
-              </a:rPr>
-              <a:t>Ireland</a:t>
-            </a:r>
-          </a:p>
-        </p:txBody>
-      </p:sp>
-      <p:sp>
-        <p:nvSpPr>
-          <p:cNvPr id="15" name="TextBox 14">
-            <a:extLst>
-              <a:ext uri="{FF2B5EF4-FFF2-40B4-BE49-F238E27FC236}">
-                <a16:creationId xmlns:a16="http://schemas.microsoft.com/office/drawing/2014/main" id="{AD37A48C-507E-4966-B140-6AC3637DD4DA}"/>
-              </a:ext>
-            </a:extLst>
-          </p:cNvPr>
-          <p:cNvSpPr txBox="1"/>
-          <p:nvPr/>
-        </p:nvSpPr>
-        <p:spPr>
-          <a:xfrm>
-            <a:off x="7464768" y="3964166"/>
-            <a:ext cx="1302494" cy="276999"/>
-          </a:xfrm>
-          <a:prstGeom prst="rect">
-            <a:avLst/>
-          </a:prstGeom>
-          <a:noFill/>
-        </p:spPr>
-        <p:txBody>
-          <a:bodyPr wrap="square" rtlCol="0">
-            <a:spAutoFit/>
-          </a:bodyPr>
-          <a:lstStyle/>
-          <a:p>
-            <a:r>
-              <a:rPr lang="en-IN" sz="1200" dirty="0">
-                <a:solidFill>
-                  <a:schemeClr val="accent2">
-                    <a:lumMod val="75000"/>
-                  </a:schemeClr>
-                </a:solidFill>
-              </a:rPr>
-              <a:t>@OfficeDev</a:t>
-            </a:r>
-          </a:p>
-        </p:txBody>
-      </p:sp>
-      <p:sp>
-        <p:nvSpPr>
-          <p:cNvPr id="16" name="Rectangle 15">
-            <a:extLst>
-              <a:ext uri="{FF2B5EF4-FFF2-40B4-BE49-F238E27FC236}">
-                <a16:creationId xmlns:a16="http://schemas.microsoft.com/office/drawing/2014/main" id="{FBBE2FE6-7C95-46BB-AAE5-B6E70330EB0A}"/>
-              </a:ext>
-            </a:extLst>
-          </p:cNvPr>
-          <p:cNvSpPr/>
-          <p:nvPr/>
-        </p:nvSpPr>
-        <p:spPr>
-          <a:xfrm>
-            <a:off x="7464768" y="4164647"/>
-            <a:ext cx="1174681" cy="276999"/>
-          </a:xfrm>
-          <a:prstGeom prst="rect">
-            <a:avLst/>
-          </a:prstGeom>
-        </p:spPr>
-        <p:txBody>
-          <a:bodyPr wrap="none">
-            <a:spAutoFit/>
-          </a:bodyPr>
-          <a:lstStyle/>
-          <a:p>
-            <a:r>
-              <a:rPr lang="en-IN" sz="1200" dirty="0">
-                <a:solidFill>
-                  <a:schemeClr val="accent2">
-                    <a:lumMod val="75000"/>
-                  </a:schemeClr>
-                </a:solidFill>
-              </a:rPr>
-              <a:t>@OfficeDevPnP</a:t>
-            </a:r>
-          </a:p>
-        </p:txBody>
-      </p:sp>
-      <p:sp>
-        <p:nvSpPr>
-          <p:cNvPr id="17" name="Rectangle 16">
-            <a:extLst>
-              <a:ext uri="{FF2B5EF4-FFF2-40B4-BE49-F238E27FC236}">
-                <a16:creationId xmlns:a16="http://schemas.microsoft.com/office/drawing/2014/main" id="{2B5B9865-2D2B-4C4C-B1C7-7CF20160961C}"/>
-              </a:ext>
-            </a:extLst>
-          </p:cNvPr>
-          <p:cNvSpPr/>
-          <p:nvPr/>
-        </p:nvSpPr>
-        <p:spPr>
-          <a:xfrm>
-            <a:off x="7463631" y="4365128"/>
-            <a:ext cx="865943" cy="276999"/>
-          </a:xfrm>
-          <a:prstGeom prst="rect">
-            <a:avLst/>
-          </a:prstGeom>
-        </p:spPr>
-        <p:txBody>
-          <a:bodyPr wrap="none">
-            <a:spAutoFit/>
-          </a:bodyPr>
-          <a:lstStyle/>
-          <a:p>
-            <a:r>
-              <a:rPr lang="en-IN" sz="1200" dirty="0">
-                <a:solidFill>
-                  <a:schemeClr val="accent2">
-                    <a:lumMod val="75000"/>
-                  </a:schemeClr>
-                </a:solidFill>
-              </a:rPr>
-              <a:t>@LKMSUG</a:t>
-            </a:r>
-          </a:p>
-        </p:txBody>
-      </p:sp>
-      <p:sp>
-        <p:nvSpPr>
-          <p:cNvPr id="18" name="TextBox 17">
-            <a:extLst>
-              <a:ext uri="{FF2B5EF4-FFF2-40B4-BE49-F238E27FC236}">
-                <a16:creationId xmlns:a16="http://schemas.microsoft.com/office/drawing/2014/main" id="{8AE43064-49DB-4430-89D7-0507D56F642F}"/>
-              </a:ext>
-            </a:extLst>
-          </p:cNvPr>
-          <p:cNvSpPr txBox="1"/>
-          <p:nvPr/>
-        </p:nvSpPr>
-        <p:spPr>
-          <a:xfrm>
-            <a:off x="7170280" y="1808605"/>
-            <a:ext cx="1475023" cy="276999"/>
-          </a:xfrm>
-          <a:prstGeom prst="rect">
-            <a:avLst/>
-          </a:prstGeom>
-          <a:noFill/>
-        </p:spPr>
-        <p:txBody>
-          <a:bodyPr wrap="square" rtlCol="0">
-            <a:spAutoFit/>
-          </a:bodyPr>
-          <a:lstStyle/>
-          <a:p>
-            <a:r>
-              <a:rPr lang="en-IN" sz="1200" dirty="0">
-                <a:solidFill>
-                  <a:srgbClr val="00B0F0"/>
-                </a:solidFill>
-              </a:rPr>
-              <a:t>#o365devbootcamp</a:t>
-            </a:r>
-          </a:p>
-        </p:txBody>
-      </p:sp>
-    </p:spTree>
-    <p:extLst>
-      <p:ext uri="{BB962C8B-B14F-4D97-AF65-F5344CB8AC3E}">
-        <p14:creationId xmlns:p14="http://schemas.microsoft.com/office/powerpoint/2010/main" val="803789002"/>
       </p:ext>
     </p:extLst>
   </p:cSld>
@@ -6027,42 +5241,6 @@
           </a:p>
         </p:txBody>
       </p:sp>
-      <p:pic>
-        <p:nvPicPr>
-          <p:cNvPr id="6" name="Picture 5">
-            <a:extLst>
-              <a:ext uri="{FF2B5EF4-FFF2-40B4-BE49-F238E27FC236}">
-                <a16:creationId xmlns:a16="http://schemas.microsoft.com/office/drawing/2014/main" id="{84974FFD-941E-471D-973D-C316B2DC5257}"/>
-              </a:ext>
-            </a:extLst>
-          </p:cNvPr>
-          <p:cNvPicPr>
-            <a:picLocks noChangeAspect="1"/>
-          </p:cNvPicPr>
-          <p:nvPr/>
-        </p:nvPicPr>
-        <p:blipFill>
-          <a:blip r:embed="rId2">
-            <a:extLst>
-              <a:ext uri="{28A0092B-C50C-407E-A947-70E740481C1C}">
-                <a14:useLocalDpi xmlns:a14="http://schemas.microsoft.com/office/drawing/2010/main" val="0"/>
-              </a:ext>
-            </a:extLst>
-          </a:blip>
-          <a:stretch>
-            <a:fillRect/>
-          </a:stretch>
-        </p:blipFill>
-        <p:spPr>
-          <a:xfrm>
-            <a:off x="2436653" y="683703"/>
-            <a:ext cx="6346621" cy="1708706"/>
-          </a:xfrm>
-          <a:prstGeom prst="rect">
-            <a:avLst/>
-          </a:prstGeom>
-        </p:spPr>
-      </p:pic>
       <p:sp>
         <p:nvSpPr>
           <p:cNvPr id="4" name="Rectangle 3">
@@ -6133,7 +5311,7 @@
           <p:nvPr/>
         </p:nvPicPr>
         <p:blipFill>
-          <a:blip r:embed="rId3">
+          <a:blip r:embed="rId2">
             <a:extLst>
               <a:ext uri="{28A0092B-C50C-407E-A947-70E740481C1C}">
                 <a14:useLocalDpi xmlns:a14="http://schemas.microsoft.com/office/drawing/2010/main" val="0"/>
@@ -6180,7 +5358,7 @@
           <p:nvPr/>
         </p:nvPicPr>
         <p:blipFill>
-          <a:blip r:embed="rId4">
+          <a:blip r:embed="rId3">
             <a:extLst>
               <a:ext uri="{28A0092B-C50C-407E-A947-70E740481C1C}">
                 <a14:useLocalDpi xmlns:a14="http://schemas.microsoft.com/office/drawing/2010/main" val="0"/>
@@ -6267,7 +5445,7 @@
           <p:nvPr/>
         </p:nvPicPr>
         <p:blipFill>
-          <a:blip r:embed="rId5"/>
+          <a:blip r:embed="rId4"/>
           <a:stretch>
             <a:fillRect/>
           </a:stretch>
@@ -6297,7 +5475,7 @@
           <p:nvPr/>
         </p:nvPicPr>
         <p:blipFill>
-          <a:blip r:embed="rId6">
+          <a:blip r:embed="rId5">
             <a:extLst>
               <a:ext uri="{28A0092B-C50C-407E-A947-70E740481C1C}">
                 <a14:useLocalDpi xmlns:a14="http://schemas.microsoft.com/office/drawing/2010/main" val="0"/>
@@ -6457,7 +5635,7 @@
           <p:nvPr/>
         </p:nvPicPr>
         <p:blipFill>
-          <a:blip r:embed="rId7"/>
+          <a:blip r:embed="rId6"/>
           <a:stretch>
             <a:fillRect/>
           </a:stretch>
@@ -6623,7 +5801,7 @@
           <p:nvPr/>
         </p:nvPicPr>
         <p:blipFill>
-          <a:blip r:embed="rId8">
+          <a:blip r:embed="rId7">
             <a:extLst>
               <a:ext uri="{28A0092B-C50C-407E-A947-70E740481C1C}">
                 <a14:useLocalDpi xmlns:a14="http://schemas.microsoft.com/office/drawing/2010/main" val="0"/>
@@ -6708,7 +5886,7 @@
           <p:nvPr/>
         </p:nvPicPr>
         <p:blipFill>
-          <a:blip r:embed="rId9">
+          <a:blip r:embed="rId8">
             <a:extLst>
               <a:ext uri="{28A0092B-C50C-407E-A947-70E740481C1C}">
                 <a14:useLocalDpi xmlns:a14="http://schemas.microsoft.com/office/drawing/2010/main" val="0"/>
@@ -7032,7 +6210,7 @@
             <p:nvPr/>
           </p:nvPicPr>
           <p:blipFill>
-            <a:blip r:embed="rId10">
+            <a:blip r:embed="rId9">
               <a:extLst>
                 <a:ext uri="{28A0092B-C50C-407E-A947-70E740481C1C}">
                   <a14:useLocalDpi xmlns:a14="http://schemas.microsoft.com/office/drawing/2010/main" val="0"/>
@@ -7120,6 +6298,42 @@
           </p:txBody>
         </p:sp>
       </p:grpSp>
+      <p:pic>
+        <p:nvPicPr>
+          <p:cNvPr id="27" name="Picture 26">
+            <a:extLst>
+              <a:ext uri="{FF2B5EF4-FFF2-40B4-BE49-F238E27FC236}">
+                <a16:creationId xmlns:a16="http://schemas.microsoft.com/office/drawing/2014/main" id="{F18F770C-AC56-4FDC-A7AE-F0555C8E2325}"/>
+              </a:ext>
+            </a:extLst>
+          </p:cNvPr>
+          <p:cNvPicPr>
+            <a:picLocks noChangeAspect="1"/>
+          </p:cNvPicPr>
+          <p:nvPr/>
+        </p:nvPicPr>
+        <p:blipFill>
+          <a:blip r:embed="rId10">
+            <a:extLst>
+              <a:ext uri="{28A0092B-C50C-407E-A947-70E740481C1C}">
+                <a14:useLocalDpi xmlns:a14="http://schemas.microsoft.com/office/drawing/2010/main" val="0"/>
+              </a:ext>
+            </a:extLst>
+          </a:blip>
+          <a:stretch>
+            <a:fillRect/>
+          </a:stretch>
+        </p:blipFill>
+        <p:spPr>
+          <a:xfrm>
+            <a:off x="2324506" y="231028"/>
+            <a:ext cx="6770366" cy="1822792"/>
+          </a:xfrm>
+          <a:prstGeom prst="rect">
+            <a:avLst/>
+          </a:prstGeom>
+        </p:spPr>
+      </p:pic>
     </p:spTree>
     <p:extLst>
       <p:ext uri="{BB962C8B-B14F-4D97-AF65-F5344CB8AC3E}">
@@ -7205,42 +6419,6 @@
           </a:p>
         </p:txBody>
       </p:sp>
-      <p:pic>
-        <p:nvPicPr>
-          <p:cNvPr id="6" name="Picture 5">
-            <a:extLst>
-              <a:ext uri="{FF2B5EF4-FFF2-40B4-BE49-F238E27FC236}">
-                <a16:creationId xmlns:a16="http://schemas.microsoft.com/office/drawing/2014/main" id="{84974FFD-941E-471D-973D-C316B2DC5257}"/>
-              </a:ext>
-            </a:extLst>
-          </p:cNvPr>
-          <p:cNvPicPr>
-            <a:picLocks noChangeAspect="1"/>
-          </p:cNvPicPr>
-          <p:nvPr/>
-        </p:nvPicPr>
-        <p:blipFill>
-          <a:blip r:embed="rId2">
-            <a:extLst>
-              <a:ext uri="{28A0092B-C50C-407E-A947-70E740481C1C}">
-                <a14:useLocalDpi xmlns:a14="http://schemas.microsoft.com/office/drawing/2010/main" val="0"/>
-              </a:ext>
-            </a:extLst>
-          </a:blip>
-          <a:stretch>
-            <a:fillRect/>
-          </a:stretch>
-        </p:blipFill>
-        <p:spPr>
-          <a:xfrm>
-            <a:off x="2436653" y="683703"/>
-            <a:ext cx="6346621" cy="1708706"/>
-          </a:xfrm>
-          <a:prstGeom prst="rect">
-            <a:avLst/>
-          </a:prstGeom>
-        </p:spPr>
-      </p:pic>
       <p:sp>
         <p:nvSpPr>
           <p:cNvPr id="4" name="Rectangle 3">
@@ -7311,7 +6489,7 @@
           <p:nvPr/>
         </p:nvPicPr>
         <p:blipFill>
-          <a:blip r:embed="rId3">
+          <a:blip r:embed="rId2">
             <a:extLst>
               <a:ext uri="{28A0092B-C50C-407E-A947-70E740481C1C}">
                 <a14:useLocalDpi xmlns:a14="http://schemas.microsoft.com/office/drawing/2010/main" val="0"/>
@@ -7358,7 +6536,7 @@
           <p:nvPr/>
         </p:nvPicPr>
         <p:blipFill>
-          <a:blip r:embed="rId4">
+          <a:blip r:embed="rId3">
             <a:extLst>
               <a:ext uri="{28A0092B-C50C-407E-A947-70E740481C1C}">
                 <a14:useLocalDpi xmlns:a14="http://schemas.microsoft.com/office/drawing/2010/main" val="0"/>
@@ -7445,7 +6623,7 @@
           <p:nvPr/>
         </p:nvPicPr>
         <p:blipFill>
-          <a:blip r:embed="rId5"/>
+          <a:blip r:embed="rId4"/>
           <a:stretch>
             <a:fillRect/>
           </a:stretch>
@@ -7475,7 +6653,7 @@
           <p:nvPr/>
         </p:nvPicPr>
         <p:blipFill>
-          <a:blip r:embed="rId6">
+          <a:blip r:embed="rId5">
             <a:extLst>
               <a:ext uri="{28A0092B-C50C-407E-A947-70E740481C1C}">
                 <a14:useLocalDpi xmlns:a14="http://schemas.microsoft.com/office/drawing/2010/main" val="0"/>
@@ -7636,7 +6814,7 @@
           <p:nvPr/>
         </p:nvPicPr>
         <p:blipFill>
-          <a:blip r:embed="rId7">
+          <a:blip r:embed="rId6">
             <a:extLst>
               <a:ext uri="{28A0092B-C50C-407E-A947-70E740481C1C}">
                 <a14:useLocalDpi xmlns:a14="http://schemas.microsoft.com/office/drawing/2010/main" val="0"/>
@@ -7676,7 +6854,7 @@
           <p:nvPr/>
         </p:nvPicPr>
         <p:blipFill>
-          <a:blip r:embed="rId8"/>
+          <a:blip r:embed="rId7"/>
           <a:stretch>
             <a:fillRect/>
           </a:stretch>
@@ -7934,7 +7112,7 @@
           <p:nvPr/>
         </p:nvPicPr>
         <p:blipFill>
-          <a:blip r:embed="rId9">
+          <a:blip r:embed="rId8">
             <a:extLst>
               <a:ext uri="{28A0092B-C50C-407E-A947-70E740481C1C}">
                 <a14:useLocalDpi xmlns:a14="http://schemas.microsoft.com/office/drawing/2010/main" val="0"/>
@@ -8019,7 +7197,7 @@
           <p:nvPr/>
         </p:nvPicPr>
         <p:blipFill>
-          <a:blip r:embed="rId10">
+          <a:blip r:embed="rId9">
             <a:extLst>
               <a:ext uri="{28A0092B-C50C-407E-A947-70E740481C1C}">
                 <a14:useLocalDpi xmlns:a14="http://schemas.microsoft.com/office/drawing/2010/main" val="0"/>
@@ -8268,6 +7446,42 @@
           </a:p>
         </p:txBody>
       </p:sp>
+      <p:pic>
+        <p:nvPicPr>
+          <p:cNvPr id="27" name="Picture 26">
+            <a:extLst>
+              <a:ext uri="{FF2B5EF4-FFF2-40B4-BE49-F238E27FC236}">
+                <a16:creationId xmlns:a16="http://schemas.microsoft.com/office/drawing/2014/main" id="{DEABA97F-6B4C-419D-9960-D553A7F1C9E9}"/>
+              </a:ext>
+            </a:extLst>
+          </p:cNvPr>
+          <p:cNvPicPr>
+            <a:picLocks noChangeAspect="1"/>
+          </p:cNvPicPr>
+          <p:nvPr/>
+        </p:nvPicPr>
+        <p:blipFill>
+          <a:blip r:embed="rId10">
+            <a:extLst>
+              <a:ext uri="{28A0092B-C50C-407E-A947-70E740481C1C}">
+                <a14:useLocalDpi xmlns:a14="http://schemas.microsoft.com/office/drawing/2010/main" val="0"/>
+              </a:ext>
+            </a:extLst>
+          </a:blip>
+          <a:stretch>
+            <a:fillRect/>
+          </a:stretch>
+        </p:blipFill>
+        <p:spPr>
+          <a:xfrm>
+            <a:off x="2324506" y="231028"/>
+            <a:ext cx="6770366" cy="1822792"/>
+          </a:xfrm>
+          <a:prstGeom prst="rect">
+            <a:avLst/>
+          </a:prstGeom>
+        </p:spPr>
+      </p:pic>
     </p:spTree>
     <p:extLst>
       <p:ext uri="{BB962C8B-B14F-4D97-AF65-F5344CB8AC3E}">
@@ -8353,42 +7567,6 @@
           </a:p>
         </p:txBody>
       </p:sp>
-      <p:pic>
-        <p:nvPicPr>
-          <p:cNvPr id="6" name="Picture 5">
-            <a:extLst>
-              <a:ext uri="{FF2B5EF4-FFF2-40B4-BE49-F238E27FC236}">
-                <a16:creationId xmlns:a16="http://schemas.microsoft.com/office/drawing/2014/main" id="{84974FFD-941E-471D-973D-C316B2DC5257}"/>
-              </a:ext>
-            </a:extLst>
-          </p:cNvPr>
-          <p:cNvPicPr>
-            <a:picLocks noChangeAspect="1"/>
-          </p:cNvPicPr>
-          <p:nvPr/>
-        </p:nvPicPr>
-        <p:blipFill>
-          <a:blip r:embed="rId2">
-            <a:extLst>
-              <a:ext uri="{28A0092B-C50C-407E-A947-70E740481C1C}">
-                <a14:useLocalDpi xmlns:a14="http://schemas.microsoft.com/office/drawing/2010/main" val="0"/>
-              </a:ext>
-            </a:extLst>
-          </a:blip>
-          <a:stretch>
-            <a:fillRect/>
-          </a:stretch>
-        </p:blipFill>
-        <p:spPr>
-          <a:xfrm>
-            <a:off x="2436653" y="683703"/>
-            <a:ext cx="6346621" cy="1708706"/>
-          </a:xfrm>
-          <a:prstGeom prst="rect">
-            <a:avLst/>
-          </a:prstGeom>
-        </p:spPr>
-      </p:pic>
       <p:sp>
         <p:nvSpPr>
           <p:cNvPr id="4" name="Rectangle 3">
@@ -8459,7 +7637,7 @@
           <p:nvPr/>
         </p:nvPicPr>
         <p:blipFill>
-          <a:blip r:embed="rId3">
+          <a:blip r:embed="rId2">
             <a:extLst>
               <a:ext uri="{28A0092B-C50C-407E-A947-70E740481C1C}">
                 <a14:useLocalDpi xmlns:a14="http://schemas.microsoft.com/office/drawing/2010/main" val="0"/>
@@ -8506,7 +7684,7 @@
           <p:nvPr/>
         </p:nvPicPr>
         <p:blipFill>
-          <a:blip r:embed="rId4">
+          <a:blip r:embed="rId3">
             <a:extLst>
               <a:ext uri="{28A0092B-C50C-407E-A947-70E740481C1C}">
                 <a14:useLocalDpi xmlns:a14="http://schemas.microsoft.com/office/drawing/2010/main" val="0"/>
@@ -8573,7 +7751,7 @@
                 </a:solidFill>
                 <a:latin typeface="Verdana Pro Light" panose="020B0304030504040204" pitchFamily="34" charset="0"/>
               </a:rPr>
-              <a:t>Deep Dive in to PowerApps and Flow</a:t>
+              <a:t>Deep Dive into PowerApps and Flow</a:t>
             </a:r>
           </a:p>
         </p:txBody>
@@ -8593,7 +7771,7 @@
           <p:nvPr/>
         </p:nvPicPr>
         <p:blipFill>
-          <a:blip r:embed="rId5"/>
+          <a:blip r:embed="rId4"/>
           <a:stretch>
             <a:fillRect/>
           </a:stretch>
@@ -8623,7 +7801,7 @@
           <p:nvPr/>
         </p:nvPicPr>
         <p:blipFill>
-          <a:blip r:embed="rId6">
+          <a:blip r:embed="rId5">
             <a:extLst>
               <a:ext uri="{28A0092B-C50C-407E-A947-70E740481C1C}">
                 <a14:useLocalDpi xmlns:a14="http://schemas.microsoft.com/office/drawing/2010/main" val="0"/>
@@ -8783,7 +7961,7 @@
           <p:nvPr/>
         </p:nvPicPr>
         <p:blipFill>
-          <a:blip r:embed="rId7"/>
+          <a:blip r:embed="rId6"/>
           <a:stretch>
             <a:fillRect/>
           </a:stretch>
@@ -8988,7 +8166,7 @@
           <p:nvPr/>
         </p:nvPicPr>
         <p:blipFill>
-          <a:blip r:embed="rId8">
+          <a:blip r:embed="rId7">
             <a:extLst>
               <a:ext uri="{28A0092B-C50C-407E-A947-70E740481C1C}">
                 <a14:useLocalDpi xmlns:a14="http://schemas.microsoft.com/office/drawing/2010/main" val="0"/>
@@ -9073,7 +8251,7 @@
           <p:nvPr/>
         </p:nvPicPr>
         <p:blipFill>
-          <a:blip r:embed="rId9">
+          <a:blip r:embed="rId8">
             <a:extLst>
               <a:ext uri="{28A0092B-C50C-407E-A947-70E740481C1C}">
                 <a14:useLocalDpi xmlns:a14="http://schemas.microsoft.com/office/drawing/2010/main" val="0"/>
@@ -9228,7 +8406,7 @@
                 </a:solidFill>
                 <a:latin typeface="Verdana Pro Light" panose="020B0604020202020204" pitchFamily="34" charset="0"/>
               </a:rPr>
-              <a:t>Building an HR Job application workflow with PowerApps and Flow</a:t>
+              <a:t>Building a HR job application workflow with PowerApps and Flow</a:t>
             </a:r>
           </a:p>
         </p:txBody>
@@ -9337,7 +8515,7 @@
           <p:nvPr/>
         </p:nvPicPr>
         <p:blipFill>
-          <a:blip r:embed="rId10">
+          <a:blip r:embed="rId9">
             <a:extLst>
               <a:ext uri="{28A0092B-C50C-407E-A947-70E740481C1C}">
                 <a14:useLocalDpi xmlns:a14="http://schemas.microsoft.com/office/drawing/2010/main" val="0"/>
@@ -9373,7 +8551,7 @@
           <p:nvPr/>
         </p:nvPicPr>
         <p:blipFill>
-          <a:blip r:embed="rId11">
+          <a:blip r:embed="rId10">
             <a:extLst>
               <a:ext uri="{28A0092B-C50C-407E-A947-70E740481C1C}">
                 <a14:useLocalDpi xmlns:a14="http://schemas.microsoft.com/office/drawing/2010/main" val="0"/>
@@ -9449,6 +8627,42 @@
           </a:p>
         </p:txBody>
       </p:sp>
+      <p:pic>
+        <p:nvPicPr>
+          <p:cNvPr id="28" name="Picture 27">
+            <a:extLst>
+              <a:ext uri="{FF2B5EF4-FFF2-40B4-BE49-F238E27FC236}">
+                <a16:creationId xmlns:a16="http://schemas.microsoft.com/office/drawing/2014/main" id="{2E7B72B7-911C-49E5-854D-1A5D62471CE9}"/>
+              </a:ext>
+            </a:extLst>
+          </p:cNvPr>
+          <p:cNvPicPr>
+            <a:picLocks noChangeAspect="1"/>
+          </p:cNvPicPr>
+          <p:nvPr/>
+        </p:nvPicPr>
+        <p:blipFill>
+          <a:blip r:embed="rId11">
+            <a:extLst>
+              <a:ext uri="{28A0092B-C50C-407E-A947-70E740481C1C}">
+                <a14:useLocalDpi xmlns:a14="http://schemas.microsoft.com/office/drawing/2010/main" val="0"/>
+              </a:ext>
+            </a:extLst>
+          </a:blip>
+          <a:stretch>
+            <a:fillRect/>
+          </a:stretch>
+        </p:blipFill>
+        <p:spPr>
+          <a:xfrm>
+            <a:off x="2324506" y="231028"/>
+            <a:ext cx="6770366" cy="1822792"/>
+          </a:xfrm>
+          <a:prstGeom prst="rect">
+            <a:avLst/>
+          </a:prstGeom>
+        </p:spPr>
+      </p:pic>
     </p:spTree>
     <p:extLst>
       <p:ext uri="{BB962C8B-B14F-4D97-AF65-F5344CB8AC3E}">
@@ -9534,42 +8748,6 @@
           </a:p>
         </p:txBody>
       </p:sp>
-      <p:pic>
-        <p:nvPicPr>
-          <p:cNvPr id="6" name="Picture 5">
-            <a:extLst>
-              <a:ext uri="{FF2B5EF4-FFF2-40B4-BE49-F238E27FC236}">
-                <a16:creationId xmlns:a16="http://schemas.microsoft.com/office/drawing/2014/main" id="{84974FFD-941E-471D-973D-C316B2DC5257}"/>
-              </a:ext>
-            </a:extLst>
-          </p:cNvPr>
-          <p:cNvPicPr>
-            <a:picLocks noChangeAspect="1"/>
-          </p:cNvPicPr>
-          <p:nvPr/>
-        </p:nvPicPr>
-        <p:blipFill>
-          <a:blip r:embed="rId2">
-            <a:extLst>
-              <a:ext uri="{28A0092B-C50C-407E-A947-70E740481C1C}">
-                <a14:useLocalDpi xmlns:a14="http://schemas.microsoft.com/office/drawing/2010/main" val="0"/>
-              </a:ext>
-            </a:extLst>
-          </a:blip>
-          <a:stretch>
-            <a:fillRect/>
-          </a:stretch>
-        </p:blipFill>
-        <p:spPr>
-          <a:xfrm>
-            <a:off x="2436653" y="683703"/>
-            <a:ext cx="6346621" cy="1708706"/>
-          </a:xfrm>
-          <a:prstGeom prst="rect">
-            <a:avLst/>
-          </a:prstGeom>
-        </p:spPr>
-      </p:pic>
       <p:sp>
         <p:nvSpPr>
           <p:cNvPr id="4" name="Rectangle 3">
@@ -9640,7 +8818,7 @@
           <p:nvPr/>
         </p:nvPicPr>
         <p:blipFill>
-          <a:blip r:embed="rId3">
+          <a:blip r:embed="rId2">
             <a:extLst>
               <a:ext uri="{28A0092B-C50C-407E-A947-70E740481C1C}">
                 <a14:useLocalDpi xmlns:a14="http://schemas.microsoft.com/office/drawing/2010/main" val="0"/>
@@ -9687,7 +8865,7 @@
           <p:nvPr/>
         </p:nvPicPr>
         <p:blipFill>
-          <a:blip r:embed="rId4">
+          <a:blip r:embed="rId3">
             <a:extLst>
               <a:ext uri="{28A0092B-C50C-407E-A947-70E740481C1C}">
                 <a14:useLocalDpi xmlns:a14="http://schemas.microsoft.com/office/drawing/2010/main" val="0"/>
@@ -9774,7 +8952,7 @@
           <p:nvPr/>
         </p:nvPicPr>
         <p:blipFill>
-          <a:blip r:embed="rId5"/>
+          <a:blip r:embed="rId4"/>
           <a:stretch>
             <a:fillRect/>
           </a:stretch>
@@ -9804,7 +8982,7 @@
           <p:nvPr/>
         </p:nvPicPr>
         <p:blipFill>
-          <a:blip r:embed="rId6">
+          <a:blip r:embed="rId5">
             <a:extLst>
               <a:ext uri="{28A0092B-C50C-407E-A947-70E740481C1C}">
                 <a14:useLocalDpi xmlns:a14="http://schemas.microsoft.com/office/drawing/2010/main" val="0"/>
@@ -9964,7 +9142,7 @@
           <p:nvPr/>
         </p:nvPicPr>
         <p:blipFill>
-          <a:blip r:embed="rId7"/>
+          <a:blip r:embed="rId6"/>
           <a:stretch>
             <a:fillRect/>
           </a:stretch>
@@ -10138,7 +9316,7 @@
           <p:nvPr/>
         </p:nvPicPr>
         <p:blipFill>
-          <a:blip r:embed="rId8">
+          <a:blip r:embed="rId7">
             <a:extLst>
               <a:ext uri="{28A0092B-C50C-407E-A947-70E740481C1C}">
                 <a14:useLocalDpi xmlns:a14="http://schemas.microsoft.com/office/drawing/2010/main" val="0"/>
@@ -10223,7 +9401,7 @@
           <p:nvPr/>
         </p:nvPicPr>
         <p:blipFill>
-          <a:blip r:embed="rId9">
+          <a:blip r:embed="rId8">
             <a:extLst>
               <a:ext uri="{28A0092B-C50C-407E-A947-70E740481C1C}">
                 <a14:useLocalDpi xmlns:a14="http://schemas.microsoft.com/office/drawing/2010/main" val="0"/>
@@ -10566,7 +9744,7 @@
           <p:nvPr/>
         </p:nvPicPr>
         <p:blipFill>
-          <a:blip r:embed="rId10">
+          <a:blip r:embed="rId9">
             <a:extLst>
               <a:ext uri="{28A0092B-C50C-407E-A947-70E740481C1C}">
                 <a14:useLocalDpi xmlns:a14="http://schemas.microsoft.com/office/drawing/2010/main" val="0"/>
@@ -10596,6 +9774,42 @@
               </a14:hiddenFill>
             </a:ext>
           </a:extLst>
+        </p:spPr>
+      </p:pic>
+      <p:pic>
+        <p:nvPicPr>
+          <p:cNvPr id="27" name="Picture 26">
+            <a:extLst>
+              <a:ext uri="{FF2B5EF4-FFF2-40B4-BE49-F238E27FC236}">
+                <a16:creationId xmlns:a16="http://schemas.microsoft.com/office/drawing/2014/main" id="{5D01C4D2-32B1-4036-92AD-ED90E632A8FC}"/>
+              </a:ext>
+            </a:extLst>
+          </p:cNvPr>
+          <p:cNvPicPr>
+            <a:picLocks noChangeAspect="1"/>
+          </p:cNvPicPr>
+          <p:nvPr/>
+        </p:nvPicPr>
+        <p:blipFill>
+          <a:blip r:embed="rId10">
+            <a:extLst>
+              <a:ext uri="{28A0092B-C50C-407E-A947-70E740481C1C}">
+                <a14:useLocalDpi xmlns:a14="http://schemas.microsoft.com/office/drawing/2010/main" val="0"/>
+              </a:ext>
+            </a:extLst>
+          </a:blip>
+          <a:stretch>
+            <a:fillRect/>
+          </a:stretch>
+        </p:blipFill>
+        <p:spPr>
+          <a:xfrm>
+            <a:off x="2324506" y="231028"/>
+            <a:ext cx="6770366" cy="1822792"/>
+          </a:xfrm>
+          <a:prstGeom prst="rect">
+            <a:avLst/>
+          </a:prstGeom>
         </p:spPr>
       </p:pic>
     </p:spTree>
@@ -10683,42 +9897,6 @@
           </a:p>
         </p:txBody>
       </p:sp>
-      <p:pic>
-        <p:nvPicPr>
-          <p:cNvPr id="6" name="Picture 5">
-            <a:extLst>
-              <a:ext uri="{FF2B5EF4-FFF2-40B4-BE49-F238E27FC236}">
-                <a16:creationId xmlns:a16="http://schemas.microsoft.com/office/drawing/2014/main" id="{84974FFD-941E-471D-973D-C316B2DC5257}"/>
-              </a:ext>
-            </a:extLst>
-          </p:cNvPr>
-          <p:cNvPicPr>
-            <a:picLocks noChangeAspect="1"/>
-          </p:cNvPicPr>
-          <p:nvPr/>
-        </p:nvPicPr>
-        <p:blipFill>
-          <a:blip r:embed="rId2">
-            <a:extLst>
-              <a:ext uri="{28A0092B-C50C-407E-A947-70E740481C1C}">
-                <a14:useLocalDpi xmlns:a14="http://schemas.microsoft.com/office/drawing/2010/main" val="0"/>
-              </a:ext>
-            </a:extLst>
-          </a:blip>
-          <a:stretch>
-            <a:fillRect/>
-          </a:stretch>
-        </p:blipFill>
-        <p:spPr>
-          <a:xfrm>
-            <a:off x="2436653" y="683703"/>
-            <a:ext cx="6346621" cy="1708706"/>
-          </a:xfrm>
-          <a:prstGeom prst="rect">
-            <a:avLst/>
-          </a:prstGeom>
-        </p:spPr>
-      </p:pic>
       <p:sp>
         <p:nvSpPr>
           <p:cNvPr id="4" name="Rectangle 3">
@@ -10789,7 +9967,7 @@
           <p:nvPr/>
         </p:nvPicPr>
         <p:blipFill>
-          <a:blip r:embed="rId3">
+          <a:blip r:embed="rId2">
             <a:extLst>
               <a:ext uri="{28A0092B-C50C-407E-A947-70E740481C1C}">
                 <a14:useLocalDpi xmlns:a14="http://schemas.microsoft.com/office/drawing/2010/main" val="0"/>
@@ -10836,7 +10014,7 @@
           <p:nvPr/>
         </p:nvPicPr>
         <p:blipFill>
-          <a:blip r:embed="rId4">
+          <a:blip r:embed="rId3">
             <a:extLst>
               <a:ext uri="{28A0092B-C50C-407E-A947-70E740481C1C}">
                 <a14:useLocalDpi xmlns:a14="http://schemas.microsoft.com/office/drawing/2010/main" val="0"/>
@@ -10934,7 +10112,7 @@
           <p:nvPr/>
         </p:nvPicPr>
         <p:blipFill>
-          <a:blip r:embed="rId5"/>
+          <a:blip r:embed="rId4"/>
           <a:stretch>
             <a:fillRect/>
           </a:stretch>
@@ -10964,7 +10142,7 @@
           <p:nvPr/>
         </p:nvPicPr>
         <p:blipFill>
-          <a:blip r:embed="rId6">
+          <a:blip r:embed="rId5">
             <a:extLst>
               <a:ext uri="{28A0092B-C50C-407E-A947-70E740481C1C}">
                 <a14:useLocalDpi xmlns:a14="http://schemas.microsoft.com/office/drawing/2010/main" val="0"/>
@@ -11124,7 +10302,7 @@
           <p:nvPr/>
         </p:nvPicPr>
         <p:blipFill>
-          <a:blip r:embed="rId7"/>
+          <a:blip r:embed="rId6"/>
           <a:stretch>
             <a:fillRect/>
           </a:stretch>
@@ -11298,7 +10476,7 @@
           <p:nvPr/>
         </p:nvPicPr>
         <p:blipFill>
-          <a:blip r:embed="rId8">
+          <a:blip r:embed="rId7">
             <a:extLst>
               <a:ext uri="{28A0092B-C50C-407E-A947-70E740481C1C}">
                 <a14:useLocalDpi xmlns:a14="http://schemas.microsoft.com/office/drawing/2010/main" val="0"/>
@@ -11383,7 +10561,7 @@
           <p:nvPr/>
         </p:nvPicPr>
         <p:blipFill>
-          <a:blip r:embed="rId9">
+          <a:blip r:embed="rId8">
             <a:extLst>
               <a:ext uri="{28A0092B-C50C-407E-A947-70E740481C1C}">
                 <a14:useLocalDpi xmlns:a14="http://schemas.microsoft.com/office/drawing/2010/main" val="0"/>
@@ -11694,7 +10872,7 @@
           <p:nvPr/>
         </p:nvPicPr>
         <p:blipFill>
-          <a:blip r:embed="rId10">
+          <a:blip r:embed="rId9">
             <a:extLst>
               <a:ext uri="{28A0092B-C50C-407E-A947-70E740481C1C}">
                 <a14:useLocalDpi xmlns:a14="http://schemas.microsoft.com/office/drawing/2010/main" val="0"/>
@@ -11724,6 +10902,42 @@
               </a14:hiddenFill>
             </a:ext>
           </a:extLst>
+        </p:spPr>
+      </p:pic>
+      <p:pic>
+        <p:nvPicPr>
+          <p:cNvPr id="27" name="Picture 26">
+            <a:extLst>
+              <a:ext uri="{FF2B5EF4-FFF2-40B4-BE49-F238E27FC236}">
+                <a16:creationId xmlns:a16="http://schemas.microsoft.com/office/drawing/2014/main" id="{7650D023-7113-4C7E-9052-5EB936E59919}"/>
+              </a:ext>
+            </a:extLst>
+          </p:cNvPr>
+          <p:cNvPicPr>
+            <a:picLocks noChangeAspect="1"/>
+          </p:cNvPicPr>
+          <p:nvPr/>
+        </p:nvPicPr>
+        <p:blipFill>
+          <a:blip r:embed="rId10">
+            <a:extLst>
+              <a:ext uri="{28A0092B-C50C-407E-A947-70E740481C1C}">
+                <a14:useLocalDpi xmlns:a14="http://schemas.microsoft.com/office/drawing/2010/main" val="0"/>
+              </a:ext>
+            </a:extLst>
+          </a:blip>
+          <a:stretch>
+            <a:fillRect/>
+          </a:stretch>
+        </p:blipFill>
+        <p:spPr>
+          <a:xfrm>
+            <a:off x="2324506" y="231028"/>
+            <a:ext cx="6770366" cy="1822792"/>
+          </a:xfrm>
+          <a:prstGeom prst="rect">
+            <a:avLst/>
+          </a:prstGeom>
         </p:spPr>
       </p:pic>
     </p:spTree>
@@ -11811,42 +11025,6 @@
           </a:p>
         </p:txBody>
       </p:sp>
-      <p:pic>
-        <p:nvPicPr>
-          <p:cNvPr id="6" name="Picture 5">
-            <a:extLst>
-              <a:ext uri="{FF2B5EF4-FFF2-40B4-BE49-F238E27FC236}">
-                <a16:creationId xmlns:a16="http://schemas.microsoft.com/office/drawing/2014/main" id="{84974FFD-941E-471D-973D-C316B2DC5257}"/>
-              </a:ext>
-            </a:extLst>
-          </p:cNvPr>
-          <p:cNvPicPr>
-            <a:picLocks noChangeAspect="1"/>
-          </p:cNvPicPr>
-          <p:nvPr/>
-        </p:nvPicPr>
-        <p:blipFill>
-          <a:blip r:embed="rId2">
-            <a:extLst>
-              <a:ext uri="{28A0092B-C50C-407E-A947-70E740481C1C}">
-                <a14:useLocalDpi xmlns:a14="http://schemas.microsoft.com/office/drawing/2010/main" val="0"/>
-              </a:ext>
-            </a:extLst>
-          </a:blip>
-          <a:stretch>
-            <a:fillRect/>
-          </a:stretch>
-        </p:blipFill>
-        <p:spPr>
-          <a:xfrm>
-            <a:off x="2436653" y="683703"/>
-            <a:ext cx="6346621" cy="1708706"/>
-          </a:xfrm>
-          <a:prstGeom prst="rect">
-            <a:avLst/>
-          </a:prstGeom>
-        </p:spPr>
-      </p:pic>
       <p:sp>
         <p:nvSpPr>
           <p:cNvPr id="4" name="Rectangle 3">
@@ -11917,7 +11095,7 @@
           <p:nvPr/>
         </p:nvPicPr>
         <p:blipFill>
-          <a:blip r:embed="rId3">
+          <a:blip r:embed="rId2">
             <a:extLst>
               <a:ext uri="{28A0092B-C50C-407E-A947-70E740481C1C}">
                 <a14:useLocalDpi xmlns:a14="http://schemas.microsoft.com/office/drawing/2010/main" val="0"/>
@@ -11964,7 +11142,7 @@
           <p:nvPr/>
         </p:nvPicPr>
         <p:blipFill>
-          <a:blip r:embed="rId4">
+          <a:blip r:embed="rId3">
             <a:extLst>
               <a:ext uri="{28A0092B-C50C-407E-A947-70E740481C1C}">
                 <a14:useLocalDpi xmlns:a14="http://schemas.microsoft.com/office/drawing/2010/main" val="0"/>
@@ -12051,7 +11229,7 @@
           <p:nvPr/>
         </p:nvPicPr>
         <p:blipFill>
-          <a:blip r:embed="rId5"/>
+          <a:blip r:embed="rId4"/>
           <a:stretch>
             <a:fillRect/>
           </a:stretch>
@@ -12081,7 +11259,7 @@
           <p:nvPr/>
         </p:nvPicPr>
         <p:blipFill>
-          <a:blip r:embed="rId6">
+          <a:blip r:embed="rId5">
             <a:extLst>
               <a:ext uri="{28A0092B-C50C-407E-A947-70E740481C1C}">
                 <a14:useLocalDpi xmlns:a14="http://schemas.microsoft.com/office/drawing/2010/main" val="0"/>
@@ -12241,7 +11419,7 @@
           <p:nvPr/>
         </p:nvPicPr>
         <p:blipFill>
-          <a:blip r:embed="rId7"/>
+          <a:blip r:embed="rId6"/>
           <a:stretch>
             <a:fillRect/>
           </a:stretch>
@@ -12415,7 +11593,7 @@
           <p:nvPr/>
         </p:nvPicPr>
         <p:blipFill>
-          <a:blip r:embed="rId8">
+          <a:blip r:embed="rId7">
             <a:extLst>
               <a:ext uri="{28A0092B-C50C-407E-A947-70E740481C1C}">
                 <a14:useLocalDpi xmlns:a14="http://schemas.microsoft.com/office/drawing/2010/main" val="0"/>
@@ -12500,7 +11678,7 @@
           <p:nvPr/>
         </p:nvPicPr>
         <p:blipFill>
-          <a:blip r:embed="rId9">
+          <a:blip r:embed="rId8">
             <a:extLst>
               <a:ext uri="{28A0092B-C50C-407E-A947-70E740481C1C}">
                 <a14:useLocalDpi xmlns:a14="http://schemas.microsoft.com/office/drawing/2010/main" val="0"/>
@@ -12810,7 +11988,7 @@
           <p:nvPr/>
         </p:nvPicPr>
         <p:blipFill>
-          <a:blip r:embed="rId10">
+          <a:blip r:embed="rId9">
             <a:extLst>
               <a:ext uri="{28A0092B-C50C-407E-A947-70E740481C1C}">
                 <a14:useLocalDpi xmlns:a14="http://schemas.microsoft.com/office/drawing/2010/main" val="0"/>
@@ -12840,6 +12018,42 @@
               </a14:hiddenFill>
             </a:ext>
           </a:extLst>
+        </p:spPr>
+      </p:pic>
+      <p:pic>
+        <p:nvPicPr>
+          <p:cNvPr id="27" name="Picture 26">
+            <a:extLst>
+              <a:ext uri="{FF2B5EF4-FFF2-40B4-BE49-F238E27FC236}">
+                <a16:creationId xmlns:a16="http://schemas.microsoft.com/office/drawing/2014/main" id="{ED4D4C70-5392-445A-9FF9-416A5CBF69A2}"/>
+              </a:ext>
+            </a:extLst>
+          </p:cNvPr>
+          <p:cNvPicPr>
+            <a:picLocks noChangeAspect="1"/>
+          </p:cNvPicPr>
+          <p:nvPr/>
+        </p:nvPicPr>
+        <p:blipFill>
+          <a:blip r:embed="rId10">
+            <a:extLst>
+              <a:ext uri="{28A0092B-C50C-407E-A947-70E740481C1C}">
+                <a14:useLocalDpi xmlns:a14="http://schemas.microsoft.com/office/drawing/2010/main" val="0"/>
+              </a:ext>
+            </a:extLst>
+          </a:blip>
+          <a:stretch>
+            <a:fillRect/>
+          </a:stretch>
+        </p:blipFill>
+        <p:spPr>
+          <a:xfrm>
+            <a:off x="2324506" y="231028"/>
+            <a:ext cx="6770366" cy="1822792"/>
+          </a:xfrm>
+          <a:prstGeom prst="rect">
+            <a:avLst/>
+          </a:prstGeom>
         </p:spPr>
       </p:pic>
     </p:spTree>
@@ -17254,6 +16468,69 @@
           </a:extLst>
         </p:spPr>
       </p:pic>
+      <p:sp>
+        <p:nvSpPr>
+          <p:cNvPr id="8" name="Title 1">
+            <a:extLst>
+              <a:ext uri="{FF2B5EF4-FFF2-40B4-BE49-F238E27FC236}">
+                <a16:creationId xmlns:a16="http://schemas.microsoft.com/office/drawing/2014/main" id="{97A23193-5C30-4E90-9F7C-83511E12F4AA}"/>
+              </a:ext>
+            </a:extLst>
+          </p:cNvPr>
+          <p:cNvSpPr txBox="1">
+            <a:spLocks/>
+          </p:cNvSpPr>
+          <p:nvPr/>
+        </p:nvSpPr>
+        <p:spPr>
+          <a:xfrm>
+            <a:off x="3686790" y="1008658"/>
+            <a:ext cx="2649523" cy="501947"/>
+          </a:xfrm>
+          <a:prstGeom prst="rect">
+            <a:avLst/>
+          </a:prstGeom>
+          <a:noFill/>
+        </p:spPr>
+        <p:txBody>
+          <a:bodyPr vert="horz" lIns="0" tIns="91440" rIns="146304" bIns="91440" rtlCol="0" anchor="t" anchorCtr="0">
+            <a:normAutofit lnSpcReduction="10000"/>
+          </a:bodyPr>
+          <a:lstStyle>
+            <a:lvl1pPr algn="l" defTabSz="914400" rtl="0" eaLnBrk="1" latinLnBrk="0" hangingPunct="1">
+              <a:lnSpc>
+                <a:spcPct val="90000"/>
+              </a:lnSpc>
+              <a:spcBef>
+                <a:spcPct val="0"/>
+              </a:spcBef>
+              <a:buNone/>
+              <a:defRPr sz="5294" kern="1200" spc="-147" baseline="0">
+                <a:solidFill>
+                  <a:schemeClr val="tx1"/>
+                </a:solidFill>
+                <a:latin typeface="+mj-lt"/>
+                <a:ea typeface="+mj-ea"/>
+                <a:cs typeface="+mj-cs"/>
+              </a:defRPr>
+            </a:lvl1pPr>
+          </a:lstStyle>
+          <a:p>
+            <a:r>
+              <a:rPr lang="en-US" sz="2400" dirty="0">
+                <a:solidFill>
+                  <a:schemeClr val="tx1">
+                    <a:lumMod val="75000"/>
+                    <a:lumOff val="25000"/>
+                  </a:schemeClr>
+                </a:solidFill>
+                <a:latin typeface="+mn-lt"/>
+              </a:rPr>
+              <a:t>Letterkenny, Ireland</a:t>
+            </a:r>
+          </a:p>
+        </p:txBody>
+      </p:sp>
     </p:spTree>
     <p:extLst>
       <p:ext uri="{BB962C8B-B14F-4D97-AF65-F5344CB8AC3E}">
